--- a/img/파워포인트 이미지.pptx
+++ b/img/파워포인트 이미지.pptx
@@ -10,6 +10,14 @@
     <p:sldId id="258" r:id="rId4"/>
     <p:sldId id="259" r:id="rId5"/>
     <p:sldId id="260" r:id="rId6"/>
+    <p:sldId id="261" r:id="rId7"/>
+    <p:sldId id="262" r:id="rId8"/>
+    <p:sldId id="263" r:id="rId9"/>
+    <p:sldId id="264" r:id="rId10"/>
+    <p:sldId id="265" r:id="rId11"/>
+    <p:sldId id="266" r:id="rId12"/>
+    <p:sldId id="267" r:id="rId13"/>
+    <p:sldId id="268" r:id="rId14"/>
   </p:sldIdLst>
   <p:sldSz cx="12192000" cy="6858000"/>
   <p:notesSz cx="6858000" cy="9144000"/>
@@ -108,6 +116,11 @@
       </a:defRPr>
     </a:lvl9pPr>
   </p:defaultTextStyle>
+  <p:extLst>
+    <p:ext uri="{EFAFB233-063F-42B5-8137-9DF3F51BA10A}">
+      <p15:sldGuideLst xmlns:p15="http://schemas.microsoft.com/office/powerpoint/2012/main"/>
+    </p:ext>
+  </p:extLst>
 </p:presentation>
 </file>
 
@@ -3675,6 +3688,126 @@
 </p:sld>
 </file>
 
+<file path=ppt/slides/slide10.xml><?xml version="1.0" encoding="utf-8"?>
+<p:sld xmlns:a="http://schemas.openxmlformats.org/drawingml/2006/main" xmlns:r="http://schemas.openxmlformats.org/officeDocument/2006/relationships" xmlns:p="http://schemas.openxmlformats.org/presentationml/2006/main">
+  <p:cSld>
+    <p:spTree>
+      <p:nvGrpSpPr>
+        <p:cNvPr id="1" name=""/>
+        <p:cNvGrpSpPr/>
+        <p:nvPr/>
+      </p:nvGrpSpPr>
+      <p:grpSpPr>
+        <a:xfrm>
+          <a:off x="0" y="0"/>
+          <a:ext cx="0" cy="0"/>
+          <a:chOff x="0" y="0"/>
+          <a:chExt cx="0" cy="0"/>
+        </a:xfrm>
+      </p:grpSpPr>
+    </p:spTree>
+    <p:extLst>
+      <p:ext uri="{BB962C8B-B14F-4D97-AF65-F5344CB8AC3E}">
+        <p14:creationId xmlns:p14="http://schemas.microsoft.com/office/powerpoint/2010/main" val="538344744"/>
+      </p:ext>
+    </p:extLst>
+  </p:cSld>
+  <p:clrMapOvr>
+    <a:masterClrMapping/>
+  </p:clrMapOvr>
+</p:sld>
+</file>
+
+<file path=ppt/slides/slide11.xml><?xml version="1.0" encoding="utf-8"?>
+<p:sld xmlns:a="http://schemas.openxmlformats.org/drawingml/2006/main" xmlns:r="http://schemas.openxmlformats.org/officeDocument/2006/relationships" xmlns:p="http://schemas.openxmlformats.org/presentationml/2006/main">
+  <p:cSld>
+    <p:spTree>
+      <p:nvGrpSpPr>
+        <p:cNvPr id="1" name=""/>
+        <p:cNvGrpSpPr/>
+        <p:nvPr/>
+      </p:nvGrpSpPr>
+      <p:grpSpPr>
+        <a:xfrm>
+          <a:off x="0" y="0"/>
+          <a:ext cx="0" cy="0"/>
+          <a:chOff x="0" y="0"/>
+          <a:chExt cx="0" cy="0"/>
+        </a:xfrm>
+      </p:grpSpPr>
+    </p:spTree>
+    <p:extLst>
+      <p:ext uri="{BB962C8B-B14F-4D97-AF65-F5344CB8AC3E}">
+        <p14:creationId xmlns:p14="http://schemas.microsoft.com/office/powerpoint/2010/main" val="1996248156"/>
+      </p:ext>
+    </p:extLst>
+  </p:cSld>
+  <p:clrMapOvr>
+    <a:masterClrMapping/>
+  </p:clrMapOvr>
+</p:sld>
+</file>
+
+<file path=ppt/slides/slide12.xml><?xml version="1.0" encoding="utf-8"?>
+<p:sld xmlns:a="http://schemas.openxmlformats.org/drawingml/2006/main" xmlns:r="http://schemas.openxmlformats.org/officeDocument/2006/relationships" xmlns:p="http://schemas.openxmlformats.org/presentationml/2006/main">
+  <p:cSld>
+    <p:spTree>
+      <p:nvGrpSpPr>
+        <p:cNvPr id="1" name=""/>
+        <p:cNvGrpSpPr/>
+        <p:nvPr/>
+      </p:nvGrpSpPr>
+      <p:grpSpPr>
+        <a:xfrm>
+          <a:off x="0" y="0"/>
+          <a:ext cx="0" cy="0"/>
+          <a:chOff x="0" y="0"/>
+          <a:chExt cx="0" cy="0"/>
+        </a:xfrm>
+      </p:grpSpPr>
+    </p:spTree>
+    <p:extLst>
+      <p:ext uri="{BB962C8B-B14F-4D97-AF65-F5344CB8AC3E}">
+        <p14:creationId xmlns:p14="http://schemas.microsoft.com/office/powerpoint/2010/main" val="4085161668"/>
+      </p:ext>
+    </p:extLst>
+  </p:cSld>
+  <p:clrMapOvr>
+    <a:masterClrMapping/>
+  </p:clrMapOvr>
+</p:sld>
+</file>
+
+<file path=ppt/slides/slide13.xml><?xml version="1.0" encoding="utf-8"?>
+<p:sld xmlns:a="http://schemas.openxmlformats.org/drawingml/2006/main" xmlns:r="http://schemas.openxmlformats.org/officeDocument/2006/relationships" xmlns:p="http://schemas.openxmlformats.org/presentationml/2006/main">
+  <p:cSld>
+    <p:spTree>
+      <p:nvGrpSpPr>
+        <p:cNvPr id="1" name=""/>
+        <p:cNvGrpSpPr/>
+        <p:nvPr/>
+      </p:nvGrpSpPr>
+      <p:grpSpPr>
+        <a:xfrm>
+          <a:off x="0" y="0"/>
+          <a:ext cx="0" cy="0"/>
+          <a:chOff x="0" y="0"/>
+          <a:chExt cx="0" cy="0"/>
+        </a:xfrm>
+      </p:grpSpPr>
+    </p:spTree>
+    <p:extLst>
+      <p:ext uri="{BB962C8B-B14F-4D97-AF65-F5344CB8AC3E}">
+        <p14:creationId xmlns:p14="http://schemas.microsoft.com/office/powerpoint/2010/main" val="658361561"/>
+      </p:ext>
+    </p:extLst>
+  </p:cSld>
+  <p:clrMapOvr>
+    <a:masterClrMapping/>
+  </p:clrMapOvr>
+</p:sld>
+</file>
+
 <file path=ppt/slides/slide2.xml><?xml version="1.0" encoding="utf-8"?>
 <p:sld xmlns:a="http://schemas.openxmlformats.org/drawingml/2006/main" xmlns:r="http://schemas.openxmlformats.org/officeDocument/2006/relationships" xmlns:p="http://schemas.openxmlformats.org/presentationml/2006/main">
   <p:cSld>
@@ -7487,6 +7620,1883 @@
           <a:chExt cx="0" cy="0"/>
         </a:xfrm>
       </p:grpSpPr>
+      <p:sp>
+        <p:nvSpPr>
+          <p:cNvPr id="5" name="직사각형 4">
+            <a:extLst>
+              <a:ext uri="{FF2B5EF4-FFF2-40B4-BE49-F238E27FC236}">
+                <a16:creationId xmlns:a16="http://schemas.microsoft.com/office/drawing/2014/main" id="{A5EB5D56-B9F9-472B-B409-C1F7D9999145}"/>
+              </a:ext>
+            </a:extLst>
+          </p:cNvPr>
+          <p:cNvSpPr/>
+          <p:nvPr/>
+        </p:nvSpPr>
+        <p:spPr>
+          <a:xfrm>
+            <a:off x="584616" y="494675"/>
+            <a:ext cx="1798820" cy="2188564"/>
+          </a:xfrm>
+          <a:prstGeom prst="rect">
+            <a:avLst/>
+          </a:prstGeom>
+          <a:ln>
+            <a:solidFill>
+              <a:schemeClr val="accent1"/>
+            </a:solidFill>
+          </a:ln>
+        </p:spPr>
+        <p:style>
+          <a:lnRef idx="2">
+            <a:schemeClr val="dk1"/>
+          </a:lnRef>
+          <a:fillRef idx="1">
+            <a:schemeClr val="lt1"/>
+          </a:fillRef>
+          <a:effectRef idx="0">
+            <a:schemeClr val="dk1"/>
+          </a:effectRef>
+          <a:fontRef idx="minor">
+            <a:schemeClr val="dk1"/>
+          </a:fontRef>
+        </p:style>
+        <p:txBody>
+          <a:bodyPr rtlCol="0" anchor="ctr"/>
+          <a:lstStyle/>
+          <a:p>
+            <a:pPr algn="just"/>
+            <a:endParaRPr lang="ko-KR" altLang="en-US" dirty="0"/>
+          </a:p>
+        </p:txBody>
+      </p:sp>
+      <p:sp>
+        <p:nvSpPr>
+          <p:cNvPr id="6" name="직사각형 5">
+            <a:extLst>
+              <a:ext uri="{FF2B5EF4-FFF2-40B4-BE49-F238E27FC236}">
+                <a16:creationId xmlns:a16="http://schemas.microsoft.com/office/drawing/2014/main" id="{BBB8AB94-A578-4F8E-B13C-DC48089EB6E7}"/>
+              </a:ext>
+            </a:extLst>
+          </p:cNvPr>
+          <p:cNvSpPr/>
+          <p:nvPr/>
+        </p:nvSpPr>
+        <p:spPr>
+          <a:xfrm>
+            <a:off x="584616" y="1573967"/>
+            <a:ext cx="899411" cy="1109272"/>
+          </a:xfrm>
+          <a:prstGeom prst="rect">
+            <a:avLst/>
+          </a:prstGeom>
+          <a:ln>
+            <a:solidFill>
+              <a:schemeClr val="accent1"/>
+            </a:solidFill>
+          </a:ln>
+        </p:spPr>
+        <p:style>
+          <a:lnRef idx="2">
+            <a:schemeClr val="dk1"/>
+          </a:lnRef>
+          <a:fillRef idx="1">
+            <a:schemeClr val="lt1"/>
+          </a:fillRef>
+          <a:effectRef idx="0">
+            <a:schemeClr val="dk1"/>
+          </a:effectRef>
+          <a:fontRef idx="minor">
+            <a:schemeClr val="dk1"/>
+          </a:fontRef>
+        </p:style>
+        <p:txBody>
+          <a:bodyPr rtlCol="0" anchor="ctr"/>
+          <a:lstStyle/>
+          <a:p>
+            <a:pPr algn="ctr"/>
+            <a:r>
+              <a:rPr lang="en-US" altLang="ko-KR" dirty="0"/>
+              <a:t>pre</a:t>
+            </a:r>
+            <a:endParaRPr lang="ko-KR" altLang="en-US" dirty="0"/>
+          </a:p>
+        </p:txBody>
+      </p:sp>
+      <p:sp>
+        <p:nvSpPr>
+          <p:cNvPr id="7" name="직사각형 6">
+            <a:extLst>
+              <a:ext uri="{FF2B5EF4-FFF2-40B4-BE49-F238E27FC236}">
+                <a16:creationId xmlns:a16="http://schemas.microsoft.com/office/drawing/2014/main" id="{7E4166D2-DA55-4FD4-A1BA-BE729FFBECE3}"/>
+              </a:ext>
+            </a:extLst>
+          </p:cNvPr>
+          <p:cNvSpPr/>
+          <p:nvPr/>
+        </p:nvSpPr>
+        <p:spPr>
+          <a:xfrm>
+            <a:off x="1484027" y="1573967"/>
+            <a:ext cx="899410" cy="1109272"/>
+          </a:xfrm>
+          <a:prstGeom prst="rect">
+            <a:avLst/>
+          </a:prstGeom>
+          <a:ln>
+            <a:solidFill>
+              <a:schemeClr val="accent1"/>
+            </a:solidFill>
+          </a:ln>
+        </p:spPr>
+        <p:style>
+          <a:lnRef idx="2">
+            <a:schemeClr val="dk1"/>
+          </a:lnRef>
+          <a:fillRef idx="1">
+            <a:schemeClr val="lt1"/>
+          </a:fillRef>
+          <a:effectRef idx="0">
+            <a:schemeClr val="dk1"/>
+          </a:effectRef>
+          <a:fontRef idx="minor">
+            <a:schemeClr val="dk1"/>
+          </a:fontRef>
+        </p:style>
+        <p:txBody>
+          <a:bodyPr rtlCol="0" anchor="ctr"/>
+          <a:lstStyle/>
+          <a:p>
+            <a:pPr algn="ctr"/>
+            <a:r>
+              <a:rPr lang="en-US" altLang="ko-KR" dirty="0"/>
+              <a:t>next</a:t>
+            </a:r>
+            <a:endParaRPr lang="ko-KR" altLang="en-US" dirty="0"/>
+          </a:p>
+        </p:txBody>
+      </p:sp>
+      <p:sp>
+        <p:nvSpPr>
+          <p:cNvPr id="8" name="직사각형 7">
+            <a:extLst>
+              <a:ext uri="{FF2B5EF4-FFF2-40B4-BE49-F238E27FC236}">
+                <a16:creationId xmlns:a16="http://schemas.microsoft.com/office/drawing/2014/main" id="{B1AB41AF-A8B3-4AA1-8C5F-B5A2A0C0B3AD}"/>
+              </a:ext>
+            </a:extLst>
+          </p:cNvPr>
+          <p:cNvSpPr/>
+          <p:nvPr/>
+        </p:nvSpPr>
+        <p:spPr>
+          <a:xfrm>
+            <a:off x="584616" y="494675"/>
+            <a:ext cx="1798820" cy="1079292"/>
+          </a:xfrm>
+          <a:prstGeom prst="rect">
+            <a:avLst/>
+          </a:prstGeom>
+          <a:ln>
+            <a:solidFill>
+              <a:schemeClr val="accent1"/>
+            </a:solidFill>
+          </a:ln>
+        </p:spPr>
+        <p:style>
+          <a:lnRef idx="2">
+            <a:schemeClr val="dk1"/>
+          </a:lnRef>
+          <a:fillRef idx="1">
+            <a:schemeClr val="lt1"/>
+          </a:fillRef>
+          <a:effectRef idx="0">
+            <a:schemeClr val="dk1"/>
+          </a:effectRef>
+          <a:fontRef idx="minor">
+            <a:schemeClr val="dk1"/>
+          </a:fontRef>
+        </p:style>
+        <p:txBody>
+          <a:bodyPr rtlCol="0" anchor="ctr"/>
+          <a:lstStyle/>
+          <a:p>
+            <a:pPr algn="ctr"/>
+            <a:r>
+              <a:rPr lang="en-US" altLang="ko-KR" dirty="0"/>
+              <a:t>“A”</a:t>
+            </a:r>
+            <a:endParaRPr lang="ko-KR" altLang="en-US" dirty="0"/>
+          </a:p>
+        </p:txBody>
+      </p:sp>
+      <p:sp>
+        <p:nvSpPr>
+          <p:cNvPr id="10" name="TextBox 9">
+            <a:extLst>
+              <a:ext uri="{FF2B5EF4-FFF2-40B4-BE49-F238E27FC236}">
+                <a16:creationId xmlns:a16="http://schemas.microsoft.com/office/drawing/2014/main" id="{0D59DAC9-6691-4CF4-A4BC-20B46FD6CF53}"/>
+              </a:ext>
+            </a:extLst>
+          </p:cNvPr>
+          <p:cNvSpPr txBox="1"/>
+          <p:nvPr/>
+        </p:nvSpPr>
+        <p:spPr>
+          <a:xfrm>
+            <a:off x="869429" y="310009"/>
+            <a:ext cx="1229194" cy="369332"/>
+          </a:xfrm>
+          <a:prstGeom prst="rect">
+            <a:avLst/>
+          </a:prstGeom>
+          <a:noFill/>
+          <a:ln>
+            <a:solidFill>
+              <a:schemeClr val="accent2"/>
+            </a:solidFill>
+          </a:ln>
+        </p:spPr>
+        <p:txBody>
+          <a:bodyPr wrap="square" rtlCol="0">
+            <a:spAutoFit/>
+          </a:bodyPr>
+          <a:lstStyle/>
+          <a:p>
+            <a:r>
+              <a:rPr lang="en-US" altLang="ko-KR" dirty="0"/>
+              <a:t>  </a:t>
+            </a:r>
+            <a:r>
+              <a:rPr lang="ko-KR" altLang="en-US" dirty="0"/>
+              <a:t>노드 </a:t>
+            </a:r>
+            <a:r>
+              <a:rPr lang="en-US" altLang="ko-KR" dirty="0"/>
+              <a:t>A</a:t>
+            </a:r>
+            <a:endParaRPr lang="ko-KR" altLang="en-US" dirty="0"/>
+          </a:p>
+        </p:txBody>
+      </p:sp>
+      <p:sp>
+        <p:nvSpPr>
+          <p:cNvPr id="11" name="직사각형 10">
+            <a:extLst>
+              <a:ext uri="{FF2B5EF4-FFF2-40B4-BE49-F238E27FC236}">
+                <a16:creationId xmlns:a16="http://schemas.microsoft.com/office/drawing/2014/main" id="{829D50C9-0E80-491B-8176-218F5E05FFB9}"/>
+              </a:ext>
+            </a:extLst>
+          </p:cNvPr>
+          <p:cNvSpPr/>
+          <p:nvPr/>
+        </p:nvSpPr>
+        <p:spPr>
+          <a:xfrm>
+            <a:off x="3480216" y="494675"/>
+            <a:ext cx="1798820" cy="2188564"/>
+          </a:xfrm>
+          <a:prstGeom prst="rect">
+            <a:avLst/>
+          </a:prstGeom>
+          <a:ln>
+            <a:solidFill>
+              <a:schemeClr val="accent1"/>
+            </a:solidFill>
+          </a:ln>
+        </p:spPr>
+        <p:style>
+          <a:lnRef idx="2">
+            <a:schemeClr val="dk1"/>
+          </a:lnRef>
+          <a:fillRef idx="1">
+            <a:schemeClr val="lt1"/>
+          </a:fillRef>
+          <a:effectRef idx="0">
+            <a:schemeClr val="dk1"/>
+          </a:effectRef>
+          <a:fontRef idx="minor">
+            <a:schemeClr val="dk1"/>
+          </a:fontRef>
+        </p:style>
+        <p:txBody>
+          <a:bodyPr rtlCol="0" anchor="ctr"/>
+          <a:lstStyle/>
+          <a:p>
+            <a:pPr algn="just"/>
+            <a:endParaRPr lang="ko-KR" altLang="en-US" dirty="0"/>
+          </a:p>
+        </p:txBody>
+      </p:sp>
+      <p:sp>
+        <p:nvSpPr>
+          <p:cNvPr id="12" name="직사각형 11">
+            <a:extLst>
+              <a:ext uri="{FF2B5EF4-FFF2-40B4-BE49-F238E27FC236}">
+                <a16:creationId xmlns:a16="http://schemas.microsoft.com/office/drawing/2014/main" id="{39A73731-A14F-4948-910D-E371C42B8324}"/>
+              </a:ext>
+            </a:extLst>
+          </p:cNvPr>
+          <p:cNvSpPr/>
+          <p:nvPr/>
+        </p:nvSpPr>
+        <p:spPr>
+          <a:xfrm>
+            <a:off x="3480216" y="1573967"/>
+            <a:ext cx="899411" cy="1109272"/>
+          </a:xfrm>
+          <a:prstGeom prst="rect">
+            <a:avLst/>
+          </a:prstGeom>
+          <a:ln>
+            <a:solidFill>
+              <a:schemeClr val="accent1"/>
+            </a:solidFill>
+          </a:ln>
+        </p:spPr>
+        <p:style>
+          <a:lnRef idx="2">
+            <a:schemeClr val="dk1"/>
+          </a:lnRef>
+          <a:fillRef idx="1">
+            <a:schemeClr val="lt1"/>
+          </a:fillRef>
+          <a:effectRef idx="0">
+            <a:schemeClr val="dk1"/>
+          </a:effectRef>
+          <a:fontRef idx="minor">
+            <a:schemeClr val="dk1"/>
+          </a:fontRef>
+        </p:style>
+        <p:txBody>
+          <a:bodyPr rtlCol="0" anchor="ctr"/>
+          <a:lstStyle/>
+          <a:p>
+            <a:pPr algn="ctr"/>
+            <a:r>
+              <a:rPr lang="en-US" altLang="ko-KR" dirty="0"/>
+              <a:t>pre</a:t>
+            </a:r>
+            <a:endParaRPr lang="ko-KR" altLang="en-US" dirty="0"/>
+          </a:p>
+        </p:txBody>
+      </p:sp>
+      <p:sp>
+        <p:nvSpPr>
+          <p:cNvPr id="13" name="직사각형 12">
+            <a:extLst>
+              <a:ext uri="{FF2B5EF4-FFF2-40B4-BE49-F238E27FC236}">
+                <a16:creationId xmlns:a16="http://schemas.microsoft.com/office/drawing/2014/main" id="{0781323E-7E6F-4482-A165-74CF57D54BEF}"/>
+              </a:ext>
+            </a:extLst>
+          </p:cNvPr>
+          <p:cNvSpPr/>
+          <p:nvPr/>
+        </p:nvSpPr>
+        <p:spPr>
+          <a:xfrm>
+            <a:off x="4379627" y="1573967"/>
+            <a:ext cx="899410" cy="1109272"/>
+          </a:xfrm>
+          <a:prstGeom prst="rect">
+            <a:avLst/>
+          </a:prstGeom>
+          <a:ln>
+            <a:solidFill>
+              <a:schemeClr val="accent1"/>
+            </a:solidFill>
+          </a:ln>
+        </p:spPr>
+        <p:style>
+          <a:lnRef idx="2">
+            <a:schemeClr val="dk1"/>
+          </a:lnRef>
+          <a:fillRef idx="1">
+            <a:schemeClr val="lt1"/>
+          </a:fillRef>
+          <a:effectRef idx="0">
+            <a:schemeClr val="dk1"/>
+          </a:effectRef>
+          <a:fontRef idx="minor">
+            <a:schemeClr val="dk1"/>
+          </a:fontRef>
+        </p:style>
+        <p:txBody>
+          <a:bodyPr rtlCol="0" anchor="ctr"/>
+          <a:lstStyle/>
+          <a:p>
+            <a:pPr algn="ctr"/>
+            <a:r>
+              <a:rPr lang="en-US" altLang="ko-KR" dirty="0"/>
+              <a:t>next</a:t>
+            </a:r>
+            <a:endParaRPr lang="ko-KR" altLang="en-US" dirty="0"/>
+          </a:p>
+        </p:txBody>
+      </p:sp>
+      <p:sp>
+        <p:nvSpPr>
+          <p:cNvPr id="14" name="직사각형 13">
+            <a:extLst>
+              <a:ext uri="{FF2B5EF4-FFF2-40B4-BE49-F238E27FC236}">
+                <a16:creationId xmlns:a16="http://schemas.microsoft.com/office/drawing/2014/main" id="{575F284A-C1B4-49F9-83DA-F9A4131EF530}"/>
+              </a:ext>
+            </a:extLst>
+          </p:cNvPr>
+          <p:cNvSpPr/>
+          <p:nvPr/>
+        </p:nvSpPr>
+        <p:spPr>
+          <a:xfrm>
+            <a:off x="3480216" y="494675"/>
+            <a:ext cx="1798820" cy="1079292"/>
+          </a:xfrm>
+          <a:prstGeom prst="rect">
+            <a:avLst/>
+          </a:prstGeom>
+          <a:ln>
+            <a:solidFill>
+              <a:schemeClr val="accent1"/>
+            </a:solidFill>
+          </a:ln>
+        </p:spPr>
+        <p:style>
+          <a:lnRef idx="2">
+            <a:schemeClr val="dk1"/>
+          </a:lnRef>
+          <a:fillRef idx="1">
+            <a:schemeClr val="lt1"/>
+          </a:fillRef>
+          <a:effectRef idx="0">
+            <a:schemeClr val="dk1"/>
+          </a:effectRef>
+          <a:fontRef idx="minor">
+            <a:schemeClr val="dk1"/>
+          </a:fontRef>
+        </p:style>
+        <p:txBody>
+          <a:bodyPr rtlCol="0" anchor="ctr"/>
+          <a:lstStyle/>
+          <a:p>
+            <a:pPr algn="ctr"/>
+            <a:r>
+              <a:rPr lang="en-US" altLang="ko-KR" dirty="0"/>
+              <a:t>“B”</a:t>
+            </a:r>
+            <a:endParaRPr lang="ko-KR" altLang="en-US" dirty="0"/>
+          </a:p>
+        </p:txBody>
+      </p:sp>
+      <p:sp>
+        <p:nvSpPr>
+          <p:cNvPr id="15" name="TextBox 14">
+            <a:extLst>
+              <a:ext uri="{FF2B5EF4-FFF2-40B4-BE49-F238E27FC236}">
+                <a16:creationId xmlns:a16="http://schemas.microsoft.com/office/drawing/2014/main" id="{DF679E58-C3EA-477F-9E50-92ECDF17BD93}"/>
+              </a:ext>
+            </a:extLst>
+          </p:cNvPr>
+          <p:cNvSpPr txBox="1"/>
+          <p:nvPr/>
+        </p:nvSpPr>
+        <p:spPr>
+          <a:xfrm>
+            <a:off x="3765029" y="310009"/>
+            <a:ext cx="1229194" cy="369332"/>
+          </a:xfrm>
+          <a:prstGeom prst="rect">
+            <a:avLst/>
+          </a:prstGeom>
+          <a:noFill/>
+          <a:ln>
+            <a:solidFill>
+              <a:schemeClr val="accent2"/>
+            </a:solidFill>
+          </a:ln>
+        </p:spPr>
+        <p:txBody>
+          <a:bodyPr wrap="square" rtlCol="0">
+            <a:spAutoFit/>
+          </a:bodyPr>
+          <a:lstStyle/>
+          <a:p>
+            <a:r>
+              <a:rPr lang="en-US" altLang="ko-KR" dirty="0"/>
+              <a:t>  </a:t>
+            </a:r>
+            <a:r>
+              <a:rPr lang="ko-KR" altLang="en-US" dirty="0"/>
+              <a:t>노드 </a:t>
+            </a:r>
+            <a:r>
+              <a:rPr lang="en-US" altLang="ko-KR" dirty="0"/>
+              <a:t>B</a:t>
+            </a:r>
+            <a:endParaRPr lang="ko-KR" altLang="en-US" dirty="0"/>
+          </a:p>
+        </p:txBody>
+      </p:sp>
+      <p:sp>
+        <p:nvSpPr>
+          <p:cNvPr id="16" name="직사각형 15">
+            <a:extLst>
+              <a:ext uri="{FF2B5EF4-FFF2-40B4-BE49-F238E27FC236}">
+                <a16:creationId xmlns:a16="http://schemas.microsoft.com/office/drawing/2014/main" id="{911B764A-361D-455A-BEF7-862044BE19F1}"/>
+              </a:ext>
+            </a:extLst>
+          </p:cNvPr>
+          <p:cNvSpPr/>
+          <p:nvPr/>
+        </p:nvSpPr>
+        <p:spPr>
+          <a:xfrm>
+            <a:off x="6654383" y="494675"/>
+            <a:ext cx="1798820" cy="2188564"/>
+          </a:xfrm>
+          <a:prstGeom prst="rect">
+            <a:avLst/>
+          </a:prstGeom>
+          <a:ln>
+            <a:solidFill>
+              <a:schemeClr val="accent1"/>
+            </a:solidFill>
+          </a:ln>
+        </p:spPr>
+        <p:style>
+          <a:lnRef idx="2">
+            <a:schemeClr val="dk1"/>
+          </a:lnRef>
+          <a:fillRef idx="1">
+            <a:schemeClr val="lt1"/>
+          </a:fillRef>
+          <a:effectRef idx="0">
+            <a:schemeClr val="dk1"/>
+          </a:effectRef>
+          <a:fontRef idx="minor">
+            <a:schemeClr val="dk1"/>
+          </a:fontRef>
+        </p:style>
+        <p:txBody>
+          <a:bodyPr rtlCol="0" anchor="ctr"/>
+          <a:lstStyle/>
+          <a:p>
+            <a:pPr algn="just"/>
+            <a:endParaRPr lang="ko-KR" altLang="en-US" dirty="0"/>
+          </a:p>
+        </p:txBody>
+      </p:sp>
+      <p:sp>
+        <p:nvSpPr>
+          <p:cNvPr id="17" name="직사각형 16">
+            <a:extLst>
+              <a:ext uri="{FF2B5EF4-FFF2-40B4-BE49-F238E27FC236}">
+                <a16:creationId xmlns:a16="http://schemas.microsoft.com/office/drawing/2014/main" id="{D18A5B88-8440-41E1-B425-0E616B29648A}"/>
+              </a:ext>
+            </a:extLst>
+          </p:cNvPr>
+          <p:cNvSpPr/>
+          <p:nvPr/>
+        </p:nvSpPr>
+        <p:spPr>
+          <a:xfrm>
+            <a:off x="6654383" y="1573967"/>
+            <a:ext cx="899411" cy="1109272"/>
+          </a:xfrm>
+          <a:prstGeom prst="rect">
+            <a:avLst/>
+          </a:prstGeom>
+          <a:ln>
+            <a:solidFill>
+              <a:schemeClr val="accent1"/>
+            </a:solidFill>
+          </a:ln>
+        </p:spPr>
+        <p:style>
+          <a:lnRef idx="2">
+            <a:schemeClr val="dk1"/>
+          </a:lnRef>
+          <a:fillRef idx="1">
+            <a:schemeClr val="lt1"/>
+          </a:fillRef>
+          <a:effectRef idx="0">
+            <a:schemeClr val="dk1"/>
+          </a:effectRef>
+          <a:fontRef idx="minor">
+            <a:schemeClr val="dk1"/>
+          </a:fontRef>
+        </p:style>
+        <p:txBody>
+          <a:bodyPr rtlCol="0" anchor="ctr"/>
+          <a:lstStyle/>
+          <a:p>
+            <a:pPr algn="ctr"/>
+            <a:r>
+              <a:rPr lang="en-US" altLang="ko-KR" dirty="0"/>
+              <a:t>pre</a:t>
+            </a:r>
+            <a:endParaRPr lang="ko-KR" altLang="en-US" dirty="0"/>
+          </a:p>
+        </p:txBody>
+      </p:sp>
+      <p:sp>
+        <p:nvSpPr>
+          <p:cNvPr id="18" name="직사각형 17">
+            <a:extLst>
+              <a:ext uri="{FF2B5EF4-FFF2-40B4-BE49-F238E27FC236}">
+                <a16:creationId xmlns:a16="http://schemas.microsoft.com/office/drawing/2014/main" id="{C3BDEC08-CB38-4A01-95B2-7F7116B6C56C}"/>
+              </a:ext>
+            </a:extLst>
+          </p:cNvPr>
+          <p:cNvSpPr/>
+          <p:nvPr/>
+        </p:nvSpPr>
+        <p:spPr>
+          <a:xfrm>
+            <a:off x="7553794" y="1573967"/>
+            <a:ext cx="899410" cy="1109272"/>
+          </a:xfrm>
+          <a:prstGeom prst="rect">
+            <a:avLst/>
+          </a:prstGeom>
+          <a:ln>
+            <a:solidFill>
+              <a:schemeClr val="accent1"/>
+            </a:solidFill>
+          </a:ln>
+        </p:spPr>
+        <p:style>
+          <a:lnRef idx="2">
+            <a:schemeClr val="dk1"/>
+          </a:lnRef>
+          <a:fillRef idx="1">
+            <a:schemeClr val="lt1"/>
+          </a:fillRef>
+          <a:effectRef idx="0">
+            <a:schemeClr val="dk1"/>
+          </a:effectRef>
+          <a:fontRef idx="minor">
+            <a:schemeClr val="dk1"/>
+          </a:fontRef>
+        </p:style>
+        <p:txBody>
+          <a:bodyPr rtlCol="0" anchor="ctr"/>
+          <a:lstStyle/>
+          <a:p>
+            <a:pPr algn="ctr"/>
+            <a:r>
+              <a:rPr lang="en-US" altLang="ko-KR" dirty="0"/>
+              <a:t>next</a:t>
+            </a:r>
+            <a:endParaRPr lang="ko-KR" altLang="en-US" dirty="0"/>
+          </a:p>
+        </p:txBody>
+      </p:sp>
+      <p:sp>
+        <p:nvSpPr>
+          <p:cNvPr id="19" name="직사각형 18">
+            <a:extLst>
+              <a:ext uri="{FF2B5EF4-FFF2-40B4-BE49-F238E27FC236}">
+                <a16:creationId xmlns:a16="http://schemas.microsoft.com/office/drawing/2014/main" id="{BAF84E47-B88E-4812-A069-2FDF0AD293FB}"/>
+              </a:ext>
+            </a:extLst>
+          </p:cNvPr>
+          <p:cNvSpPr/>
+          <p:nvPr/>
+        </p:nvSpPr>
+        <p:spPr>
+          <a:xfrm>
+            <a:off x="6654383" y="494675"/>
+            <a:ext cx="1798820" cy="1079292"/>
+          </a:xfrm>
+          <a:prstGeom prst="rect">
+            <a:avLst/>
+          </a:prstGeom>
+          <a:ln>
+            <a:solidFill>
+              <a:schemeClr val="accent1"/>
+            </a:solidFill>
+          </a:ln>
+        </p:spPr>
+        <p:style>
+          <a:lnRef idx="2">
+            <a:schemeClr val="dk1"/>
+          </a:lnRef>
+          <a:fillRef idx="1">
+            <a:schemeClr val="lt1"/>
+          </a:fillRef>
+          <a:effectRef idx="0">
+            <a:schemeClr val="dk1"/>
+          </a:effectRef>
+          <a:fontRef idx="minor">
+            <a:schemeClr val="dk1"/>
+          </a:fontRef>
+        </p:style>
+        <p:txBody>
+          <a:bodyPr rtlCol="0" anchor="ctr"/>
+          <a:lstStyle/>
+          <a:p>
+            <a:pPr algn="ctr"/>
+            <a:r>
+              <a:rPr lang="en-US" altLang="ko-KR" dirty="0"/>
+              <a:t>“D”</a:t>
+            </a:r>
+            <a:endParaRPr lang="ko-KR" altLang="en-US" dirty="0"/>
+          </a:p>
+        </p:txBody>
+      </p:sp>
+      <p:sp>
+        <p:nvSpPr>
+          <p:cNvPr id="20" name="TextBox 19">
+            <a:extLst>
+              <a:ext uri="{FF2B5EF4-FFF2-40B4-BE49-F238E27FC236}">
+                <a16:creationId xmlns:a16="http://schemas.microsoft.com/office/drawing/2014/main" id="{2E9DCBE7-20F3-4A2A-9AA5-43132E5ED8AC}"/>
+              </a:ext>
+            </a:extLst>
+          </p:cNvPr>
+          <p:cNvSpPr txBox="1"/>
+          <p:nvPr/>
+        </p:nvSpPr>
+        <p:spPr>
+          <a:xfrm>
+            <a:off x="6939196" y="310009"/>
+            <a:ext cx="1229194" cy="369332"/>
+          </a:xfrm>
+          <a:prstGeom prst="rect">
+            <a:avLst/>
+          </a:prstGeom>
+          <a:noFill/>
+          <a:ln>
+            <a:solidFill>
+              <a:schemeClr val="accent2"/>
+            </a:solidFill>
+          </a:ln>
+        </p:spPr>
+        <p:txBody>
+          <a:bodyPr wrap="square" rtlCol="0">
+            <a:spAutoFit/>
+          </a:bodyPr>
+          <a:lstStyle/>
+          <a:p>
+            <a:r>
+              <a:rPr lang="en-US" altLang="ko-KR" dirty="0"/>
+              <a:t>  </a:t>
+            </a:r>
+            <a:r>
+              <a:rPr lang="ko-KR" altLang="en-US" dirty="0"/>
+              <a:t>노드 </a:t>
+            </a:r>
+            <a:r>
+              <a:rPr lang="en-US" altLang="ko-KR" dirty="0"/>
+              <a:t>D</a:t>
+            </a:r>
+            <a:endParaRPr lang="ko-KR" altLang="en-US" dirty="0"/>
+          </a:p>
+        </p:txBody>
+      </p:sp>
+      <p:sp>
+        <p:nvSpPr>
+          <p:cNvPr id="21" name="직사각형 20">
+            <a:extLst>
+              <a:ext uri="{FF2B5EF4-FFF2-40B4-BE49-F238E27FC236}">
+                <a16:creationId xmlns:a16="http://schemas.microsoft.com/office/drawing/2014/main" id="{C2F949A2-2016-4718-9F1A-F9CFD7D6FF3B}"/>
+              </a:ext>
+            </a:extLst>
+          </p:cNvPr>
+          <p:cNvSpPr/>
+          <p:nvPr/>
+        </p:nvSpPr>
+        <p:spPr>
+          <a:xfrm>
+            <a:off x="9656164" y="494675"/>
+            <a:ext cx="1798820" cy="2188564"/>
+          </a:xfrm>
+          <a:prstGeom prst="rect">
+            <a:avLst/>
+          </a:prstGeom>
+          <a:ln>
+            <a:solidFill>
+              <a:schemeClr val="accent1"/>
+            </a:solidFill>
+          </a:ln>
+        </p:spPr>
+        <p:style>
+          <a:lnRef idx="2">
+            <a:schemeClr val="dk1"/>
+          </a:lnRef>
+          <a:fillRef idx="1">
+            <a:schemeClr val="lt1"/>
+          </a:fillRef>
+          <a:effectRef idx="0">
+            <a:schemeClr val="dk1"/>
+          </a:effectRef>
+          <a:fontRef idx="minor">
+            <a:schemeClr val="dk1"/>
+          </a:fontRef>
+        </p:style>
+        <p:txBody>
+          <a:bodyPr rtlCol="0" anchor="ctr"/>
+          <a:lstStyle/>
+          <a:p>
+            <a:pPr algn="just"/>
+            <a:endParaRPr lang="ko-KR" altLang="en-US" dirty="0"/>
+          </a:p>
+        </p:txBody>
+      </p:sp>
+      <p:sp>
+        <p:nvSpPr>
+          <p:cNvPr id="22" name="직사각형 21">
+            <a:extLst>
+              <a:ext uri="{FF2B5EF4-FFF2-40B4-BE49-F238E27FC236}">
+                <a16:creationId xmlns:a16="http://schemas.microsoft.com/office/drawing/2014/main" id="{7F9407AC-5376-4CB9-8D40-613B6AC277CE}"/>
+              </a:ext>
+            </a:extLst>
+          </p:cNvPr>
+          <p:cNvSpPr/>
+          <p:nvPr/>
+        </p:nvSpPr>
+        <p:spPr>
+          <a:xfrm>
+            <a:off x="9656164" y="1573967"/>
+            <a:ext cx="899411" cy="1109272"/>
+          </a:xfrm>
+          <a:prstGeom prst="rect">
+            <a:avLst/>
+          </a:prstGeom>
+          <a:ln>
+            <a:solidFill>
+              <a:schemeClr val="accent1"/>
+            </a:solidFill>
+          </a:ln>
+        </p:spPr>
+        <p:style>
+          <a:lnRef idx="2">
+            <a:schemeClr val="dk1"/>
+          </a:lnRef>
+          <a:fillRef idx="1">
+            <a:schemeClr val="lt1"/>
+          </a:fillRef>
+          <a:effectRef idx="0">
+            <a:schemeClr val="dk1"/>
+          </a:effectRef>
+          <a:fontRef idx="minor">
+            <a:schemeClr val="dk1"/>
+          </a:fontRef>
+        </p:style>
+        <p:txBody>
+          <a:bodyPr rtlCol="0" anchor="ctr"/>
+          <a:lstStyle/>
+          <a:p>
+            <a:pPr algn="ctr"/>
+            <a:r>
+              <a:rPr lang="en-US" altLang="ko-KR" dirty="0"/>
+              <a:t>pre</a:t>
+            </a:r>
+            <a:endParaRPr lang="ko-KR" altLang="en-US" dirty="0"/>
+          </a:p>
+        </p:txBody>
+      </p:sp>
+      <p:sp>
+        <p:nvSpPr>
+          <p:cNvPr id="23" name="직사각형 22">
+            <a:extLst>
+              <a:ext uri="{FF2B5EF4-FFF2-40B4-BE49-F238E27FC236}">
+                <a16:creationId xmlns:a16="http://schemas.microsoft.com/office/drawing/2014/main" id="{FF62F2B4-1B6A-4E97-9862-68F83B2525D3}"/>
+              </a:ext>
+            </a:extLst>
+          </p:cNvPr>
+          <p:cNvSpPr/>
+          <p:nvPr/>
+        </p:nvSpPr>
+        <p:spPr>
+          <a:xfrm>
+            <a:off x="10555575" y="1573967"/>
+            <a:ext cx="899410" cy="1109272"/>
+          </a:xfrm>
+          <a:prstGeom prst="rect">
+            <a:avLst/>
+          </a:prstGeom>
+          <a:ln>
+            <a:solidFill>
+              <a:schemeClr val="accent1"/>
+            </a:solidFill>
+          </a:ln>
+        </p:spPr>
+        <p:style>
+          <a:lnRef idx="2">
+            <a:schemeClr val="dk1"/>
+          </a:lnRef>
+          <a:fillRef idx="1">
+            <a:schemeClr val="lt1"/>
+          </a:fillRef>
+          <a:effectRef idx="0">
+            <a:schemeClr val="dk1"/>
+          </a:effectRef>
+          <a:fontRef idx="minor">
+            <a:schemeClr val="dk1"/>
+          </a:fontRef>
+        </p:style>
+        <p:txBody>
+          <a:bodyPr rtlCol="0" anchor="ctr"/>
+          <a:lstStyle/>
+          <a:p>
+            <a:pPr algn="ctr"/>
+            <a:r>
+              <a:rPr lang="en-US" altLang="ko-KR" dirty="0"/>
+              <a:t>next</a:t>
+            </a:r>
+            <a:endParaRPr lang="ko-KR" altLang="en-US" dirty="0"/>
+          </a:p>
+        </p:txBody>
+      </p:sp>
+      <p:sp>
+        <p:nvSpPr>
+          <p:cNvPr id="24" name="직사각형 23">
+            <a:extLst>
+              <a:ext uri="{FF2B5EF4-FFF2-40B4-BE49-F238E27FC236}">
+                <a16:creationId xmlns:a16="http://schemas.microsoft.com/office/drawing/2014/main" id="{CC219FEE-0148-4D70-AC3B-579FCB47690D}"/>
+              </a:ext>
+            </a:extLst>
+          </p:cNvPr>
+          <p:cNvSpPr/>
+          <p:nvPr/>
+        </p:nvSpPr>
+        <p:spPr>
+          <a:xfrm>
+            <a:off x="9656164" y="494675"/>
+            <a:ext cx="1798820" cy="1079292"/>
+          </a:xfrm>
+          <a:prstGeom prst="rect">
+            <a:avLst/>
+          </a:prstGeom>
+          <a:ln>
+            <a:solidFill>
+              <a:schemeClr val="accent1"/>
+            </a:solidFill>
+          </a:ln>
+        </p:spPr>
+        <p:style>
+          <a:lnRef idx="2">
+            <a:schemeClr val="dk1"/>
+          </a:lnRef>
+          <a:fillRef idx="1">
+            <a:schemeClr val="lt1"/>
+          </a:fillRef>
+          <a:effectRef idx="0">
+            <a:schemeClr val="dk1"/>
+          </a:effectRef>
+          <a:fontRef idx="minor">
+            <a:schemeClr val="dk1"/>
+          </a:fontRef>
+        </p:style>
+        <p:txBody>
+          <a:bodyPr rtlCol="0" anchor="ctr"/>
+          <a:lstStyle/>
+          <a:p>
+            <a:pPr algn="ctr"/>
+            <a:r>
+              <a:rPr lang="en-US" altLang="ko-KR" dirty="0"/>
+              <a:t>“E”</a:t>
+            </a:r>
+            <a:endParaRPr lang="ko-KR" altLang="en-US" dirty="0"/>
+          </a:p>
+        </p:txBody>
+      </p:sp>
+      <p:sp>
+        <p:nvSpPr>
+          <p:cNvPr id="25" name="TextBox 24">
+            <a:extLst>
+              <a:ext uri="{FF2B5EF4-FFF2-40B4-BE49-F238E27FC236}">
+                <a16:creationId xmlns:a16="http://schemas.microsoft.com/office/drawing/2014/main" id="{46A92EFC-B523-4ED4-879B-7B88584C80D9}"/>
+              </a:ext>
+            </a:extLst>
+          </p:cNvPr>
+          <p:cNvSpPr txBox="1"/>
+          <p:nvPr/>
+        </p:nvSpPr>
+        <p:spPr>
+          <a:xfrm>
+            <a:off x="9940977" y="310009"/>
+            <a:ext cx="1229194" cy="369332"/>
+          </a:xfrm>
+          <a:prstGeom prst="rect">
+            <a:avLst/>
+          </a:prstGeom>
+          <a:noFill/>
+          <a:ln>
+            <a:solidFill>
+              <a:schemeClr val="accent2"/>
+            </a:solidFill>
+          </a:ln>
+        </p:spPr>
+        <p:txBody>
+          <a:bodyPr wrap="square" rtlCol="0">
+            <a:spAutoFit/>
+          </a:bodyPr>
+          <a:lstStyle/>
+          <a:p>
+            <a:r>
+              <a:rPr lang="en-US" altLang="ko-KR" dirty="0"/>
+              <a:t>  </a:t>
+            </a:r>
+            <a:r>
+              <a:rPr lang="ko-KR" altLang="en-US" dirty="0"/>
+              <a:t>노드 </a:t>
+            </a:r>
+            <a:r>
+              <a:rPr lang="en-US" altLang="ko-KR" dirty="0"/>
+              <a:t>E</a:t>
+            </a:r>
+            <a:endParaRPr lang="ko-KR" altLang="en-US" dirty="0"/>
+          </a:p>
+        </p:txBody>
+      </p:sp>
+      <p:sp>
+        <p:nvSpPr>
+          <p:cNvPr id="26" name="직사각형 25">
+            <a:extLst>
+              <a:ext uri="{FF2B5EF4-FFF2-40B4-BE49-F238E27FC236}">
+                <a16:creationId xmlns:a16="http://schemas.microsoft.com/office/drawing/2014/main" id="{9F5E70E5-88BC-4088-B94D-31FDAD1FF24D}"/>
+              </a:ext>
+            </a:extLst>
+          </p:cNvPr>
+          <p:cNvSpPr/>
+          <p:nvPr/>
+        </p:nvSpPr>
+        <p:spPr>
+          <a:xfrm>
+            <a:off x="5139125" y="3762531"/>
+            <a:ext cx="1798820" cy="2188564"/>
+          </a:xfrm>
+          <a:prstGeom prst="rect">
+            <a:avLst/>
+          </a:prstGeom>
+          <a:ln>
+            <a:solidFill>
+              <a:schemeClr val="accent1"/>
+            </a:solidFill>
+          </a:ln>
+        </p:spPr>
+        <p:style>
+          <a:lnRef idx="2">
+            <a:schemeClr val="dk1"/>
+          </a:lnRef>
+          <a:fillRef idx="1">
+            <a:schemeClr val="lt1"/>
+          </a:fillRef>
+          <a:effectRef idx="0">
+            <a:schemeClr val="dk1"/>
+          </a:effectRef>
+          <a:fontRef idx="minor">
+            <a:schemeClr val="dk1"/>
+          </a:fontRef>
+        </p:style>
+        <p:txBody>
+          <a:bodyPr rtlCol="0" anchor="ctr"/>
+          <a:lstStyle/>
+          <a:p>
+            <a:pPr algn="just"/>
+            <a:endParaRPr lang="ko-KR" altLang="en-US" dirty="0"/>
+          </a:p>
+        </p:txBody>
+      </p:sp>
+      <p:sp>
+        <p:nvSpPr>
+          <p:cNvPr id="27" name="직사각형 26">
+            <a:extLst>
+              <a:ext uri="{FF2B5EF4-FFF2-40B4-BE49-F238E27FC236}">
+                <a16:creationId xmlns:a16="http://schemas.microsoft.com/office/drawing/2014/main" id="{36A267C7-00F4-4633-9384-F878D40DFF9D}"/>
+              </a:ext>
+            </a:extLst>
+          </p:cNvPr>
+          <p:cNvSpPr/>
+          <p:nvPr/>
+        </p:nvSpPr>
+        <p:spPr>
+          <a:xfrm>
+            <a:off x="5139125" y="4841823"/>
+            <a:ext cx="899411" cy="1109272"/>
+          </a:xfrm>
+          <a:prstGeom prst="rect">
+            <a:avLst/>
+          </a:prstGeom>
+          <a:ln>
+            <a:solidFill>
+              <a:schemeClr val="accent1"/>
+            </a:solidFill>
+          </a:ln>
+        </p:spPr>
+        <p:style>
+          <a:lnRef idx="2">
+            <a:schemeClr val="dk1"/>
+          </a:lnRef>
+          <a:fillRef idx="1">
+            <a:schemeClr val="lt1"/>
+          </a:fillRef>
+          <a:effectRef idx="0">
+            <a:schemeClr val="dk1"/>
+          </a:effectRef>
+          <a:fontRef idx="minor">
+            <a:schemeClr val="dk1"/>
+          </a:fontRef>
+        </p:style>
+        <p:txBody>
+          <a:bodyPr rtlCol="0" anchor="ctr"/>
+          <a:lstStyle/>
+          <a:p>
+            <a:pPr algn="ctr"/>
+            <a:r>
+              <a:rPr lang="en-US" altLang="ko-KR" dirty="0"/>
+              <a:t>pre</a:t>
+            </a:r>
+            <a:endParaRPr lang="ko-KR" altLang="en-US" dirty="0"/>
+          </a:p>
+        </p:txBody>
+      </p:sp>
+      <p:sp>
+        <p:nvSpPr>
+          <p:cNvPr id="28" name="직사각형 27">
+            <a:extLst>
+              <a:ext uri="{FF2B5EF4-FFF2-40B4-BE49-F238E27FC236}">
+                <a16:creationId xmlns:a16="http://schemas.microsoft.com/office/drawing/2014/main" id="{0AF9512A-9F74-4B6D-8985-403F1405088F}"/>
+              </a:ext>
+            </a:extLst>
+          </p:cNvPr>
+          <p:cNvSpPr/>
+          <p:nvPr/>
+        </p:nvSpPr>
+        <p:spPr>
+          <a:xfrm>
+            <a:off x="6038536" y="4841823"/>
+            <a:ext cx="899410" cy="1109272"/>
+          </a:xfrm>
+          <a:prstGeom prst="rect">
+            <a:avLst/>
+          </a:prstGeom>
+          <a:ln>
+            <a:solidFill>
+              <a:schemeClr val="accent1"/>
+            </a:solidFill>
+          </a:ln>
+        </p:spPr>
+        <p:style>
+          <a:lnRef idx="2">
+            <a:schemeClr val="dk1"/>
+          </a:lnRef>
+          <a:fillRef idx="1">
+            <a:schemeClr val="lt1"/>
+          </a:fillRef>
+          <a:effectRef idx="0">
+            <a:schemeClr val="dk1"/>
+          </a:effectRef>
+          <a:fontRef idx="minor">
+            <a:schemeClr val="dk1"/>
+          </a:fontRef>
+        </p:style>
+        <p:txBody>
+          <a:bodyPr rtlCol="0" anchor="ctr"/>
+          <a:lstStyle/>
+          <a:p>
+            <a:pPr algn="ctr"/>
+            <a:r>
+              <a:rPr lang="en-US" altLang="ko-KR" dirty="0"/>
+              <a:t>next</a:t>
+            </a:r>
+            <a:endParaRPr lang="ko-KR" altLang="en-US" dirty="0"/>
+          </a:p>
+        </p:txBody>
+      </p:sp>
+      <p:sp>
+        <p:nvSpPr>
+          <p:cNvPr id="29" name="직사각형 28">
+            <a:extLst>
+              <a:ext uri="{FF2B5EF4-FFF2-40B4-BE49-F238E27FC236}">
+                <a16:creationId xmlns:a16="http://schemas.microsoft.com/office/drawing/2014/main" id="{9BF17C09-3585-4EDE-BF8D-70FB12565A1C}"/>
+              </a:ext>
+            </a:extLst>
+          </p:cNvPr>
+          <p:cNvSpPr/>
+          <p:nvPr/>
+        </p:nvSpPr>
+        <p:spPr>
+          <a:xfrm>
+            <a:off x="5139125" y="3762531"/>
+            <a:ext cx="1798820" cy="1079292"/>
+          </a:xfrm>
+          <a:prstGeom prst="rect">
+            <a:avLst/>
+          </a:prstGeom>
+          <a:ln>
+            <a:solidFill>
+              <a:schemeClr val="accent1"/>
+            </a:solidFill>
+          </a:ln>
+        </p:spPr>
+        <p:style>
+          <a:lnRef idx="2">
+            <a:schemeClr val="dk1"/>
+          </a:lnRef>
+          <a:fillRef idx="1">
+            <a:schemeClr val="lt1"/>
+          </a:fillRef>
+          <a:effectRef idx="0">
+            <a:schemeClr val="dk1"/>
+          </a:effectRef>
+          <a:fontRef idx="minor">
+            <a:schemeClr val="dk1"/>
+          </a:fontRef>
+        </p:style>
+        <p:txBody>
+          <a:bodyPr rtlCol="0" anchor="ctr"/>
+          <a:lstStyle/>
+          <a:p>
+            <a:pPr algn="ctr"/>
+            <a:r>
+              <a:rPr lang="en-US" altLang="ko-KR" dirty="0"/>
+              <a:t>“C”</a:t>
+            </a:r>
+            <a:endParaRPr lang="ko-KR" altLang="en-US" dirty="0"/>
+          </a:p>
+        </p:txBody>
+      </p:sp>
+      <p:sp>
+        <p:nvSpPr>
+          <p:cNvPr id="30" name="TextBox 29">
+            <a:extLst>
+              <a:ext uri="{FF2B5EF4-FFF2-40B4-BE49-F238E27FC236}">
+                <a16:creationId xmlns:a16="http://schemas.microsoft.com/office/drawing/2014/main" id="{12A1C90B-7153-4FDB-84AE-E516AEF1EE03}"/>
+              </a:ext>
+            </a:extLst>
+          </p:cNvPr>
+          <p:cNvSpPr txBox="1"/>
+          <p:nvPr/>
+        </p:nvSpPr>
+        <p:spPr>
+          <a:xfrm>
+            <a:off x="5423938" y="3577865"/>
+            <a:ext cx="1229194" cy="369332"/>
+          </a:xfrm>
+          <a:prstGeom prst="rect">
+            <a:avLst/>
+          </a:prstGeom>
+          <a:noFill/>
+          <a:ln>
+            <a:solidFill>
+              <a:schemeClr val="accent2"/>
+            </a:solidFill>
+          </a:ln>
+        </p:spPr>
+        <p:txBody>
+          <a:bodyPr wrap="square" rtlCol="0">
+            <a:spAutoFit/>
+          </a:bodyPr>
+          <a:lstStyle/>
+          <a:p>
+            <a:r>
+              <a:rPr lang="en-US" altLang="ko-KR" dirty="0"/>
+              <a:t>  </a:t>
+            </a:r>
+            <a:r>
+              <a:rPr lang="ko-KR" altLang="en-US" dirty="0"/>
+              <a:t>노드 </a:t>
+            </a:r>
+            <a:r>
+              <a:rPr lang="en-US" altLang="ko-KR" dirty="0"/>
+              <a:t>C</a:t>
+            </a:r>
+            <a:endParaRPr lang="ko-KR" altLang="en-US" dirty="0"/>
+          </a:p>
+        </p:txBody>
+      </p:sp>
+      <p:sp>
+        <p:nvSpPr>
+          <p:cNvPr id="31" name="화살표: 오른쪽 30">
+            <a:extLst>
+              <a:ext uri="{FF2B5EF4-FFF2-40B4-BE49-F238E27FC236}">
+                <a16:creationId xmlns:a16="http://schemas.microsoft.com/office/drawing/2014/main" id="{7D9129D5-5D83-4BF5-BF95-B0321D899D56}"/>
+              </a:ext>
+            </a:extLst>
+          </p:cNvPr>
+          <p:cNvSpPr/>
+          <p:nvPr/>
+        </p:nvSpPr>
+        <p:spPr>
+          <a:xfrm rot="19575853">
+            <a:off x="2091511" y="1651901"/>
+            <a:ext cx="1838536" cy="201627"/>
+          </a:xfrm>
+          <a:prstGeom prst="rightArrow">
+            <a:avLst/>
+          </a:prstGeom>
+        </p:spPr>
+        <p:style>
+          <a:lnRef idx="2">
+            <a:schemeClr val="accent1">
+              <a:shade val="50000"/>
+            </a:schemeClr>
+          </a:lnRef>
+          <a:fillRef idx="1">
+            <a:schemeClr val="accent1"/>
+          </a:fillRef>
+          <a:effectRef idx="0">
+            <a:schemeClr val="accent1"/>
+          </a:effectRef>
+          <a:fontRef idx="minor">
+            <a:schemeClr val="lt1"/>
+          </a:fontRef>
+        </p:style>
+        <p:txBody>
+          <a:bodyPr rtlCol="0" anchor="ctr"/>
+          <a:lstStyle/>
+          <a:p>
+            <a:pPr algn="ctr"/>
+            <a:endParaRPr lang="ko-KR" altLang="en-US"/>
+          </a:p>
+        </p:txBody>
+      </p:sp>
+      <p:sp>
+        <p:nvSpPr>
+          <p:cNvPr id="32" name="화살표: 오른쪽 31">
+            <a:extLst>
+              <a:ext uri="{FF2B5EF4-FFF2-40B4-BE49-F238E27FC236}">
+                <a16:creationId xmlns:a16="http://schemas.microsoft.com/office/drawing/2014/main" id="{8380DFCB-66C4-4814-A119-8A4BE186179B}"/>
+              </a:ext>
+            </a:extLst>
+          </p:cNvPr>
+          <p:cNvSpPr/>
+          <p:nvPr/>
+        </p:nvSpPr>
+        <p:spPr>
+          <a:xfrm rot="19575853">
+            <a:off x="8287191" y="1650703"/>
+            <a:ext cx="1838536" cy="215857"/>
+          </a:xfrm>
+          <a:prstGeom prst="rightArrow">
+            <a:avLst/>
+          </a:prstGeom>
+        </p:spPr>
+        <p:style>
+          <a:lnRef idx="2">
+            <a:schemeClr val="accent1">
+              <a:shade val="50000"/>
+            </a:schemeClr>
+          </a:lnRef>
+          <a:fillRef idx="1">
+            <a:schemeClr val="accent1"/>
+          </a:fillRef>
+          <a:effectRef idx="0">
+            <a:schemeClr val="accent1"/>
+          </a:effectRef>
+          <a:fontRef idx="minor">
+            <a:schemeClr val="lt1"/>
+          </a:fontRef>
+        </p:style>
+        <p:txBody>
+          <a:bodyPr rtlCol="0" anchor="ctr"/>
+          <a:lstStyle/>
+          <a:p>
+            <a:pPr algn="ctr"/>
+            <a:endParaRPr lang="ko-KR" altLang="en-US"/>
+          </a:p>
+        </p:txBody>
+      </p:sp>
+      <p:sp>
+        <p:nvSpPr>
+          <p:cNvPr id="33" name="화살표: 오른쪽 32">
+            <a:extLst>
+              <a:ext uri="{FF2B5EF4-FFF2-40B4-BE49-F238E27FC236}">
+                <a16:creationId xmlns:a16="http://schemas.microsoft.com/office/drawing/2014/main" id="{CA2FD4C9-D060-45D8-A784-D8D09DC2EEE9}"/>
+              </a:ext>
+            </a:extLst>
+          </p:cNvPr>
+          <p:cNvSpPr/>
+          <p:nvPr/>
+        </p:nvSpPr>
+        <p:spPr>
+          <a:xfrm rot="12703677">
+            <a:off x="1989141" y="1563324"/>
+            <a:ext cx="1838536" cy="201627"/>
+          </a:xfrm>
+          <a:prstGeom prst="rightArrow">
+            <a:avLst/>
+          </a:prstGeom>
+          <a:solidFill>
+            <a:schemeClr val="accent2"/>
+          </a:solidFill>
+          <a:ln>
+            <a:solidFill>
+              <a:schemeClr val="accent2"/>
+            </a:solidFill>
+          </a:ln>
+        </p:spPr>
+        <p:style>
+          <a:lnRef idx="2">
+            <a:schemeClr val="accent1">
+              <a:shade val="50000"/>
+            </a:schemeClr>
+          </a:lnRef>
+          <a:fillRef idx="1">
+            <a:schemeClr val="accent1"/>
+          </a:fillRef>
+          <a:effectRef idx="0">
+            <a:schemeClr val="accent1"/>
+          </a:effectRef>
+          <a:fontRef idx="minor">
+            <a:schemeClr val="lt1"/>
+          </a:fontRef>
+        </p:style>
+        <p:txBody>
+          <a:bodyPr rtlCol="0" anchor="ctr"/>
+          <a:lstStyle/>
+          <a:p>
+            <a:pPr algn="ctr"/>
+            <a:endParaRPr lang="ko-KR" altLang="en-US"/>
+          </a:p>
+        </p:txBody>
+      </p:sp>
+      <p:sp>
+        <p:nvSpPr>
+          <p:cNvPr id="34" name="화살표: 오른쪽 33">
+            <a:extLst>
+              <a:ext uri="{FF2B5EF4-FFF2-40B4-BE49-F238E27FC236}">
+                <a16:creationId xmlns:a16="http://schemas.microsoft.com/office/drawing/2014/main" id="{21CABAC9-0F9B-43C3-BD40-3593DC939C29}"/>
+              </a:ext>
+            </a:extLst>
+          </p:cNvPr>
+          <p:cNvSpPr/>
+          <p:nvPr/>
+        </p:nvSpPr>
+        <p:spPr>
+          <a:xfrm rot="12703677">
+            <a:off x="8186805" y="1563324"/>
+            <a:ext cx="1838536" cy="201627"/>
+          </a:xfrm>
+          <a:prstGeom prst="rightArrow">
+            <a:avLst/>
+          </a:prstGeom>
+          <a:solidFill>
+            <a:schemeClr val="accent2"/>
+          </a:solidFill>
+          <a:ln>
+            <a:solidFill>
+              <a:schemeClr val="accent2"/>
+            </a:solidFill>
+          </a:ln>
+        </p:spPr>
+        <p:style>
+          <a:lnRef idx="2">
+            <a:schemeClr val="accent1">
+              <a:shade val="50000"/>
+            </a:schemeClr>
+          </a:lnRef>
+          <a:fillRef idx="1">
+            <a:schemeClr val="accent1"/>
+          </a:fillRef>
+          <a:effectRef idx="0">
+            <a:schemeClr val="accent1"/>
+          </a:effectRef>
+          <a:fontRef idx="minor">
+            <a:schemeClr val="lt1"/>
+          </a:fontRef>
+        </p:style>
+        <p:txBody>
+          <a:bodyPr rtlCol="0" anchor="ctr"/>
+          <a:lstStyle/>
+          <a:p>
+            <a:pPr algn="ctr"/>
+            <a:endParaRPr lang="ko-KR" altLang="en-US"/>
+          </a:p>
+        </p:txBody>
+      </p:sp>
+      <p:sp>
+        <p:nvSpPr>
+          <p:cNvPr id="35" name="화살표: 오른쪽 34">
+            <a:extLst>
+              <a:ext uri="{FF2B5EF4-FFF2-40B4-BE49-F238E27FC236}">
+                <a16:creationId xmlns:a16="http://schemas.microsoft.com/office/drawing/2014/main" id="{8D6582D4-B139-4D3B-94DB-3416609EAC83}"/>
+              </a:ext>
+            </a:extLst>
+          </p:cNvPr>
+          <p:cNvSpPr/>
+          <p:nvPr/>
+        </p:nvSpPr>
+        <p:spPr>
+          <a:xfrm rot="14715117">
+            <a:off x="3006909" y="4117738"/>
+            <a:ext cx="2955297" cy="300393"/>
+          </a:xfrm>
+          <a:prstGeom prst="rightArrow">
+            <a:avLst/>
+          </a:prstGeom>
+          <a:solidFill>
+            <a:schemeClr val="accent2"/>
+          </a:solidFill>
+          <a:ln>
+            <a:solidFill>
+              <a:schemeClr val="accent2"/>
+            </a:solidFill>
+          </a:ln>
+        </p:spPr>
+        <p:style>
+          <a:lnRef idx="2">
+            <a:schemeClr val="accent1">
+              <a:shade val="50000"/>
+            </a:schemeClr>
+          </a:lnRef>
+          <a:fillRef idx="1">
+            <a:schemeClr val="accent1"/>
+          </a:fillRef>
+          <a:effectRef idx="0">
+            <a:schemeClr val="accent1"/>
+          </a:effectRef>
+          <a:fontRef idx="minor">
+            <a:schemeClr val="lt1"/>
+          </a:fontRef>
+        </p:style>
+        <p:txBody>
+          <a:bodyPr rtlCol="0" anchor="ctr"/>
+          <a:lstStyle/>
+          <a:p>
+            <a:pPr algn="ctr"/>
+            <a:endParaRPr lang="ko-KR" altLang="en-US"/>
+          </a:p>
+        </p:txBody>
+      </p:sp>
+      <p:sp>
+        <p:nvSpPr>
+          <p:cNvPr id="36" name="화살표: 오른쪽 35">
+            <a:extLst>
+              <a:ext uri="{FF2B5EF4-FFF2-40B4-BE49-F238E27FC236}">
+                <a16:creationId xmlns:a16="http://schemas.microsoft.com/office/drawing/2014/main" id="{78C5B2B1-BEC9-4FBA-9599-576A05028CE0}"/>
+              </a:ext>
+            </a:extLst>
+          </p:cNvPr>
+          <p:cNvSpPr/>
+          <p:nvPr/>
+        </p:nvSpPr>
+        <p:spPr>
+          <a:xfrm rot="7428367">
+            <a:off x="6374420" y="3121945"/>
+            <a:ext cx="991427" cy="255342"/>
+          </a:xfrm>
+          <a:prstGeom prst="rightArrow">
+            <a:avLst/>
+          </a:prstGeom>
+          <a:solidFill>
+            <a:schemeClr val="accent2"/>
+          </a:solidFill>
+          <a:ln>
+            <a:solidFill>
+              <a:schemeClr val="accent2"/>
+            </a:solidFill>
+          </a:ln>
+        </p:spPr>
+        <p:style>
+          <a:lnRef idx="2">
+            <a:schemeClr val="accent1">
+              <a:shade val="50000"/>
+            </a:schemeClr>
+          </a:lnRef>
+          <a:fillRef idx="1">
+            <a:schemeClr val="accent1"/>
+          </a:fillRef>
+          <a:effectRef idx="0">
+            <a:schemeClr val="accent1"/>
+          </a:effectRef>
+          <a:fontRef idx="minor">
+            <a:schemeClr val="lt1"/>
+          </a:fontRef>
+        </p:style>
+        <p:txBody>
+          <a:bodyPr rtlCol="0" anchor="ctr"/>
+          <a:lstStyle/>
+          <a:p>
+            <a:pPr algn="ctr"/>
+            <a:endParaRPr lang="ko-KR" altLang="en-US"/>
+          </a:p>
+        </p:txBody>
+      </p:sp>
+      <p:sp>
+        <p:nvSpPr>
+          <p:cNvPr id="37" name="화살표: 오른쪽 36">
+            <a:extLst>
+              <a:ext uri="{FF2B5EF4-FFF2-40B4-BE49-F238E27FC236}">
+                <a16:creationId xmlns:a16="http://schemas.microsoft.com/office/drawing/2014/main" id="{1121E370-4BA7-46DD-89B5-5C84AAA81417}"/>
+              </a:ext>
+            </a:extLst>
+          </p:cNvPr>
+          <p:cNvSpPr/>
+          <p:nvPr/>
+        </p:nvSpPr>
+        <p:spPr>
+          <a:xfrm rot="17755703">
+            <a:off x="5894442" y="4084568"/>
+            <a:ext cx="3269030" cy="244006"/>
+          </a:xfrm>
+          <a:prstGeom prst="rightArrow">
+            <a:avLst/>
+          </a:prstGeom>
+        </p:spPr>
+        <p:style>
+          <a:lnRef idx="2">
+            <a:schemeClr val="accent1">
+              <a:shade val="50000"/>
+            </a:schemeClr>
+          </a:lnRef>
+          <a:fillRef idx="1">
+            <a:schemeClr val="accent1"/>
+          </a:fillRef>
+          <a:effectRef idx="0">
+            <a:schemeClr val="accent1"/>
+          </a:effectRef>
+          <a:fontRef idx="minor">
+            <a:schemeClr val="lt1"/>
+          </a:fontRef>
+        </p:style>
+        <p:txBody>
+          <a:bodyPr rtlCol="0" anchor="ctr"/>
+          <a:lstStyle/>
+          <a:p>
+            <a:pPr algn="ctr"/>
+            <a:endParaRPr lang="ko-KR" altLang="en-US"/>
+          </a:p>
+        </p:txBody>
+      </p:sp>
+      <p:sp>
+        <p:nvSpPr>
+          <p:cNvPr id="38" name="화살표: 오른쪽 37">
+            <a:extLst>
+              <a:ext uri="{FF2B5EF4-FFF2-40B4-BE49-F238E27FC236}">
+                <a16:creationId xmlns:a16="http://schemas.microsoft.com/office/drawing/2014/main" id="{86AFD62B-0142-4B61-AFD4-0AAAEDE7FCA8}"/>
+              </a:ext>
+            </a:extLst>
+          </p:cNvPr>
+          <p:cNvSpPr/>
+          <p:nvPr/>
+        </p:nvSpPr>
+        <p:spPr>
+          <a:xfrm rot="2930992" flipV="1">
+            <a:off x="4670176" y="2981142"/>
+            <a:ext cx="1185153" cy="198457"/>
+          </a:xfrm>
+          <a:prstGeom prst="rightArrow">
+            <a:avLst/>
+          </a:prstGeom>
+        </p:spPr>
+        <p:style>
+          <a:lnRef idx="2">
+            <a:schemeClr val="accent1">
+              <a:shade val="50000"/>
+            </a:schemeClr>
+          </a:lnRef>
+          <a:fillRef idx="1">
+            <a:schemeClr val="accent1"/>
+          </a:fillRef>
+          <a:effectRef idx="0">
+            <a:schemeClr val="accent1"/>
+          </a:effectRef>
+          <a:fontRef idx="minor">
+            <a:schemeClr val="lt1"/>
+          </a:fontRef>
+        </p:style>
+        <p:txBody>
+          <a:bodyPr rtlCol="0" anchor="ctr"/>
+          <a:lstStyle/>
+          <a:p>
+            <a:pPr algn="ctr"/>
+            <a:endParaRPr lang="ko-KR" altLang="en-US"/>
+          </a:p>
+        </p:txBody>
+      </p:sp>
+      <p:sp>
+        <p:nvSpPr>
+          <p:cNvPr id="41" name="타원 40">
+            <a:extLst>
+              <a:ext uri="{FF2B5EF4-FFF2-40B4-BE49-F238E27FC236}">
+                <a16:creationId xmlns:a16="http://schemas.microsoft.com/office/drawing/2014/main" id="{F1795EAA-717E-4547-97BB-117E6E3400C5}"/>
+              </a:ext>
+            </a:extLst>
+          </p:cNvPr>
+          <p:cNvSpPr/>
+          <p:nvPr/>
+        </p:nvSpPr>
+        <p:spPr>
+          <a:xfrm>
+            <a:off x="7709265" y="4103042"/>
+            <a:ext cx="329783" cy="329783"/>
+          </a:xfrm>
+          <a:prstGeom prst="ellipse">
+            <a:avLst/>
+          </a:prstGeom>
+        </p:spPr>
+        <p:style>
+          <a:lnRef idx="2">
+            <a:schemeClr val="dk1"/>
+          </a:lnRef>
+          <a:fillRef idx="1">
+            <a:schemeClr val="lt1"/>
+          </a:fillRef>
+          <a:effectRef idx="0">
+            <a:schemeClr val="dk1"/>
+          </a:effectRef>
+          <a:fontRef idx="minor">
+            <a:schemeClr val="dk1"/>
+          </a:fontRef>
+        </p:style>
+        <p:txBody>
+          <a:bodyPr rtlCol="0" anchor="ctr"/>
+          <a:lstStyle/>
+          <a:p>
+            <a:pPr algn="ctr"/>
+            <a:r>
+              <a:rPr lang="en-US" altLang="ko-KR" dirty="0"/>
+              <a:t>1</a:t>
+            </a:r>
+            <a:endParaRPr lang="ko-KR" altLang="en-US" dirty="0"/>
+          </a:p>
+        </p:txBody>
+      </p:sp>
+      <p:sp>
+        <p:nvSpPr>
+          <p:cNvPr id="43" name="타원 42">
+            <a:extLst>
+              <a:ext uri="{FF2B5EF4-FFF2-40B4-BE49-F238E27FC236}">
+                <a16:creationId xmlns:a16="http://schemas.microsoft.com/office/drawing/2014/main" id="{72FEC738-7538-4C01-A52C-8880A59C23B6}"/>
+              </a:ext>
+            </a:extLst>
+          </p:cNvPr>
+          <p:cNvSpPr/>
+          <p:nvPr/>
+        </p:nvSpPr>
+        <p:spPr>
+          <a:xfrm>
+            <a:off x="4105242" y="4432825"/>
+            <a:ext cx="329783" cy="329783"/>
+          </a:xfrm>
+          <a:prstGeom prst="ellipse">
+            <a:avLst/>
+          </a:prstGeom>
+        </p:spPr>
+        <p:style>
+          <a:lnRef idx="2">
+            <a:schemeClr val="dk1"/>
+          </a:lnRef>
+          <a:fillRef idx="1">
+            <a:schemeClr val="lt1"/>
+          </a:fillRef>
+          <a:effectRef idx="0">
+            <a:schemeClr val="dk1"/>
+          </a:effectRef>
+          <a:fontRef idx="minor">
+            <a:schemeClr val="dk1"/>
+          </a:fontRef>
+        </p:style>
+        <p:txBody>
+          <a:bodyPr rtlCol="0" anchor="ctr"/>
+          <a:lstStyle/>
+          <a:p>
+            <a:pPr algn="ctr"/>
+            <a:r>
+              <a:rPr lang="en-US" altLang="ko-KR" dirty="0"/>
+              <a:t>3</a:t>
+            </a:r>
+            <a:endParaRPr lang="ko-KR" altLang="en-US" dirty="0"/>
+          </a:p>
+        </p:txBody>
+      </p:sp>
+      <p:sp>
+        <p:nvSpPr>
+          <p:cNvPr id="44" name="타원 43">
+            <a:extLst>
+              <a:ext uri="{FF2B5EF4-FFF2-40B4-BE49-F238E27FC236}">
+                <a16:creationId xmlns:a16="http://schemas.microsoft.com/office/drawing/2014/main" id="{D1E5CD65-56C6-467F-BA86-41D7310F5775}"/>
+              </a:ext>
+            </a:extLst>
+          </p:cNvPr>
+          <p:cNvSpPr/>
+          <p:nvPr/>
+        </p:nvSpPr>
+        <p:spPr>
+          <a:xfrm>
+            <a:off x="4787779" y="3072983"/>
+            <a:ext cx="329783" cy="329783"/>
+          </a:xfrm>
+          <a:prstGeom prst="ellipse">
+            <a:avLst/>
+          </a:prstGeom>
+        </p:spPr>
+        <p:style>
+          <a:lnRef idx="2">
+            <a:schemeClr val="dk1"/>
+          </a:lnRef>
+          <a:fillRef idx="1">
+            <a:schemeClr val="lt1"/>
+          </a:fillRef>
+          <a:effectRef idx="0">
+            <a:schemeClr val="dk1"/>
+          </a:effectRef>
+          <a:fontRef idx="minor">
+            <a:schemeClr val="dk1"/>
+          </a:fontRef>
+        </p:style>
+        <p:txBody>
+          <a:bodyPr rtlCol="0" anchor="ctr"/>
+          <a:lstStyle/>
+          <a:p>
+            <a:pPr algn="ctr"/>
+            <a:r>
+              <a:rPr lang="en-US" altLang="ko-KR" dirty="0"/>
+              <a:t>2</a:t>
+            </a:r>
+            <a:endParaRPr lang="ko-KR" altLang="en-US" dirty="0"/>
+          </a:p>
+        </p:txBody>
+      </p:sp>
+      <p:sp>
+        <p:nvSpPr>
+          <p:cNvPr id="45" name="타원 44">
+            <a:extLst>
+              <a:ext uri="{FF2B5EF4-FFF2-40B4-BE49-F238E27FC236}">
+                <a16:creationId xmlns:a16="http://schemas.microsoft.com/office/drawing/2014/main" id="{CCF483EF-0033-4DDA-9C0C-86520BA86C53}"/>
+              </a:ext>
+            </a:extLst>
+          </p:cNvPr>
+          <p:cNvSpPr/>
+          <p:nvPr/>
+        </p:nvSpPr>
+        <p:spPr>
+          <a:xfrm>
+            <a:off x="6431503" y="2878112"/>
+            <a:ext cx="329783" cy="329783"/>
+          </a:xfrm>
+          <a:prstGeom prst="ellipse">
+            <a:avLst/>
+          </a:prstGeom>
+        </p:spPr>
+        <p:style>
+          <a:lnRef idx="2">
+            <a:schemeClr val="dk1"/>
+          </a:lnRef>
+          <a:fillRef idx="1">
+            <a:schemeClr val="lt1"/>
+          </a:fillRef>
+          <a:effectRef idx="0">
+            <a:schemeClr val="dk1"/>
+          </a:effectRef>
+          <a:fontRef idx="minor">
+            <a:schemeClr val="dk1"/>
+          </a:fontRef>
+        </p:style>
+        <p:txBody>
+          <a:bodyPr rtlCol="0" anchor="ctr"/>
+          <a:lstStyle/>
+          <a:p>
+            <a:pPr algn="ctr"/>
+            <a:r>
+              <a:rPr lang="en-US" altLang="ko-KR" dirty="0"/>
+              <a:t>4</a:t>
+            </a:r>
+            <a:endParaRPr lang="ko-KR" altLang="en-US" dirty="0"/>
+          </a:p>
+        </p:txBody>
+      </p:sp>
     </p:spTree>
     <p:extLst>
       <p:ext uri="{BB962C8B-B14F-4D97-AF65-F5344CB8AC3E}">
@@ -7517,10 +9527,3040 @@
           <a:chExt cx="0" cy="0"/>
         </a:xfrm>
       </p:grpSpPr>
+      <p:sp>
+        <p:nvSpPr>
+          <p:cNvPr id="2" name="직사각형 1">
+            <a:extLst>
+              <a:ext uri="{FF2B5EF4-FFF2-40B4-BE49-F238E27FC236}">
+                <a16:creationId xmlns:a16="http://schemas.microsoft.com/office/drawing/2014/main" id="{4BDF8FE5-4E00-4733-B3D3-A2B271D2EDB3}"/>
+              </a:ext>
+            </a:extLst>
+          </p:cNvPr>
+          <p:cNvSpPr/>
+          <p:nvPr/>
+        </p:nvSpPr>
+        <p:spPr>
+          <a:xfrm>
+            <a:off x="5088467" y="2607733"/>
+            <a:ext cx="2015066" cy="3979334"/>
+          </a:xfrm>
+          <a:prstGeom prst="rect">
+            <a:avLst/>
+          </a:prstGeom>
+        </p:spPr>
+        <p:style>
+          <a:lnRef idx="2">
+            <a:schemeClr val="accent1">
+              <a:shade val="50000"/>
+            </a:schemeClr>
+          </a:lnRef>
+          <a:fillRef idx="1">
+            <a:schemeClr val="accent1"/>
+          </a:fillRef>
+          <a:effectRef idx="0">
+            <a:schemeClr val="accent1"/>
+          </a:effectRef>
+          <a:fontRef idx="minor">
+            <a:schemeClr val="lt1"/>
+          </a:fontRef>
+        </p:style>
+        <p:txBody>
+          <a:bodyPr rtlCol="0" anchor="ctr"/>
+          <a:lstStyle/>
+          <a:p>
+            <a:pPr algn="ctr"/>
+            <a:endParaRPr lang="ko-KR" altLang="en-US"/>
+          </a:p>
+        </p:txBody>
+      </p:sp>
+      <p:cxnSp>
+        <p:nvCxnSpPr>
+          <p:cNvPr id="6" name="직선 연결선 5">
+            <a:extLst>
+              <a:ext uri="{FF2B5EF4-FFF2-40B4-BE49-F238E27FC236}">
+                <a16:creationId xmlns:a16="http://schemas.microsoft.com/office/drawing/2014/main" id="{8EC17269-4319-4331-8ED3-C1DCD08C744D}"/>
+              </a:ext>
+            </a:extLst>
+          </p:cNvPr>
+          <p:cNvCxnSpPr>
+            <a:cxnSpLocks/>
+          </p:cNvCxnSpPr>
+          <p:nvPr/>
+        </p:nvCxnSpPr>
+        <p:spPr>
+          <a:xfrm>
+            <a:off x="5105400" y="5350933"/>
+            <a:ext cx="2015067" cy="0"/>
+          </a:xfrm>
+          <a:prstGeom prst="line">
+            <a:avLst/>
+          </a:prstGeom>
+          <a:ln>
+            <a:solidFill>
+              <a:schemeClr val="tx1"/>
+            </a:solidFill>
+          </a:ln>
+        </p:spPr>
+        <p:style>
+          <a:lnRef idx="1">
+            <a:schemeClr val="accent1"/>
+          </a:lnRef>
+          <a:fillRef idx="0">
+            <a:schemeClr val="accent1"/>
+          </a:fillRef>
+          <a:effectRef idx="0">
+            <a:schemeClr val="accent1"/>
+          </a:effectRef>
+          <a:fontRef idx="minor">
+            <a:schemeClr val="tx1"/>
+          </a:fontRef>
+        </p:style>
+      </p:cxnSp>
+      <p:cxnSp>
+        <p:nvCxnSpPr>
+          <p:cNvPr id="7" name="직선 연결선 6">
+            <a:extLst>
+              <a:ext uri="{FF2B5EF4-FFF2-40B4-BE49-F238E27FC236}">
+                <a16:creationId xmlns:a16="http://schemas.microsoft.com/office/drawing/2014/main" id="{D3A54719-84B2-4855-9C3E-DE7B250E1A33}"/>
+              </a:ext>
+            </a:extLst>
+          </p:cNvPr>
+          <p:cNvCxnSpPr>
+            <a:cxnSpLocks/>
+          </p:cNvCxnSpPr>
+          <p:nvPr/>
+        </p:nvCxnSpPr>
+        <p:spPr>
+          <a:xfrm>
+            <a:off x="5088466" y="3945466"/>
+            <a:ext cx="2015067" cy="0"/>
+          </a:xfrm>
+          <a:prstGeom prst="line">
+            <a:avLst/>
+          </a:prstGeom>
+          <a:ln>
+            <a:solidFill>
+              <a:schemeClr val="tx1"/>
+            </a:solidFill>
+          </a:ln>
+        </p:spPr>
+        <p:style>
+          <a:lnRef idx="1">
+            <a:schemeClr val="accent1"/>
+          </a:lnRef>
+          <a:fillRef idx="0">
+            <a:schemeClr val="accent1"/>
+          </a:fillRef>
+          <a:effectRef idx="0">
+            <a:schemeClr val="accent1"/>
+          </a:effectRef>
+          <a:fontRef idx="minor">
+            <a:schemeClr val="tx1"/>
+          </a:fontRef>
+        </p:style>
+      </p:cxnSp>
+      <p:cxnSp>
+        <p:nvCxnSpPr>
+          <p:cNvPr id="17" name="직선 연결선 16">
+            <a:extLst>
+              <a:ext uri="{FF2B5EF4-FFF2-40B4-BE49-F238E27FC236}">
+                <a16:creationId xmlns:a16="http://schemas.microsoft.com/office/drawing/2014/main" id="{F8476654-737D-4872-8C8F-0972C7B7C48D}"/>
+              </a:ext>
+            </a:extLst>
+          </p:cNvPr>
+          <p:cNvCxnSpPr/>
+          <p:nvPr/>
+        </p:nvCxnSpPr>
+        <p:spPr>
+          <a:xfrm flipV="1">
+            <a:off x="7103533" y="1439333"/>
+            <a:ext cx="0" cy="1168400"/>
+          </a:xfrm>
+          <a:prstGeom prst="line">
+            <a:avLst/>
+          </a:prstGeom>
+        </p:spPr>
+        <p:style>
+          <a:lnRef idx="1">
+            <a:schemeClr val="accent1"/>
+          </a:lnRef>
+          <a:fillRef idx="0">
+            <a:schemeClr val="accent1"/>
+          </a:fillRef>
+          <a:effectRef idx="0">
+            <a:schemeClr val="accent1"/>
+          </a:effectRef>
+          <a:fontRef idx="minor">
+            <a:schemeClr val="tx1"/>
+          </a:fontRef>
+        </p:style>
+      </p:cxnSp>
+      <p:cxnSp>
+        <p:nvCxnSpPr>
+          <p:cNvPr id="19" name="직선 연결선 18">
+            <a:extLst>
+              <a:ext uri="{FF2B5EF4-FFF2-40B4-BE49-F238E27FC236}">
+                <a16:creationId xmlns:a16="http://schemas.microsoft.com/office/drawing/2014/main" id="{CB57C6F3-70FB-42ED-A5A8-5EBCBD8BBE62}"/>
+              </a:ext>
+            </a:extLst>
+          </p:cNvPr>
+          <p:cNvCxnSpPr/>
+          <p:nvPr/>
+        </p:nvCxnSpPr>
+        <p:spPr>
+          <a:xfrm flipV="1">
+            <a:off x="5105400" y="1405467"/>
+            <a:ext cx="0" cy="1202266"/>
+          </a:xfrm>
+          <a:prstGeom prst="line">
+            <a:avLst/>
+          </a:prstGeom>
+        </p:spPr>
+        <p:style>
+          <a:lnRef idx="1">
+            <a:schemeClr val="accent1"/>
+          </a:lnRef>
+          <a:fillRef idx="0">
+            <a:schemeClr val="accent1"/>
+          </a:fillRef>
+          <a:effectRef idx="0">
+            <a:schemeClr val="accent1"/>
+          </a:effectRef>
+          <a:fontRef idx="minor">
+            <a:schemeClr val="tx1"/>
+          </a:fontRef>
+        </p:style>
+      </p:cxnSp>
+      <p:sp>
+        <p:nvSpPr>
+          <p:cNvPr id="20" name="화살표: 아래로 구부러짐 19">
+            <a:extLst>
+              <a:ext uri="{FF2B5EF4-FFF2-40B4-BE49-F238E27FC236}">
+                <a16:creationId xmlns:a16="http://schemas.microsoft.com/office/drawing/2014/main" id="{B12056A0-3C48-4483-AB7E-2EA8B47C3CA2}"/>
+              </a:ext>
+            </a:extLst>
+          </p:cNvPr>
+          <p:cNvSpPr/>
+          <p:nvPr/>
+        </p:nvSpPr>
+        <p:spPr>
+          <a:xfrm>
+            <a:off x="3776141" y="567269"/>
+            <a:ext cx="2319858" cy="1168395"/>
+          </a:xfrm>
+          <a:prstGeom prst="curvedDownArrow">
+            <a:avLst/>
+          </a:prstGeom>
+          <a:solidFill>
+            <a:schemeClr val="accent2"/>
+          </a:solidFill>
+        </p:spPr>
+        <p:style>
+          <a:lnRef idx="2">
+            <a:schemeClr val="accent1">
+              <a:shade val="50000"/>
+            </a:schemeClr>
+          </a:lnRef>
+          <a:fillRef idx="1">
+            <a:schemeClr val="accent1"/>
+          </a:fillRef>
+          <a:effectRef idx="0">
+            <a:schemeClr val="accent1"/>
+          </a:effectRef>
+          <a:fontRef idx="minor">
+            <a:schemeClr val="lt1"/>
+          </a:fontRef>
+        </p:style>
+        <p:txBody>
+          <a:bodyPr rtlCol="0" anchor="ctr"/>
+          <a:lstStyle/>
+          <a:p>
+            <a:pPr algn="ctr"/>
+            <a:endParaRPr lang="ko-KR" altLang="en-US">
+              <a:solidFill>
+                <a:schemeClr val="tx1"/>
+              </a:solidFill>
+            </a:endParaRPr>
+          </a:p>
+        </p:txBody>
+      </p:sp>
+      <p:sp>
+        <p:nvSpPr>
+          <p:cNvPr id="21" name="화살표: 아래로 구부러짐 20">
+            <a:extLst>
+              <a:ext uri="{FF2B5EF4-FFF2-40B4-BE49-F238E27FC236}">
+                <a16:creationId xmlns:a16="http://schemas.microsoft.com/office/drawing/2014/main" id="{6E5ABA33-395A-43C9-A47B-0A543ECA10B1}"/>
+              </a:ext>
+            </a:extLst>
+          </p:cNvPr>
+          <p:cNvSpPr/>
+          <p:nvPr/>
+        </p:nvSpPr>
+        <p:spPr>
+          <a:xfrm>
+            <a:off x="6434658" y="821264"/>
+            <a:ext cx="1981199" cy="914400"/>
+          </a:xfrm>
+          <a:prstGeom prst="curvedDownArrow">
+            <a:avLst/>
+          </a:prstGeom>
+          <a:solidFill>
+            <a:schemeClr val="accent2"/>
+          </a:solidFill>
+        </p:spPr>
+        <p:style>
+          <a:lnRef idx="2">
+            <a:schemeClr val="accent1">
+              <a:shade val="50000"/>
+            </a:schemeClr>
+          </a:lnRef>
+          <a:fillRef idx="1">
+            <a:schemeClr val="accent1"/>
+          </a:fillRef>
+          <a:effectRef idx="0">
+            <a:schemeClr val="accent1"/>
+          </a:effectRef>
+          <a:fontRef idx="minor">
+            <a:schemeClr val="lt1"/>
+          </a:fontRef>
+        </p:style>
+        <p:txBody>
+          <a:bodyPr rtlCol="0" anchor="ctr"/>
+          <a:lstStyle/>
+          <a:p>
+            <a:pPr algn="ctr"/>
+            <a:endParaRPr lang="ko-KR" altLang="en-US" dirty="0">
+              <a:solidFill>
+                <a:schemeClr val="tx1"/>
+              </a:solidFill>
+            </a:endParaRPr>
+          </a:p>
+        </p:txBody>
+      </p:sp>
+      <p:sp>
+        <p:nvSpPr>
+          <p:cNvPr id="22" name="TextBox 21">
+            <a:extLst>
+              <a:ext uri="{FF2B5EF4-FFF2-40B4-BE49-F238E27FC236}">
+                <a16:creationId xmlns:a16="http://schemas.microsoft.com/office/drawing/2014/main" id="{6937CB53-3823-46A3-BE7A-E9602E358BAE}"/>
+              </a:ext>
+            </a:extLst>
+          </p:cNvPr>
+          <p:cNvSpPr txBox="1"/>
+          <p:nvPr/>
+        </p:nvSpPr>
+        <p:spPr>
+          <a:xfrm>
+            <a:off x="3776141" y="3285067"/>
+            <a:ext cx="965192" cy="369332"/>
+          </a:xfrm>
+          <a:prstGeom prst="rect">
+            <a:avLst/>
+          </a:prstGeom>
+          <a:noFill/>
+        </p:spPr>
+        <p:txBody>
+          <a:bodyPr wrap="square" rtlCol="0">
+            <a:spAutoFit/>
+          </a:bodyPr>
+          <a:lstStyle/>
+          <a:p>
+            <a:r>
+              <a:rPr lang="en-US" altLang="ko-KR" dirty="0"/>
+              <a:t>top</a:t>
+            </a:r>
+            <a:endParaRPr lang="ko-KR" altLang="en-US" dirty="0"/>
+          </a:p>
+        </p:txBody>
+      </p:sp>
+      <p:sp>
+        <p:nvSpPr>
+          <p:cNvPr id="23" name="TextBox 22">
+            <a:extLst>
+              <a:ext uri="{FF2B5EF4-FFF2-40B4-BE49-F238E27FC236}">
+                <a16:creationId xmlns:a16="http://schemas.microsoft.com/office/drawing/2014/main" id="{948A4BD4-BBA5-4B21-88B2-D612BECFC78D}"/>
+              </a:ext>
+            </a:extLst>
+          </p:cNvPr>
+          <p:cNvSpPr txBox="1"/>
+          <p:nvPr/>
+        </p:nvSpPr>
+        <p:spPr>
+          <a:xfrm>
+            <a:off x="6722528" y="1151466"/>
+            <a:ext cx="1092201" cy="369332"/>
+          </a:xfrm>
+          <a:prstGeom prst="rect">
+            <a:avLst/>
+          </a:prstGeom>
+          <a:noFill/>
+        </p:spPr>
+        <p:txBody>
+          <a:bodyPr wrap="square" rtlCol="0">
+            <a:spAutoFit/>
+          </a:bodyPr>
+          <a:lstStyle/>
+          <a:p>
+            <a:r>
+              <a:rPr lang="ko-KR" altLang="en-US" dirty="0"/>
+              <a:t>① </a:t>
+            </a:r>
+            <a:r>
+              <a:rPr lang="en-US" altLang="ko-KR" dirty="0"/>
+              <a:t>pop{}</a:t>
+            </a:r>
+            <a:endParaRPr lang="ko-KR" altLang="en-US" dirty="0"/>
+          </a:p>
+        </p:txBody>
+      </p:sp>
+      <p:sp>
+        <p:nvSpPr>
+          <p:cNvPr id="24" name="TextBox 23">
+            <a:extLst>
+              <a:ext uri="{FF2B5EF4-FFF2-40B4-BE49-F238E27FC236}">
+                <a16:creationId xmlns:a16="http://schemas.microsoft.com/office/drawing/2014/main" id="{A2F478C0-60B8-44C4-9C8F-156FE97A262F}"/>
+              </a:ext>
+            </a:extLst>
+          </p:cNvPr>
+          <p:cNvSpPr txBox="1"/>
+          <p:nvPr/>
+        </p:nvSpPr>
+        <p:spPr>
+          <a:xfrm>
+            <a:off x="4343404" y="1373200"/>
+            <a:ext cx="1447803" cy="369332"/>
+          </a:xfrm>
+          <a:prstGeom prst="rect">
+            <a:avLst/>
+          </a:prstGeom>
+          <a:noFill/>
+        </p:spPr>
+        <p:txBody>
+          <a:bodyPr wrap="square" rtlCol="0">
+            <a:spAutoFit/>
+          </a:bodyPr>
+          <a:lstStyle/>
+          <a:p>
+            <a:r>
+              <a:rPr lang="ko-KR" altLang="en-US" dirty="0"/>
+              <a:t>① </a:t>
+            </a:r>
+            <a:r>
+              <a:rPr lang="en-US" altLang="ko-KR" dirty="0"/>
+              <a:t>push{}</a:t>
+            </a:r>
+            <a:endParaRPr lang="ko-KR" altLang="en-US" dirty="0"/>
+          </a:p>
+        </p:txBody>
+      </p:sp>
+      <p:sp>
+        <p:nvSpPr>
+          <p:cNvPr id="25" name="TextBox 24">
+            <a:extLst>
+              <a:ext uri="{FF2B5EF4-FFF2-40B4-BE49-F238E27FC236}">
+                <a16:creationId xmlns:a16="http://schemas.microsoft.com/office/drawing/2014/main" id="{73C781AD-618B-43EA-AE77-B222D7B8995D}"/>
+              </a:ext>
+            </a:extLst>
+          </p:cNvPr>
+          <p:cNvSpPr txBox="1"/>
+          <p:nvPr/>
+        </p:nvSpPr>
+        <p:spPr>
+          <a:xfrm>
+            <a:off x="9804407" y="2777067"/>
+            <a:ext cx="965192" cy="646331"/>
+          </a:xfrm>
+          <a:prstGeom prst="rect">
+            <a:avLst/>
+          </a:prstGeom>
+          <a:noFill/>
+        </p:spPr>
+        <p:txBody>
+          <a:bodyPr wrap="square" rtlCol="0">
+            <a:spAutoFit/>
+          </a:bodyPr>
+          <a:lstStyle/>
+          <a:p>
+            <a:r>
+              <a:rPr lang="en-US" altLang="ko-KR" dirty="0"/>
+              <a:t>Stack</a:t>
+            </a:r>
+          </a:p>
+          <a:p>
+            <a:endParaRPr lang="ko-KR" altLang="en-US" dirty="0"/>
+          </a:p>
+        </p:txBody>
+      </p:sp>
     </p:spTree>
     <p:extLst>
       <p:ext uri="{BB962C8B-B14F-4D97-AF65-F5344CB8AC3E}">
         <p14:creationId xmlns:p14="http://schemas.microsoft.com/office/powerpoint/2010/main" val="1296159772"/>
+      </p:ext>
+    </p:extLst>
+  </p:cSld>
+  <p:clrMapOvr>
+    <a:masterClrMapping/>
+  </p:clrMapOvr>
+</p:sld>
+</file>
+
+<file path=ppt/slides/slide6.xml><?xml version="1.0" encoding="utf-8"?>
+<p:sld xmlns:a="http://schemas.openxmlformats.org/drawingml/2006/main" xmlns:r="http://schemas.openxmlformats.org/officeDocument/2006/relationships" xmlns:p="http://schemas.openxmlformats.org/presentationml/2006/main">
+  <p:cSld>
+    <p:spTree>
+      <p:nvGrpSpPr>
+        <p:cNvPr id="1" name=""/>
+        <p:cNvGrpSpPr/>
+        <p:nvPr/>
+      </p:nvGrpSpPr>
+      <p:grpSpPr>
+        <a:xfrm>
+          <a:off x="0" y="0"/>
+          <a:ext cx="0" cy="0"/>
+          <a:chOff x="0" y="0"/>
+          <a:chExt cx="0" cy="0"/>
+        </a:xfrm>
+      </p:grpSpPr>
+      <p:sp>
+        <p:nvSpPr>
+          <p:cNvPr id="5" name="정육면체 4">
+            <a:extLst>
+              <a:ext uri="{FF2B5EF4-FFF2-40B4-BE49-F238E27FC236}">
+                <a16:creationId xmlns:a16="http://schemas.microsoft.com/office/drawing/2014/main" id="{AC1E15FE-2C45-42E2-924F-A6B65EA0AC36}"/>
+              </a:ext>
+            </a:extLst>
+          </p:cNvPr>
+          <p:cNvSpPr/>
+          <p:nvPr/>
+        </p:nvSpPr>
+        <p:spPr>
+          <a:xfrm>
+            <a:off x="423333" y="745065"/>
+            <a:ext cx="1117601" cy="999067"/>
+          </a:xfrm>
+          <a:prstGeom prst="cube">
+            <a:avLst/>
+          </a:prstGeom>
+          <a:solidFill>
+            <a:schemeClr val="accent1">
+              <a:lumMod val="20000"/>
+              <a:lumOff val="80000"/>
+            </a:schemeClr>
+          </a:solidFill>
+        </p:spPr>
+        <p:style>
+          <a:lnRef idx="2">
+            <a:schemeClr val="accent1">
+              <a:shade val="50000"/>
+            </a:schemeClr>
+          </a:lnRef>
+          <a:fillRef idx="1">
+            <a:schemeClr val="accent1"/>
+          </a:fillRef>
+          <a:effectRef idx="0">
+            <a:schemeClr val="accent1"/>
+          </a:effectRef>
+          <a:fontRef idx="minor">
+            <a:schemeClr val="lt1"/>
+          </a:fontRef>
+        </p:style>
+        <p:txBody>
+          <a:bodyPr rtlCol="0" anchor="ctr"/>
+          <a:lstStyle/>
+          <a:p>
+            <a:pPr algn="ctr"/>
+            <a:r>
+              <a:rPr lang="en-US" altLang="ko-KR" dirty="0">
+                <a:solidFill>
+                  <a:schemeClr val="tx1"/>
+                </a:solidFill>
+              </a:rPr>
+              <a:t>1</a:t>
+            </a:r>
+            <a:endParaRPr lang="ko-KR" altLang="en-US" dirty="0">
+              <a:solidFill>
+                <a:schemeClr val="tx1"/>
+              </a:solidFill>
+            </a:endParaRPr>
+          </a:p>
+        </p:txBody>
+      </p:sp>
+      <p:sp>
+        <p:nvSpPr>
+          <p:cNvPr id="9" name="정육면체 8">
+            <a:extLst>
+              <a:ext uri="{FF2B5EF4-FFF2-40B4-BE49-F238E27FC236}">
+                <a16:creationId xmlns:a16="http://schemas.microsoft.com/office/drawing/2014/main" id="{CF473E5B-BD28-4C63-AB02-94E4DD018A0E}"/>
+              </a:ext>
+            </a:extLst>
+          </p:cNvPr>
+          <p:cNvSpPr/>
+          <p:nvPr/>
+        </p:nvSpPr>
+        <p:spPr>
+          <a:xfrm>
+            <a:off x="1380063" y="745065"/>
+            <a:ext cx="1117601" cy="999067"/>
+          </a:xfrm>
+          <a:prstGeom prst="cube">
+            <a:avLst/>
+          </a:prstGeom>
+          <a:solidFill>
+            <a:schemeClr val="accent1">
+              <a:lumMod val="60000"/>
+              <a:lumOff val="40000"/>
+            </a:schemeClr>
+          </a:solidFill>
+        </p:spPr>
+        <p:style>
+          <a:lnRef idx="2">
+            <a:schemeClr val="accent1">
+              <a:shade val="50000"/>
+            </a:schemeClr>
+          </a:lnRef>
+          <a:fillRef idx="1">
+            <a:schemeClr val="accent1"/>
+          </a:fillRef>
+          <a:effectRef idx="0">
+            <a:schemeClr val="accent1"/>
+          </a:effectRef>
+          <a:fontRef idx="minor">
+            <a:schemeClr val="lt1"/>
+          </a:fontRef>
+        </p:style>
+        <p:txBody>
+          <a:bodyPr rtlCol="0" anchor="ctr"/>
+          <a:lstStyle/>
+          <a:p>
+            <a:pPr algn="ctr"/>
+            <a:r>
+              <a:rPr lang="en-US" altLang="ko-KR" dirty="0"/>
+              <a:t>+</a:t>
+            </a:r>
+            <a:endParaRPr lang="ko-KR" altLang="en-US" dirty="0"/>
+          </a:p>
+        </p:txBody>
+      </p:sp>
+      <p:sp>
+        <p:nvSpPr>
+          <p:cNvPr id="10" name="정육면체 9">
+            <a:extLst>
+              <a:ext uri="{FF2B5EF4-FFF2-40B4-BE49-F238E27FC236}">
+                <a16:creationId xmlns:a16="http://schemas.microsoft.com/office/drawing/2014/main" id="{D017E923-00AA-4A48-B30C-E0B3B3C47E15}"/>
+              </a:ext>
+            </a:extLst>
+          </p:cNvPr>
+          <p:cNvSpPr/>
+          <p:nvPr/>
+        </p:nvSpPr>
+        <p:spPr>
+          <a:xfrm>
+            <a:off x="2336793" y="745065"/>
+            <a:ext cx="1117601" cy="999067"/>
+          </a:xfrm>
+          <a:prstGeom prst="cube">
+            <a:avLst/>
+          </a:prstGeom>
+          <a:solidFill>
+            <a:schemeClr val="accent1">
+              <a:lumMod val="20000"/>
+              <a:lumOff val="80000"/>
+            </a:schemeClr>
+          </a:solidFill>
+        </p:spPr>
+        <p:style>
+          <a:lnRef idx="2">
+            <a:schemeClr val="accent1">
+              <a:shade val="50000"/>
+            </a:schemeClr>
+          </a:lnRef>
+          <a:fillRef idx="1">
+            <a:schemeClr val="accent1"/>
+          </a:fillRef>
+          <a:effectRef idx="0">
+            <a:schemeClr val="accent1"/>
+          </a:effectRef>
+          <a:fontRef idx="minor">
+            <a:schemeClr val="lt1"/>
+          </a:fontRef>
+        </p:style>
+        <p:txBody>
+          <a:bodyPr rtlCol="0" anchor="ctr"/>
+          <a:lstStyle/>
+          <a:p>
+            <a:pPr algn="ctr"/>
+            <a:r>
+              <a:rPr lang="en-US" altLang="ko-KR" dirty="0">
+                <a:solidFill>
+                  <a:schemeClr val="tx1"/>
+                </a:solidFill>
+              </a:rPr>
+              <a:t>2</a:t>
+            </a:r>
+            <a:endParaRPr lang="ko-KR" altLang="en-US" dirty="0">
+              <a:solidFill>
+                <a:schemeClr val="tx1"/>
+              </a:solidFill>
+            </a:endParaRPr>
+          </a:p>
+        </p:txBody>
+      </p:sp>
+      <p:sp>
+        <p:nvSpPr>
+          <p:cNvPr id="11" name="정육면체 10">
+            <a:extLst>
+              <a:ext uri="{FF2B5EF4-FFF2-40B4-BE49-F238E27FC236}">
+                <a16:creationId xmlns:a16="http://schemas.microsoft.com/office/drawing/2014/main" id="{BAEC302A-32B5-42F2-8EF1-23195661CEFF}"/>
+              </a:ext>
+            </a:extLst>
+          </p:cNvPr>
+          <p:cNvSpPr/>
+          <p:nvPr/>
+        </p:nvSpPr>
+        <p:spPr>
+          <a:xfrm>
+            <a:off x="3318939" y="745064"/>
+            <a:ext cx="1117601" cy="999067"/>
+          </a:xfrm>
+          <a:prstGeom prst="cube">
+            <a:avLst/>
+          </a:prstGeom>
+          <a:solidFill>
+            <a:schemeClr val="accent1">
+              <a:lumMod val="60000"/>
+              <a:lumOff val="40000"/>
+            </a:schemeClr>
+          </a:solidFill>
+        </p:spPr>
+        <p:style>
+          <a:lnRef idx="2">
+            <a:schemeClr val="accent1">
+              <a:shade val="50000"/>
+            </a:schemeClr>
+          </a:lnRef>
+          <a:fillRef idx="1">
+            <a:schemeClr val="accent1"/>
+          </a:fillRef>
+          <a:effectRef idx="0">
+            <a:schemeClr val="accent1"/>
+          </a:effectRef>
+          <a:fontRef idx="minor">
+            <a:schemeClr val="lt1"/>
+          </a:fontRef>
+        </p:style>
+        <p:txBody>
+          <a:bodyPr rtlCol="0" anchor="ctr"/>
+          <a:lstStyle/>
+          <a:p>
+            <a:pPr algn="ctr"/>
+            <a:r>
+              <a:rPr lang="en-US" altLang="ko-KR" dirty="0"/>
+              <a:t>*</a:t>
+            </a:r>
+            <a:endParaRPr lang="ko-KR" altLang="en-US" dirty="0"/>
+          </a:p>
+        </p:txBody>
+      </p:sp>
+      <p:sp>
+        <p:nvSpPr>
+          <p:cNvPr id="12" name="정육면체 11">
+            <a:extLst>
+              <a:ext uri="{FF2B5EF4-FFF2-40B4-BE49-F238E27FC236}">
+                <a16:creationId xmlns:a16="http://schemas.microsoft.com/office/drawing/2014/main" id="{CAC8EE89-BBA8-4D91-A2AD-756ED450CA35}"/>
+              </a:ext>
+            </a:extLst>
+          </p:cNvPr>
+          <p:cNvSpPr/>
+          <p:nvPr/>
+        </p:nvSpPr>
+        <p:spPr>
+          <a:xfrm>
+            <a:off x="4318018" y="745064"/>
+            <a:ext cx="1117601" cy="999067"/>
+          </a:xfrm>
+          <a:prstGeom prst="cube">
+            <a:avLst/>
+          </a:prstGeom>
+          <a:solidFill>
+            <a:schemeClr val="accent1">
+              <a:lumMod val="20000"/>
+              <a:lumOff val="80000"/>
+            </a:schemeClr>
+          </a:solidFill>
+        </p:spPr>
+        <p:style>
+          <a:lnRef idx="2">
+            <a:schemeClr val="accent1">
+              <a:shade val="50000"/>
+            </a:schemeClr>
+          </a:lnRef>
+          <a:fillRef idx="1">
+            <a:schemeClr val="accent1"/>
+          </a:fillRef>
+          <a:effectRef idx="0">
+            <a:schemeClr val="accent1"/>
+          </a:effectRef>
+          <a:fontRef idx="minor">
+            <a:schemeClr val="lt1"/>
+          </a:fontRef>
+        </p:style>
+        <p:txBody>
+          <a:bodyPr rtlCol="0" anchor="ctr"/>
+          <a:lstStyle/>
+          <a:p>
+            <a:pPr algn="ctr"/>
+            <a:r>
+              <a:rPr lang="en-US" altLang="ko-KR" dirty="0">
+                <a:solidFill>
+                  <a:schemeClr val="tx1"/>
+                </a:solidFill>
+              </a:rPr>
+              <a:t>3</a:t>
+            </a:r>
+            <a:endParaRPr lang="ko-KR" altLang="en-US" dirty="0">
+              <a:solidFill>
+                <a:schemeClr val="tx1"/>
+              </a:solidFill>
+            </a:endParaRPr>
+          </a:p>
+        </p:txBody>
+      </p:sp>
+      <p:sp>
+        <p:nvSpPr>
+          <p:cNvPr id="14" name="정육면체 13">
+            <a:extLst>
+              <a:ext uri="{FF2B5EF4-FFF2-40B4-BE49-F238E27FC236}">
+                <a16:creationId xmlns:a16="http://schemas.microsoft.com/office/drawing/2014/main" id="{02623D8C-DCE1-410E-8192-08AE5E41C1EE}"/>
+              </a:ext>
+            </a:extLst>
+          </p:cNvPr>
+          <p:cNvSpPr/>
+          <p:nvPr/>
+        </p:nvSpPr>
+        <p:spPr>
+          <a:xfrm>
+            <a:off x="6299243" y="745065"/>
+            <a:ext cx="1117601" cy="999067"/>
+          </a:xfrm>
+          <a:prstGeom prst="cube">
+            <a:avLst/>
+          </a:prstGeom>
+          <a:solidFill>
+            <a:schemeClr val="accent1">
+              <a:lumMod val="20000"/>
+              <a:lumOff val="80000"/>
+            </a:schemeClr>
+          </a:solidFill>
+        </p:spPr>
+        <p:style>
+          <a:lnRef idx="2">
+            <a:schemeClr val="accent1">
+              <a:shade val="50000"/>
+            </a:schemeClr>
+          </a:lnRef>
+          <a:fillRef idx="1">
+            <a:schemeClr val="accent1"/>
+          </a:fillRef>
+          <a:effectRef idx="0">
+            <a:schemeClr val="accent1"/>
+          </a:effectRef>
+          <a:fontRef idx="minor">
+            <a:schemeClr val="lt1"/>
+          </a:fontRef>
+        </p:style>
+        <p:txBody>
+          <a:bodyPr rtlCol="0" anchor="ctr"/>
+          <a:lstStyle/>
+          <a:p>
+            <a:pPr algn="ctr"/>
+            <a:r>
+              <a:rPr lang="en-US" altLang="ko-KR" dirty="0">
+                <a:solidFill>
+                  <a:schemeClr val="tx1"/>
+                </a:solidFill>
+              </a:rPr>
+              <a:t>2</a:t>
+            </a:r>
+            <a:endParaRPr lang="ko-KR" altLang="en-US" dirty="0">
+              <a:solidFill>
+                <a:schemeClr val="tx1"/>
+              </a:solidFill>
+            </a:endParaRPr>
+          </a:p>
+        </p:txBody>
+      </p:sp>
+      <p:sp>
+        <p:nvSpPr>
+          <p:cNvPr id="17" name="정육면체 16">
+            <a:extLst>
+              <a:ext uri="{FF2B5EF4-FFF2-40B4-BE49-F238E27FC236}">
+                <a16:creationId xmlns:a16="http://schemas.microsoft.com/office/drawing/2014/main" id="{B3B4B9E5-DDB6-45CC-9E60-5982023E601A}"/>
+              </a:ext>
+            </a:extLst>
+          </p:cNvPr>
+          <p:cNvSpPr/>
+          <p:nvPr/>
+        </p:nvSpPr>
+        <p:spPr>
+          <a:xfrm>
+            <a:off x="7264462" y="745065"/>
+            <a:ext cx="1117601" cy="999067"/>
+          </a:xfrm>
+          <a:prstGeom prst="cube">
+            <a:avLst/>
+          </a:prstGeom>
+          <a:solidFill>
+            <a:schemeClr val="accent1">
+              <a:lumMod val="60000"/>
+              <a:lumOff val="40000"/>
+            </a:schemeClr>
+          </a:solidFill>
+        </p:spPr>
+        <p:style>
+          <a:lnRef idx="2">
+            <a:schemeClr val="accent1">
+              <a:shade val="50000"/>
+            </a:schemeClr>
+          </a:lnRef>
+          <a:fillRef idx="1">
+            <a:schemeClr val="accent1"/>
+          </a:fillRef>
+          <a:effectRef idx="0">
+            <a:schemeClr val="accent1"/>
+          </a:effectRef>
+          <a:fontRef idx="minor">
+            <a:schemeClr val="lt1"/>
+          </a:fontRef>
+        </p:style>
+        <p:txBody>
+          <a:bodyPr rtlCol="0" anchor="ctr"/>
+          <a:lstStyle/>
+          <a:p>
+            <a:pPr algn="ctr"/>
+            <a:r>
+              <a:rPr lang="en-US" altLang="ko-KR" dirty="0">
+                <a:solidFill>
+                  <a:schemeClr val="bg1"/>
+                </a:solidFill>
+              </a:rPr>
+              <a:t>*</a:t>
+            </a:r>
+            <a:endParaRPr lang="ko-KR" altLang="en-US" dirty="0">
+              <a:solidFill>
+                <a:schemeClr val="bg1"/>
+              </a:solidFill>
+            </a:endParaRPr>
+          </a:p>
+        </p:txBody>
+      </p:sp>
+      <p:sp>
+        <p:nvSpPr>
+          <p:cNvPr id="18" name="정육면체 17">
+            <a:extLst>
+              <a:ext uri="{FF2B5EF4-FFF2-40B4-BE49-F238E27FC236}">
+                <a16:creationId xmlns:a16="http://schemas.microsoft.com/office/drawing/2014/main" id="{3008593D-E3B7-429D-A228-70C64007523A}"/>
+              </a:ext>
+            </a:extLst>
+          </p:cNvPr>
+          <p:cNvSpPr/>
+          <p:nvPr/>
+        </p:nvSpPr>
+        <p:spPr>
+          <a:xfrm>
+            <a:off x="8238119" y="745064"/>
+            <a:ext cx="1117601" cy="999067"/>
+          </a:xfrm>
+          <a:prstGeom prst="cube">
+            <a:avLst/>
+          </a:prstGeom>
+          <a:solidFill>
+            <a:schemeClr val="accent1">
+              <a:lumMod val="20000"/>
+              <a:lumOff val="80000"/>
+            </a:schemeClr>
+          </a:solidFill>
+        </p:spPr>
+        <p:style>
+          <a:lnRef idx="2">
+            <a:schemeClr val="accent1">
+              <a:shade val="50000"/>
+            </a:schemeClr>
+          </a:lnRef>
+          <a:fillRef idx="1">
+            <a:schemeClr val="accent1"/>
+          </a:fillRef>
+          <a:effectRef idx="0">
+            <a:schemeClr val="accent1"/>
+          </a:effectRef>
+          <a:fontRef idx="minor">
+            <a:schemeClr val="lt1"/>
+          </a:fontRef>
+        </p:style>
+        <p:txBody>
+          <a:bodyPr rtlCol="0" anchor="ctr"/>
+          <a:lstStyle/>
+          <a:p>
+            <a:pPr algn="ctr"/>
+            <a:r>
+              <a:rPr lang="en-US" altLang="ko-KR" dirty="0">
+                <a:solidFill>
+                  <a:schemeClr val="tx1"/>
+                </a:solidFill>
+              </a:rPr>
+              <a:t>3</a:t>
+            </a:r>
+            <a:endParaRPr lang="ko-KR" altLang="en-US" dirty="0">
+              <a:solidFill>
+                <a:schemeClr val="tx1"/>
+              </a:solidFill>
+            </a:endParaRPr>
+          </a:p>
+        </p:txBody>
+      </p:sp>
+      <p:sp>
+        <p:nvSpPr>
+          <p:cNvPr id="19" name="화살표: 오른쪽 18">
+            <a:extLst>
+              <a:ext uri="{FF2B5EF4-FFF2-40B4-BE49-F238E27FC236}">
+                <a16:creationId xmlns:a16="http://schemas.microsoft.com/office/drawing/2014/main" id="{9DBF8520-BF03-4AF5-8AE5-D47410EA677F}"/>
+              </a:ext>
+            </a:extLst>
+          </p:cNvPr>
+          <p:cNvSpPr/>
+          <p:nvPr/>
+        </p:nvSpPr>
+        <p:spPr>
+          <a:xfrm>
+            <a:off x="5655733" y="1100667"/>
+            <a:ext cx="440267" cy="389466"/>
+          </a:xfrm>
+          <a:prstGeom prst="rightArrow">
+            <a:avLst/>
+          </a:prstGeom>
+        </p:spPr>
+        <p:style>
+          <a:lnRef idx="2">
+            <a:schemeClr val="accent1">
+              <a:shade val="50000"/>
+            </a:schemeClr>
+          </a:lnRef>
+          <a:fillRef idx="1">
+            <a:schemeClr val="accent1"/>
+          </a:fillRef>
+          <a:effectRef idx="0">
+            <a:schemeClr val="accent1"/>
+          </a:effectRef>
+          <a:fontRef idx="minor">
+            <a:schemeClr val="lt1"/>
+          </a:fontRef>
+        </p:style>
+        <p:txBody>
+          <a:bodyPr rtlCol="0" anchor="ctr"/>
+          <a:lstStyle/>
+          <a:p>
+            <a:pPr algn="ctr"/>
+            <a:endParaRPr lang="ko-KR" altLang="en-US"/>
+          </a:p>
+        </p:txBody>
+      </p:sp>
+      <p:sp>
+        <p:nvSpPr>
+          <p:cNvPr id="20" name="화살표: 오른쪽 19">
+            <a:extLst>
+              <a:ext uri="{FF2B5EF4-FFF2-40B4-BE49-F238E27FC236}">
+                <a16:creationId xmlns:a16="http://schemas.microsoft.com/office/drawing/2014/main" id="{22186E27-0CA4-4A3C-AE86-E57761CA081D}"/>
+              </a:ext>
+            </a:extLst>
+          </p:cNvPr>
+          <p:cNvSpPr/>
+          <p:nvPr/>
+        </p:nvSpPr>
+        <p:spPr>
+          <a:xfrm>
+            <a:off x="9635073" y="1049864"/>
+            <a:ext cx="440267" cy="389466"/>
+          </a:xfrm>
+          <a:prstGeom prst="rightArrow">
+            <a:avLst/>
+          </a:prstGeom>
+        </p:spPr>
+        <p:style>
+          <a:lnRef idx="2">
+            <a:schemeClr val="accent1">
+              <a:shade val="50000"/>
+            </a:schemeClr>
+          </a:lnRef>
+          <a:fillRef idx="1">
+            <a:schemeClr val="accent1"/>
+          </a:fillRef>
+          <a:effectRef idx="0">
+            <a:schemeClr val="accent1"/>
+          </a:effectRef>
+          <a:fontRef idx="minor">
+            <a:schemeClr val="lt1"/>
+          </a:fontRef>
+        </p:style>
+        <p:txBody>
+          <a:bodyPr rtlCol="0" anchor="ctr"/>
+          <a:lstStyle/>
+          <a:p>
+            <a:pPr algn="ctr"/>
+            <a:endParaRPr lang="ko-KR" altLang="en-US"/>
+          </a:p>
+        </p:txBody>
+      </p:sp>
+      <p:sp>
+        <p:nvSpPr>
+          <p:cNvPr id="21" name="정육면체 20">
+            <a:extLst>
+              <a:ext uri="{FF2B5EF4-FFF2-40B4-BE49-F238E27FC236}">
+                <a16:creationId xmlns:a16="http://schemas.microsoft.com/office/drawing/2014/main" id="{D78443E8-208A-475D-86EC-A86C34975316}"/>
+              </a:ext>
+            </a:extLst>
+          </p:cNvPr>
+          <p:cNvSpPr/>
+          <p:nvPr/>
+        </p:nvSpPr>
+        <p:spPr>
+          <a:xfrm>
+            <a:off x="10358946" y="745064"/>
+            <a:ext cx="1117601" cy="999067"/>
+          </a:xfrm>
+          <a:prstGeom prst="cube">
+            <a:avLst/>
+          </a:prstGeom>
+          <a:solidFill>
+            <a:schemeClr val="accent1">
+              <a:lumMod val="20000"/>
+              <a:lumOff val="80000"/>
+            </a:schemeClr>
+          </a:solidFill>
+        </p:spPr>
+        <p:style>
+          <a:lnRef idx="2">
+            <a:schemeClr val="accent1">
+              <a:shade val="50000"/>
+            </a:schemeClr>
+          </a:lnRef>
+          <a:fillRef idx="1">
+            <a:schemeClr val="accent1"/>
+          </a:fillRef>
+          <a:effectRef idx="0">
+            <a:schemeClr val="accent1"/>
+          </a:effectRef>
+          <a:fontRef idx="minor">
+            <a:schemeClr val="lt1"/>
+          </a:fontRef>
+        </p:style>
+        <p:txBody>
+          <a:bodyPr rtlCol="0" anchor="ctr"/>
+          <a:lstStyle/>
+          <a:p>
+            <a:pPr algn="ctr"/>
+            <a:r>
+              <a:rPr lang="en-US" altLang="ko-KR" dirty="0">
+                <a:solidFill>
+                  <a:schemeClr val="tx1"/>
+                </a:solidFill>
+              </a:rPr>
+              <a:t>6</a:t>
+            </a:r>
+            <a:endParaRPr lang="ko-KR" altLang="en-US" dirty="0">
+              <a:solidFill>
+                <a:schemeClr val="tx1"/>
+              </a:solidFill>
+            </a:endParaRPr>
+          </a:p>
+        </p:txBody>
+      </p:sp>
+      <p:sp>
+        <p:nvSpPr>
+          <p:cNvPr id="22" name="정육면체 21">
+            <a:extLst>
+              <a:ext uri="{FF2B5EF4-FFF2-40B4-BE49-F238E27FC236}">
+                <a16:creationId xmlns:a16="http://schemas.microsoft.com/office/drawing/2014/main" id="{C72AC413-E118-46F4-AF7D-201C373D7BE3}"/>
+              </a:ext>
+            </a:extLst>
+          </p:cNvPr>
+          <p:cNvSpPr/>
+          <p:nvPr/>
+        </p:nvSpPr>
+        <p:spPr>
+          <a:xfrm>
+            <a:off x="427543" y="3132665"/>
+            <a:ext cx="1117601" cy="999067"/>
+          </a:xfrm>
+          <a:prstGeom prst="cube">
+            <a:avLst/>
+          </a:prstGeom>
+          <a:solidFill>
+            <a:schemeClr val="accent1">
+              <a:lumMod val="20000"/>
+              <a:lumOff val="80000"/>
+            </a:schemeClr>
+          </a:solidFill>
+        </p:spPr>
+        <p:style>
+          <a:lnRef idx="2">
+            <a:schemeClr val="accent1">
+              <a:shade val="50000"/>
+            </a:schemeClr>
+          </a:lnRef>
+          <a:fillRef idx="1">
+            <a:schemeClr val="accent1"/>
+          </a:fillRef>
+          <a:effectRef idx="0">
+            <a:schemeClr val="accent1"/>
+          </a:effectRef>
+          <a:fontRef idx="minor">
+            <a:schemeClr val="lt1"/>
+          </a:fontRef>
+        </p:style>
+        <p:txBody>
+          <a:bodyPr rtlCol="0" anchor="ctr"/>
+          <a:lstStyle/>
+          <a:p>
+            <a:pPr algn="ctr"/>
+            <a:r>
+              <a:rPr lang="en-US" altLang="ko-KR" dirty="0">
+                <a:solidFill>
+                  <a:schemeClr val="tx1"/>
+                </a:solidFill>
+              </a:rPr>
+              <a:t>1</a:t>
+            </a:r>
+            <a:endParaRPr lang="ko-KR" altLang="en-US" dirty="0">
+              <a:solidFill>
+                <a:schemeClr val="tx1"/>
+              </a:solidFill>
+            </a:endParaRPr>
+          </a:p>
+        </p:txBody>
+      </p:sp>
+      <p:sp>
+        <p:nvSpPr>
+          <p:cNvPr id="24" name="정육면체 23">
+            <a:extLst>
+              <a:ext uri="{FF2B5EF4-FFF2-40B4-BE49-F238E27FC236}">
+                <a16:creationId xmlns:a16="http://schemas.microsoft.com/office/drawing/2014/main" id="{9F1E0505-EAE1-40A5-BFDE-1C56C755FF0F}"/>
+              </a:ext>
+            </a:extLst>
+          </p:cNvPr>
+          <p:cNvSpPr/>
+          <p:nvPr/>
+        </p:nvSpPr>
+        <p:spPr>
+          <a:xfrm>
+            <a:off x="1380062" y="3132664"/>
+            <a:ext cx="1117601" cy="999067"/>
+          </a:xfrm>
+          <a:prstGeom prst="cube">
+            <a:avLst/>
+          </a:prstGeom>
+          <a:solidFill>
+            <a:schemeClr val="accent1">
+              <a:lumMod val="60000"/>
+              <a:lumOff val="40000"/>
+            </a:schemeClr>
+          </a:solidFill>
+        </p:spPr>
+        <p:style>
+          <a:lnRef idx="2">
+            <a:schemeClr val="accent1">
+              <a:shade val="50000"/>
+            </a:schemeClr>
+          </a:lnRef>
+          <a:fillRef idx="1">
+            <a:schemeClr val="accent1"/>
+          </a:fillRef>
+          <a:effectRef idx="0">
+            <a:schemeClr val="accent1"/>
+          </a:effectRef>
+          <a:fontRef idx="minor">
+            <a:schemeClr val="lt1"/>
+          </a:fontRef>
+        </p:style>
+        <p:txBody>
+          <a:bodyPr rtlCol="0" anchor="ctr"/>
+          <a:lstStyle/>
+          <a:p>
+            <a:pPr algn="ctr"/>
+            <a:r>
+              <a:rPr lang="en-US" altLang="ko-KR" dirty="0"/>
+              <a:t>+</a:t>
+            </a:r>
+            <a:endParaRPr lang="ko-KR" altLang="en-US" dirty="0"/>
+          </a:p>
+        </p:txBody>
+      </p:sp>
+      <p:sp>
+        <p:nvSpPr>
+          <p:cNvPr id="25" name="정육면체 24">
+            <a:extLst>
+              <a:ext uri="{FF2B5EF4-FFF2-40B4-BE49-F238E27FC236}">
+                <a16:creationId xmlns:a16="http://schemas.microsoft.com/office/drawing/2014/main" id="{63D7C886-4EDF-44B3-888A-63F8BF4B3932}"/>
+              </a:ext>
+            </a:extLst>
+          </p:cNvPr>
+          <p:cNvSpPr/>
+          <p:nvPr/>
+        </p:nvSpPr>
+        <p:spPr>
+          <a:xfrm>
+            <a:off x="2332581" y="3132664"/>
+            <a:ext cx="1117601" cy="999067"/>
+          </a:xfrm>
+          <a:prstGeom prst="cube">
+            <a:avLst/>
+          </a:prstGeom>
+          <a:solidFill>
+            <a:schemeClr val="accent1">
+              <a:lumMod val="20000"/>
+              <a:lumOff val="80000"/>
+            </a:schemeClr>
+          </a:solidFill>
+        </p:spPr>
+        <p:style>
+          <a:lnRef idx="2">
+            <a:schemeClr val="accent1">
+              <a:shade val="50000"/>
+            </a:schemeClr>
+          </a:lnRef>
+          <a:fillRef idx="1">
+            <a:schemeClr val="accent1"/>
+          </a:fillRef>
+          <a:effectRef idx="0">
+            <a:schemeClr val="accent1"/>
+          </a:effectRef>
+          <a:fontRef idx="minor">
+            <a:schemeClr val="lt1"/>
+          </a:fontRef>
+        </p:style>
+        <p:txBody>
+          <a:bodyPr rtlCol="0" anchor="ctr"/>
+          <a:lstStyle/>
+          <a:p>
+            <a:pPr algn="ctr"/>
+            <a:r>
+              <a:rPr lang="en-US" altLang="ko-KR" dirty="0">
+                <a:solidFill>
+                  <a:schemeClr val="tx1"/>
+                </a:solidFill>
+              </a:rPr>
+              <a:t>6</a:t>
+            </a:r>
+            <a:endParaRPr lang="ko-KR" altLang="en-US" dirty="0">
+              <a:solidFill>
+                <a:schemeClr val="tx1"/>
+              </a:solidFill>
+            </a:endParaRPr>
+          </a:p>
+        </p:txBody>
+      </p:sp>
+      <p:sp>
+        <p:nvSpPr>
+          <p:cNvPr id="26" name="화살표: 오른쪽 25">
+            <a:extLst>
+              <a:ext uri="{FF2B5EF4-FFF2-40B4-BE49-F238E27FC236}">
+                <a16:creationId xmlns:a16="http://schemas.microsoft.com/office/drawing/2014/main" id="{E4277D04-3B97-4DF1-8040-251CE22AF557}"/>
+              </a:ext>
+            </a:extLst>
+          </p:cNvPr>
+          <p:cNvSpPr/>
+          <p:nvPr/>
+        </p:nvSpPr>
+        <p:spPr>
+          <a:xfrm>
+            <a:off x="4013233" y="3289296"/>
+            <a:ext cx="1117601" cy="685802"/>
+          </a:xfrm>
+          <a:prstGeom prst="rightArrow">
+            <a:avLst/>
+          </a:prstGeom>
+        </p:spPr>
+        <p:style>
+          <a:lnRef idx="2">
+            <a:schemeClr val="accent1">
+              <a:shade val="50000"/>
+            </a:schemeClr>
+          </a:lnRef>
+          <a:fillRef idx="1">
+            <a:schemeClr val="accent1"/>
+          </a:fillRef>
+          <a:effectRef idx="0">
+            <a:schemeClr val="accent1"/>
+          </a:effectRef>
+          <a:fontRef idx="minor">
+            <a:schemeClr val="lt1"/>
+          </a:fontRef>
+        </p:style>
+        <p:txBody>
+          <a:bodyPr rtlCol="0" anchor="ctr"/>
+          <a:lstStyle/>
+          <a:p>
+            <a:pPr algn="ctr"/>
+            <a:endParaRPr lang="ko-KR" altLang="en-US"/>
+          </a:p>
+        </p:txBody>
+      </p:sp>
+      <p:sp>
+        <p:nvSpPr>
+          <p:cNvPr id="27" name="정육면체 26">
+            <a:extLst>
+              <a:ext uri="{FF2B5EF4-FFF2-40B4-BE49-F238E27FC236}">
+                <a16:creationId xmlns:a16="http://schemas.microsoft.com/office/drawing/2014/main" id="{BE2BF133-AFA8-49D7-A141-3BCCD6674BB0}"/>
+              </a:ext>
+            </a:extLst>
+          </p:cNvPr>
+          <p:cNvSpPr/>
+          <p:nvPr/>
+        </p:nvSpPr>
+        <p:spPr>
+          <a:xfrm>
+            <a:off x="5740475" y="3115728"/>
+            <a:ext cx="1117601" cy="999067"/>
+          </a:xfrm>
+          <a:prstGeom prst="cube">
+            <a:avLst/>
+          </a:prstGeom>
+          <a:solidFill>
+            <a:schemeClr val="accent1">
+              <a:lumMod val="20000"/>
+              <a:lumOff val="80000"/>
+            </a:schemeClr>
+          </a:solidFill>
+        </p:spPr>
+        <p:style>
+          <a:lnRef idx="2">
+            <a:schemeClr val="accent1">
+              <a:shade val="50000"/>
+            </a:schemeClr>
+          </a:lnRef>
+          <a:fillRef idx="1">
+            <a:schemeClr val="accent1"/>
+          </a:fillRef>
+          <a:effectRef idx="0">
+            <a:schemeClr val="accent1"/>
+          </a:effectRef>
+          <a:fontRef idx="minor">
+            <a:schemeClr val="lt1"/>
+          </a:fontRef>
+        </p:style>
+        <p:txBody>
+          <a:bodyPr rtlCol="0" anchor="ctr"/>
+          <a:lstStyle/>
+          <a:p>
+            <a:pPr algn="ctr"/>
+            <a:r>
+              <a:rPr lang="en-US" altLang="ko-KR" dirty="0">
+                <a:solidFill>
+                  <a:schemeClr val="tx1"/>
+                </a:solidFill>
+              </a:rPr>
+              <a:t>7</a:t>
+            </a:r>
+            <a:endParaRPr lang="ko-KR" altLang="en-US" dirty="0">
+              <a:solidFill>
+                <a:schemeClr val="tx1"/>
+              </a:solidFill>
+            </a:endParaRPr>
+          </a:p>
+        </p:txBody>
+      </p:sp>
+    </p:spTree>
+    <p:extLst>
+      <p:ext uri="{BB962C8B-B14F-4D97-AF65-F5344CB8AC3E}">
+        <p14:creationId xmlns:p14="http://schemas.microsoft.com/office/powerpoint/2010/main" val="1766884191"/>
+      </p:ext>
+    </p:extLst>
+  </p:cSld>
+  <p:clrMapOvr>
+    <a:masterClrMapping/>
+  </p:clrMapOvr>
+</p:sld>
+</file>
+
+<file path=ppt/slides/slide7.xml><?xml version="1.0" encoding="utf-8"?>
+<p:sld xmlns:a="http://schemas.openxmlformats.org/drawingml/2006/main" xmlns:r="http://schemas.openxmlformats.org/officeDocument/2006/relationships" xmlns:p="http://schemas.openxmlformats.org/presentationml/2006/main">
+  <p:cSld>
+    <p:spTree>
+      <p:nvGrpSpPr>
+        <p:cNvPr id="1" name=""/>
+        <p:cNvGrpSpPr/>
+        <p:nvPr/>
+      </p:nvGrpSpPr>
+      <p:grpSpPr>
+        <a:xfrm>
+          <a:off x="0" y="0"/>
+          <a:ext cx="0" cy="0"/>
+          <a:chOff x="0" y="0"/>
+          <a:chExt cx="0" cy="0"/>
+        </a:xfrm>
+      </p:grpSpPr>
+      <p:sp>
+        <p:nvSpPr>
+          <p:cNvPr id="2" name="정육면체 1">
+            <a:extLst>
+              <a:ext uri="{FF2B5EF4-FFF2-40B4-BE49-F238E27FC236}">
+                <a16:creationId xmlns:a16="http://schemas.microsoft.com/office/drawing/2014/main" id="{78BB6AD1-5A54-431C-86A3-D32658FDC277}"/>
+              </a:ext>
+            </a:extLst>
+          </p:cNvPr>
+          <p:cNvSpPr/>
+          <p:nvPr/>
+        </p:nvSpPr>
+        <p:spPr>
+          <a:xfrm>
+            <a:off x="3369733" y="575731"/>
+            <a:ext cx="1117601" cy="999067"/>
+          </a:xfrm>
+          <a:prstGeom prst="cube">
+            <a:avLst/>
+          </a:prstGeom>
+          <a:solidFill>
+            <a:schemeClr val="accent1">
+              <a:lumMod val="20000"/>
+              <a:lumOff val="80000"/>
+            </a:schemeClr>
+          </a:solidFill>
+        </p:spPr>
+        <p:style>
+          <a:lnRef idx="2">
+            <a:schemeClr val="accent1">
+              <a:shade val="50000"/>
+            </a:schemeClr>
+          </a:lnRef>
+          <a:fillRef idx="1">
+            <a:schemeClr val="accent1"/>
+          </a:fillRef>
+          <a:effectRef idx="0">
+            <a:schemeClr val="accent1"/>
+          </a:effectRef>
+          <a:fontRef idx="minor">
+            <a:schemeClr val="lt1"/>
+          </a:fontRef>
+        </p:style>
+        <p:txBody>
+          <a:bodyPr rtlCol="0" anchor="ctr"/>
+          <a:lstStyle/>
+          <a:p>
+            <a:pPr algn="ctr"/>
+            <a:r>
+              <a:rPr lang="en-US" altLang="ko-KR" dirty="0">
+                <a:solidFill>
+                  <a:schemeClr val="tx1"/>
+                </a:solidFill>
+              </a:rPr>
+              <a:t>1</a:t>
+            </a:r>
+            <a:endParaRPr lang="ko-KR" altLang="en-US" dirty="0">
+              <a:solidFill>
+                <a:schemeClr val="tx1"/>
+              </a:solidFill>
+            </a:endParaRPr>
+          </a:p>
+        </p:txBody>
+      </p:sp>
+      <p:sp>
+        <p:nvSpPr>
+          <p:cNvPr id="3" name="정육면체 2">
+            <a:extLst>
+              <a:ext uri="{FF2B5EF4-FFF2-40B4-BE49-F238E27FC236}">
+                <a16:creationId xmlns:a16="http://schemas.microsoft.com/office/drawing/2014/main" id="{B93DF77B-9C97-4A7F-AAF3-774EABBF7727}"/>
+              </a:ext>
+            </a:extLst>
+          </p:cNvPr>
+          <p:cNvSpPr/>
+          <p:nvPr/>
+        </p:nvSpPr>
+        <p:spPr>
+          <a:xfrm>
+            <a:off x="4326463" y="575731"/>
+            <a:ext cx="1117601" cy="999067"/>
+          </a:xfrm>
+          <a:prstGeom prst="cube">
+            <a:avLst/>
+          </a:prstGeom>
+          <a:solidFill>
+            <a:schemeClr val="accent1">
+              <a:lumMod val="60000"/>
+              <a:lumOff val="40000"/>
+            </a:schemeClr>
+          </a:solidFill>
+        </p:spPr>
+        <p:style>
+          <a:lnRef idx="2">
+            <a:schemeClr val="accent1">
+              <a:shade val="50000"/>
+            </a:schemeClr>
+          </a:lnRef>
+          <a:fillRef idx="1">
+            <a:schemeClr val="accent1"/>
+          </a:fillRef>
+          <a:effectRef idx="0">
+            <a:schemeClr val="accent1"/>
+          </a:effectRef>
+          <a:fontRef idx="minor">
+            <a:schemeClr val="lt1"/>
+          </a:fontRef>
+        </p:style>
+        <p:txBody>
+          <a:bodyPr rtlCol="0" anchor="ctr"/>
+          <a:lstStyle/>
+          <a:p>
+            <a:pPr algn="ctr"/>
+            <a:r>
+              <a:rPr lang="en-US" altLang="ko-KR" dirty="0"/>
+              <a:t>+</a:t>
+            </a:r>
+            <a:endParaRPr lang="ko-KR" altLang="en-US" dirty="0"/>
+          </a:p>
+        </p:txBody>
+      </p:sp>
+      <p:sp>
+        <p:nvSpPr>
+          <p:cNvPr id="4" name="정육면체 3">
+            <a:extLst>
+              <a:ext uri="{FF2B5EF4-FFF2-40B4-BE49-F238E27FC236}">
+                <a16:creationId xmlns:a16="http://schemas.microsoft.com/office/drawing/2014/main" id="{B300525E-A2FA-481C-A524-F09BD2DE6E04}"/>
+              </a:ext>
+            </a:extLst>
+          </p:cNvPr>
+          <p:cNvSpPr/>
+          <p:nvPr/>
+        </p:nvSpPr>
+        <p:spPr>
+          <a:xfrm>
+            <a:off x="5283193" y="575731"/>
+            <a:ext cx="1117601" cy="999067"/>
+          </a:xfrm>
+          <a:prstGeom prst="cube">
+            <a:avLst/>
+          </a:prstGeom>
+          <a:solidFill>
+            <a:schemeClr val="accent1">
+              <a:lumMod val="20000"/>
+              <a:lumOff val="80000"/>
+            </a:schemeClr>
+          </a:solidFill>
+        </p:spPr>
+        <p:style>
+          <a:lnRef idx="2">
+            <a:schemeClr val="accent1">
+              <a:shade val="50000"/>
+            </a:schemeClr>
+          </a:lnRef>
+          <a:fillRef idx="1">
+            <a:schemeClr val="accent1"/>
+          </a:fillRef>
+          <a:effectRef idx="0">
+            <a:schemeClr val="accent1"/>
+          </a:effectRef>
+          <a:fontRef idx="minor">
+            <a:schemeClr val="lt1"/>
+          </a:fontRef>
+        </p:style>
+        <p:txBody>
+          <a:bodyPr rtlCol="0" anchor="ctr"/>
+          <a:lstStyle/>
+          <a:p>
+            <a:pPr algn="ctr"/>
+            <a:r>
+              <a:rPr lang="en-US" altLang="ko-KR" dirty="0">
+                <a:solidFill>
+                  <a:schemeClr val="tx1"/>
+                </a:solidFill>
+              </a:rPr>
+              <a:t>2</a:t>
+            </a:r>
+            <a:endParaRPr lang="ko-KR" altLang="en-US" dirty="0">
+              <a:solidFill>
+                <a:schemeClr val="tx1"/>
+              </a:solidFill>
+            </a:endParaRPr>
+          </a:p>
+        </p:txBody>
+      </p:sp>
+      <p:sp>
+        <p:nvSpPr>
+          <p:cNvPr id="5" name="정육면체 4">
+            <a:extLst>
+              <a:ext uri="{FF2B5EF4-FFF2-40B4-BE49-F238E27FC236}">
+                <a16:creationId xmlns:a16="http://schemas.microsoft.com/office/drawing/2014/main" id="{A60578E5-B3FA-43E4-AE69-F042CECEF4CD}"/>
+              </a:ext>
+            </a:extLst>
+          </p:cNvPr>
+          <p:cNvSpPr/>
+          <p:nvPr/>
+        </p:nvSpPr>
+        <p:spPr>
+          <a:xfrm>
+            <a:off x="6265339" y="575730"/>
+            <a:ext cx="1117601" cy="999067"/>
+          </a:xfrm>
+          <a:prstGeom prst="cube">
+            <a:avLst/>
+          </a:prstGeom>
+          <a:solidFill>
+            <a:schemeClr val="accent1">
+              <a:lumMod val="60000"/>
+              <a:lumOff val="40000"/>
+            </a:schemeClr>
+          </a:solidFill>
+        </p:spPr>
+        <p:style>
+          <a:lnRef idx="2">
+            <a:schemeClr val="accent1">
+              <a:shade val="50000"/>
+            </a:schemeClr>
+          </a:lnRef>
+          <a:fillRef idx="1">
+            <a:schemeClr val="accent1"/>
+          </a:fillRef>
+          <a:effectRef idx="0">
+            <a:schemeClr val="accent1"/>
+          </a:effectRef>
+          <a:fontRef idx="minor">
+            <a:schemeClr val="lt1"/>
+          </a:fontRef>
+        </p:style>
+        <p:txBody>
+          <a:bodyPr rtlCol="0" anchor="ctr"/>
+          <a:lstStyle/>
+          <a:p>
+            <a:pPr algn="ctr"/>
+            <a:r>
+              <a:rPr lang="en-US" altLang="ko-KR" dirty="0"/>
+              <a:t>*</a:t>
+            </a:r>
+            <a:endParaRPr lang="ko-KR" altLang="en-US" dirty="0"/>
+          </a:p>
+        </p:txBody>
+      </p:sp>
+      <p:sp>
+        <p:nvSpPr>
+          <p:cNvPr id="6" name="정육면체 5">
+            <a:extLst>
+              <a:ext uri="{FF2B5EF4-FFF2-40B4-BE49-F238E27FC236}">
+                <a16:creationId xmlns:a16="http://schemas.microsoft.com/office/drawing/2014/main" id="{3EB0FF67-471C-4B35-A502-3AEB2538B1B3}"/>
+              </a:ext>
+            </a:extLst>
+          </p:cNvPr>
+          <p:cNvSpPr/>
+          <p:nvPr/>
+        </p:nvSpPr>
+        <p:spPr>
+          <a:xfrm>
+            <a:off x="7264418" y="575730"/>
+            <a:ext cx="1117601" cy="999067"/>
+          </a:xfrm>
+          <a:prstGeom prst="cube">
+            <a:avLst/>
+          </a:prstGeom>
+          <a:solidFill>
+            <a:schemeClr val="accent1">
+              <a:lumMod val="20000"/>
+              <a:lumOff val="80000"/>
+            </a:schemeClr>
+          </a:solidFill>
+        </p:spPr>
+        <p:style>
+          <a:lnRef idx="2">
+            <a:schemeClr val="accent1">
+              <a:shade val="50000"/>
+            </a:schemeClr>
+          </a:lnRef>
+          <a:fillRef idx="1">
+            <a:schemeClr val="accent1"/>
+          </a:fillRef>
+          <a:effectRef idx="0">
+            <a:schemeClr val="accent1"/>
+          </a:effectRef>
+          <a:fontRef idx="minor">
+            <a:schemeClr val="lt1"/>
+          </a:fontRef>
+        </p:style>
+        <p:txBody>
+          <a:bodyPr rtlCol="0" anchor="ctr"/>
+          <a:lstStyle/>
+          <a:p>
+            <a:pPr algn="ctr"/>
+            <a:r>
+              <a:rPr lang="en-US" altLang="ko-KR" dirty="0">
+                <a:solidFill>
+                  <a:schemeClr val="tx1"/>
+                </a:solidFill>
+              </a:rPr>
+              <a:t>3</a:t>
+            </a:r>
+            <a:endParaRPr lang="ko-KR" altLang="en-US" dirty="0">
+              <a:solidFill>
+                <a:schemeClr val="tx1"/>
+              </a:solidFill>
+            </a:endParaRPr>
+          </a:p>
+        </p:txBody>
+      </p:sp>
+      <p:sp>
+        <p:nvSpPr>
+          <p:cNvPr id="22" name="정육면체 21">
+            <a:extLst>
+              <a:ext uri="{FF2B5EF4-FFF2-40B4-BE49-F238E27FC236}">
+                <a16:creationId xmlns:a16="http://schemas.microsoft.com/office/drawing/2014/main" id="{9F7FA35A-208D-4645-A248-381EE519A021}"/>
+              </a:ext>
+            </a:extLst>
+          </p:cNvPr>
+          <p:cNvSpPr/>
+          <p:nvPr/>
+        </p:nvSpPr>
+        <p:spPr>
+          <a:xfrm>
+            <a:off x="457216" y="575729"/>
+            <a:ext cx="1456250" cy="999067"/>
+          </a:xfrm>
+          <a:prstGeom prst="cube">
+            <a:avLst/>
+          </a:prstGeom>
+          <a:solidFill>
+            <a:schemeClr val="accent1">
+              <a:lumMod val="20000"/>
+              <a:lumOff val="80000"/>
+            </a:schemeClr>
+          </a:solidFill>
+        </p:spPr>
+        <p:style>
+          <a:lnRef idx="2">
+            <a:schemeClr val="accent1">
+              <a:shade val="50000"/>
+            </a:schemeClr>
+          </a:lnRef>
+          <a:fillRef idx="1">
+            <a:schemeClr val="accent1"/>
+          </a:fillRef>
+          <a:effectRef idx="0">
+            <a:schemeClr val="accent1"/>
+          </a:effectRef>
+          <a:fontRef idx="minor">
+            <a:schemeClr val="lt1"/>
+          </a:fontRef>
+        </p:style>
+        <p:txBody>
+          <a:bodyPr rtlCol="0" anchor="ctr"/>
+          <a:lstStyle/>
+          <a:p>
+            <a:pPr algn="ctr"/>
+            <a:r>
+              <a:rPr lang="en-US" altLang="ko-KR" dirty="0">
+                <a:solidFill>
+                  <a:schemeClr val="tx1"/>
+                </a:solidFill>
+              </a:rPr>
+              <a:t>operand</a:t>
+            </a:r>
+            <a:endParaRPr lang="ko-KR" altLang="en-US" dirty="0">
+              <a:solidFill>
+                <a:schemeClr val="tx1"/>
+              </a:solidFill>
+            </a:endParaRPr>
+          </a:p>
+        </p:txBody>
+      </p:sp>
+      <p:sp>
+        <p:nvSpPr>
+          <p:cNvPr id="23" name="정육면체 22">
+            <a:extLst>
+              <a:ext uri="{FF2B5EF4-FFF2-40B4-BE49-F238E27FC236}">
+                <a16:creationId xmlns:a16="http://schemas.microsoft.com/office/drawing/2014/main" id="{C825BD0F-072A-4DE3-8ED0-9E0497E412BA}"/>
+              </a:ext>
+            </a:extLst>
+          </p:cNvPr>
+          <p:cNvSpPr/>
+          <p:nvPr/>
+        </p:nvSpPr>
+        <p:spPr>
+          <a:xfrm>
+            <a:off x="482613" y="1574796"/>
+            <a:ext cx="1456250" cy="999067"/>
+          </a:xfrm>
+          <a:prstGeom prst="cube">
+            <a:avLst/>
+          </a:prstGeom>
+          <a:solidFill>
+            <a:schemeClr val="accent1">
+              <a:lumMod val="60000"/>
+              <a:lumOff val="40000"/>
+            </a:schemeClr>
+          </a:solidFill>
+          <a:ln>
+            <a:solidFill>
+              <a:schemeClr val="tx1"/>
+            </a:solidFill>
+          </a:ln>
+        </p:spPr>
+        <p:style>
+          <a:lnRef idx="2">
+            <a:schemeClr val="accent1">
+              <a:shade val="50000"/>
+            </a:schemeClr>
+          </a:lnRef>
+          <a:fillRef idx="1">
+            <a:schemeClr val="accent1"/>
+          </a:fillRef>
+          <a:effectRef idx="0">
+            <a:schemeClr val="accent1"/>
+          </a:effectRef>
+          <a:fontRef idx="minor">
+            <a:schemeClr val="lt1"/>
+          </a:fontRef>
+        </p:style>
+        <p:txBody>
+          <a:bodyPr rtlCol="0" anchor="ctr"/>
+          <a:lstStyle/>
+          <a:p>
+            <a:pPr algn="ctr"/>
+            <a:r>
+              <a:rPr lang="en-US" altLang="ko-KR" dirty="0">
+                <a:solidFill>
+                  <a:schemeClr val="tx1"/>
+                </a:solidFill>
+              </a:rPr>
+              <a:t>operator</a:t>
+            </a:r>
+            <a:endParaRPr lang="ko-KR" altLang="en-US" dirty="0">
+              <a:solidFill>
+                <a:schemeClr val="tx1"/>
+              </a:solidFill>
+            </a:endParaRPr>
+          </a:p>
+        </p:txBody>
+      </p:sp>
+      <p:cxnSp>
+        <p:nvCxnSpPr>
+          <p:cNvPr id="27" name="직선 연결선 26">
+            <a:extLst>
+              <a:ext uri="{FF2B5EF4-FFF2-40B4-BE49-F238E27FC236}">
+                <a16:creationId xmlns:a16="http://schemas.microsoft.com/office/drawing/2014/main" id="{376754DE-889A-424E-ADB3-B05F03D2398C}"/>
+              </a:ext>
+            </a:extLst>
+          </p:cNvPr>
+          <p:cNvCxnSpPr/>
+          <p:nvPr/>
+        </p:nvCxnSpPr>
+        <p:spPr>
+          <a:xfrm>
+            <a:off x="5909733" y="2065867"/>
+            <a:ext cx="0" cy="3928533"/>
+          </a:xfrm>
+          <a:prstGeom prst="line">
+            <a:avLst/>
+          </a:prstGeom>
+          <a:ln>
+            <a:solidFill>
+              <a:schemeClr val="tx1"/>
+            </a:solidFill>
+          </a:ln>
+        </p:spPr>
+        <p:style>
+          <a:lnRef idx="1">
+            <a:schemeClr val="accent1"/>
+          </a:lnRef>
+          <a:fillRef idx="0">
+            <a:schemeClr val="accent1"/>
+          </a:fillRef>
+          <a:effectRef idx="0">
+            <a:schemeClr val="accent1"/>
+          </a:effectRef>
+          <a:fontRef idx="minor">
+            <a:schemeClr val="tx1"/>
+          </a:fontRef>
+        </p:style>
+      </p:cxnSp>
+      <p:sp>
+        <p:nvSpPr>
+          <p:cNvPr id="28" name="정육면체 27">
+            <a:extLst>
+              <a:ext uri="{FF2B5EF4-FFF2-40B4-BE49-F238E27FC236}">
+                <a16:creationId xmlns:a16="http://schemas.microsoft.com/office/drawing/2014/main" id="{E72D6AD2-6BFF-41F2-A25D-6A0B119A74AB}"/>
+              </a:ext>
+            </a:extLst>
+          </p:cNvPr>
+          <p:cNvSpPr/>
+          <p:nvPr/>
+        </p:nvSpPr>
+        <p:spPr>
+          <a:xfrm>
+            <a:off x="2573862" y="2074329"/>
+            <a:ext cx="1117601" cy="999067"/>
+          </a:xfrm>
+          <a:prstGeom prst="cube">
+            <a:avLst/>
+          </a:prstGeom>
+          <a:solidFill>
+            <a:schemeClr val="accent1">
+              <a:lumMod val="20000"/>
+              <a:lumOff val="80000"/>
+            </a:schemeClr>
+          </a:solidFill>
+        </p:spPr>
+        <p:style>
+          <a:lnRef idx="2">
+            <a:schemeClr val="accent1">
+              <a:shade val="50000"/>
+            </a:schemeClr>
+          </a:lnRef>
+          <a:fillRef idx="1">
+            <a:schemeClr val="accent1"/>
+          </a:fillRef>
+          <a:effectRef idx="0">
+            <a:schemeClr val="accent1"/>
+          </a:effectRef>
+          <a:fontRef idx="minor">
+            <a:schemeClr val="lt1"/>
+          </a:fontRef>
+        </p:style>
+        <p:txBody>
+          <a:bodyPr rtlCol="0" anchor="ctr"/>
+          <a:lstStyle/>
+          <a:p>
+            <a:pPr algn="ctr"/>
+            <a:r>
+              <a:rPr lang="en-US" altLang="ko-KR" dirty="0">
+                <a:solidFill>
+                  <a:schemeClr val="tx1"/>
+                </a:solidFill>
+              </a:rPr>
+              <a:t>3</a:t>
+            </a:r>
+            <a:endParaRPr lang="ko-KR" altLang="en-US" dirty="0">
+              <a:solidFill>
+                <a:schemeClr val="tx1"/>
+              </a:solidFill>
+            </a:endParaRPr>
+          </a:p>
+        </p:txBody>
+      </p:sp>
+      <p:sp>
+        <p:nvSpPr>
+          <p:cNvPr id="31" name="정육면체 30">
+            <a:extLst>
+              <a:ext uri="{FF2B5EF4-FFF2-40B4-BE49-F238E27FC236}">
+                <a16:creationId xmlns:a16="http://schemas.microsoft.com/office/drawing/2014/main" id="{8E0EC794-66B2-4F3D-8296-029F8924CB39}"/>
+              </a:ext>
+            </a:extLst>
+          </p:cNvPr>
+          <p:cNvSpPr/>
+          <p:nvPr/>
+        </p:nvSpPr>
+        <p:spPr>
+          <a:xfrm>
+            <a:off x="2573861" y="4995333"/>
+            <a:ext cx="1117601" cy="999067"/>
+          </a:xfrm>
+          <a:prstGeom prst="cube">
+            <a:avLst/>
+          </a:prstGeom>
+          <a:solidFill>
+            <a:schemeClr val="accent1">
+              <a:lumMod val="20000"/>
+              <a:lumOff val="80000"/>
+            </a:schemeClr>
+          </a:solidFill>
+        </p:spPr>
+        <p:style>
+          <a:lnRef idx="2">
+            <a:schemeClr val="accent1">
+              <a:shade val="50000"/>
+            </a:schemeClr>
+          </a:lnRef>
+          <a:fillRef idx="1">
+            <a:schemeClr val="accent1"/>
+          </a:fillRef>
+          <a:effectRef idx="0">
+            <a:schemeClr val="accent1"/>
+          </a:effectRef>
+          <a:fontRef idx="minor">
+            <a:schemeClr val="lt1"/>
+          </a:fontRef>
+        </p:style>
+        <p:txBody>
+          <a:bodyPr rtlCol="0" anchor="ctr"/>
+          <a:lstStyle/>
+          <a:p>
+            <a:pPr algn="ctr"/>
+            <a:r>
+              <a:rPr lang="en-US" altLang="ko-KR" dirty="0">
+                <a:solidFill>
+                  <a:schemeClr val="tx1"/>
+                </a:solidFill>
+              </a:rPr>
+              <a:t>6</a:t>
+            </a:r>
+            <a:endParaRPr lang="ko-KR" altLang="en-US" dirty="0">
+              <a:solidFill>
+                <a:schemeClr val="tx1"/>
+              </a:solidFill>
+            </a:endParaRPr>
+          </a:p>
+        </p:txBody>
+      </p:sp>
+      <p:sp>
+        <p:nvSpPr>
+          <p:cNvPr id="32" name="정육면체 31">
+            <a:extLst>
+              <a:ext uri="{FF2B5EF4-FFF2-40B4-BE49-F238E27FC236}">
+                <a16:creationId xmlns:a16="http://schemas.microsoft.com/office/drawing/2014/main" id="{A382D1C8-AF6C-4477-A726-EE8F90057FD8}"/>
+              </a:ext>
+            </a:extLst>
+          </p:cNvPr>
+          <p:cNvSpPr/>
+          <p:nvPr/>
+        </p:nvSpPr>
+        <p:spPr>
+          <a:xfrm>
+            <a:off x="2506129" y="3141125"/>
+            <a:ext cx="1117601" cy="999067"/>
+          </a:xfrm>
+          <a:prstGeom prst="cube">
+            <a:avLst/>
+          </a:prstGeom>
+          <a:solidFill>
+            <a:schemeClr val="accent1">
+              <a:lumMod val="20000"/>
+              <a:lumOff val="80000"/>
+            </a:schemeClr>
+          </a:solidFill>
+        </p:spPr>
+        <p:style>
+          <a:lnRef idx="2">
+            <a:schemeClr val="accent1">
+              <a:shade val="50000"/>
+            </a:schemeClr>
+          </a:lnRef>
+          <a:fillRef idx="1">
+            <a:schemeClr val="accent1"/>
+          </a:fillRef>
+          <a:effectRef idx="0">
+            <a:schemeClr val="accent1"/>
+          </a:effectRef>
+          <a:fontRef idx="minor">
+            <a:schemeClr val="lt1"/>
+          </a:fontRef>
+        </p:style>
+        <p:txBody>
+          <a:bodyPr rtlCol="0" anchor="ctr"/>
+          <a:lstStyle/>
+          <a:p>
+            <a:pPr algn="ctr"/>
+            <a:r>
+              <a:rPr lang="en-US" altLang="ko-KR" dirty="0">
+                <a:solidFill>
+                  <a:schemeClr val="tx1"/>
+                </a:solidFill>
+              </a:rPr>
+              <a:t>2</a:t>
+            </a:r>
+            <a:endParaRPr lang="ko-KR" altLang="en-US" dirty="0">
+              <a:solidFill>
+                <a:schemeClr val="tx1"/>
+              </a:solidFill>
+            </a:endParaRPr>
+          </a:p>
+        </p:txBody>
+      </p:sp>
+      <p:sp>
+        <p:nvSpPr>
+          <p:cNvPr id="33" name="정육면체 32">
+            <a:extLst>
+              <a:ext uri="{FF2B5EF4-FFF2-40B4-BE49-F238E27FC236}">
+                <a16:creationId xmlns:a16="http://schemas.microsoft.com/office/drawing/2014/main" id="{B14D6EFE-6796-45EA-8F85-70EF309FCC96}"/>
+              </a:ext>
+            </a:extLst>
+          </p:cNvPr>
+          <p:cNvSpPr/>
+          <p:nvPr/>
+        </p:nvSpPr>
+        <p:spPr>
+          <a:xfrm>
+            <a:off x="4241797" y="3174992"/>
+            <a:ext cx="1117601" cy="999067"/>
+          </a:xfrm>
+          <a:prstGeom prst="cube">
+            <a:avLst/>
+          </a:prstGeom>
+          <a:solidFill>
+            <a:schemeClr val="accent1">
+              <a:lumMod val="60000"/>
+              <a:lumOff val="40000"/>
+            </a:schemeClr>
+          </a:solidFill>
+        </p:spPr>
+        <p:style>
+          <a:lnRef idx="2">
+            <a:schemeClr val="accent1">
+              <a:shade val="50000"/>
+            </a:schemeClr>
+          </a:lnRef>
+          <a:fillRef idx="1">
+            <a:schemeClr val="accent1"/>
+          </a:fillRef>
+          <a:effectRef idx="0">
+            <a:schemeClr val="accent1"/>
+          </a:effectRef>
+          <a:fontRef idx="minor">
+            <a:schemeClr val="lt1"/>
+          </a:fontRef>
+        </p:style>
+        <p:txBody>
+          <a:bodyPr rtlCol="0" anchor="ctr"/>
+          <a:lstStyle/>
+          <a:p>
+            <a:pPr algn="ctr"/>
+            <a:r>
+              <a:rPr lang="en-US" altLang="ko-KR" dirty="0"/>
+              <a:t>*</a:t>
+            </a:r>
+            <a:endParaRPr lang="ko-KR" altLang="en-US" dirty="0"/>
+          </a:p>
+        </p:txBody>
+      </p:sp>
+      <p:sp>
+        <p:nvSpPr>
+          <p:cNvPr id="34" name="정육면체 33">
+            <a:extLst>
+              <a:ext uri="{FF2B5EF4-FFF2-40B4-BE49-F238E27FC236}">
+                <a16:creationId xmlns:a16="http://schemas.microsoft.com/office/drawing/2014/main" id="{A858C6EE-6467-4C2B-949A-2BE5F2C16172}"/>
+              </a:ext>
+            </a:extLst>
+          </p:cNvPr>
+          <p:cNvSpPr/>
+          <p:nvPr/>
+        </p:nvSpPr>
+        <p:spPr>
+          <a:xfrm>
+            <a:off x="7599611" y="2074329"/>
+            <a:ext cx="1117601" cy="999067"/>
+          </a:xfrm>
+          <a:prstGeom prst="cube">
+            <a:avLst/>
+          </a:prstGeom>
+          <a:solidFill>
+            <a:schemeClr val="accent1">
+              <a:lumMod val="20000"/>
+              <a:lumOff val="80000"/>
+            </a:schemeClr>
+          </a:solidFill>
+        </p:spPr>
+        <p:style>
+          <a:lnRef idx="2">
+            <a:schemeClr val="accent1">
+              <a:shade val="50000"/>
+            </a:schemeClr>
+          </a:lnRef>
+          <a:fillRef idx="1">
+            <a:schemeClr val="accent1"/>
+          </a:fillRef>
+          <a:effectRef idx="0">
+            <a:schemeClr val="accent1"/>
+          </a:effectRef>
+          <a:fontRef idx="minor">
+            <a:schemeClr val="lt1"/>
+          </a:fontRef>
+        </p:style>
+        <p:txBody>
+          <a:bodyPr rtlCol="0" anchor="ctr"/>
+          <a:lstStyle/>
+          <a:p>
+            <a:pPr algn="ctr"/>
+            <a:r>
+              <a:rPr lang="en-US" altLang="ko-KR" dirty="0">
+                <a:solidFill>
+                  <a:schemeClr val="tx1"/>
+                </a:solidFill>
+              </a:rPr>
+              <a:t>1</a:t>
+            </a:r>
+            <a:endParaRPr lang="ko-KR" altLang="en-US" dirty="0">
+              <a:solidFill>
+                <a:schemeClr val="tx1"/>
+              </a:solidFill>
+            </a:endParaRPr>
+          </a:p>
+        </p:txBody>
+      </p:sp>
+      <p:sp>
+        <p:nvSpPr>
+          <p:cNvPr id="35" name="정육면체 34">
+            <a:extLst>
+              <a:ext uri="{FF2B5EF4-FFF2-40B4-BE49-F238E27FC236}">
+                <a16:creationId xmlns:a16="http://schemas.microsoft.com/office/drawing/2014/main" id="{4C979740-AE24-4122-9755-BEECF9B067A0}"/>
+              </a:ext>
+            </a:extLst>
+          </p:cNvPr>
+          <p:cNvSpPr/>
+          <p:nvPr/>
+        </p:nvSpPr>
+        <p:spPr>
+          <a:xfrm>
+            <a:off x="7569203" y="3073396"/>
+            <a:ext cx="1117601" cy="999067"/>
+          </a:xfrm>
+          <a:prstGeom prst="cube">
+            <a:avLst/>
+          </a:prstGeom>
+          <a:solidFill>
+            <a:schemeClr val="accent1">
+              <a:lumMod val="20000"/>
+              <a:lumOff val="80000"/>
+            </a:schemeClr>
+          </a:solidFill>
+        </p:spPr>
+        <p:style>
+          <a:lnRef idx="2">
+            <a:schemeClr val="accent1">
+              <a:shade val="50000"/>
+            </a:schemeClr>
+          </a:lnRef>
+          <a:fillRef idx="1">
+            <a:schemeClr val="accent1"/>
+          </a:fillRef>
+          <a:effectRef idx="0">
+            <a:schemeClr val="accent1"/>
+          </a:effectRef>
+          <a:fontRef idx="minor">
+            <a:schemeClr val="lt1"/>
+          </a:fontRef>
+        </p:style>
+        <p:txBody>
+          <a:bodyPr rtlCol="0" anchor="ctr"/>
+          <a:lstStyle/>
+          <a:p>
+            <a:pPr algn="ctr"/>
+            <a:r>
+              <a:rPr lang="en-US" altLang="ko-KR" dirty="0">
+                <a:solidFill>
+                  <a:schemeClr val="tx1"/>
+                </a:solidFill>
+              </a:rPr>
+              <a:t>6</a:t>
+            </a:r>
+            <a:endParaRPr lang="ko-KR" altLang="en-US" dirty="0">
+              <a:solidFill>
+                <a:schemeClr val="tx1"/>
+              </a:solidFill>
+            </a:endParaRPr>
+          </a:p>
+        </p:txBody>
+      </p:sp>
+      <p:sp>
+        <p:nvSpPr>
+          <p:cNvPr id="36" name="정육면체 35">
+            <a:extLst>
+              <a:ext uri="{FF2B5EF4-FFF2-40B4-BE49-F238E27FC236}">
+                <a16:creationId xmlns:a16="http://schemas.microsoft.com/office/drawing/2014/main" id="{FFBF626F-90E4-48B5-8D8F-F26F16965C8A}"/>
+              </a:ext>
+            </a:extLst>
+          </p:cNvPr>
+          <p:cNvSpPr/>
+          <p:nvPr/>
+        </p:nvSpPr>
+        <p:spPr>
+          <a:xfrm>
+            <a:off x="9364138" y="3064934"/>
+            <a:ext cx="1117601" cy="999067"/>
+          </a:xfrm>
+          <a:prstGeom prst="cube">
+            <a:avLst/>
+          </a:prstGeom>
+          <a:solidFill>
+            <a:schemeClr val="accent1">
+              <a:lumMod val="60000"/>
+              <a:lumOff val="40000"/>
+            </a:schemeClr>
+          </a:solidFill>
+        </p:spPr>
+        <p:style>
+          <a:lnRef idx="2">
+            <a:schemeClr val="accent1">
+              <a:shade val="50000"/>
+            </a:schemeClr>
+          </a:lnRef>
+          <a:fillRef idx="1">
+            <a:schemeClr val="accent1"/>
+          </a:fillRef>
+          <a:effectRef idx="0">
+            <a:schemeClr val="accent1"/>
+          </a:effectRef>
+          <a:fontRef idx="minor">
+            <a:schemeClr val="lt1"/>
+          </a:fontRef>
+        </p:style>
+        <p:txBody>
+          <a:bodyPr rtlCol="0" anchor="ctr"/>
+          <a:lstStyle/>
+          <a:p>
+            <a:pPr algn="ctr"/>
+            <a:r>
+              <a:rPr lang="en-US" altLang="ko-KR" dirty="0"/>
+              <a:t>+</a:t>
+            </a:r>
+            <a:endParaRPr lang="ko-KR" altLang="en-US" dirty="0"/>
+          </a:p>
+        </p:txBody>
+      </p:sp>
+      <p:sp>
+        <p:nvSpPr>
+          <p:cNvPr id="38" name="정육면체 37">
+            <a:extLst>
+              <a:ext uri="{FF2B5EF4-FFF2-40B4-BE49-F238E27FC236}">
+                <a16:creationId xmlns:a16="http://schemas.microsoft.com/office/drawing/2014/main" id="{8328CB55-F044-4CD5-81AC-718D3C8600F2}"/>
+              </a:ext>
+            </a:extLst>
+          </p:cNvPr>
+          <p:cNvSpPr/>
+          <p:nvPr/>
+        </p:nvSpPr>
+        <p:spPr>
+          <a:xfrm>
+            <a:off x="7569203" y="5071528"/>
+            <a:ext cx="1117601" cy="999067"/>
+          </a:xfrm>
+          <a:prstGeom prst="cube">
+            <a:avLst/>
+          </a:prstGeom>
+          <a:solidFill>
+            <a:schemeClr val="accent1">
+              <a:lumMod val="20000"/>
+              <a:lumOff val="80000"/>
+            </a:schemeClr>
+          </a:solidFill>
+        </p:spPr>
+        <p:style>
+          <a:lnRef idx="2">
+            <a:schemeClr val="accent1">
+              <a:shade val="50000"/>
+            </a:schemeClr>
+          </a:lnRef>
+          <a:fillRef idx="1">
+            <a:schemeClr val="accent1"/>
+          </a:fillRef>
+          <a:effectRef idx="0">
+            <a:schemeClr val="accent1"/>
+          </a:effectRef>
+          <a:fontRef idx="minor">
+            <a:schemeClr val="lt1"/>
+          </a:fontRef>
+        </p:style>
+        <p:txBody>
+          <a:bodyPr rtlCol="0" anchor="ctr"/>
+          <a:lstStyle/>
+          <a:p>
+            <a:pPr algn="ctr"/>
+            <a:r>
+              <a:rPr lang="en-US" altLang="ko-KR" dirty="0">
+                <a:solidFill>
+                  <a:schemeClr val="tx1"/>
+                </a:solidFill>
+              </a:rPr>
+              <a:t>7</a:t>
+            </a:r>
+            <a:endParaRPr lang="ko-KR" altLang="en-US" dirty="0">
+              <a:solidFill>
+                <a:schemeClr val="tx1"/>
+              </a:solidFill>
+            </a:endParaRPr>
+          </a:p>
+        </p:txBody>
+      </p:sp>
+      <p:sp>
+        <p:nvSpPr>
+          <p:cNvPr id="39" name="TextBox 38">
+            <a:extLst>
+              <a:ext uri="{FF2B5EF4-FFF2-40B4-BE49-F238E27FC236}">
+                <a16:creationId xmlns:a16="http://schemas.microsoft.com/office/drawing/2014/main" id="{55B46B04-EF80-44A5-A771-6E6904D4AA83}"/>
+              </a:ext>
+            </a:extLst>
+          </p:cNvPr>
+          <p:cNvSpPr txBox="1"/>
+          <p:nvPr/>
+        </p:nvSpPr>
+        <p:spPr>
+          <a:xfrm>
+            <a:off x="745067" y="3174992"/>
+            <a:ext cx="1083728" cy="369332"/>
+          </a:xfrm>
+          <a:prstGeom prst="rect">
+            <a:avLst/>
+          </a:prstGeom>
+          <a:noFill/>
+        </p:spPr>
+        <p:txBody>
+          <a:bodyPr wrap="square" rtlCol="0">
+            <a:spAutoFit/>
+          </a:bodyPr>
+          <a:lstStyle/>
+          <a:p>
+            <a:r>
+              <a:rPr lang="ko-KR" altLang="en-US" dirty="0"/>
+              <a:t>① </a:t>
+            </a:r>
+            <a:r>
+              <a:rPr lang="en-US" altLang="ko-KR" dirty="0"/>
+              <a:t>top</a:t>
+            </a:r>
+            <a:endParaRPr lang="ko-KR" altLang="en-US" dirty="0"/>
+          </a:p>
+        </p:txBody>
+      </p:sp>
+      <p:sp>
+        <p:nvSpPr>
+          <p:cNvPr id="41" name="TextBox 40">
+            <a:extLst>
+              <a:ext uri="{FF2B5EF4-FFF2-40B4-BE49-F238E27FC236}">
+                <a16:creationId xmlns:a16="http://schemas.microsoft.com/office/drawing/2014/main" id="{CD97A51F-E953-443C-B9BF-A0BA7FC5315B}"/>
+              </a:ext>
+            </a:extLst>
+          </p:cNvPr>
+          <p:cNvSpPr txBox="1"/>
+          <p:nvPr/>
+        </p:nvSpPr>
+        <p:spPr>
+          <a:xfrm>
+            <a:off x="643477" y="5386395"/>
+            <a:ext cx="1083728" cy="369332"/>
+          </a:xfrm>
+          <a:prstGeom prst="rect">
+            <a:avLst/>
+          </a:prstGeom>
+          <a:noFill/>
+        </p:spPr>
+        <p:txBody>
+          <a:bodyPr wrap="square" rtlCol="0">
+            <a:spAutoFit/>
+          </a:bodyPr>
+          <a:lstStyle/>
+          <a:p>
+            <a:r>
+              <a:rPr lang="ko-KR" altLang="en-US" dirty="0"/>
+              <a:t>② </a:t>
+            </a:r>
+            <a:r>
+              <a:rPr lang="en-US" altLang="ko-KR" dirty="0"/>
+              <a:t>top</a:t>
+            </a:r>
+            <a:endParaRPr lang="ko-KR" altLang="en-US" dirty="0"/>
+          </a:p>
+        </p:txBody>
+      </p:sp>
+      <p:sp>
+        <p:nvSpPr>
+          <p:cNvPr id="42" name="TextBox 41">
+            <a:extLst>
+              <a:ext uri="{FF2B5EF4-FFF2-40B4-BE49-F238E27FC236}">
+                <a16:creationId xmlns:a16="http://schemas.microsoft.com/office/drawing/2014/main" id="{E904C3C7-4AF0-414E-8BBA-15E1F4109D22}"/>
+              </a:ext>
+            </a:extLst>
+          </p:cNvPr>
+          <p:cNvSpPr txBox="1"/>
+          <p:nvPr/>
+        </p:nvSpPr>
+        <p:spPr>
+          <a:xfrm>
+            <a:off x="6265334" y="2565400"/>
+            <a:ext cx="1083728" cy="369332"/>
+          </a:xfrm>
+          <a:prstGeom prst="rect">
+            <a:avLst/>
+          </a:prstGeom>
+          <a:noFill/>
+        </p:spPr>
+        <p:txBody>
+          <a:bodyPr wrap="square" rtlCol="0">
+            <a:spAutoFit/>
+          </a:bodyPr>
+          <a:lstStyle/>
+          <a:p>
+            <a:r>
+              <a:rPr lang="ko-KR" altLang="en-US" dirty="0"/>
+              <a:t>③ </a:t>
+            </a:r>
+            <a:r>
+              <a:rPr lang="en-US" altLang="ko-KR" dirty="0"/>
+              <a:t>top</a:t>
+            </a:r>
+            <a:endParaRPr lang="ko-KR" altLang="en-US" dirty="0"/>
+          </a:p>
+        </p:txBody>
+      </p:sp>
+      <p:sp>
+        <p:nvSpPr>
+          <p:cNvPr id="43" name="TextBox 42">
+            <a:extLst>
+              <a:ext uri="{FF2B5EF4-FFF2-40B4-BE49-F238E27FC236}">
+                <a16:creationId xmlns:a16="http://schemas.microsoft.com/office/drawing/2014/main" id="{C10FC3FA-59CF-4710-9BA4-2C476C5FE896}"/>
+              </a:ext>
+            </a:extLst>
+          </p:cNvPr>
+          <p:cNvSpPr txBox="1"/>
+          <p:nvPr/>
+        </p:nvSpPr>
+        <p:spPr>
+          <a:xfrm>
+            <a:off x="6231472" y="5550923"/>
+            <a:ext cx="1083728" cy="369332"/>
+          </a:xfrm>
+          <a:prstGeom prst="rect">
+            <a:avLst/>
+          </a:prstGeom>
+          <a:noFill/>
+        </p:spPr>
+        <p:txBody>
+          <a:bodyPr wrap="square" rtlCol="0">
+            <a:spAutoFit/>
+          </a:bodyPr>
+          <a:lstStyle/>
+          <a:p>
+            <a:r>
+              <a:rPr lang="ko-KR" altLang="en-US" dirty="0"/>
+              <a:t>④ </a:t>
+            </a:r>
+            <a:r>
+              <a:rPr lang="en-US" altLang="ko-KR" dirty="0"/>
+              <a:t>top</a:t>
+            </a:r>
+            <a:endParaRPr lang="ko-KR" altLang="en-US" dirty="0"/>
+          </a:p>
+        </p:txBody>
+      </p:sp>
+      <p:sp>
+        <p:nvSpPr>
+          <p:cNvPr id="44" name="TextBox 43">
+            <a:extLst>
+              <a:ext uri="{FF2B5EF4-FFF2-40B4-BE49-F238E27FC236}">
+                <a16:creationId xmlns:a16="http://schemas.microsoft.com/office/drawing/2014/main" id="{FD00F5C5-439F-4CBD-A3F7-14CC73B0B22F}"/>
+              </a:ext>
+            </a:extLst>
+          </p:cNvPr>
+          <p:cNvSpPr txBox="1"/>
+          <p:nvPr/>
+        </p:nvSpPr>
+        <p:spPr>
+          <a:xfrm>
+            <a:off x="4360336" y="2363796"/>
+            <a:ext cx="1083728" cy="369332"/>
+          </a:xfrm>
+          <a:prstGeom prst="rect">
+            <a:avLst/>
+          </a:prstGeom>
+          <a:noFill/>
+        </p:spPr>
+        <p:txBody>
+          <a:bodyPr wrap="square" rtlCol="0">
+            <a:spAutoFit/>
+          </a:bodyPr>
+          <a:lstStyle/>
+          <a:p>
+            <a:r>
+              <a:rPr lang="en-US" altLang="ko-KR" dirty="0"/>
+              <a:t>top</a:t>
+            </a:r>
+            <a:endParaRPr lang="ko-KR" altLang="en-US" dirty="0"/>
+          </a:p>
+        </p:txBody>
+      </p:sp>
+      <p:sp>
+        <p:nvSpPr>
+          <p:cNvPr id="45" name="TextBox 44">
+            <a:extLst>
+              <a:ext uri="{FF2B5EF4-FFF2-40B4-BE49-F238E27FC236}">
+                <a16:creationId xmlns:a16="http://schemas.microsoft.com/office/drawing/2014/main" id="{BE94FDE7-8863-44DB-B585-F021ADBB8C48}"/>
+              </a:ext>
+            </a:extLst>
+          </p:cNvPr>
+          <p:cNvSpPr txBox="1"/>
+          <p:nvPr/>
+        </p:nvSpPr>
+        <p:spPr>
+          <a:xfrm>
+            <a:off x="9618138" y="2179130"/>
+            <a:ext cx="1083728" cy="369332"/>
+          </a:xfrm>
+          <a:prstGeom prst="rect">
+            <a:avLst/>
+          </a:prstGeom>
+          <a:noFill/>
+        </p:spPr>
+        <p:txBody>
+          <a:bodyPr wrap="square" rtlCol="0">
+            <a:spAutoFit/>
+          </a:bodyPr>
+          <a:lstStyle/>
+          <a:p>
+            <a:r>
+              <a:rPr lang="en-US" altLang="ko-KR" dirty="0"/>
+              <a:t>top</a:t>
+            </a:r>
+            <a:endParaRPr lang="ko-KR" altLang="en-US" dirty="0"/>
+          </a:p>
+        </p:txBody>
+      </p:sp>
+      <p:sp>
+        <p:nvSpPr>
+          <p:cNvPr id="46" name="화살표: 아래쪽 45">
+            <a:extLst>
+              <a:ext uri="{FF2B5EF4-FFF2-40B4-BE49-F238E27FC236}">
+                <a16:creationId xmlns:a16="http://schemas.microsoft.com/office/drawing/2014/main" id="{1BE8FF6C-C795-4602-9FBD-14EB663BA12F}"/>
+              </a:ext>
+            </a:extLst>
+          </p:cNvPr>
+          <p:cNvSpPr/>
+          <p:nvPr/>
+        </p:nvSpPr>
+        <p:spPr>
+          <a:xfrm rot="16200000">
+            <a:off x="1902484" y="3003725"/>
+            <a:ext cx="347130" cy="826284"/>
+          </a:xfrm>
+          <a:prstGeom prst="downArrow">
+            <a:avLst>
+              <a:gd name="adj1" fmla="val 50000"/>
+              <a:gd name="adj2" fmla="val 45294"/>
+            </a:avLst>
+          </a:prstGeom>
+        </p:spPr>
+        <p:style>
+          <a:lnRef idx="2">
+            <a:schemeClr val="accent1">
+              <a:shade val="50000"/>
+            </a:schemeClr>
+          </a:lnRef>
+          <a:fillRef idx="1">
+            <a:schemeClr val="accent1"/>
+          </a:fillRef>
+          <a:effectRef idx="0">
+            <a:schemeClr val="accent1"/>
+          </a:effectRef>
+          <a:fontRef idx="minor">
+            <a:schemeClr val="lt1"/>
+          </a:fontRef>
+        </p:style>
+        <p:txBody>
+          <a:bodyPr rtlCol="0" anchor="ctr"/>
+          <a:lstStyle/>
+          <a:p>
+            <a:pPr algn="ctr"/>
+            <a:endParaRPr lang="ko-KR" altLang="en-US"/>
+          </a:p>
+        </p:txBody>
+      </p:sp>
+      <p:sp>
+        <p:nvSpPr>
+          <p:cNvPr id="47" name="화살표: 아래쪽 46">
+            <a:extLst>
+              <a:ext uri="{FF2B5EF4-FFF2-40B4-BE49-F238E27FC236}">
+                <a16:creationId xmlns:a16="http://schemas.microsoft.com/office/drawing/2014/main" id="{B2D49501-DB83-45EC-9AC1-60037CE57EDA}"/>
+              </a:ext>
+            </a:extLst>
+          </p:cNvPr>
+          <p:cNvSpPr/>
+          <p:nvPr/>
+        </p:nvSpPr>
+        <p:spPr>
+          <a:xfrm rot="16200000">
+            <a:off x="1868622" y="5169020"/>
+            <a:ext cx="347130" cy="826284"/>
+          </a:xfrm>
+          <a:prstGeom prst="downArrow">
+            <a:avLst>
+              <a:gd name="adj1" fmla="val 50000"/>
+              <a:gd name="adj2" fmla="val 45294"/>
+            </a:avLst>
+          </a:prstGeom>
+        </p:spPr>
+        <p:style>
+          <a:lnRef idx="2">
+            <a:schemeClr val="accent1">
+              <a:shade val="50000"/>
+            </a:schemeClr>
+          </a:lnRef>
+          <a:fillRef idx="1">
+            <a:schemeClr val="accent1"/>
+          </a:fillRef>
+          <a:effectRef idx="0">
+            <a:schemeClr val="accent1"/>
+          </a:effectRef>
+          <a:fontRef idx="minor">
+            <a:schemeClr val="lt1"/>
+          </a:fontRef>
+        </p:style>
+        <p:txBody>
+          <a:bodyPr rtlCol="0" anchor="ctr"/>
+          <a:lstStyle/>
+          <a:p>
+            <a:pPr algn="ctr"/>
+            <a:endParaRPr lang="ko-KR" altLang="en-US"/>
+          </a:p>
+        </p:txBody>
+      </p:sp>
+      <p:sp>
+        <p:nvSpPr>
+          <p:cNvPr id="48" name="화살표: 아래쪽 47">
+            <a:extLst>
+              <a:ext uri="{FF2B5EF4-FFF2-40B4-BE49-F238E27FC236}">
+                <a16:creationId xmlns:a16="http://schemas.microsoft.com/office/drawing/2014/main" id="{E91D15BE-5161-4AB7-BFAE-C455B237D7D7}"/>
+              </a:ext>
+            </a:extLst>
+          </p:cNvPr>
+          <p:cNvSpPr/>
+          <p:nvPr/>
+        </p:nvSpPr>
+        <p:spPr>
+          <a:xfrm rot="16200000">
+            <a:off x="6814880" y="2695155"/>
+            <a:ext cx="347130" cy="826284"/>
+          </a:xfrm>
+          <a:prstGeom prst="downArrow">
+            <a:avLst>
+              <a:gd name="adj1" fmla="val 50000"/>
+              <a:gd name="adj2" fmla="val 45294"/>
+            </a:avLst>
+          </a:prstGeom>
+        </p:spPr>
+        <p:style>
+          <a:lnRef idx="2">
+            <a:schemeClr val="accent1">
+              <a:shade val="50000"/>
+            </a:schemeClr>
+          </a:lnRef>
+          <a:fillRef idx="1">
+            <a:schemeClr val="accent1"/>
+          </a:fillRef>
+          <a:effectRef idx="0">
+            <a:schemeClr val="accent1"/>
+          </a:effectRef>
+          <a:fontRef idx="minor">
+            <a:schemeClr val="lt1"/>
+          </a:fontRef>
+        </p:style>
+        <p:txBody>
+          <a:bodyPr rtlCol="0" anchor="ctr"/>
+          <a:lstStyle/>
+          <a:p>
+            <a:pPr algn="ctr"/>
+            <a:endParaRPr lang="ko-KR" altLang="en-US"/>
+          </a:p>
+        </p:txBody>
+      </p:sp>
+      <p:sp>
+        <p:nvSpPr>
+          <p:cNvPr id="49" name="화살표: 아래쪽 48">
+            <a:extLst>
+              <a:ext uri="{FF2B5EF4-FFF2-40B4-BE49-F238E27FC236}">
+                <a16:creationId xmlns:a16="http://schemas.microsoft.com/office/drawing/2014/main" id="{A451475E-4C5C-49DF-985D-2C0D83734C99}"/>
+              </a:ext>
+            </a:extLst>
+          </p:cNvPr>
+          <p:cNvSpPr/>
+          <p:nvPr/>
+        </p:nvSpPr>
+        <p:spPr>
+          <a:xfrm rot="16200000">
+            <a:off x="7012904" y="5526672"/>
+            <a:ext cx="347130" cy="826284"/>
+          </a:xfrm>
+          <a:prstGeom prst="downArrow">
+            <a:avLst>
+              <a:gd name="adj1" fmla="val 50000"/>
+              <a:gd name="adj2" fmla="val 45294"/>
+            </a:avLst>
+          </a:prstGeom>
+        </p:spPr>
+        <p:style>
+          <a:lnRef idx="2">
+            <a:schemeClr val="accent1">
+              <a:shade val="50000"/>
+            </a:schemeClr>
+          </a:lnRef>
+          <a:fillRef idx="1">
+            <a:schemeClr val="accent1"/>
+          </a:fillRef>
+          <a:effectRef idx="0">
+            <a:schemeClr val="accent1"/>
+          </a:effectRef>
+          <a:fontRef idx="minor">
+            <a:schemeClr val="lt1"/>
+          </a:fontRef>
+        </p:style>
+        <p:txBody>
+          <a:bodyPr rtlCol="0" anchor="ctr"/>
+          <a:lstStyle/>
+          <a:p>
+            <a:pPr algn="ctr"/>
+            <a:endParaRPr lang="ko-KR" altLang="en-US"/>
+          </a:p>
+        </p:txBody>
+      </p:sp>
+      <p:sp>
+        <p:nvSpPr>
+          <p:cNvPr id="50" name="화살표: 아래쪽 49">
+            <a:extLst>
+              <a:ext uri="{FF2B5EF4-FFF2-40B4-BE49-F238E27FC236}">
+                <a16:creationId xmlns:a16="http://schemas.microsoft.com/office/drawing/2014/main" id="{987E43B7-A660-4C25-AFD9-21784B2C8F5B}"/>
+              </a:ext>
+            </a:extLst>
+          </p:cNvPr>
+          <p:cNvSpPr/>
+          <p:nvPr/>
+        </p:nvSpPr>
+        <p:spPr>
+          <a:xfrm>
+            <a:off x="9880604" y="2516441"/>
+            <a:ext cx="304802" cy="556955"/>
+          </a:xfrm>
+          <a:prstGeom prst="downArrow">
+            <a:avLst>
+              <a:gd name="adj1" fmla="val 50000"/>
+              <a:gd name="adj2" fmla="val 45294"/>
+            </a:avLst>
+          </a:prstGeom>
+        </p:spPr>
+        <p:style>
+          <a:lnRef idx="2">
+            <a:schemeClr val="accent1">
+              <a:shade val="50000"/>
+            </a:schemeClr>
+          </a:lnRef>
+          <a:fillRef idx="1">
+            <a:schemeClr val="accent1"/>
+          </a:fillRef>
+          <a:effectRef idx="0">
+            <a:schemeClr val="accent1"/>
+          </a:effectRef>
+          <a:fontRef idx="minor">
+            <a:schemeClr val="lt1"/>
+          </a:fontRef>
+        </p:style>
+        <p:txBody>
+          <a:bodyPr rtlCol="0" anchor="ctr"/>
+          <a:lstStyle/>
+          <a:p>
+            <a:pPr algn="ctr"/>
+            <a:endParaRPr lang="ko-KR" altLang="en-US"/>
+          </a:p>
+        </p:txBody>
+      </p:sp>
+      <p:sp>
+        <p:nvSpPr>
+          <p:cNvPr id="51" name="화살표: 아래쪽 50">
+            <a:extLst>
+              <a:ext uri="{FF2B5EF4-FFF2-40B4-BE49-F238E27FC236}">
+                <a16:creationId xmlns:a16="http://schemas.microsoft.com/office/drawing/2014/main" id="{A7D85714-4CA5-4995-9FA0-277A95ED2646}"/>
+              </a:ext>
+            </a:extLst>
+          </p:cNvPr>
+          <p:cNvSpPr/>
+          <p:nvPr/>
+        </p:nvSpPr>
+        <p:spPr>
+          <a:xfrm>
+            <a:off x="4461940" y="2733128"/>
+            <a:ext cx="304802" cy="556955"/>
+          </a:xfrm>
+          <a:prstGeom prst="downArrow">
+            <a:avLst>
+              <a:gd name="adj1" fmla="val 50000"/>
+              <a:gd name="adj2" fmla="val 45294"/>
+            </a:avLst>
+          </a:prstGeom>
+        </p:spPr>
+        <p:style>
+          <a:lnRef idx="2">
+            <a:schemeClr val="accent1">
+              <a:shade val="50000"/>
+            </a:schemeClr>
+          </a:lnRef>
+          <a:fillRef idx="1">
+            <a:schemeClr val="accent1"/>
+          </a:fillRef>
+          <a:effectRef idx="0">
+            <a:schemeClr val="accent1"/>
+          </a:effectRef>
+          <a:fontRef idx="minor">
+            <a:schemeClr val="lt1"/>
+          </a:fontRef>
+        </p:style>
+        <p:txBody>
+          <a:bodyPr rtlCol="0" anchor="ctr"/>
+          <a:lstStyle/>
+          <a:p>
+            <a:pPr algn="ctr"/>
+            <a:endParaRPr lang="ko-KR" altLang="en-US"/>
+          </a:p>
+        </p:txBody>
+      </p:sp>
+    </p:spTree>
+    <p:extLst>
+      <p:ext uri="{BB962C8B-B14F-4D97-AF65-F5344CB8AC3E}">
+        <p14:creationId xmlns:p14="http://schemas.microsoft.com/office/powerpoint/2010/main" val="679392230"/>
+      </p:ext>
+    </p:extLst>
+  </p:cSld>
+  <p:clrMapOvr>
+    <a:masterClrMapping/>
+  </p:clrMapOvr>
+</p:sld>
+</file>
+
+<file path=ppt/slides/slide8.xml><?xml version="1.0" encoding="utf-8"?>
+<p:sld xmlns:a="http://schemas.openxmlformats.org/drawingml/2006/main" xmlns:r="http://schemas.openxmlformats.org/officeDocument/2006/relationships" xmlns:p="http://schemas.openxmlformats.org/presentationml/2006/main">
+  <p:cSld>
+    <p:spTree>
+      <p:nvGrpSpPr>
+        <p:cNvPr id="1" name=""/>
+        <p:cNvGrpSpPr/>
+        <p:nvPr/>
+      </p:nvGrpSpPr>
+      <p:grpSpPr>
+        <a:xfrm>
+          <a:off x="0" y="0"/>
+          <a:ext cx="0" cy="0"/>
+          <a:chOff x="0" y="0"/>
+          <a:chExt cx="0" cy="0"/>
+        </a:xfrm>
+      </p:grpSpPr>
+    </p:spTree>
+    <p:extLst>
+      <p:ext uri="{BB962C8B-B14F-4D97-AF65-F5344CB8AC3E}">
+        <p14:creationId xmlns:p14="http://schemas.microsoft.com/office/powerpoint/2010/main" val="229730125"/>
+      </p:ext>
+    </p:extLst>
+  </p:cSld>
+  <p:clrMapOvr>
+    <a:masterClrMapping/>
+  </p:clrMapOvr>
+</p:sld>
+</file>
+
+<file path=ppt/slides/slide9.xml><?xml version="1.0" encoding="utf-8"?>
+<p:sld xmlns:a="http://schemas.openxmlformats.org/drawingml/2006/main" xmlns:r="http://schemas.openxmlformats.org/officeDocument/2006/relationships" xmlns:p="http://schemas.openxmlformats.org/presentationml/2006/main">
+  <p:cSld>
+    <p:spTree>
+      <p:nvGrpSpPr>
+        <p:cNvPr id="1" name=""/>
+        <p:cNvGrpSpPr/>
+        <p:nvPr/>
+      </p:nvGrpSpPr>
+      <p:grpSpPr>
+        <a:xfrm>
+          <a:off x="0" y="0"/>
+          <a:ext cx="0" cy="0"/>
+          <a:chOff x="0" y="0"/>
+          <a:chExt cx="0" cy="0"/>
+        </a:xfrm>
+      </p:grpSpPr>
+    </p:spTree>
+    <p:extLst>
+      <p:ext uri="{BB962C8B-B14F-4D97-AF65-F5344CB8AC3E}">
+        <p14:creationId xmlns:p14="http://schemas.microsoft.com/office/powerpoint/2010/main" val="4076551940"/>
       </p:ext>
     </p:extLst>
   </p:cSld>

--- a/img/파워포인트 이미지.pptx
+++ b/img/파워포인트 이미지.pptx
@@ -271,7 +271,7 @@
           <a:p>
             <a:fld id="{94558D0A-3DEC-4A21-9D48-249C5788E07A}" type="datetimeFigureOut">
               <a:rPr lang="ko-KR" altLang="en-US" smtClean="0"/>
-              <a:t>2020-02-08</a:t>
+              <a:t>2020-02-10</a:t>
             </a:fld>
             <a:endParaRPr lang="ko-KR" altLang="en-US"/>
           </a:p>
@@ -469,7 +469,7 @@
           <a:p>
             <a:fld id="{94558D0A-3DEC-4A21-9D48-249C5788E07A}" type="datetimeFigureOut">
               <a:rPr lang="ko-KR" altLang="en-US" smtClean="0"/>
-              <a:t>2020-02-08</a:t>
+              <a:t>2020-02-10</a:t>
             </a:fld>
             <a:endParaRPr lang="ko-KR" altLang="en-US"/>
           </a:p>
@@ -677,7 +677,7 @@
           <a:p>
             <a:fld id="{94558D0A-3DEC-4A21-9D48-249C5788E07A}" type="datetimeFigureOut">
               <a:rPr lang="ko-KR" altLang="en-US" smtClean="0"/>
-              <a:t>2020-02-08</a:t>
+              <a:t>2020-02-10</a:t>
             </a:fld>
             <a:endParaRPr lang="ko-KR" altLang="en-US"/>
           </a:p>
@@ -875,7 +875,7 @@
           <a:p>
             <a:fld id="{94558D0A-3DEC-4A21-9D48-249C5788E07A}" type="datetimeFigureOut">
               <a:rPr lang="ko-KR" altLang="en-US" smtClean="0"/>
-              <a:t>2020-02-08</a:t>
+              <a:t>2020-02-10</a:t>
             </a:fld>
             <a:endParaRPr lang="ko-KR" altLang="en-US"/>
           </a:p>
@@ -1150,7 +1150,7 @@
           <a:p>
             <a:fld id="{94558D0A-3DEC-4A21-9D48-249C5788E07A}" type="datetimeFigureOut">
               <a:rPr lang="ko-KR" altLang="en-US" smtClean="0"/>
-              <a:t>2020-02-08</a:t>
+              <a:t>2020-02-10</a:t>
             </a:fld>
             <a:endParaRPr lang="ko-KR" altLang="en-US"/>
           </a:p>
@@ -1415,7 +1415,7 @@
           <a:p>
             <a:fld id="{94558D0A-3DEC-4A21-9D48-249C5788E07A}" type="datetimeFigureOut">
               <a:rPr lang="ko-KR" altLang="en-US" smtClean="0"/>
-              <a:t>2020-02-08</a:t>
+              <a:t>2020-02-10</a:t>
             </a:fld>
             <a:endParaRPr lang="ko-KR" altLang="en-US"/>
           </a:p>
@@ -1827,7 +1827,7 @@
           <a:p>
             <a:fld id="{94558D0A-3DEC-4A21-9D48-249C5788E07A}" type="datetimeFigureOut">
               <a:rPr lang="ko-KR" altLang="en-US" smtClean="0"/>
-              <a:t>2020-02-08</a:t>
+              <a:t>2020-02-10</a:t>
             </a:fld>
             <a:endParaRPr lang="ko-KR" altLang="en-US"/>
           </a:p>
@@ -1968,7 +1968,7 @@
           <a:p>
             <a:fld id="{94558D0A-3DEC-4A21-9D48-249C5788E07A}" type="datetimeFigureOut">
               <a:rPr lang="ko-KR" altLang="en-US" smtClean="0"/>
-              <a:t>2020-02-08</a:t>
+              <a:t>2020-02-10</a:t>
             </a:fld>
             <a:endParaRPr lang="ko-KR" altLang="en-US"/>
           </a:p>
@@ -2081,7 +2081,7 @@
           <a:p>
             <a:fld id="{94558D0A-3DEC-4A21-9D48-249C5788E07A}" type="datetimeFigureOut">
               <a:rPr lang="ko-KR" altLang="en-US" smtClean="0"/>
-              <a:t>2020-02-08</a:t>
+              <a:t>2020-02-10</a:t>
             </a:fld>
             <a:endParaRPr lang="ko-KR" altLang="en-US"/>
           </a:p>
@@ -2392,7 +2392,7 @@
           <a:p>
             <a:fld id="{94558D0A-3DEC-4A21-9D48-249C5788E07A}" type="datetimeFigureOut">
               <a:rPr lang="ko-KR" altLang="en-US" smtClean="0"/>
-              <a:t>2020-02-08</a:t>
+              <a:t>2020-02-10</a:t>
             </a:fld>
             <a:endParaRPr lang="ko-KR" altLang="en-US"/>
           </a:p>
@@ -2680,7 +2680,7 @@
           <a:p>
             <a:fld id="{94558D0A-3DEC-4A21-9D48-249C5788E07A}" type="datetimeFigureOut">
               <a:rPr lang="ko-KR" altLang="en-US" smtClean="0"/>
-              <a:t>2020-02-08</a:t>
+              <a:t>2020-02-10</a:t>
             </a:fld>
             <a:endParaRPr lang="ko-KR" altLang="en-US"/>
           </a:p>
@@ -2921,7 +2921,7 @@
           <a:p>
             <a:fld id="{94558D0A-3DEC-4A21-9D48-249C5788E07A}" type="datetimeFigureOut">
               <a:rPr lang="ko-KR" altLang="en-US" smtClean="0"/>
-              <a:t>2020-02-08</a:t>
+              <a:t>2020-02-10</a:t>
             </a:fld>
             <a:endParaRPr lang="ko-KR" altLang="en-US"/>
           </a:p>
@@ -3705,6 +3705,1366 @@
           <a:chExt cx="0" cy="0"/>
         </a:xfrm>
       </p:grpSpPr>
+      <p:sp>
+        <p:nvSpPr>
+          <p:cNvPr id="26" name="타원 25">
+            <a:extLst>
+              <a:ext uri="{FF2B5EF4-FFF2-40B4-BE49-F238E27FC236}">
+                <a16:creationId xmlns:a16="http://schemas.microsoft.com/office/drawing/2014/main" id="{E69C098B-163A-4E8E-B8C4-4AB400E44C8A}"/>
+              </a:ext>
+            </a:extLst>
+          </p:cNvPr>
+          <p:cNvSpPr/>
+          <p:nvPr/>
+        </p:nvSpPr>
+        <p:spPr>
+          <a:xfrm>
+            <a:off x="4995334" y="914401"/>
+            <a:ext cx="931333" cy="931333"/>
+          </a:xfrm>
+          <a:prstGeom prst="ellipse">
+            <a:avLst/>
+          </a:prstGeom>
+        </p:spPr>
+        <p:style>
+          <a:lnRef idx="2">
+            <a:schemeClr val="dk1"/>
+          </a:lnRef>
+          <a:fillRef idx="1">
+            <a:schemeClr val="lt1"/>
+          </a:fillRef>
+          <a:effectRef idx="0">
+            <a:schemeClr val="dk1"/>
+          </a:effectRef>
+          <a:fontRef idx="minor">
+            <a:schemeClr val="dk1"/>
+          </a:fontRef>
+        </p:style>
+        <p:txBody>
+          <a:bodyPr rtlCol="0" anchor="ctr"/>
+          <a:lstStyle/>
+          <a:p>
+            <a:pPr algn="ctr"/>
+            <a:r>
+              <a:rPr lang="en-US" altLang="ko-KR" sz="4400" dirty="0">
+                <a:latin typeface="Arial Black" panose="020B0A04020102020204" pitchFamily="34" charset="0"/>
+              </a:rPr>
+              <a:t>A</a:t>
+            </a:r>
+            <a:endParaRPr lang="ko-KR" altLang="en-US" sz="4400" dirty="0">
+              <a:latin typeface="Arial Black" panose="020B0A04020102020204" pitchFamily="34" charset="0"/>
+            </a:endParaRPr>
+          </a:p>
+        </p:txBody>
+      </p:sp>
+      <p:sp>
+        <p:nvSpPr>
+          <p:cNvPr id="27" name="타원 26">
+            <a:extLst>
+              <a:ext uri="{FF2B5EF4-FFF2-40B4-BE49-F238E27FC236}">
+                <a16:creationId xmlns:a16="http://schemas.microsoft.com/office/drawing/2014/main" id="{EB2DE9EC-47B0-49B6-8872-94C8C214AD30}"/>
+              </a:ext>
+            </a:extLst>
+          </p:cNvPr>
+          <p:cNvSpPr/>
+          <p:nvPr/>
+        </p:nvSpPr>
+        <p:spPr>
+          <a:xfrm>
+            <a:off x="2777066" y="2362201"/>
+            <a:ext cx="931333" cy="931333"/>
+          </a:xfrm>
+          <a:prstGeom prst="ellipse">
+            <a:avLst/>
+          </a:prstGeom>
+        </p:spPr>
+        <p:style>
+          <a:lnRef idx="2">
+            <a:schemeClr val="dk1"/>
+          </a:lnRef>
+          <a:fillRef idx="1">
+            <a:schemeClr val="lt1"/>
+          </a:fillRef>
+          <a:effectRef idx="0">
+            <a:schemeClr val="dk1"/>
+          </a:effectRef>
+          <a:fontRef idx="minor">
+            <a:schemeClr val="dk1"/>
+          </a:fontRef>
+        </p:style>
+        <p:txBody>
+          <a:bodyPr rtlCol="0" anchor="ctr"/>
+          <a:lstStyle/>
+          <a:p>
+            <a:pPr algn="ctr"/>
+            <a:r>
+              <a:rPr lang="en-US" altLang="ko-KR" sz="4400" dirty="0">
+                <a:latin typeface="Arial Black" panose="020B0A04020102020204" pitchFamily="34" charset="0"/>
+              </a:rPr>
+              <a:t>B</a:t>
+            </a:r>
+            <a:endParaRPr lang="ko-KR" altLang="en-US" sz="4400" dirty="0">
+              <a:latin typeface="Arial Black" panose="020B0A04020102020204" pitchFamily="34" charset="0"/>
+            </a:endParaRPr>
+          </a:p>
+        </p:txBody>
+      </p:sp>
+      <p:sp>
+        <p:nvSpPr>
+          <p:cNvPr id="28" name="타원 27">
+            <a:extLst>
+              <a:ext uri="{FF2B5EF4-FFF2-40B4-BE49-F238E27FC236}">
+                <a16:creationId xmlns:a16="http://schemas.microsoft.com/office/drawing/2014/main" id="{37E0412A-3780-406F-8808-939737C259AB}"/>
+              </a:ext>
+            </a:extLst>
+          </p:cNvPr>
+          <p:cNvSpPr/>
+          <p:nvPr/>
+        </p:nvSpPr>
+        <p:spPr>
+          <a:xfrm>
+            <a:off x="4978401" y="2362200"/>
+            <a:ext cx="931333" cy="931333"/>
+          </a:xfrm>
+          <a:prstGeom prst="ellipse">
+            <a:avLst/>
+          </a:prstGeom>
+        </p:spPr>
+        <p:style>
+          <a:lnRef idx="2">
+            <a:schemeClr val="dk1"/>
+          </a:lnRef>
+          <a:fillRef idx="1">
+            <a:schemeClr val="lt1"/>
+          </a:fillRef>
+          <a:effectRef idx="0">
+            <a:schemeClr val="dk1"/>
+          </a:effectRef>
+          <a:fontRef idx="minor">
+            <a:schemeClr val="dk1"/>
+          </a:fontRef>
+        </p:style>
+        <p:txBody>
+          <a:bodyPr rtlCol="0" anchor="ctr"/>
+          <a:lstStyle/>
+          <a:p>
+            <a:pPr algn="ctr"/>
+            <a:r>
+              <a:rPr lang="en-US" altLang="ko-KR" sz="4400" dirty="0">
+                <a:latin typeface="Arial Black" panose="020B0A04020102020204" pitchFamily="34" charset="0"/>
+              </a:rPr>
+              <a:t>C</a:t>
+            </a:r>
+            <a:endParaRPr lang="ko-KR" altLang="en-US" sz="4400" dirty="0">
+              <a:latin typeface="Arial Black" panose="020B0A04020102020204" pitchFamily="34" charset="0"/>
+            </a:endParaRPr>
+          </a:p>
+        </p:txBody>
+      </p:sp>
+      <p:sp>
+        <p:nvSpPr>
+          <p:cNvPr id="29" name="타원 28">
+            <a:extLst>
+              <a:ext uri="{FF2B5EF4-FFF2-40B4-BE49-F238E27FC236}">
+                <a16:creationId xmlns:a16="http://schemas.microsoft.com/office/drawing/2014/main" id="{E324AF93-56A1-45B1-977E-A6B5CFB0BE7C}"/>
+              </a:ext>
+            </a:extLst>
+          </p:cNvPr>
+          <p:cNvSpPr/>
+          <p:nvPr/>
+        </p:nvSpPr>
+        <p:spPr>
+          <a:xfrm>
+            <a:off x="7565903" y="2362200"/>
+            <a:ext cx="931333" cy="931333"/>
+          </a:xfrm>
+          <a:prstGeom prst="ellipse">
+            <a:avLst/>
+          </a:prstGeom>
+        </p:spPr>
+        <p:style>
+          <a:lnRef idx="2">
+            <a:schemeClr val="dk1"/>
+          </a:lnRef>
+          <a:fillRef idx="1">
+            <a:schemeClr val="lt1"/>
+          </a:fillRef>
+          <a:effectRef idx="0">
+            <a:schemeClr val="dk1"/>
+          </a:effectRef>
+          <a:fontRef idx="minor">
+            <a:schemeClr val="dk1"/>
+          </a:fontRef>
+        </p:style>
+        <p:txBody>
+          <a:bodyPr rtlCol="0" anchor="ctr"/>
+          <a:lstStyle/>
+          <a:p>
+            <a:pPr algn="ctr"/>
+            <a:r>
+              <a:rPr lang="en-US" altLang="ko-KR" sz="4400" dirty="0">
+                <a:latin typeface="Arial Black" panose="020B0A04020102020204" pitchFamily="34" charset="0"/>
+              </a:rPr>
+              <a:t>D</a:t>
+            </a:r>
+            <a:endParaRPr lang="ko-KR" altLang="en-US" sz="4400" dirty="0">
+              <a:latin typeface="Arial Black" panose="020B0A04020102020204" pitchFamily="34" charset="0"/>
+            </a:endParaRPr>
+          </a:p>
+        </p:txBody>
+      </p:sp>
+      <p:cxnSp>
+        <p:nvCxnSpPr>
+          <p:cNvPr id="30" name="직선 연결선 29">
+            <a:extLst>
+              <a:ext uri="{FF2B5EF4-FFF2-40B4-BE49-F238E27FC236}">
+                <a16:creationId xmlns:a16="http://schemas.microsoft.com/office/drawing/2014/main" id="{E999914A-E385-4B6C-AAE4-635846B6272A}"/>
+              </a:ext>
+            </a:extLst>
+          </p:cNvPr>
+          <p:cNvCxnSpPr>
+            <a:stCxn id="27" idx="7"/>
+            <a:endCxn id="26" idx="3"/>
+          </p:cNvCxnSpPr>
+          <p:nvPr/>
+        </p:nvCxnSpPr>
+        <p:spPr>
+          <a:xfrm flipV="1">
+            <a:off x="3572008" y="1709343"/>
+            <a:ext cx="1559717" cy="789249"/>
+          </a:xfrm>
+          <a:prstGeom prst="line">
+            <a:avLst/>
+          </a:prstGeom>
+        </p:spPr>
+        <p:style>
+          <a:lnRef idx="1">
+            <a:schemeClr val="accent1"/>
+          </a:lnRef>
+          <a:fillRef idx="0">
+            <a:schemeClr val="accent1"/>
+          </a:fillRef>
+          <a:effectRef idx="0">
+            <a:schemeClr val="accent1"/>
+          </a:effectRef>
+          <a:fontRef idx="minor">
+            <a:schemeClr val="tx1"/>
+          </a:fontRef>
+        </p:style>
+      </p:cxnSp>
+      <p:cxnSp>
+        <p:nvCxnSpPr>
+          <p:cNvPr id="31" name="직선 연결선 30">
+            <a:extLst>
+              <a:ext uri="{FF2B5EF4-FFF2-40B4-BE49-F238E27FC236}">
+                <a16:creationId xmlns:a16="http://schemas.microsoft.com/office/drawing/2014/main" id="{8A892763-0AF2-490B-817C-2BF31E957625}"/>
+              </a:ext>
+            </a:extLst>
+          </p:cNvPr>
+          <p:cNvCxnSpPr>
+            <a:stCxn id="28" idx="0"/>
+            <a:endCxn id="26" idx="4"/>
+          </p:cNvCxnSpPr>
+          <p:nvPr/>
+        </p:nvCxnSpPr>
+        <p:spPr>
+          <a:xfrm flipV="1">
+            <a:off x="5444068" y="1845734"/>
+            <a:ext cx="16933" cy="516466"/>
+          </a:xfrm>
+          <a:prstGeom prst="line">
+            <a:avLst/>
+          </a:prstGeom>
+        </p:spPr>
+        <p:style>
+          <a:lnRef idx="1">
+            <a:schemeClr val="accent1"/>
+          </a:lnRef>
+          <a:fillRef idx="0">
+            <a:schemeClr val="accent1"/>
+          </a:fillRef>
+          <a:effectRef idx="0">
+            <a:schemeClr val="accent1"/>
+          </a:effectRef>
+          <a:fontRef idx="minor">
+            <a:schemeClr val="tx1"/>
+          </a:fontRef>
+        </p:style>
+      </p:cxnSp>
+      <p:cxnSp>
+        <p:nvCxnSpPr>
+          <p:cNvPr id="32" name="직선 연결선 31">
+            <a:extLst>
+              <a:ext uri="{FF2B5EF4-FFF2-40B4-BE49-F238E27FC236}">
+                <a16:creationId xmlns:a16="http://schemas.microsoft.com/office/drawing/2014/main" id="{1634DF25-3A30-41F5-8123-09ACCC2B08BD}"/>
+              </a:ext>
+            </a:extLst>
+          </p:cNvPr>
+          <p:cNvCxnSpPr>
+            <a:stCxn id="29" idx="1"/>
+            <a:endCxn id="26" idx="5"/>
+          </p:cNvCxnSpPr>
+          <p:nvPr/>
+        </p:nvCxnSpPr>
+        <p:spPr>
+          <a:xfrm flipH="1" flipV="1">
+            <a:off x="5790276" y="1709343"/>
+            <a:ext cx="1912018" cy="789248"/>
+          </a:xfrm>
+          <a:prstGeom prst="line">
+            <a:avLst/>
+          </a:prstGeom>
+        </p:spPr>
+        <p:style>
+          <a:lnRef idx="1">
+            <a:schemeClr val="accent1"/>
+          </a:lnRef>
+          <a:fillRef idx="0">
+            <a:schemeClr val="accent1"/>
+          </a:fillRef>
+          <a:effectRef idx="0">
+            <a:schemeClr val="accent1"/>
+          </a:effectRef>
+          <a:fontRef idx="minor">
+            <a:schemeClr val="tx1"/>
+          </a:fontRef>
+        </p:style>
+      </p:cxnSp>
+      <p:sp>
+        <p:nvSpPr>
+          <p:cNvPr id="33" name="타원 32">
+            <a:extLst>
+              <a:ext uri="{FF2B5EF4-FFF2-40B4-BE49-F238E27FC236}">
+                <a16:creationId xmlns:a16="http://schemas.microsoft.com/office/drawing/2014/main" id="{6ECABEF6-478F-4627-BFEB-ED019414E36C}"/>
+              </a:ext>
+            </a:extLst>
+          </p:cNvPr>
+          <p:cNvSpPr/>
+          <p:nvPr/>
+        </p:nvSpPr>
+        <p:spPr>
+          <a:xfrm>
+            <a:off x="1845733" y="3564467"/>
+            <a:ext cx="931333" cy="931333"/>
+          </a:xfrm>
+          <a:prstGeom prst="ellipse">
+            <a:avLst/>
+          </a:prstGeom>
+        </p:spPr>
+        <p:style>
+          <a:lnRef idx="2">
+            <a:schemeClr val="dk1"/>
+          </a:lnRef>
+          <a:fillRef idx="1">
+            <a:schemeClr val="lt1"/>
+          </a:fillRef>
+          <a:effectRef idx="0">
+            <a:schemeClr val="dk1"/>
+          </a:effectRef>
+          <a:fontRef idx="minor">
+            <a:schemeClr val="dk1"/>
+          </a:fontRef>
+        </p:style>
+        <p:txBody>
+          <a:bodyPr rtlCol="0" anchor="ctr"/>
+          <a:lstStyle/>
+          <a:p>
+            <a:pPr algn="ctr"/>
+            <a:r>
+              <a:rPr lang="en-US" altLang="ko-KR" sz="4400" dirty="0">
+                <a:latin typeface="Arial Black" panose="020B0A04020102020204" pitchFamily="34" charset="0"/>
+              </a:rPr>
+              <a:t>E</a:t>
+            </a:r>
+            <a:endParaRPr lang="ko-KR" altLang="en-US" sz="4400" dirty="0">
+              <a:latin typeface="Arial Black" panose="020B0A04020102020204" pitchFamily="34" charset="0"/>
+            </a:endParaRPr>
+          </a:p>
+        </p:txBody>
+      </p:sp>
+      <p:sp>
+        <p:nvSpPr>
+          <p:cNvPr id="34" name="타원 33">
+            <a:extLst>
+              <a:ext uri="{FF2B5EF4-FFF2-40B4-BE49-F238E27FC236}">
+                <a16:creationId xmlns:a16="http://schemas.microsoft.com/office/drawing/2014/main" id="{6E87EE71-C7AF-4B01-B918-70E2DCB87246}"/>
+              </a:ext>
+            </a:extLst>
+          </p:cNvPr>
+          <p:cNvSpPr/>
+          <p:nvPr/>
+        </p:nvSpPr>
+        <p:spPr>
+          <a:xfrm>
+            <a:off x="3572008" y="3564467"/>
+            <a:ext cx="931333" cy="931333"/>
+          </a:xfrm>
+          <a:prstGeom prst="ellipse">
+            <a:avLst/>
+          </a:prstGeom>
+        </p:spPr>
+        <p:style>
+          <a:lnRef idx="2">
+            <a:schemeClr val="dk1"/>
+          </a:lnRef>
+          <a:fillRef idx="1">
+            <a:schemeClr val="lt1"/>
+          </a:fillRef>
+          <a:effectRef idx="0">
+            <a:schemeClr val="dk1"/>
+          </a:effectRef>
+          <a:fontRef idx="minor">
+            <a:schemeClr val="dk1"/>
+          </a:fontRef>
+        </p:style>
+        <p:txBody>
+          <a:bodyPr rtlCol="0" anchor="ctr"/>
+          <a:lstStyle/>
+          <a:p>
+            <a:pPr algn="ctr"/>
+            <a:r>
+              <a:rPr lang="en-US" altLang="ko-KR" sz="4400" dirty="0">
+                <a:latin typeface="Arial Black" panose="020B0A04020102020204" pitchFamily="34" charset="0"/>
+              </a:rPr>
+              <a:t>F</a:t>
+            </a:r>
+            <a:endParaRPr lang="ko-KR" altLang="en-US" sz="4400" dirty="0">
+              <a:latin typeface="Arial Black" panose="020B0A04020102020204" pitchFamily="34" charset="0"/>
+            </a:endParaRPr>
+          </a:p>
+        </p:txBody>
+      </p:sp>
+      <p:sp>
+        <p:nvSpPr>
+          <p:cNvPr id="35" name="타원 34">
+            <a:extLst>
+              <a:ext uri="{FF2B5EF4-FFF2-40B4-BE49-F238E27FC236}">
+                <a16:creationId xmlns:a16="http://schemas.microsoft.com/office/drawing/2014/main" id="{CD93FC3A-0FF1-479B-8984-1F431B2AC2F3}"/>
+              </a:ext>
+            </a:extLst>
+          </p:cNvPr>
+          <p:cNvSpPr/>
+          <p:nvPr/>
+        </p:nvSpPr>
+        <p:spPr>
+          <a:xfrm>
+            <a:off x="914400" y="4876800"/>
+            <a:ext cx="931333" cy="931333"/>
+          </a:xfrm>
+          <a:prstGeom prst="ellipse">
+            <a:avLst/>
+          </a:prstGeom>
+        </p:spPr>
+        <p:style>
+          <a:lnRef idx="2">
+            <a:schemeClr val="dk1"/>
+          </a:lnRef>
+          <a:fillRef idx="1">
+            <a:schemeClr val="lt1"/>
+          </a:fillRef>
+          <a:effectRef idx="0">
+            <a:schemeClr val="dk1"/>
+          </a:effectRef>
+          <a:fontRef idx="minor">
+            <a:schemeClr val="dk1"/>
+          </a:fontRef>
+        </p:style>
+        <p:txBody>
+          <a:bodyPr rtlCol="0" anchor="ctr"/>
+          <a:lstStyle/>
+          <a:p>
+            <a:pPr algn="ctr"/>
+            <a:r>
+              <a:rPr lang="en-US" altLang="ko-KR" sz="4400" dirty="0">
+                <a:latin typeface="Arial Black" panose="020B0A04020102020204" pitchFamily="34" charset="0"/>
+              </a:rPr>
+              <a:t>K</a:t>
+            </a:r>
+            <a:endParaRPr lang="ko-KR" altLang="en-US" sz="4400" dirty="0">
+              <a:latin typeface="Arial Black" panose="020B0A04020102020204" pitchFamily="34" charset="0"/>
+            </a:endParaRPr>
+          </a:p>
+        </p:txBody>
+      </p:sp>
+      <p:sp>
+        <p:nvSpPr>
+          <p:cNvPr id="36" name="타원 35">
+            <a:extLst>
+              <a:ext uri="{FF2B5EF4-FFF2-40B4-BE49-F238E27FC236}">
+                <a16:creationId xmlns:a16="http://schemas.microsoft.com/office/drawing/2014/main" id="{4E3BBA7F-EEB1-4470-892E-DCF5002975FD}"/>
+              </a:ext>
+            </a:extLst>
+          </p:cNvPr>
+          <p:cNvSpPr/>
+          <p:nvPr/>
+        </p:nvSpPr>
+        <p:spPr>
+          <a:xfrm>
+            <a:off x="2810007" y="4876800"/>
+            <a:ext cx="931333" cy="931333"/>
+          </a:xfrm>
+          <a:prstGeom prst="ellipse">
+            <a:avLst/>
+          </a:prstGeom>
+        </p:spPr>
+        <p:style>
+          <a:lnRef idx="2">
+            <a:schemeClr val="dk1"/>
+          </a:lnRef>
+          <a:fillRef idx="1">
+            <a:schemeClr val="lt1"/>
+          </a:fillRef>
+          <a:effectRef idx="0">
+            <a:schemeClr val="dk1"/>
+          </a:effectRef>
+          <a:fontRef idx="minor">
+            <a:schemeClr val="dk1"/>
+          </a:fontRef>
+        </p:style>
+        <p:txBody>
+          <a:bodyPr rtlCol="0" anchor="ctr"/>
+          <a:lstStyle/>
+          <a:p>
+            <a:pPr algn="ctr"/>
+            <a:r>
+              <a:rPr lang="en-US" altLang="ko-KR" sz="4400" dirty="0">
+                <a:latin typeface="Arial Black" panose="020B0A04020102020204" pitchFamily="34" charset="0"/>
+              </a:rPr>
+              <a:t>L</a:t>
+            </a:r>
+            <a:endParaRPr lang="ko-KR" altLang="en-US" sz="4400" dirty="0">
+              <a:latin typeface="Arial Black" panose="020B0A04020102020204" pitchFamily="34" charset="0"/>
+            </a:endParaRPr>
+          </a:p>
+        </p:txBody>
+      </p:sp>
+      <p:sp>
+        <p:nvSpPr>
+          <p:cNvPr id="37" name="타원 36">
+            <a:extLst>
+              <a:ext uri="{FF2B5EF4-FFF2-40B4-BE49-F238E27FC236}">
+                <a16:creationId xmlns:a16="http://schemas.microsoft.com/office/drawing/2014/main" id="{CB71D6A8-ED8A-4A57-AFB6-D78879B03A40}"/>
+              </a:ext>
+            </a:extLst>
+          </p:cNvPr>
+          <p:cNvSpPr/>
+          <p:nvPr/>
+        </p:nvSpPr>
+        <p:spPr>
+          <a:xfrm>
+            <a:off x="4978400" y="3564467"/>
+            <a:ext cx="931333" cy="931333"/>
+          </a:xfrm>
+          <a:prstGeom prst="ellipse">
+            <a:avLst/>
+          </a:prstGeom>
+        </p:spPr>
+        <p:style>
+          <a:lnRef idx="2">
+            <a:schemeClr val="dk1"/>
+          </a:lnRef>
+          <a:fillRef idx="1">
+            <a:schemeClr val="lt1"/>
+          </a:fillRef>
+          <a:effectRef idx="0">
+            <a:schemeClr val="dk1"/>
+          </a:effectRef>
+          <a:fontRef idx="minor">
+            <a:schemeClr val="dk1"/>
+          </a:fontRef>
+        </p:style>
+        <p:txBody>
+          <a:bodyPr rtlCol="0" anchor="ctr"/>
+          <a:lstStyle/>
+          <a:p>
+            <a:pPr algn="ctr"/>
+            <a:r>
+              <a:rPr lang="en-US" altLang="ko-KR" sz="4400" dirty="0">
+                <a:latin typeface="Arial Black" panose="020B0A04020102020204" pitchFamily="34" charset="0"/>
+              </a:rPr>
+              <a:t>G</a:t>
+            </a:r>
+            <a:endParaRPr lang="ko-KR" altLang="en-US" sz="4400" dirty="0">
+              <a:latin typeface="Arial Black" panose="020B0A04020102020204" pitchFamily="34" charset="0"/>
+            </a:endParaRPr>
+          </a:p>
+        </p:txBody>
+      </p:sp>
+      <p:sp>
+        <p:nvSpPr>
+          <p:cNvPr id="38" name="타원 37">
+            <a:extLst>
+              <a:ext uri="{FF2B5EF4-FFF2-40B4-BE49-F238E27FC236}">
+                <a16:creationId xmlns:a16="http://schemas.microsoft.com/office/drawing/2014/main" id="{B0FDB043-AF37-41D8-8B72-851CB989FCFA}"/>
+              </a:ext>
+            </a:extLst>
+          </p:cNvPr>
+          <p:cNvSpPr/>
+          <p:nvPr/>
+        </p:nvSpPr>
+        <p:spPr>
+          <a:xfrm>
+            <a:off x="6381263" y="3547530"/>
+            <a:ext cx="931333" cy="931333"/>
+          </a:xfrm>
+          <a:prstGeom prst="ellipse">
+            <a:avLst/>
+          </a:prstGeom>
+        </p:spPr>
+        <p:style>
+          <a:lnRef idx="2">
+            <a:schemeClr val="dk1"/>
+          </a:lnRef>
+          <a:fillRef idx="1">
+            <a:schemeClr val="lt1"/>
+          </a:fillRef>
+          <a:effectRef idx="0">
+            <a:schemeClr val="dk1"/>
+          </a:effectRef>
+          <a:fontRef idx="minor">
+            <a:schemeClr val="dk1"/>
+          </a:fontRef>
+        </p:style>
+        <p:txBody>
+          <a:bodyPr rtlCol="0" anchor="ctr"/>
+          <a:lstStyle/>
+          <a:p>
+            <a:pPr algn="ctr"/>
+            <a:r>
+              <a:rPr lang="en-US" altLang="ko-KR" sz="4400" dirty="0">
+                <a:latin typeface="Arial Black" panose="020B0A04020102020204" pitchFamily="34" charset="0"/>
+              </a:rPr>
+              <a:t>H</a:t>
+            </a:r>
+            <a:endParaRPr lang="ko-KR" altLang="en-US" sz="4400" dirty="0">
+              <a:latin typeface="Arial Black" panose="020B0A04020102020204" pitchFamily="34" charset="0"/>
+            </a:endParaRPr>
+          </a:p>
+        </p:txBody>
+      </p:sp>
+      <p:sp>
+        <p:nvSpPr>
+          <p:cNvPr id="39" name="타원 38">
+            <a:extLst>
+              <a:ext uri="{FF2B5EF4-FFF2-40B4-BE49-F238E27FC236}">
+                <a16:creationId xmlns:a16="http://schemas.microsoft.com/office/drawing/2014/main" id="{B30E425C-EDDA-4A30-B9B7-91775CCEABB4}"/>
+              </a:ext>
+            </a:extLst>
+          </p:cNvPr>
+          <p:cNvSpPr/>
+          <p:nvPr/>
+        </p:nvSpPr>
+        <p:spPr>
+          <a:xfrm>
+            <a:off x="7580987" y="3547529"/>
+            <a:ext cx="931333" cy="931333"/>
+          </a:xfrm>
+          <a:prstGeom prst="ellipse">
+            <a:avLst/>
+          </a:prstGeom>
+        </p:spPr>
+        <p:style>
+          <a:lnRef idx="2">
+            <a:schemeClr val="dk1"/>
+          </a:lnRef>
+          <a:fillRef idx="1">
+            <a:schemeClr val="lt1"/>
+          </a:fillRef>
+          <a:effectRef idx="0">
+            <a:schemeClr val="dk1"/>
+          </a:effectRef>
+          <a:fontRef idx="minor">
+            <a:schemeClr val="dk1"/>
+          </a:fontRef>
+        </p:style>
+        <p:txBody>
+          <a:bodyPr rtlCol="0" anchor="ctr"/>
+          <a:lstStyle/>
+          <a:p>
+            <a:pPr algn="ctr"/>
+            <a:r>
+              <a:rPr lang="en-US" altLang="ko-KR" sz="4400" dirty="0">
+                <a:latin typeface="Arial Black" panose="020B0A04020102020204" pitchFamily="34" charset="0"/>
+              </a:rPr>
+              <a:t>I</a:t>
+            </a:r>
+            <a:endParaRPr lang="ko-KR" altLang="en-US" sz="4400" dirty="0">
+              <a:latin typeface="Arial Black" panose="020B0A04020102020204" pitchFamily="34" charset="0"/>
+            </a:endParaRPr>
+          </a:p>
+        </p:txBody>
+      </p:sp>
+      <p:sp>
+        <p:nvSpPr>
+          <p:cNvPr id="40" name="타원 39">
+            <a:extLst>
+              <a:ext uri="{FF2B5EF4-FFF2-40B4-BE49-F238E27FC236}">
+                <a16:creationId xmlns:a16="http://schemas.microsoft.com/office/drawing/2014/main" id="{97200678-DA08-4420-8574-F460F060EF83}"/>
+              </a:ext>
+            </a:extLst>
+          </p:cNvPr>
+          <p:cNvSpPr/>
+          <p:nvPr/>
+        </p:nvSpPr>
+        <p:spPr>
+          <a:xfrm>
+            <a:off x="8906010" y="3564466"/>
+            <a:ext cx="931333" cy="931333"/>
+          </a:xfrm>
+          <a:prstGeom prst="ellipse">
+            <a:avLst/>
+          </a:prstGeom>
+        </p:spPr>
+        <p:style>
+          <a:lnRef idx="2">
+            <a:schemeClr val="dk1"/>
+          </a:lnRef>
+          <a:fillRef idx="1">
+            <a:schemeClr val="lt1"/>
+          </a:fillRef>
+          <a:effectRef idx="0">
+            <a:schemeClr val="dk1"/>
+          </a:effectRef>
+          <a:fontRef idx="minor">
+            <a:schemeClr val="dk1"/>
+          </a:fontRef>
+        </p:style>
+        <p:txBody>
+          <a:bodyPr rtlCol="0" anchor="ctr"/>
+          <a:lstStyle/>
+          <a:p>
+            <a:pPr algn="ctr"/>
+            <a:r>
+              <a:rPr lang="en-US" altLang="ko-KR" sz="4400" dirty="0">
+                <a:latin typeface="Arial Black" panose="020B0A04020102020204" pitchFamily="34" charset="0"/>
+              </a:rPr>
+              <a:t>J</a:t>
+            </a:r>
+            <a:endParaRPr lang="ko-KR" altLang="en-US" sz="4400" dirty="0">
+              <a:latin typeface="Arial Black" panose="020B0A04020102020204" pitchFamily="34" charset="0"/>
+            </a:endParaRPr>
+          </a:p>
+        </p:txBody>
+      </p:sp>
+      <p:sp>
+        <p:nvSpPr>
+          <p:cNvPr id="41" name="타원 40">
+            <a:extLst>
+              <a:ext uri="{FF2B5EF4-FFF2-40B4-BE49-F238E27FC236}">
+                <a16:creationId xmlns:a16="http://schemas.microsoft.com/office/drawing/2014/main" id="{0F689456-F308-445D-9D4C-A071BCA0A2F7}"/>
+              </a:ext>
+            </a:extLst>
+          </p:cNvPr>
+          <p:cNvSpPr/>
+          <p:nvPr/>
+        </p:nvSpPr>
+        <p:spPr>
+          <a:xfrm>
+            <a:off x="6381263" y="4876800"/>
+            <a:ext cx="931333" cy="931333"/>
+          </a:xfrm>
+          <a:prstGeom prst="ellipse">
+            <a:avLst/>
+          </a:prstGeom>
+        </p:spPr>
+        <p:style>
+          <a:lnRef idx="2">
+            <a:schemeClr val="dk1"/>
+          </a:lnRef>
+          <a:fillRef idx="1">
+            <a:schemeClr val="lt1"/>
+          </a:fillRef>
+          <a:effectRef idx="0">
+            <a:schemeClr val="dk1"/>
+          </a:effectRef>
+          <a:fontRef idx="minor">
+            <a:schemeClr val="dk1"/>
+          </a:fontRef>
+        </p:style>
+        <p:txBody>
+          <a:bodyPr rtlCol="0" anchor="ctr"/>
+          <a:lstStyle/>
+          <a:p>
+            <a:pPr algn="ctr"/>
+            <a:r>
+              <a:rPr lang="en-US" altLang="ko-KR" sz="4400" dirty="0">
+                <a:latin typeface="Arial Black" panose="020B0A04020102020204" pitchFamily="34" charset="0"/>
+              </a:rPr>
+              <a:t>M</a:t>
+            </a:r>
+            <a:endParaRPr lang="ko-KR" altLang="en-US" sz="4400" dirty="0">
+              <a:latin typeface="Arial Black" panose="020B0A04020102020204" pitchFamily="34" charset="0"/>
+            </a:endParaRPr>
+          </a:p>
+        </p:txBody>
+      </p:sp>
+      <p:cxnSp>
+        <p:nvCxnSpPr>
+          <p:cNvPr id="42" name="직선 연결선 41">
+            <a:extLst>
+              <a:ext uri="{FF2B5EF4-FFF2-40B4-BE49-F238E27FC236}">
+                <a16:creationId xmlns:a16="http://schemas.microsoft.com/office/drawing/2014/main" id="{00A0C1B0-2984-4070-8C59-9F88066E95FC}"/>
+              </a:ext>
+            </a:extLst>
+          </p:cNvPr>
+          <p:cNvCxnSpPr>
+            <a:stCxn id="27" idx="3"/>
+            <a:endCxn id="33" idx="7"/>
+          </p:cNvCxnSpPr>
+          <p:nvPr/>
+        </p:nvCxnSpPr>
+        <p:spPr>
+          <a:xfrm flipH="1">
+            <a:off x="2640675" y="3157143"/>
+            <a:ext cx="272782" cy="543715"/>
+          </a:xfrm>
+          <a:prstGeom prst="line">
+            <a:avLst/>
+          </a:prstGeom>
+        </p:spPr>
+        <p:style>
+          <a:lnRef idx="1">
+            <a:schemeClr val="accent1"/>
+          </a:lnRef>
+          <a:fillRef idx="0">
+            <a:schemeClr val="accent1"/>
+          </a:fillRef>
+          <a:effectRef idx="0">
+            <a:schemeClr val="accent1"/>
+          </a:effectRef>
+          <a:fontRef idx="minor">
+            <a:schemeClr val="tx1"/>
+          </a:fontRef>
+        </p:style>
+      </p:cxnSp>
+      <p:cxnSp>
+        <p:nvCxnSpPr>
+          <p:cNvPr id="43" name="직선 연결선 42">
+            <a:extLst>
+              <a:ext uri="{FF2B5EF4-FFF2-40B4-BE49-F238E27FC236}">
+                <a16:creationId xmlns:a16="http://schemas.microsoft.com/office/drawing/2014/main" id="{6098604A-A195-4B95-A5F7-7DC5539EF2BB}"/>
+              </a:ext>
+            </a:extLst>
+          </p:cNvPr>
+          <p:cNvCxnSpPr>
+            <a:stCxn id="27" idx="5"/>
+            <a:endCxn id="34" idx="1"/>
+          </p:cNvCxnSpPr>
+          <p:nvPr/>
+        </p:nvCxnSpPr>
+        <p:spPr>
+          <a:xfrm>
+            <a:off x="3572008" y="3157143"/>
+            <a:ext cx="136391" cy="543715"/>
+          </a:xfrm>
+          <a:prstGeom prst="line">
+            <a:avLst/>
+          </a:prstGeom>
+        </p:spPr>
+        <p:style>
+          <a:lnRef idx="1">
+            <a:schemeClr val="accent1"/>
+          </a:lnRef>
+          <a:fillRef idx="0">
+            <a:schemeClr val="accent1"/>
+          </a:fillRef>
+          <a:effectRef idx="0">
+            <a:schemeClr val="accent1"/>
+          </a:effectRef>
+          <a:fontRef idx="minor">
+            <a:schemeClr val="tx1"/>
+          </a:fontRef>
+        </p:style>
+      </p:cxnSp>
+      <p:cxnSp>
+        <p:nvCxnSpPr>
+          <p:cNvPr id="44" name="직선 연결선 43">
+            <a:extLst>
+              <a:ext uri="{FF2B5EF4-FFF2-40B4-BE49-F238E27FC236}">
+                <a16:creationId xmlns:a16="http://schemas.microsoft.com/office/drawing/2014/main" id="{579C3DBF-16E8-40F9-85F3-4DEF77114C64}"/>
+              </a:ext>
+            </a:extLst>
+          </p:cNvPr>
+          <p:cNvCxnSpPr>
+            <a:stCxn id="28" idx="4"/>
+            <a:endCxn id="37" idx="0"/>
+          </p:cNvCxnSpPr>
+          <p:nvPr/>
+        </p:nvCxnSpPr>
+        <p:spPr>
+          <a:xfrm flipH="1">
+            <a:off x="5444067" y="3293533"/>
+            <a:ext cx="1" cy="270934"/>
+          </a:xfrm>
+          <a:prstGeom prst="line">
+            <a:avLst/>
+          </a:prstGeom>
+        </p:spPr>
+        <p:style>
+          <a:lnRef idx="1">
+            <a:schemeClr val="accent1"/>
+          </a:lnRef>
+          <a:fillRef idx="0">
+            <a:schemeClr val="accent1"/>
+          </a:fillRef>
+          <a:effectRef idx="0">
+            <a:schemeClr val="accent1"/>
+          </a:effectRef>
+          <a:fontRef idx="minor">
+            <a:schemeClr val="tx1"/>
+          </a:fontRef>
+        </p:style>
+      </p:cxnSp>
+      <p:cxnSp>
+        <p:nvCxnSpPr>
+          <p:cNvPr id="45" name="직선 연결선 44">
+            <a:extLst>
+              <a:ext uri="{FF2B5EF4-FFF2-40B4-BE49-F238E27FC236}">
+                <a16:creationId xmlns:a16="http://schemas.microsoft.com/office/drawing/2014/main" id="{6132F55B-E4D0-4ADD-9C4A-E73BFECB18BA}"/>
+              </a:ext>
+            </a:extLst>
+          </p:cNvPr>
+          <p:cNvCxnSpPr>
+            <a:stCxn id="29" idx="3"/>
+            <a:endCxn id="38" idx="0"/>
+          </p:cNvCxnSpPr>
+          <p:nvPr/>
+        </p:nvCxnSpPr>
+        <p:spPr>
+          <a:xfrm flipH="1">
+            <a:off x="6846930" y="3157142"/>
+            <a:ext cx="855364" cy="390388"/>
+          </a:xfrm>
+          <a:prstGeom prst="line">
+            <a:avLst/>
+          </a:prstGeom>
+        </p:spPr>
+        <p:style>
+          <a:lnRef idx="1">
+            <a:schemeClr val="accent1"/>
+          </a:lnRef>
+          <a:fillRef idx="0">
+            <a:schemeClr val="accent1"/>
+          </a:fillRef>
+          <a:effectRef idx="0">
+            <a:schemeClr val="accent1"/>
+          </a:effectRef>
+          <a:fontRef idx="minor">
+            <a:schemeClr val="tx1"/>
+          </a:fontRef>
+        </p:style>
+      </p:cxnSp>
+      <p:cxnSp>
+        <p:nvCxnSpPr>
+          <p:cNvPr id="46" name="직선 연결선 45">
+            <a:extLst>
+              <a:ext uri="{FF2B5EF4-FFF2-40B4-BE49-F238E27FC236}">
+                <a16:creationId xmlns:a16="http://schemas.microsoft.com/office/drawing/2014/main" id="{33B16ED0-8972-4B1D-9762-88136BC74A30}"/>
+              </a:ext>
+            </a:extLst>
+          </p:cNvPr>
+          <p:cNvCxnSpPr>
+            <a:stCxn id="29" idx="4"/>
+            <a:endCxn id="39" idx="0"/>
+          </p:cNvCxnSpPr>
+          <p:nvPr/>
+        </p:nvCxnSpPr>
+        <p:spPr>
+          <a:xfrm>
+            <a:off x="8031570" y="3293533"/>
+            <a:ext cx="15084" cy="253996"/>
+          </a:xfrm>
+          <a:prstGeom prst="line">
+            <a:avLst/>
+          </a:prstGeom>
+        </p:spPr>
+        <p:style>
+          <a:lnRef idx="1">
+            <a:schemeClr val="accent1"/>
+          </a:lnRef>
+          <a:fillRef idx="0">
+            <a:schemeClr val="accent1"/>
+          </a:fillRef>
+          <a:effectRef idx="0">
+            <a:schemeClr val="accent1"/>
+          </a:effectRef>
+          <a:fontRef idx="minor">
+            <a:schemeClr val="tx1"/>
+          </a:fontRef>
+        </p:style>
+      </p:cxnSp>
+      <p:cxnSp>
+        <p:nvCxnSpPr>
+          <p:cNvPr id="47" name="직선 연결선 46">
+            <a:extLst>
+              <a:ext uri="{FF2B5EF4-FFF2-40B4-BE49-F238E27FC236}">
+                <a16:creationId xmlns:a16="http://schemas.microsoft.com/office/drawing/2014/main" id="{C394CC77-51C5-4F61-89B1-C9BCE1603F1C}"/>
+              </a:ext>
+            </a:extLst>
+          </p:cNvPr>
+          <p:cNvCxnSpPr>
+            <a:cxnSpLocks/>
+            <a:stCxn id="29" idx="5"/>
+            <a:endCxn id="40" idx="0"/>
+          </p:cNvCxnSpPr>
+          <p:nvPr/>
+        </p:nvCxnSpPr>
+        <p:spPr>
+          <a:xfrm>
+            <a:off x="8360845" y="3157142"/>
+            <a:ext cx="1010832" cy="407324"/>
+          </a:xfrm>
+          <a:prstGeom prst="line">
+            <a:avLst/>
+          </a:prstGeom>
+        </p:spPr>
+        <p:style>
+          <a:lnRef idx="1">
+            <a:schemeClr val="accent1"/>
+          </a:lnRef>
+          <a:fillRef idx="0">
+            <a:schemeClr val="accent1"/>
+          </a:fillRef>
+          <a:effectRef idx="0">
+            <a:schemeClr val="accent1"/>
+          </a:effectRef>
+          <a:fontRef idx="minor">
+            <a:schemeClr val="tx1"/>
+          </a:fontRef>
+        </p:style>
+      </p:cxnSp>
+      <p:cxnSp>
+        <p:nvCxnSpPr>
+          <p:cNvPr id="48" name="직선 연결선 47">
+            <a:extLst>
+              <a:ext uri="{FF2B5EF4-FFF2-40B4-BE49-F238E27FC236}">
+                <a16:creationId xmlns:a16="http://schemas.microsoft.com/office/drawing/2014/main" id="{2E9AA59B-1BE7-4C2C-87EE-C619D79D5FAE}"/>
+              </a:ext>
+            </a:extLst>
+          </p:cNvPr>
+          <p:cNvCxnSpPr>
+            <a:stCxn id="38" idx="4"/>
+            <a:endCxn id="41" idx="0"/>
+          </p:cNvCxnSpPr>
+          <p:nvPr/>
+        </p:nvCxnSpPr>
+        <p:spPr>
+          <a:xfrm>
+            <a:off x="6846930" y="4478863"/>
+            <a:ext cx="0" cy="397937"/>
+          </a:xfrm>
+          <a:prstGeom prst="line">
+            <a:avLst/>
+          </a:prstGeom>
+        </p:spPr>
+        <p:style>
+          <a:lnRef idx="1">
+            <a:schemeClr val="accent1"/>
+          </a:lnRef>
+          <a:fillRef idx="0">
+            <a:schemeClr val="accent1"/>
+          </a:fillRef>
+          <a:effectRef idx="0">
+            <a:schemeClr val="accent1"/>
+          </a:effectRef>
+          <a:fontRef idx="minor">
+            <a:schemeClr val="tx1"/>
+          </a:fontRef>
+        </p:style>
+      </p:cxnSp>
+      <p:cxnSp>
+        <p:nvCxnSpPr>
+          <p:cNvPr id="49" name="직선 연결선 48">
+            <a:extLst>
+              <a:ext uri="{FF2B5EF4-FFF2-40B4-BE49-F238E27FC236}">
+                <a16:creationId xmlns:a16="http://schemas.microsoft.com/office/drawing/2014/main" id="{CB02B863-B51E-429A-9485-BFC5E3B6919E}"/>
+              </a:ext>
+            </a:extLst>
+          </p:cNvPr>
+          <p:cNvCxnSpPr>
+            <a:stCxn id="33" idx="3"/>
+            <a:endCxn id="35" idx="0"/>
+          </p:cNvCxnSpPr>
+          <p:nvPr/>
+        </p:nvCxnSpPr>
+        <p:spPr>
+          <a:xfrm flipH="1">
+            <a:off x="1380067" y="4359409"/>
+            <a:ext cx="602057" cy="517391"/>
+          </a:xfrm>
+          <a:prstGeom prst="line">
+            <a:avLst/>
+          </a:prstGeom>
+        </p:spPr>
+        <p:style>
+          <a:lnRef idx="1">
+            <a:schemeClr val="accent1"/>
+          </a:lnRef>
+          <a:fillRef idx="0">
+            <a:schemeClr val="accent1"/>
+          </a:fillRef>
+          <a:effectRef idx="0">
+            <a:schemeClr val="accent1"/>
+          </a:effectRef>
+          <a:fontRef idx="minor">
+            <a:schemeClr val="tx1"/>
+          </a:fontRef>
+        </p:style>
+      </p:cxnSp>
+      <p:cxnSp>
+        <p:nvCxnSpPr>
+          <p:cNvPr id="50" name="직선 연결선 49">
+            <a:extLst>
+              <a:ext uri="{FF2B5EF4-FFF2-40B4-BE49-F238E27FC236}">
+                <a16:creationId xmlns:a16="http://schemas.microsoft.com/office/drawing/2014/main" id="{25BB4F3A-40C4-4068-8D89-382424E1C1CC}"/>
+              </a:ext>
+            </a:extLst>
+          </p:cNvPr>
+          <p:cNvCxnSpPr>
+            <a:stCxn id="33" idx="5"/>
+          </p:cNvCxnSpPr>
+          <p:nvPr/>
+        </p:nvCxnSpPr>
+        <p:spPr>
+          <a:xfrm>
+            <a:off x="2640675" y="4359409"/>
+            <a:ext cx="611450" cy="543715"/>
+          </a:xfrm>
+          <a:prstGeom prst="line">
+            <a:avLst/>
+          </a:prstGeom>
+        </p:spPr>
+        <p:style>
+          <a:lnRef idx="1">
+            <a:schemeClr val="accent1"/>
+          </a:lnRef>
+          <a:fillRef idx="0">
+            <a:schemeClr val="accent1"/>
+          </a:fillRef>
+          <a:effectRef idx="0">
+            <a:schemeClr val="accent1"/>
+          </a:effectRef>
+          <a:fontRef idx="minor">
+            <a:schemeClr val="tx1"/>
+          </a:fontRef>
+        </p:style>
+      </p:cxnSp>
+      <p:sp>
+        <p:nvSpPr>
+          <p:cNvPr id="51" name="타원 50">
+            <a:extLst>
+              <a:ext uri="{FF2B5EF4-FFF2-40B4-BE49-F238E27FC236}">
+                <a16:creationId xmlns:a16="http://schemas.microsoft.com/office/drawing/2014/main" id="{759CEB1C-BD9C-47E7-BC7E-ACCED0318E7D}"/>
+              </a:ext>
+            </a:extLst>
+          </p:cNvPr>
+          <p:cNvSpPr/>
+          <p:nvPr/>
+        </p:nvSpPr>
+        <p:spPr>
+          <a:xfrm>
+            <a:off x="6095999" y="3293532"/>
+            <a:ext cx="1561041" cy="1397001"/>
+          </a:xfrm>
+          <a:prstGeom prst="ellipse">
+            <a:avLst/>
+          </a:prstGeom>
+          <a:noFill/>
+        </p:spPr>
+        <p:style>
+          <a:lnRef idx="2">
+            <a:schemeClr val="accent1">
+              <a:shade val="50000"/>
+            </a:schemeClr>
+          </a:lnRef>
+          <a:fillRef idx="1">
+            <a:schemeClr val="accent1"/>
+          </a:fillRef>
+          <a:effectRef idx="0">
+            <a:schemeClr val="accent1"/>
+          </a:effectRef>
+          <a:fontRef idx="minor">
+            <a:schemeClr val="lt1"/>
+          </a:fontRef>
+        </p:style>
+        <p:txBody>
+          <a:bodyPr rtlCol="0" anchor="ctr"/>
+          <a:lstStyle/>
+          <a:p>
+            <a:pPr algn="ctr"/>
+            <a:endParaRPr lang="ko-KR" altLang="en-US"/>
+          </a:p>
+        </p:txBody>
+      </p:sp>
+      <p:sp>
+        <p:nvSpPr>
+          <p:cNvPr id="52" name="타원 51">
+            <a:extLst>
+              <a:ext uri="{FF2B5EF4-FFF2-40B4-BE49-F238E27FC236}">
+                <a16:creationId xmlns:a16="http://schemas.microsoft.com/office/drawing/2014/main" id="{31448C80-47B8-43A7-AE41-9E0017AB3B9C}"/>
+              </a:ext>
+            </a:extLst>
+          </p:cNvPr>
+          <p:cNvSpPr/>
+          <p:nvPr/>
+        </p:nvSpPr>
+        <p:spPr>
+          <a:xfrm>
+            <a:off x="7301870" y="3348561"/>
+            <a:ext cx="1561041" cy="1397001"/>
+          </a:xfrm>
+          <a:prstGeom prst="ellipse">
+            <a:avLst/>
+          </a:prstGeom>
+          <a:noFill/>
+        </p:spPr>
+        <p:style>
+          <a:lnRef idx="2">
+            <a:schemeClr val="accent1">
+              <a:shade val="50000"/>
+            </a:schemeClr>
+          </a:lnRef>
+          <a:fillRef idx="1">
+            <a:schemeClr val="accent1"/>
+          </a:fillRef>
+          <a:effectRef idx="0">
+            <a:schemeClr val="accent1"/>
+          </a:effectRef>
+          <a:fontRef idx="minor">
+            <a:schemeClr val="lt1"/>
+          </a:fontRef>
+        </p:style>
+        <p:txBody>
+          <a:bodyPr rtlCol="0" anchor="ctr"/>
+          <a:lstStyle/>
+          <a:p>
+            <a:pPr algn="ctr"/>
+            <a:endParaRPr lang="ko-KR" altLang="en-US"/>
+          </a:p>
+        </p:txBody>
+      </p:sp>
+      <p:sp>
+        <p:nvSpPr>
+          <p:cNvPr id="53" name="타원 52">
+            <a:extLst>
+              <a:ext uri="{FF2B5EF4-FFF2-40B4-BE49-F238E27FC236}">
+                <a16:creationId xmlns:a16="http://schemas.microsoft.com/office/drawing/2014/main" id="{063991E1-FCAB-439F-958B-17F1A4C6C3B8}"/>
+              </a:ext>
+            </a:extLst>
+          </p:cNvPr>
+          <p:cNvSpPr/>
+          <p:nvPr/>
+        </p:nvSpPr>
+        <p:spPr>
+          <a:xfrm>
+            <a:off x="8497236" y="3389974"/>
+            <a:ext cx="1561041" cy="1397001"/>
+          </a:xfrm>
+          <a:prstGeom prst="ellipse">
+            <a:avLst/>
+          </a:prstGeom>
+          <a:noFill/>
+        </p:spPr>
+        <p:style>
+          <a:lnRef idx="2">
+            <a:schemeClr val="accent1">
+              <a:shade val="50000"/>
+            </a:schemeClr>
+          </a:lnRef>
+          <a:fillRef idx="1">
+            <a:schemeClr val="accent1"/>
+          </a:fillRef>
+          <a:effectRef idx="0">
+            <a:schemeClr val="accent1"/>
+          </a:effectRef>
+          <a:fontRef idx="minor">
+            <a:schemeClr val="lt1"/>
+          </a:fontRef>
+        </p:style>
+        <p:txBody>
+          <a:bodyPr rtlCol="0" anchor="ctr"/>
+          <a:lstStyle/>
+          <a:p>
+            <a:pPr algn="ctr"/>
+            <a:endParaRPr lang="ko-KR" altLang="en-US"/>
+          </a:p>
+        </p:txBody>
+      </p:sp>
+      <p:cxnSp>
+        <p:nvCxnSpPr>
+          <p:cNvPr id="55" name="직선 연결선 54">
+            <a:extLst>
+              <a:ext uri="{FF2B5EF4-FFF2-40B4-BE49-F238E27FC236}">
+                <a16:creationId xmlns:a16="http://schemas.microsoft.com/office/drawing/2014/main" id="{9BF2E57A-9FA8-46AE-B9FE-BCC5A2C2EC24}"/>
+              </a:ext>
+            </a:extLst>
+          </p:cNvPr>
+          <p:cNvCxnSpPr/>
+          <p:nvPr/>
+        </p:nvCxnSpPr>
+        <p:spPr>
+          <a:xfrm flipV="1">
+            <a:off x="10058277" y="2963333"/>
+            <a:ext cx="1066923" cy="897467"/>
+          </a:xfrm>
+          <a:prstGeom prst="line">
+            <a:avLst/>
+          </a:prstGeom>
+        </p:spPr>
+        <p:style>
+          <a:lnRef idx="1">
+            <a:schemeClr val="accent1"/>
+          </a:lnRef>
+          <a:fillRef idx="0">
+            <a:schemeClr val="accent1"/>
+          </a:fillRef>
+          <a:effectRef idx="0">
+            <a:schemeClr val="accent1"/>
+          </a:effectRef>
+          <a:fontRef idx="minor">
+            <a:schemeClr val="tx1"/>
+          </a:fontRef>
+        </p:style>
+      </p:cxnSp>
+      <p:sp>
+        <p:nvSpPr>
+          <p:cNvPr id="56" name="TextBox 55">
+            <a:extLst>
+              <a:ext uri="{FF2B5EF4-FFF2-40B4-BE49-F238E27FC236}">
+                <a16:creationId xmlns:a16="http://schemas.microsoft.com/office/drawing/2014/main" id="{2FC98768-9118-4410-9A0F-CAB1260531BE}"/>
+              </a:ext>
+            </a:extLst>
+          </p:cNvPr>
+          <p:cNvSpPr txBox="1"/>
+          <p:nvPr/>
+        </p:nvSpPr>
+        <p:spPr>
+          <a:xfrm>
+            <a:off x="10477223" y="2647201"/>
+            <a:ext cx="1601000" cy="738664"/>
+          </a:xfrm>
+          <a:prstGeom prst="rect">
+            <a:avLst/>
+          </a:prstGeom>
+          <a:noFill/>
+        </p:spPr>
+        <p:txBody>
+          <a:bodyPr wrap="square" rtlCol="0">
+            <a:spAutoFit/>
+          </a:bodyPr>
+          <a:lstStyle/>
+          <a:p>
+            <a:r>
+              <a:rPr lang="ko-KR" altLang="en-US" sz="2400" dirty="0" err="1"/>
+              <a:t>형제노드</a:t>
+            </a:r>
+            <a:endParaRPr lang="en-US" altLang="ko-KR" sz="2400" dirty="0"/>
+          </a:p>
+          <a:p>
+            <a:endParaRPr lang="ko-KR" altLang="en-US" dirty="0"/>
+          </a:p>
+        </p:txBody>
+      </p:sp>
     </p:spTree>
     <p:extLst>
       <p:ext uri="{BB962C8B-B14F-4D97-AF65-F5344CB8AC3E}">
@@ -3735,6 +5095,1739 @@
           <a:chExt cx="0" cy="0"/>
         </a:xfrm>
       </p:grpSpPr>
+      <p:sp>
+        <p:nvSpPr>
+          <p:cNvPr id="2" name="타원 1">
+            <a:extLst>
+              <a:ext uri="{FF2B5EF4-FFF2-40B4-BE49-F238E27FC236}">
+                <a16:creationId xmlns:a16="http://schemas.microsoft.com/office/drawing/2014/main" id="{8442E7ED-5A16-499E-860D-EBDB16505068}"/>
+              </a:ext>
+            </a:extLst>
+          </p:cNvPr>
+          <p:cNvSpPr/>
+          <p:nvPr/>
+        </p:nvSpPr>
+        <p:spPr>
+          <a:xfrm>
+            <a:off x="4656668" y="914401"/>
+            <a:ext cx="931333" cy="931333"/>
+          </a:xfrm>
+          <a:prstGeom prst="ellipse">
+            <a:avLst/>
+          </a:prstGeom>
+        </p:spPr>
+        <p:style>
+          <a:lnRef idx="2">
+            <a:schemeClr val="dk1"/>
+          </a:lnRef>
+          <a:fillRef idx="1">
+            <a:schemeClr val="lt1"/>
+          </a:fillRef>
+          <a:effectRef idx="0">
+            <a:schemeClr val="dk1"/>
+          </a:effectRef>
+          <a:fontRef idx="minor">
+            <a:schemeClr val="dk1"/>
+          </a:fontRef>
+        </p:style>
+        <p:txBody>
+          <a:bodyPr rtlCol="0" anchor="ctr"/>
+          <a:lstStyle/>
+          <a:p>
+            <a:pPr algn="ctr"/>
+            <a:r>
+              <a:rPr lang="en-US" altLang="ko-KR" sz="4400" dirty="0">
+                <a:latin typeface="Arial Black" panose="020B0A04020102020204" pitchFamily="34" charset="0"/>
+              </a:rPr>
+              <a:t>A</a:t>
+            </a:r>
+            <a:endParaRPr lang="ko-KR" altLang="en-US" sz="4400" dirty="0">
+              <a:latin typeface="Arial Black" panose="020B0A04020102020204" pitchFamily="34" charset="0"/>
+            </a:endParaRPr>
+          </a:p>
+        </p:txBody>
+      </p:sp>
+      <p:sp>
+        <p:nvSpPr>
+          <p:cNvPr id="3" name="타원 2">
+            <a:extLst>
+              <a:ext uri="{FF2B5EF4-FFF2-40B4-BE49-F238E27FC236}">
+                <a16:creationId xmlns:a16="http://schemas.microsoft.com/office/drawing/2014/main" id="{4DB70882-591A-4D57-857F-DC02A641742F}"/>
+              </a:ext>
+            </a:extLst>
+          </p:cNvPr>
+          <p:cNvSpPr/>
+          <p:nvPr/>
+        </p:nvSpPr>
+        <p:spPr>
+          <a:xfrm>
+            <a:off x="2438400" y="2362201"/>
+            <a:ext cx="931333" cy="931333"/>
+          </a:xfrm>
+          <a:prstGeom prst="ellipse">
+            <a:avLst/>
+          </a:prstGeom>
+        </p:spPr>
+        <p:style>
+          <a:lnRef idx="2">
+            <a:schemeClr val="dk1"/>
+          </a:lnRef>
+          <a:fillRef idx="1">
+            <a:schemeClr val="lt1"/>
+          </a:fillRef>
+          <a:effectRef idx="0">
+            <a:schemeClr val="dk1"/>
+          </a:effectRef>
+          <a:fontRef idx="minor">
+            <a:schemeClr val="dk1"/>
+          </a:fontRef>
+        </p:style>
+        <p:txBody>
+          <a:bodyPr rtlCol="0" anchor="ctr"/>
+          <a:lstStyle/>
+          <a:p>
+            <a:pPr algn="ctr"/>
+            <a:r>
+              <a:rPr lang="en-US" altLang="ko-KR" sz="4400" dirty="0">
+                <a:latin typeface="Arial Black" panose="020B0A04020102020204" pitchFamily="34" charset="0"/>
+              </a:rPr>
+              <a:t>B</a:t>
+            </a:r>
+            <a:endParaRPr lang="ko-KR" altLang="en-US" sz="4400" dirty="0">
+              <a:latin typeface="Arial Black" panose="020B0A04020102020204" pitchFamily="34" charset="0"/>
+            </a:endParaRPr>
+          </a:p>
+        </p:txBody>
+      </p:sp>
+      <p:sp>
+        <p:nvSpPr>
+          <p:cNvPr id="4" name="타원 3">
+            <a:extLst>
+              <a:ext uri="{FF2B5EF4-FFF2-40B4-BE49-F238E27FC236}">
+                <a16:creationId xmlns:a16="http://schemas.microsoft.com/office/drawing/2014/main" id="{E0184C94-914C-4237-B24D-44E5F0281014}"/>
+              </a:ext>
+            </a:extLst>
+          </p:cNvPr>
+          <p:cNvSpPr/>
+          <p:nvPr/>
+        </p:nvSpPr>
+        <p:spPr>
+          <a:xfrm>
+            <a:off x="4639735" y="2362200"/>
+            <a:ext cx="931333" cy="931333"/>
+          </a:xfrm>
+          <a:prstGeom prst="ellipse">
+            <a:avLst/>
+          </a:prstGeom>
+        </p:spPr>
+        <p:style>
+          <a:lnRef idx="2">
+            <a:schemeClr val="dk1"/>
+          </a:lnRef>
+          <a:fillRef idx="1">
+            <a:schemeClr val="lt1"/>
+          </a:fillRef>
+          <a:effectRef idx="0">
+            <a:schemeClr val="dk1"/>
+          </a:effectRef>
+          <a:fontRef idx="minor">
+            <a:schemeClr val="dk1"/>
+          </a:fontRef>
+        </p:style>
+        <p:txBody>
+          <a:bodyPr rtlCol="0" anchor="ctr"/>
+          <a:lstStyle/>
+          <a:p>
+            <a:pPr algn="ctr"/>
+            <a:r>
+              <a:rPr lang="en-US" altLang="ko-KR" sz="4400" dirty="0">
+                <a:latin typeface="Arial Black" panose="020B0A04020102020204" pitchFamily="34" charset="0"/>
+              </a:rPr>
+              <a:t>C</a:t>
+            </a:r>
+            <a:endParaRPr lang="ko-KR" altLang="en-US" sz="4400" dirty="0">
+              <a:latin typeface="Arial Black" panose="020B0A04020102020204" pitchFamily="34" charset="0"/>
+            </a:endParaRPr>
+          </a:p>
+        </p:txBody>
+      </p:sp>
+      <p:sp>
+        <p:nvSpPr>
+          <p:cNvPr id="5" name="타원 4">
+            <a:extLst>
+              <a:ext uri="{FF2B5EF4-FFF2-40B4-BE49-F238E27FC236}">
+                <a16:creationId xmlns:a16="http://schemas.microsoft.com/office/drawing/2014/main" id="{AE814A59-D493-4D27-9EE5-2C8B46E49FBE}"/>
+              </a:ext>
+            </a:extLst>
+          </p:cNvPr>
+          <p:cNvSpPr/>
+          <p:nvPr/>
+        </p:nvSpPr>
+        <p:spPr>
+          <a:xfrm>
+            <a:off x="7227237" y="2362200"/>
+            <a:ext cx="931333" cy="931333"/>
+          </a:xfrm>
+          <a:prstGeom prst="ellipse">
+            <a:avLst/>
+          </a:prstGeom>
+        </p:spPr>
+        <p:style>
+          <a:lnRef idx="2">
+            <a:schemeClr val="dk1"/>
+          </a:lnRef>
+          <a:fillRef idx="1">
+            <a:schemeClr val="lt1"/>
+          </a:fillRef>
+          <a:effectRef idx="0">
+            <a:schemeClr val="dk1"/>
+          </a:effectRef>
+          <a:fontRef idx="minor">
+            <a:schemeClr val="dk1"/>
+          </a:fontRef>
+        </p:style>
+        <p:txBody>
+          <a:bodyPr rtlCol="0" anchor="ctr"/>
+          <a:lstStyle/>
+          <a:p>
+            <a:pPr algn="ctr"/>
+            <a:r>
+              <a:rPr lang="en-US" altLang="ko-KR" sz="4400" dirty="0">
+                <a:latin typeface="Arial Black" panose="020B0A04020102020204" pitchFamily="34" charset="0"/>
+              </a:rPr>
+              <a:t>D</a:t>
+            </a:r>
+            <a:endParaRPr lang="ko-KR" altLang="en-US" sz="4400" dirty="0">
+              <a:latin typeface="Arial Black" panose="020B0A04020102020204" pitchFamily="34" charset="0"/>
+            </a:endParaRPr>
+          </a:p>
+        </p:txBody>
+      </p:sp>
+      <p:cxnSp>
+        <p:nvCxnSpPr>
+          <p:cNvPr id="6" name="직선 연결선 5">
+            <a:extLst>
+              <a:ext uri="{FF2B5EF4-FFF2-40B4-BE49-F238E27FC236}">
+                <a16:creationId xmlns:a16="http://schemas.microsoft.com/office/drawing/2014/main" id="{F42EF037-A3C7-4C88-89B5-0E012CD29E7D}"/>
+              </a:ext>
+            </a:extLst>
+          </p:cNvPr>
+          <p:cNvCxnSpPr>
+            <a:stCxn id="3" idx="7"/>
+            <a:endCxn id="2" idx="3"/>
+          </p:cNvCxnSpPr>
+          <p:nvPr/>
+        </p:nvCxnSpPr>
+        <p:spPr>
+          <a:xfrm flipV="1">
+            <a:off x="3233342" y="1709343"/>
+            <a:ext cx="1559717" cy="789249"/>
+          </a:xfrm>
+          <a:prstGeom prst="line">
+            <a:avLst/>
+          </a:prstGeom>
+        </p:spPr>
+        <p:style>
+          <a:lnRef idx="1">
+            <a:schemeClr val="accent1"/>
+          </a:lnRef>
+          <a:fillRef idx="0">
+            <a:schemeClr val="accent1"/>
+          </a:fillRef>
+          <a:effectRef idx="0">
+            <a:schemeClr val="accent1"/>
+          </a:effectRef>
+          <a:fontRef idx="minor">
+            <a:schemeClr val="tx1"/>
+          </a:fontRef>
+        </p:style>
+      </p:cxnSp>
+      <p:cxnSp>
+        <p:nvCxnSpPr>
+          <p:cNvPr id="7" name="직선 연결선 6">
+            <a:extLst>
+              <a:ext uri="{FF2B5EF4-FFF2-40B4-BE49-F238E27FC236}">
+                <a16:creationId xmlns:a16="http://schemas.microsoft.com/office/drawing/2014/main" id="{AE823CF8-9B53-49B4-9888-9E36F091F207}"/>
+              </a:ext>
+            </a:extLst>
+          </p:cNvPr>
+          <p:cNvCxnSpPr>
+            <a:stCxn id="4" idx="0"/>
+            <a:endCxn id="2" idx="4"/>
+          </p:cNvCxnSpPr>
+          <p:nvPr/>
+        </p:nvCxnSpPr>
+        <p:spPr>
+          <a:xfrm flipV="1">
+            <a:off x="5105402" y="1845734"/>
+            <a:ext cx="16933" cy="516466"/>
+          </a:xfrm>
+          <a:prstGeom prst="line">
+            <a:avLst/>
+          </a:prstGeom>
+        </p:spPr>
+        <p:style>
+          <a:lnRef idx="1">
+            <a:schemeClr val="accent1"/>
+          </a:lnRef>
+          <a:fillRef idx="0">
+            <a:schemeClr val="accent1"/>
+          </a:fillRef>
+          <a:effectRef idx="0">
+            <a:schemeClr val="accent1"/>
+          </a:effectRef>
+          <a:fontRef idx="minor">
+            <a:schemeClr val="tx1"/>
+          </a:fontRef>
+        </p:style>
+      </p:cxnSp>
+      <p:cxnSp>
+        <p:nvCxnSpPr>
+          <p:cNvPr id="8" name="직선 연결선 7">
+            <a:extLst>
+              <a:ext uri="{FF2B5EF4-FFF2-40B4-BE49-F238E27FC236}">
+                <a16:creationId xmlns:a16="http://schemas.microsoft.com/office/drawing/2014/main" id="{80345D42-F1F8-4AC0-8C92-C0D19548B3B4}"/>
+              </a:ext>
+            </a:extLst>
+          </p:cNvPr>
+          <p:cNvCxnSpPr>
+            <a:stCxn id="5" idx="1"/>
+            <a:endCxn id="2" idx="5"/>
+          </p:cNvCxnSpPr>
+          <p:nvPr/>
+        </p:nvCxnSpPr>
+        <p:spPr>
+          <a:xfrm flipH="1" flipV="1">
+            <a:off x="5451610" y="1709343"/>
+            <a:ext cx="1912018" cy="789248"/>
+          </a:xfrm>
+          <a:prstGeom prst="line">
+            <a:avLst/>
+          </a:prstGeom>
+        </p:spPr>
+        <p:style>
+          <a:lnRef idx="1">
+            <a:schemeClr val="accent1"/>
+          </a:lnRef>
+          <a:fillRef idx="0">
+            <a:schemeClr val="accent1"/>
+          </a:fillRef>
+          <a:effectRef idx="0">
+            <a:schemeClr val="accent1"/>
+          </a:effectRef>
+          <a:fontRef idx="minor">
+            <a:schemeClr val="tx1"/>
+          </a:fontRef>
+        </p:style>
+      </p:cxnSp>
+      <p:sp>
+        <p:nvSpPr>
+          <p:cNvPr id="9" name="타원 8">
+            <a:extLst>
+              <a:ext uri="{FF2B5EF4-FFF2-40B4-BE49-F238E27FC236}">
+                <a16:creationId xmlns:a16="http://schemas.microsoft.com/office/drawing/2014/main" id="{3BE41F02-4FA6-45A1-8FAD-9CDDB9B607A3}"/>
+              </a:ext>
+            </a:extLst>
+          </p:cNvPr>
+          <p:cNvSpPr/>
+          <p:nvPr/>
+        </p:nvSpPr>
+        <p:spPr>
+          <a:xfrm>
+            <a:off x="1507067" y="3564467"/>
+            <a:ext cx="931333" cy="931333"/>
+          </a:xfrm>
+          <a:prstGeom prst="ellipse">
+            <a:avLst/>
+          </a:prstGeom>
+        </p:spPr>
+        <p:style>
+          <a:lnRef idx="2">
+            <a:schemeClr val="dk1"/>
+          </a:lnRef>
+          <a:fillRef idx="1">
+            <a:schemeClr val="lt1"/>
+          </a:fillRef>
+          <a:effectRef idx="0">
+            <a:schemeClr val="dk1"/>
+          </a:effectRef>
+          <a:fontRef idx="minor">
+            <a:schemeClr val="dk1"/>
+          </a:fontRef>
+        </p:style>
+        <p:txBody>
+          <a:bodyPr rtlCol="0" anchor="ctr"/>
+          <a:lstStyle/>
+          <a:p>
+            <a:pPr algn="ctr"/>
+            <a:r>
+              <a:rPr lang="en-US" altLang="ko-KR" sz="4400" dirty="0">
+                <a:latin typeface="Arial Black" panose="020B0A04020102020204" pitchFamily="34" charset="0"/>
+              </a:rPr>
+              <a:t>E</a:t>
+            </a:r>
+            <a:endParaRPr lang="ko-KR" altLang="en-US" sz="4400" dirty="0">
+              <a:latin typeface="Arial Black" panose="020B0A04020102020204" pitchFamily="34" charset="0"/>
+            </a:endParaRPr>
+          </a:p>
+        </p:txBody>
+      </p:sp>
+      <p:sp>
+        <p:nvSpPr>
+          <p:cNvPr id="10" name="타원 9">
+            <a:extLst>
+              <a:ext uri="{FF2B5EF4-FFF2-40B4-BE49-F238E27FC236}">
+                <a16:creationId xmlns:a16="http://schemas.microsoft.com/office/drawing/2014/main" id="{9B354838-A2E0-4A52-BE09-C97054BA06D5}"/>
+              </a:ext>
+            </a:extLst>
+          </p:cNvPr>
+          <p:cNvSpPr/>
+          <p:nvPr/>
+        </p:nvSpPr>
+        <p:spPr>
+          <a:xfrm>
+            <a:off x="3233342" y="3564467"/>
+            <a:ext cx="931333" cy="931333"/>
+          </a:xfrm>
+          <a:prstGeom prst="ellipse">
+            <a:avLst/>
+          </a:prstGeom>
+        </p:spPr>
+        <p:style>
+          <a:lnRef idx="2">
+            <a:schemeClr val="dk1"/>
+          </a:lnRef>
+          <a:fillRef idx="1">
+            <a:schemeClr val="lt1"/>
+          </a:fillRef>
+          <a:effectRef idx="0">
+            <a:schemeClr val="dk1"/>
+          </a:effectRef>
+          <a:fontRef idx="minor">
+            <a:schemeClr val="dk1"/>
+          </a:fontRef>
+        </p:style>
+        <p:txBody>
+          <a:bodyPr rtlCol="0" anchor="ctr"/>
+          <a:lstStyle/>
+          <a:p>
+            <a:pPr algn="ctr"/>
+            <a:r>
+              <a:rPr lang="en-US" altLang="ko-KR" sz="4400" dirty="0">
+                <a:latin typeface="Arial Black" panose="020B0A04020102020204" pitchFamily="34" charset="0"/>
+              </a:rPr>
+              <a:t>F</a:t>
+            </a:r>
+            <a:endParaRPr lang="ko-KR" altLang="en-US" sz="4400" dirty="0">
+              <a:latin typeface="Arial Black" panose="020B0A04020102020204" pitchFamily="34" charset="0"/>
+            </a:endParaRPr>
+          </a:p>
+        </p:txBody>
+      </p:sp>
+      <p:sp>
+        <p:nvSpPr>
+          <p:cNvPr id="11" name="타원 10">
+            <a:extLst>
+              <a:ext uri="{FF2B5EF4-FFF2-40B4-BE49-F238E27FC236}">
+                <a16:creationId xmlns:a16="http://schemas.microsoft.com/office/drawing/2014/main" id="{E96875A6-7CF9-4506-AF68-3A5C83D5C672}"/>
+              </a:ext>
+            </a:extLst>
+          </p:cNvPr>
+          <p:cNvSpPr/>
+          <p:nvPr/>
+        </p:nvSpPr>
+        <p:spPr>
+          <a:xfrm>
+            <a:off x="575734" y="4876800"/>
+            <a:ext cx="931333" cy="931333"/>
+          </a:xfrm>
+          <a:prstGeom prst="ellipse">
+            <a:avLst/>
+          </a:prstGeom>
+        </p:spPr>
+        <p:style>
+          <a:lnRef idx="2">
+            <a:schemeClr val="dk1"/>
+          </a:lnRef>
+          <a:fillRef idx="1">
+            <a:schemeClr val="lt1"/>
+          </a:fillRef>
+          <a:effectRef idx="0">
+            <a:schemeClr val="dk1"/>
+          </a:effectRef>
+          <a:fontRef idx="minor">
+            <a:schemeClr val="dk1"/>
+          </a:fontRef>
+        </p:style>
+        <p:txBody>
+          <a:bodyPr rtlCol="0" anchor="ctr"/>
+          <a:lstStyle/>
+          <a:p>
+            <a:pPr algn="ctr"/>
+            <a:r>
+              <a:rPr lang="en-US" altLang="ko-KR" sz="4400" dirty="0">
+                <a:latin typeface="Arial Black" panose="020B0A04020102020204" pitchFamily="34" charset="0"/>
+              </a:rPr>
+              <a:t>K</a:t>
+            </a:r>
+            <a:endParaRPr lang="ko-KR" altLang="en-US" sz="4400" dirty="0">
+              <a:latin typeface="Arial Black" panose="020B0A04020102020204" pitchFamily="34" charset="0"/>
+            </a:endParaRPr>
+          </a:p>
+        </p:txBody>
+      </p:sp>
+      <p:sp>
+        <p:nvSpPr>
+          <p:cNvPr id="12" name="타원 11">
+            <a:extLst>
+              <a:ext uri="{FF2B5EF4-FFF2-40B4-BE49-F238E27FC236}">
+                <a16:creationId xmlns:a16="http://schemas.microsoft.com/office/drawing/2014/main" id="{B9D019A8-0AA0-4711-AAD1-16F5A95996D2}"/>
+              </a:ext>
+            </a:extLst>
+          </p:cNvPr>
+          <p:cNvSpPr/>
+          <p:nvPr/>
+        </p:nvSpPr>
+        <p:spPr>
+          <a:xfrm>
+            <a:off x="2471341" y="4876800"/>
+            <a:ext cx="931333" cy="931333"/>
+          </a:xfrm>
+          <a:prstGeom prst="ellipse">
+            <a:avLst/>
+          </a:prstGeom>
+        </p:spPr>
+        <p:style>
+          <a:lnRef idx="2">
+            <a:schemeClr val="dk1"/>
+          </a:lnRef>
+          <a:fillRef idx="1">
+            <a:schemeClr val="lt1"/>
+          </a:fillRef>
+          <a:effectRef idx="0">
+            <a:schemeClr val="dk1"/>
+          </a:effectRef>
+          <a:fontRef idx="minor">
+            <a:schemeClr val="dk1"/>
+          </a:fontRef>
+        </p:style>
+        <p:txBody>
+          <a:bodyPr rtlCol="0" anchor="ctr"/>
+          <a:lstStyle/>
+          <a:p>
+            <a:pPr algn="ctr"/>
+            <a:r>
+              <a:rPr lang="en-US" altLang="ko-KR" sz="4400" dirty="0">
+                <a:latin typeface="Arial Black" panose="020B0A04020102020204" pitchFamily="34" charset="0"/>
+              </a:rPr>
+              <a:t>L</a:t>
+            </a:r>
+            <a:endParaRPr lang="ko-KR" altLang="en-US" sz="4400" dirty="0">
+              <a:latin typeface="Arial Black" panose="020B0A04020102020204" pitchFamily="34" charset="0"/>
+            </a:endParaRPr>
+          </a:p>
+        </p:txBody>
+      </p:sp>
+      <p:sp>
+        <p:nvSpPr>
+          <p:cNvPr id="13" name="타원 12">
+            <a:extLst>
+              <a:ext uri="{FF2B5EF4-FFF2-40B4-BE49-F238E27FC236}">
+                <a16:creationId xmlns:a16="http://schemas.microsoft.com/office/drawing/2014/main" id="{2DD6F946-E9FB-4E13-8A31-CD45E73FAF51}"/>
+              </a:ext>
+            </a:extLst>
+          </p:cNvPr>
+          <p:cNvSpPr/>
+          <p:nvPr/>
+        </p:nvSpPr>
+        <p:spPr>
+          <a:xfrm>
+            <a:off x="4639734" y="3564467"/>
+            <a:ext cx="931333" cy="931333"/>
+          </a:xfrm>
+          <a:prstGeom prst="ellipse">
+            <a:avLst/>
+          </a:prstGeom>
+        </p:spPr>
+        <p:style>
+          <a:lnRef idx="2">
+            <a:schemeClr val="dk1"/>
+          </a:lnRef>
+          <a:fillRef idx="1">
+            <a:schemeClr val="lt1"/>
+          </a:fillRef>
+          <a:effectRef idx="0">
+            <a:schemeClr val="dk1"/>
+          </a:effectRef>
+          <a:fontRef idx="minor">
+            <a:schemeClr val="dk1"/>
+          </a:fontRef>
+        </p:style>
+        <p:txBody>
+          <a:bodyPr rtlCol="0" anchor="ctr"/>
+          <a:lstStyle/>
+          <a:p>
+            <a:pPr algn="ctr"/>
+            <a:r>
+              <a:rPr lang="en-US" altLang="ko-KR" sz="4400" dirty="0">
+                <a:latin typeface="Arial Black" panose="020B0A04020102020204" pitchFamily="34" charset="0"/>
+              </a:rPr>
+              <a:t>G</a:t>
+            </a:r>
+            <a:endParaRPr lang="ko-KR" altLang="en-US" sz="4400" dirty="0">
+              <a:latin typeface="Arial Black" panose="020B0A04020102020204" pitchFamily="34" charset="0"/>
+            </a:endParaRPr>
+          </a:p>
+        </p:txBody>
+      </p:sp>
+      <p:sp>
+        <p:nvSpPr>
+          <p:cNvPr id="14" name="타원 13">
+            <a:extLst>
+              <a:ext uri="{FF2B5EF4-FFF2-40B4-BE49-F238E27FC236}">
+                <a16:creationId xmlns:a16="http://schemas.microsoft.com/office/drawing/2014/main" id="{35022DEF-DC43-4D1D-8F37-258E90F43B2A}"/>
+              </a:ext>
+            </a:extLst>
+          </p:cNvPr>
+          <p:cNvSpPr/>
+          <p:nvPr/>
+        </p:nvSpPr>
+        <p:spPr>
+          <a:xfrm>
+            <a:off x="6042597" y="3547530"/>
+            <a:ext cx="931333" cy="931333"/>
+          </a:xfrm>
+          <a:prstGeom prst="ellipse">
+            <a:avLst/>
+          </a:prstGeom>
+        </p:spPr>
+        <p:style>
+          <a:lnRef idx="2">
+            <a:schemeClr val="dk1"/>
+          </a:lnRef>
+          <a:fillRef idx="1">
+            <a:schemeClr val="lt1"/>
+          </a:fillRef>
+          <a:effectRef idx="0">
+            <a:schemeClr val="dk1"/>
+          </a:effectRef>
+          <a:fontRef idx="minor">
+            <a:schemeClr val="dk1"/>
+          </a:fontRef>
+        </p:style>
+        <p:txBody>
+          <a:bodyPr rtlCol="0" anchor="ctr"/>
+          <a:lstStyle/>
+          <a:p>
+            <a:pPr algn="ctr"/>
+            <a:r>
+              <a:rPr lang="en-US" altLang="ko-KR" sz="4400" dirty="0">
+                <a:latin typeface="Arial Black" panose="020B0A04020102020204" pitchFamily="34" charset="0"/>
+              </a:rPr>
+              <a:t>H</a:t>
+            </a:r>
+            <a:endParaRPr lang="ko-KR" altLang="en-US" sz="4400" dirty="0">
+              <a:latin typeface="Arial Black" panose="020B0A04020102020204" pitchFamily="34" charset="0"/>
+            </a:endParaRPr>
+          </a:p>
+        </p:txBody>
+      </p:sp>
+      <p:sp>
+        <p:nvSpPr>
+          <p:cNvPr id="15" name="타원 14">
+            <a:extLst>
+              <a:ext uri="{FF2B5EF4-FFF2-40B4-BE49-F238E27FC236}">
+                <a16:creationId xmlns:a16="http://schemas.microsoft.com/office/drawing/2014/main" id="{14830297-C9EF-452F-9A0D-008820660E52}"/>
+              </a:ext>
+            </a:extLst>
+          </p:cNvPr>
+          <p:cNvSpPr/>
+          <p:nvPr/>
+        </p:nvSpPr>
+        <p:spPr>
+          <a:xfrm>
+            <a:off x="7242321" y="3547529"/>
+            <a:ext cx="931333" cy="931333"/>
+          </a:xfrm>
+          <a:prstGeom prst="ellipse">
+            <a:avLst/>
+          </a:prstGeom>
+        </p:spPr>
+        <p:style>
+          <a:lnRef idx="2">
+            <a:schemeClr val="dk1"/>
+          </a:lnRef>
+          <a:fillRef idx="1">
+            <a:schemeClr val="lt1"/>
+          </a:fillRef>
+          <a:effectRef idx="0">
+            <a:schemeClr val="dk1"/>
+          </a:effectRef>
+          <a:fontRef idx="minor">
+            <a:schemeClr val="dk1"/>
+          </a:fontRef>
+        </p:style>
+        <p:txBody>
+          <a:bodyPr rtlCol="0" anchor="ctr"/>
+          <a:lstStyle/>
+          <a:p>
+            <a:pPr algn="ctr"/>
+            <a:r>
+              <a:rPr lang="en-US" altLang="ko-KR" sz="4400" dirty="0">
+                <a:latin typeface="Arial Black" panose="020B0A04020102020204" pitchFamily="34" charset="0"/>
+              </a:rPr>
+              <a:t>I</a:t>
+            </a:r>
+            <a:endParaRPr lang="ko-KR" altLang="en-US" sz="4400" dirty="0">
+              <a:latin typeface="Arial Black" panose="020B0A04020102020204" pitchFamily="34" charset="0"/>
+            </a:endParaRPr>
+          </a:p>
+        </p:txBody>
+      </p:sp>
+      <p:sp>
+        <p:nvSpPr>
+          <p:cNvPr id="16" name="타원 15">
+            <a:extLst>
+              <a:ext uri="{FF2B5EF4-FFF2-40B4-BE49-F238E27FC236}">
+                <a16:creationId xmlns:a16="http://schemas.microsoft.com/office/drawing/2014/main" id="{2AD51F61-4F24-440C-8E75-373B194B8543}"/>
+              </a:ext>
+            </a:extLst>
+          </p:cNvPr>
+          <p:cNvSpPr/>
+          <p:nvPr/>
+        </p:nvSpPr>
+        <p:spPr>
+          <a:xfrm>
+            <a:off x="8567344" y="3564466"/>
+            <a:ext cx="931333" cy="931333"/>
+          </a:xfrm>
+          <a:prstGeom prst="ellipse">
+            <a:avLst/>
+          </a:prstGeom>
+        </p:spPr>
+        <p:style>
+          <a:lnRef idx="2">
+            <a:schemeClr val="dk1"/>
+          </a:lnRef>
+          <a:fillRef idx="1">
+            <a:schemeClr val="lt1"/>
+          </a:fillRef>
+          <a:effectRef idx="0">
+            <a:schemeClr val="dk1"/>
+          </a:effectRef>
+          <a:fontRef idx="minor">
+            <a:schemeClr val="dk1"/>
+          </a:fontRef>
+        </p:style>
+        <p:txBody>
+          <a:bodyPr rtlCol="0" anchor="ctr"/>
+          <a:lstStyle/>
+          <a:p>
+            <a:pPr algn="ctr"/>
+            <a:r>
+              <a:rPr lang="en-US" altLang="ko-KR" sz="4400" dirty="0">
+                <a:latin typeface="Arial Black" panose="020B0A04020102020204" pitchFamily="34" charset="0"/>
+              </a:rPr>
+              <a:t>J</a:t>
+            </a:r>
+            <a:endParaRPr lang="ko-KR" altLang="en-US" sz="4400" dirty="0">
+              <a:latin typeface="Arial Black" panose="020B0A04020102020204" pitchFamily="34" charset="0"/>
+            </a:endParaRPr>
+          </a:p>
+        </p:txBody>
+      </p:sp>
+      <p:sp>
+        <p:nvSpPr>
+          <p:cNvPr id="17" name="타원 16">
+            <a:extLst>
+              <a:ext uri="{FF2B5EF4-FFF2-40B4-BE49-F238E27FC236}">
+                <a16:creationId xmlns:a16="http://schemas.microsoft.com/office/drawing/2014/main" id="{C8D62B66-C1C5-4352-9D85-21A121CCAAE6}"/>
+              </a:ext>
+            </a:extLst>
+          </p:cNvPr>
+          <p:cNvSpPr/>
+          <p:nvPr/>
+        </p:nvSpPr>
+        <p:spPr>
+          <a:xfrm>
+            <a:off x="6042597" y="4876800"/>
+            <a:ext cx="931333" cy="931333"/>
+          </a:xfrm>
+          <a:prstGeom prst="ellipse">
+            <a:avLst/>
+          </a:prstGeom>
+        </p:spPr>
+        <p:style>
+          <a:lnRef idx="2">
+            <a:schemeClr val="dk1"/>
+          </a:lnRef>
+          <a:fillRef idx="1">
+            <a:schemeClr val="lt1"/>
+          </a:fillRef>
+          <a:effectRef idx="0">
+            <a:schemeClr val="dk1"/>
+          </a:effectRef>
+          <a:fontRef idx="minor">
+            <a:schemeClr val="dk1"/>
+          </a:fontRef>
+        </p:style>
+        <p:txBody>
+          <a:bodyPr rtlCol="0" anchor="ctr"/>
+          <a:lstStyle/>
+          <a:p>
+            <a:pPr algn="ctr"/>
+            <a:r>
+              <a:rPr lang="en-US" altLang="ko-KR" sz="4400" dirty="0">
+                <a:latin typeface="Arial Black" panose="020B0A04020102020204" pitchFamily="34" charset="0"/>
+              </a:rPr>
+              <a:t>M</a:t>
+            </a:r>
+            <a:endParaRPr lang="ko-KR" altLang="en-US" sz="4400" dirty="0">
+              <a:latin typeface="Arial Black" panose="020B0A04020102020204" pitchFamily="34" charset="0"/>
+            </a:endParaRPr>
+          </a:p>
+        </p:txBody>
+      </p:sp>
+      <p:cxnSp>
+        <p:nvCxnSpPr>
+          <p:cNvPr id="18" name="직선 연결선 17">
+            <a:extLst>
+              <a:ext uri="{FF2B5EF4-FFF2-40B4-BE49-F238E27FC236}">
+                <a16:creationId xmlns:a16="http://schemas.microsoft.com/office/drawing/2014/main" id="{3585C3BF-D710-49F5-B122-2B067923A5C7}"/>
+              </a:ext>
+            </a:extLst>
+          </p:cNvPr>
+          <p:cNvCxnSpPr>
+            <a:stCxn id="3" idx="3"/>
+            <a:endCxn id="9" idx="7"/>
+          </p:cNvCxnSpPr>
+          <p:nvPr/>
+        </p:nvCxnSpPr>
+        <p:spPr>
+          <a:xfrm flipH="1">
+            <a:off x="2302009" y="3157143"/>
+            <a:ext cx="272782" cy="543715"/>
+          </a:xfrm>
+          <a:prstGeom prst="line">
+            <a:avLst/>
+          </a:prstGeom>
+        </p:spPr>
+        <p:style>
+          <a:lnRef idx="1">
+            <a:schemeClr val="accent1"/>
+          </a:lnRef>
+          <a:fillRef idx="0">
+            <a:schemeClr val="accent1"/>
+          </a:fillRef>
+          <a:effectRef idx="0">
+            <a:schemeClr val="accent1"/>
+          </a:effectRef>
+          <a:fontRef idx="minor">
+            <a:schemeClr val="tx1"/>
+          </a:fontRef>
+        </p:style>
+      </p:cxnSp>
+      <p:cxnSp>
+        <p:nvCxnSpPr>
+          <p:cNvPr id="19" name="직선 연결선 18">
+            <a:extLst>
+              <a:ext uri="{FF2B5EF4-FFF2-40B4-BE49-F238E27FC236}">
+                <a16:creationId xmlns:a16="http://schemas.microsoft.com/office/drawing/2014/main" id="{7BAAF80B-A198-4F3C-BD25-29C05E0E0C27}"/>
+              </a:ext>
+            </a:extLst>
+          </p:cNvPr>
+          <p:cNvCxnSpPr>
+            <a:stCxn id="3" idx="5"/>
+            <a:endCxn id="10" idx="1"/>
+          </p:cNvCxnSpPr>
+          <p:nvPr/>
+        </p:nvCxnSpPr>
+        <p:spPr>
+          <a:xfrm>
+            <a:off x="3233342" y="3157143"/>
+            <a:ext cx="136391" cy="543715"/>
+          </a:xfrm>
+          <a:prstGeom prst="line">
+            <a:avLst/>
+          </a:prstGeom>
+        </p:spPr>
+        <p:style>
+          <a:lnRef idx="1">
+            <a:schemeClr val="accent1"/>
+          </a:lnRef>
+          <a:fillRef idx="0">
+            <a:schemeClr val="accent1"/>
+          </a:fillRef>
+          <a:effectRef idx="0">
+            <a:schemeClr val="accent1"/>
+          </a:effectRef>
+          <a:fontRef idx="minor">
+            <a:schemeClr val="tx1"/>
+          </a:fontRef>
+        </p:style>
+      </p:cxnSp>
+      <p:cxnSp>
+        <p:nvCxnSpPr>
+          <p:cNvPr id="20" name="직선 연결선 19">
+            <a:extLst>
+              <a:ext uri="{FF2B5EF4-FFF2-40B4-BE49-F238E27FC236}">
+                <a16:creationId xmlns:a16="http://schemas.microsoft.com/office/drawing/2014/main" id="{1363C74C-88C6-46F7-AEE5-DF808C9D79D0}"/>
+              </a:ext>
+            </a:extLst>
+          </p:cNvPr>
+          <p:cNvCxnSpPr>
+            <a:stCxn id="4" idx="4"/>
+            <a:endCxn id="13" idx="0"/>
+          </p:cNvCxnSpPr>
+          <p:nvPr/>
+        </p:nvCxnSpPr>
+        <p:spPr>
+          <a:xfrm flipH="1">
+            <a:off x="5105401" y="3293533"/>
+            <a:ext cx="1" cy="270934"/>
+          </a:xfrm>
+          <a:prstGeom prst="line">
+            <a:avLst/>
+          </a:prstGeom>
+        </p:spPr>
+        <p:style>
+          <a:lnRef idx="1">
+            <a:schemeClr val="accent1"/>
+          </a:lnRef>
+          <a:fillRef idx="0">
+            <a:schemeClr val="accent1"/>
+          </a:fillRef>
+          <a:effectRef idx="0">
+            <a:schemeClr val="accent1"/>
+          </a:effectRef>
+          <a:fontRef idx="minor">
+            <a:schemeClr val="tx1"/>
+          </a:fontRef>
+        </p:style>
+      </p:cxnSp>
+      <p:cxnSp>
+        <p:nvCxnSpPr>
+          <p:cNvPr id="21" name="직선 연결선 20">
+            <a:extLst>
+              <a:ext uri="{FF2B5EF4-FFF2-40B4-BE49-F238E27FC236}">
+                <a16:creationId xmlns:a16="http://schemas.microsoft.com/office/drawing/2014/main" id="{6763CD03-30D5-4E83-8FD6-13D70A782E90}"/>
+              </a:ext>
+            </a:extLst>
+          </p:cNvPr>
+          <p:cNvCxnSpPr>
+            <a:stCxn id="5" idx="3"/>
+            <a:endCxn id="14" idx="0"/>
+          </p:cNvCxnSpPr>
+          <p:nvPr/>
+        </p:nvCxnSpPr>
+        <p:spPr>
+          <a:xfrm flipH="1">
+            <a:off x="6508264" y="3157142"/>
+            <a:ext cx="855364" cy="390388"/>
+          </a:xfrm>
+          <a:prstGeom prst="line">
+            <a:avLst/>
+          </a:prstGeom>
+        </p:spPr>
+        <p:style>
+          <a:lnRef idx="1">
+            <a:schemeClr val="accent1"/>
+          </a:lnRef>
+          <a:fillRef idx="0">
+            <a:schemeClr val="accent1"/>
+          </a:fillRef>
+          <a:effectRef idx="0">
+            <a:schemeClr val="accent1"/>
+          </a:effectRef>
+          <a:fontRef idx="minor">
+            <a:schemeClr val="tx1"/>
+          </a:fontRef>
+        </p:style>
+      </p:cxnSp>
+      <p:cxnSp>
+        <p:nvCxnSpPr>
+          <p:cNvPr id="22" name="직선 연결선 21">
+            <a:extLst>
+              <a:ext uri="{FF2B5EF4-FFF2-40B4-BE49-F238E27FC236}">
+                <a16:creationId xmlns:a16="http://schemas.microsoft.com/office/drawing/2014/main" id="{EA93E38E-BF39-4E76-89B5-0FBEF1EEFC97}"/>
+              </a:ext>
+            </a:extLst>
+          </p:cNvPr>
+          <p:cNvCxnSpPr>
+            <a:stCxn id="5" idx="4"/>
+            <a:endCxn id="15" idx="0"/>
+          </p:cNvCxnSpPr>
+          <p:nvPr/>
+        </p:nvCxnSpPr>
+        <p:spPr>
+          <a:xfrm>
+            <a:off x="7692904" y="3293533"/>
+            <a:ext cx="15084" cy="253996"/>
+          </a:xfrm>
+          <a:prstGeom prst="line">
+            <a:avLst/>
+          </a:prstGeom>
+        </p:spPr>
+        <p:style>
+          <a:lnRef idx="1">
+            <a:schemeClr val="accent1"/>
+          </a:lnRef>
+          <a:fillRef idx="0">
+            <a:schemeClr val="accent1"/>
+          </a:fillRef>
+          <a:effectRef idx="0">
+            <a:schemeClr val="accent1"/>
+          </a:effectRef>
+          <a:fontRef idx="minor">
+            <a:schemeClr val="tx1"/>
+          </a:fontRef>
+        </p:style>
+      </p:cxnSp>
+      <p:cxnSp>
+        <p:nvCxnSpPr>
+          <p:cNvPr id="23" name="직선 연결선 22">
+            <a:extLst>
+              <a:ext uri="{FF2B5EF4-FFF2-40B4-BE49-F238E27FC236}">
+                <a16:creationId xmlns:a16="http://schemas.microsoft.com/office/drawing/2014/main" id="{B59989FF-F538-4D33-B17B-6365D52BB5F5}"/>
+              </a:ext>
+            </a:extLst>
+          </p:cNvPr>
+          <p:cNvCxnSpPr>
+            <a:cxnSpLocks/>
+            <a:stCxn id="5" idx="5"/>
+            <a:endCxn id="16" idx="0"/>
+          </p:cNvCxnSpPr>
+          <p:nvPr/>
+        </p:nvCxnSpPr>
+        <p:spPr>
+          <a:xfrm>
+            <a:off x="8022179" y="3157142"/>
+            <a:ext cx="1010832" cy="407324"/>
+          </a:xfrm>
+          <a:prstGeom prst="line">
+            <a:avLst/>
+          </a:prstGeom>
+        </p:spPr>
+        <p:style>
+          <a:lnRef idx="1">
+            <a:schemeClr val="accent1"/>
+          </a:lnRef>
+          <a:fillRef idx="0">
+            <a:schemeClr val="accent1"/>
+          </a:fillRef>
+          <a:effectRef idx="0">
+            <a:schemeClr val="accent1"/>
+          </a:effectRef>
+          <a:fontRef idx="minor">
+            <a:schemeClr val="tx1"/>
+          </a:fontRef>
+        </p:style>
+      </p:cxnSp>
+      <p:cxnSp>
+        <p:nvCxnSpPr>
+          <p:cNvPr id="24" name="직선 연결선 23">
+            <a:extLst>
+              <a:ext uri="{FF2B5EF4-FFF2-40B4-BE49-F238E27FC236}">
+                <a16:creationId xmlns:a16="http://schemas.microsoft.com/office/drawing/2014/main" id="{EAA9EFCB-1C0F-4767-BEB2-281A1DD5347D}"/>
+              </a:ext>
+            </a:extLst>
+          </p:cNvPr>
+          <p:cNvCxnSpPr>
+            <a:stCxn id="14" idx="4"/>
+            <a:endCxn id="17" idx="0"/>
+          </p:cNvCxnSpPr>
+          <p:nvPr/>
+        </p:nvCxnSpPr>
+        <p:spPr>
+          <a:xfrm>
+            <a:off x="6508264" y="4478863"/>
+            <a:ext cx="0" cy="397937"/>
+          </a:xfrm>
+          <a:prstGeom prst="line">
+            <a:avLst/>
+          </a:prstGeom>
+        </p:spPr>
+        <p:style>
+          <a:lnRef idx="1">
+            <a:schemeClr val="accent1"/>
+          </a:lnRef>
+          <a:fillRef idx="0">
+            <a:schemeClr val="accent1"/>
+          </a:fillRef>
+          <a:effectRef idx="0">
+            <a:schemeClr val="accent1"/>
+          </a:effectRef>
+          <a:fontRef idx="minor">
+            <a:schemeClr val="tx1"/>
+          </a:fontRef>
+        </p:style>
+      </p:cxnSp>
+      <p:cxnSp>
+        <p:nvCxnSpPr>
+          <p:cNvPr id="25" name="직선 연결선 24">
+            <a:extLst>
+              <a:ext uri="{FF2B5EF4-FFF2-40B4-BE49-F238E27FC236}">
+                <a16:creationId xmlns:a16="http://schemas.microsoft.com/office/drawing/2014/main" id="{4B8E5D31-E990-47DA-82C0-ED801B05A2D9}"/>
+              </a:ext>
+            </a:extLst>
+          </p:cNvPr>
+          <p:cNvCxnSpPr>
+            <a:stCxn id="9" idx="3"/>
+            <a:endCxn id="11" idx="0"/>
+          </p:cNvCxnSpPr>
+          <p:nvPr/>
+        </p:nvCxnSpPr>
+        <p:spPr>
+          <a:xfrm flipH="1">
+            <a:off x="1041401" y="4359409"/>
+            <a:ext cx="602057" cy="517391"/>
+          </a:xfrm>
+          <a:prstGeom prst="line">
+            <a:avLst/>
+          </a:prstGeom>
+        </p:spPr>
+        <p:style>
+          <a:lnRef idx="1">
+            <a:schemeClr val="accent1"/>
+          </a:lnRef>
+          <a:fillRef idx="0">
+            <a:schemeClr val="accent1"/>
+          </a:fillRef>
+          <a:effectRef idx="0">
+            <a:schemeClr val="accent1"/>
+          </a:effectRef>
+          <a:fontRef idx="minor">
+            <a:schemeClr val="tx1"/>
+          </a:fontRef>
+        </p:style>
+      </p:cxnSp>
+      <p:cxnSp>
+        <p:nvCxnSpPr>
+          <p:cNvPr id="26" name="직선 연결선 25">
+            <a:extLst>
+              <a:ext uri="{FF2B5EF4-FFF2-40B4-BE49-F238E27FC236}">
+                <a16:creationId xmlns:a16="http://schemas.microsoft.com/office/drawing/2014/main" id="{591E8009-CFCF-4411-A892-8179158690C9}"/>
+              </a:ext>
+            </a:extLst>
+          </p:cNvPr>
+          <p:cNvCxnSpPr>
+            <a:stCxn id="9" idx="5"/>
+          </p:cNvCxnSpPr>
+          <p:nvPr/>
+        </p:nvCxnSpPr>
+        <p:spPr>
+          <a:xfrm>
+            <a:off x="2302009" y="4359409"/>
+            <a:ext cx="611450" cy="543715"/>
+          </a:xfrm>
+          <a:prstGeom prst="line">
+            <a:avLst/>
+          </a:prstGeom>
+        </p:spPr>
+        <p:style>
+          <a:lnRef idx="1">
+            <a:schemeClr val="accent1"/>
+          </a:lnRef>
+          <a:fillRef idx="0">
+            <a:schemeClr val="accent1"/>
+          </a:fillRef>
+          <a:effectRef idx="0">
+            <a:schemeClr val="accent1"/>
+          </a:effectRef>
+          <a:fontRef idx="minor">
+            <a:schemeClr val="tx1"/>
+          </a:fontRef>
+        </p:style>
+      </p:cxnSp>
+      <p:sp>
+        <p:nvSpPr>
+          <p:cNvPr id="28" name="직사각형 27">
+            <a:extLst>
+              <a:ext uri="{FF2B5EF4-FFF2-40B4-BE49-F238E27FC236}">
+                <a16:creationId xmlns:a16="http://schemas.microsoft.com/office/drawing/2014/main" id="{B22913CF-B178-4BEC-9D36-2DA724CDE09D}"/>
+              </a:ext>
+            </a:extLst>
+          </p:cNvPr>
+          <p:cNvSpPr/>
+          <p:nvPr/>
+        </p:nvSpPr>
+        <p:spPr>
+          <a:xfrm>
+            <a:off x="694267" y="804334"/>
+            <a:ext cx="9059333" cy="1041399"/>
+          </a:xfrm>
+          <a:prstGeom prst="rect">
+            <a:avLst/>
+          </a:prstGeom>
+          <a:noFill/>
+        </p:spPr>
+        <p:style>
+          <a:lnRef idx="2">
+            <a:schemeClr val="accent1">
+              <a:shade val="50000"/>
+            </a:schemeClr>
+          </a:lnRef>
+          <a:fillRef idx="1">
+            <a:schemeClr val="accent1"/>
+          </a:fillRef>
+          <a:effectRef idx="0">
+            <a:schemeClr val="accent1"/>
+          </a:effectRef>
+          <a:fontRef idx="minor">
+            <a:schemeClr val="lt1"/>
+          </a:fontRef>
+        </p:style>
+        <p:txBody>
+          <a:bodyPr rtlCol="0" anchor="ctr"/>
+          <a:lstStyle/>
+          <a:p>
+            <a:pPr algn="ctr"/>
+            <a:endParaRPr lang="ko-KR" altLang="en-US"/>
+          </a:p>
+        </p:txBody>
+      </p:sp>
+      <p:cxnSp>
+        <p:nvCxnSpPr>
+          <p:cNvPr id="30" name="직선 화살표 연결선 29">
+            <a:extLst>
+              <a:ext uri="{FF2B5EF4-FFF2-40B4-BE49-F238E27FC236}">
+                <a16:creationId xmlns:a16="http://schemas.microsoft.com/office/drawing/2014/main" id="{628E4600-33A8-4820-9773-C4973277196B}"/>
+              </a:ext>
+            </a:extLst>
+          </p:cNvPr>
+          <p:cNvCxnSpPr>
+            <a:cxnSpLocks/>
+            <a:stCxn id="28" idx="3"/>
+          </p:cNvCxnSpPr>
+          <p:nvPr/>
+        </p:nvCxnSpPr>
+        <p:spPr>
+          <a:xfrm>
+            <a:off x="9753600" y="1325034"/>
+            <a:ext cx="728133" cy="0"/>
+          </a:xfrm>
+          <a:prstGeom prst="straightConnector1">
+            <a:avLst/>
+          </a:prstGeom>
+          <a:ln>
+            <a:tailEnd type="triangle"/>
+          </a:ln>
+        </p:spPr>
+        <p:style>
+          <a:lnRef idx="1">
+            <a:schemeClr val="accent1"/>
+          </a:lnRef>
+          <a:fillRef idx="0">
+            <a:schemeClr val="accent1"/>
+          </a:fillRef>
+          <a:effectRef idx="0">
+            <a:schemeClr val="accent1"/>
+          </a:effectRef>
+          <a:fontRef idx="minor">
+            <a:schemeClr val="tx1"/>
+          </a:fontRef>
+        </p:style>
+      </p:cxnSp>
+      <p:sp>
+        <p:nvSpPr>
+          <p:cNvPr id="38" name="직사각형 37">
+            <a:extLst>
+              <a:ext uri="{FF2B5EF4-FFF2-40B4-BE49-F238E27FC236}">
+                <a16:creationId xmlns:a16="http://schemas.microsoft.com/office/drawing/2014/main" id="{7E7A8DA6-4738-42EB-8076-691939F64BC5}"/>
+              </a:ext>
+            </a:extLst>
+          </p:cNvPr>
+          <p:cNvSpPr/>
+          <p:nvPr/>
+        </p:nvSpPr>
+        <p:spPr>
+          <a:xfrm>
+            <a:off x="694266" y="2125136"/>
+            <a:ext cx="9059333" cy="1041399"/>
+          </a:xfrm>
+          <a:prstGeom prst="rect">
+            <a:avLst/>
+          </a:prstGeom>
+          <a:noFill/>
+        </p:spPr>
+        <p:style>
+          <a:lnRef idx="2">
+            <a:schemeClr val="accent1">
+              <a:shade val="50000"/>
+            </a:schemeClr>
+          </a:lnRef>
+          <a:fillRef idx="1">
+            <a:schemeClr val="accent1"/>
+          </a:fillRef>
+          <a:effectRef idx="0">
+            <a:schemeClr val="accent1"/>
+          </a:effectRef>
+          <a:fontRef idx="minor">
+            <a:schemeClr val="lt1"/>
+          </a:fontRef>
+        </p:style>
+        <p:txBody>
+          <a:bodyPr rtlCol="0" anchor="ctr"/>
+          <a:lstStyle/>
+          <a:p>
+            <a:pPr algn="ctr"/>
+            <a:endParaRPr lang="ko-KR" altLang="en-US"/>
+          </a:p>
+        </p:txBody>
+      </p:sp>
+      <p:sp>
+        <p:nvSpPr>
+          <p:cNvPr id="40" name="직사각형 39">
+            <a:extLst>
+              <a:ext uri="{FF2B5EF4-FFF2-40B4-BE49-F238E27FC236}">
+                <a16:creationId xmlns:a16="http://schemas.microsoft.com/office/drawing/2014/main" id="{03CCA4D9-3FB4-4F1F-AF23-69D3E46A33E9}"/>
+              </a:ext>
+            </a:extLst>
+          </p:cNvPr>
+          <p:cNvSpPr/>
+          <p:nvPr/>
+        </p:nvSpPr>
+        <p:spPr>
+          <a:xfrm>
+            <a:off x="695191" y="3428076"/>
+            <a:ext cx="9059333" cy="1041399"/>
+          </a:xfrm>
+          <a:prstGeom prst="rect">
+            <a:avLst/>
+          </a:prstGeom>
+          <a:noFill/>
+        </p:spPr>
+        <p:style>
+          <a:lnRef idx="2">
+            <a:schemeClr val="accent1">
+              <a:shade val="50000"/>
+            </a:schemeClr>
+          </a:lnRef>
+          <a:fillRef idx="1">
+            <a:schemeClr val="accent1"/>
+          </a:fillRef>
+          <a:effectRef idx="0">
+            <a:schemeClr val="accent1"/>
+          </a:effectRef>
+          <a:fontRef idx="minor">
+            <a:schemeClr val="lt1"/>
+          </a:fontRef>
+        </p:style>
+        <p:txBody>
+          <a:bodyPr rtlCol="0" anchor="ctr"/>
+          <a:lstStyle/>
+          <a:p>
+            <a:pPr algn="ctr"/>
+            <a:endParaRPr lang="ko-KR" altLang="en-US"/>
+          </a:p>
+        </p:txBody>
+      </p:sp>
+      <p:sp>
+        <p:nvSpPr>
+          <p:cNvPr id="41" name="직사각형 40">
+            <a:extLst>
+              <a:ext uri="{FF2B5EF4-FFF2-40B4-BE49-F238E27FC236}">
+                <a16:creationId xmlns:a16="http://schemas.microsoft.com/office/drawing/2014/main" id="{21A8FBC6-74B0-42DB-A4B3-46DBC55E00F4}"/>
+              </a:ext>
+            </a:extLst>
+          </p:cNvPr>
+          <p:cNvSpPr/>
+          <p:nvPr/>
+        </p:nvSpPr>
+        <p:spPr>
+          <a:xfrm>
+            <a:off x="575733" y="4821766"/>
+            <a:ext cx="9059333" cy="1041399"/>
+          </a:xfrm>
+          <a:prstGeom prst="rect">
+            <a:avLst/>
+          </a:prstGeom>
+          <a:noFill/>
+        </p:spPr>
+        <p:style>
+          <a:lnRef idx="2">
+            <a:schemeClr val="accent1">
+              <a:shade val="50000"/>
+            </a:schemeClr>
+          </a:lnRef>
+          <a:fillRef idx="1">
+            <a:schemeClr val="accent1"/>
+          </a:fillRef>
+          <a:effectRef idx="0">
+            <a:schemeClr val="accent1"/>
+          </a:effectRef>
+          <a:fontRef idx="minor">
+            <a:schemeClr val="lt1"/>
+          </a:fontRef>
+        </p:style>
+        <p:txBody>
+          <a:bodyPr rtlCol="0" anchor="ctr"/>
+          <a:lstStyle/>
+          <a:p>
+            <a:pPr algn="ctr"/>
+            <a:endParaRPr lang="ko-KR" altLang="en-US"/>
+          </a:p>
+        </p:txBody>
+      </p:sp>
+      <p:cxnSp>
+        <p:nvCxnSpPr>
+          <p:cNvPr id="43" name="직선 화살표 연결선 42">
+            <a:extLst>
+              <a:ext uri="{FF2B5EF4-FFF2-40B4-BE49-F238E27FC236}">
+                <a16:creationId xmlns:a16="http://schemas.microsoft.com/office/drawing/2014/main" id="{74CE1C71-5EFC-44D3-B999-596AC1AA3A98}"/>
+              </a:ext>
+            </a:extLst>
+          </p:cNvPr>
+          <p:cNvCxnSpPr/>
+          <p:nvPr/>
+        </p:nvCxnSpPr>
+        <p:spPr>
+          <a:xfrm>
+            <a:off x="220133" y="804334"/>
+            <a:ext cx="0" cy="5003799"/>
+          </a:xfrm>
+          <a:prstGeom prst="straightConnector1">
+            <a:avLst/>
+          </a:prstGeom>
+          <a:ln>
+            <a:headEnd type="triangle"/>
+            <a:tailEnd type="triangle"/>
+          </a:ln>
+        </p:spPr>
+        <p:style>
+          <a:lnRef idx="1">
+            <a:schemeClr val="accent1"/>
+          </a:lnRef>
+          <a:fillRef idx="0">
+            <a:schemeClr val="accent1"/>
+          </a:fillRef>
+          <a:effectRef idx="0">
+            <a:schemeClr val="accent1"/>
+          </a:effectRef>
+          <a:fontRef idx="minor">
+            <a:schemeClr val="tx1"/>
+          </a:fontRef>
+        </p:style>
+      </p:cxnSp>
+      <p:sp>
+        <p:nvSpPr>
+          <p:cNvPr id="44" name="TextBox 43">
+            <a:extLst>
+              <a:ext uri="{FF2B5EF4-FFF2-40B4-BE49-F238E27FC236}">
+                <a16:creationId xmlns:a16="http://schemas.microsoft.com/office/drawing/2014/main" id="{4162DE73-33D5-47EB-A397-F9EDFF81D31F}"/>
+              </a:ext>
+            </a:extLst>
+          </p:cNvPr>
+          <p:cNvSpPr txBox="1"/>
+          <p:nvPr/>
+        </p:nvSpPr>
+        <p:spPr>
+          <a:xfrm>
+            <a:off x="0" y="469905"/>
+            <a:ext cx="1041399" cy="369332"/>
+          </a:xfrm>
+          <a:prstGeom prst="rect">
+            <a:avLst/>
+          </a:prstGeom>
+          <a:noFill/>
+        </p:spPr>
+        <p:txBody>
+          <a:bodyPr wrap="square" rtlCol="0">
+            <a:spAutoFit/>
+          </a:bodyPr>
+          <a:lstStyle/>
+          <a:p>
+            <a:r>
+              <a:rPr lang="ko-KR" altLang="en-US" dirty="0"/>
+              <a:t>높이 </a:t>
+            </a:r>
+            <a:r>
+              <a:rPr lang="en-US" altLang="ko-KR" dirty="0"/>
+              <a:t>: 3</a:t>
+            </a:r>
+            <a:endParaRPr lang="ko-KR" altLang="en-US" dirty="0"/>
+          </a:p>
+        </p:txBody>
+      </p:sp>
+      <p:cxnSp>
+        <p:nvCxnSpPr>
+          <p:cNvPr id="46" name="직선 화살표 연결선 45">
+            <a:extLst>
+              <a:ext uri="{FF2B5EF4-FFF2-40B4-BE49-F238E27FC236}">
+                <a16:creationId xmlns:a16="http://schemas.microsoft.com/office/drawing/2014/main" id="{CB53871A-2917-40C0-941C-7FBDEF526CAC}"/>
+              </a:ext>
+            </a:extLst>
+          </p:cNvPr>
+          <p:cNvCxnSpPr>
+            <a:stCxn id="38" idx="3"/>
+          </p:cNvCxnSpPr>
+          <p:nvPr/>
+        </p:nvCxnSpPr>
+        <p:spPr>
+          <a:xfrm flipV="1">
+            <a:off x="9753599" y="2641600"/>
+            <a:ext cx="728134" cy="4236"/>
+          </a:xfrm>
+          <a:prstGeom prst="straightConnector1">
+            <a:avLst/>
+          </a:prstGeom>
+          <a:ln>
+            <a:tailEnd type="triangle"/>
+          </a:ln>
+        </p:spPr>
+        <p:style>
+          <a:lnRef idx="1">
+            <a:schemeClr val="accent1"/>
+          </a:lnRef>
+          <a:fillRef idx="0">
+            <a:schemeClr val="accent1"/>
+          </a:fillRef>
+          <a:effectRef idx="0">
+            <a:schemeClr val="accent1"/>
+          </a:effectRef>
+          <a:fontRef idx="minor">
+            <a:schemeClr val="tx1"/>
+          </a:fontRef>
+        </p:style>
+      </p:cxnSp>
+      <p:cxnSp>
+        <p:nvCxnSpPr>
+          <p:cNvPr id="47" name="직선 화살표 연결선 46">
+            <a:extLst>
+              <a:ext uri="{FF2B5EF4-FFF2-40B4-BE49-F238E27FC236}">
+                <a16:creationId xmlns:a16="http://schemas.microsoft.com/office/drawing/2014/main" id="{B3F28EA7-A563-44F4-BF3C-AD8877ED17B9}"/>
+              </a:ext>
+            </a:extLst>
+          </p:cNvPr>
+          <p:cNvCxnSpPr/>
+          <p:nvPr/>
+        </p:nvCxnSpPr>
+        <p:spPr>
+          <a:xfrm flipV="1">
+            <a:off x="9753599" y="3945468"/>
+            <a:ext cx="728134" cy="4236"/>
+          </a:xfrm>
+          <a:prstGeom prst="straightConnector1">
+            <a:avLst/>
+          </a:prstGeom>
+          <a:ln>
+            <a:tailEnd type="triangle"/>
+          </a:ln>
+        </p:spPr>
+        <p:style>
+          <a:lnRef idx="1">
+            <a:schemeClr val="accent1"/>
+          </a:lnRef>
+          <a:fillRef idx="0">
+            <a:schemeClr val="accent1"/>
+          </a:fillRef>
+          <a:effectRef idx="0">
+            <a:schemeClr val="accent1"/>
+          </a:effectRef>
+          <a:fontRef idx="minor">
+            <a:schemeClr val="tx1"/>
+          </a:fontRef>
+        </p:style>
+      </p:cxnSp>
+      <p:cxnSp>
+        <p:nvCxnSpPr>
+          <p:cNvPr id="48" name="직선 화살표 연결선 47">
+            <a:extLst>
+              <a:ext uri="{FF2B5EF4-FFF2-40B4-BE49-F238E27FC236}">
+                <a16:creationId xmlns:a16="http://schemas.microsoft.com/office/drawing/2014/main" id="{648D9111-9020-41A5-BB1F-3D948D28A652}"/>
+              </a:ext>
+            </a:extLst>
+          </p:cNvPr>
+          <p:cNvCxnSpPr/>
+          <p:nvPr/>
+        </p:nvCxnSpPr>
+        <p:spPr>
+          <a:xfrm flipV="1">
+            <a:off x="9668470" y="5393264"/>
+            <a:ext cx="728134" cy="4236"/>
+          </a:xfrm>
+          <a:prstGeom prst="straightConnector1">
+            <a:avLst/>
+          </a:prstGeom>
+          <a:ln>
+            <a:tailEnd type="triangle"/>
+          </a:ln>
+        </p:spPr>
+        <p:style>
+          <a:lnRef idx="1">
+            <a:schemeClr val="accent1"/>
+          </a:lnRef>
+          <a:fillRef idx="0">
+            <a:schemeClr val="accent1"/>
+          </a:fillRef>
+          <a:effectRef idx="0">
+            <a:schemeClr val="accent1"/>
+          </a:effectRef>
+          <a:fontRef idx="minor">
+            <a:schemeClr val="tx1"/>
+          </a:fontRef>
+        </p:style>
+      </p:cxnSp>
+      <p:sp>
+        <p:nvSpPr>
+          <p:cNvPr id="49" name="TextBox 48">
+            <a:extLst>
+              <a:ext uri="{FF2B5EF4-FFF2-40B4-BE49-F238E27FC236}">
+                <a16:creationId xmlns:a16="http://schemas.microsoft.com/office/drawing/2014/main" id="{749FB77C-CCEC-4484-BEB2-722FEB1A70D9}"/>
+              </a:ext>
+            </a:extLst>
+          </p:cNvPr>
+          <p:cNvSpPr txBox="1"/>
+          <p:nvPr/>
+        </p:nvSpPr>
+        <p:spPr>
+          <a:xfrm>
+            <a:off x="10456334" y="1140367"/>
+            <a:ext cx="1041399" cy="369332"/>
+          </a:xfrm>
+          <a:prstGeom prst="rect">
+            <a:avLst/>
+          </a:prstGeom>
+          <a:noFill/>
+        </p:spPr>
+        <p:txBody>
+          <a:bodyPr wrap="square" rtlCol="0">
+            <a:spAutoFit/>
+          </a:bodyPr>
+          <a:lstStyle/>
+          <a:p>
+            <a:r>
+              <a:rPr lang="ko-KR" altLang="en-US" dirty="0"/>
+              <a:t>레벨</a:t>
+            </a:r>
+            <a:r>
+              <a:rPr lang="en-US" altLang="ko-KR" dirty="0"/>
+              <a:t>: 0</a:t>
+            </a:r>
+            <a:endParaRPr lang="ko-KR" altLang="en-US" dirty="0"/>
+          </a:p>
+        </p:txBody>
+      </p:sp>
+      <p:sp>
+        <p:nvSpPr>
+          <p:cNvPr id="50" name="TextBox 49">
+            <a:extLst>
+              <a:ext uri="{FF2B5EF4-FFF2-40B4-BE49-F238E27FC236}">
+                <a16:creationId xmlns:a16="http://schemas.microsoft.com/office/drawing/2014/main" id="{2F6F3E92-6927-46B8-8C86-8B2E34668806}"/>
+              </a:ext>
+            </a:extLst>
+          </p:cNvPr>
+          <p:cNvSpPr txBox="1"/>
+          <p:nvPr/>
+        </p:nvSpPr>
+        <p:spPr>
+          <a:xfrm>
+            <a:off x="10456333" y="2498591"/>
+            <a:ext cx="1041399" cy="369332"/>
+          </a:xfrm>
+          <a:prstGeom prst="rect">
+            <a:avLst/>
+          </a:prstGeom>
+          <a:noFill/>
+        </p:spPr>
+        <p:txBody>
+          <a:bodyPr wrap="square" rtlCol="0">
+            <a:spAutoFit/>
+          </a:bodyPr>
+          <a:lstStyle/>
+          <a:p>
+            <a:r>
+              <a:rPr lang="ko-KR" altLang="en-US" dirty="0"/>
+              <a:t>레벨</a:t>
+            </a:r>
+            <a:r>
+              <a:rPr lang="en-US" altLang="ko-KR" dirty="0"/>
+              <a:t>: 1</a:t>
+            </a:r>
+            <a:endParaRPr lang="ko-KR" altLang="en-US" dirty="0"/>
+          </a:p>
+        </p:txBody>
+      </p:sp>
+      <p:sp>
+        <p:nvSpPr>
+          <p:cNvPr id="51" name="TextBox 50">
+            <a:extLst>
+              <a:ext uri="{FF2B5EF4-FFF2-40B4-BE49-F238E27FC236}">
+                <a16:creationId xmlns:a16="http://schemas.microsoft.com/office/drawing/2014/main" id="{BF2D93CA-2BF8-42A2-BB99-6FDED5DF8CCB}"/>
+              </a:ext>
+            </a:extLst>
+          </p:cNvPr>
+          <p:cNvSpPr txBox="1"/>
+          <p:nvPr/>
+        </p:nvSpPr>
+        <p:spPr>
+          <a:xfrm>
+            <a:off x="10396604" y="3750060"/>
+            <a:ext cx="1041399" cy="369332"/>
+          </a:xfrm>
+          <a:prstGeom prst="rect">
+            <a:avLst/>
+          </a:prstGeom>
+          <a:noFill/>
+        </p:spPr>
+        <p:txBody>
+          <a:bodyPr wrap="square" rtlCol="0">
+            <a:spAutoFit/>
+          </a:bodyPr>
+          <a:lstStyle/>
+          <a:p>
+            <a:r>
+              <a:rPr lang="ko-KR" altLang="en-US" dirty="0"/>
+              <a:t>레벨</a:t>
+            </a:r>
+            <a:r>
+              <a:rPr lang="en-US" altLang="ko-KR" dirty="0"/>
+              <a:t>: 2</a:t>
+            </a:r>
+            <a:endParaRPr lang="ko-KR" altLang="en-US" dirty="0"/>
+          </a:p>
+        </p:txBody>
+      </p:sp>
+      <p:sp>
+        <p:nvSpPr>
+          <p:cNvPr id="52" name="TextBox 51">
+            <a:extLst>
+              <a:ext uri="{FF2B5EF4-FFF2-40B4-BE49-F238E27FC236}">
+                <a16:creationId xmlns:a16="http://schemas.microsoft.com/office/drawing/2014/main" id="{9726E224-54A9-4121-8AEE-DCFBA4145BF7}"/>
+              </a:ext>
+            </a:extLst>
+          </p:cNvPr>
+          <p:cNvSpPr txBox="1"/>
+          <p:nvPr/>
+        </p:nvSpPr>
+        <p:spPr>
+          <a:xfrm>
+            <a:off x="10379669" y="5223616"/>
+            <a:ext cx="1041399" cy="369332"/>
+          </a:xfrm>
+          <a:prstGeom prst="rect">
+            <a:avLst/>
+          </a:prstGeom>
+          <a:noFill/>
+        </p:spPr>
+        <p:txBody>
+          <a:bodyPr wrap="square" rtlCol="0">
+            <a:spAutoFit/>
+          </a:bodyPr>
+          <a:lstStyle/>
+          <a:p>
+            <a:r>
+              <a:rPr lang="ko-KR" altLang="en-US" dirty="0"/>
+              <a:t>레벨</a:t>
+            </a:r>
+            <a:r>
+              <a:rPr lang="en-US" altLang="ko-KR" dirty="0"/>
+              <a:t>: 3</a:t>
+            </a:r>
+            <a:endParaRPr lang="ko-KR" altLang="en-US" dirty="0"/>
+          </a:p>
+        </p:txBody>
+      </p:sp>
     </p:spTree>
     <p:extLst>
       <p:ext uri="{BB962C8B-B14F-4D97-AF65-F5344CB8AC3E}">
@@ -3765,6 +6858,1558 @@
           <a:chExt cx="0" cy="0"/>
         </a:xfrm>
       </p:grpSpPr>
+      <p:sp>
+        <p:nvSpPr>
+          <p:cNvPr id="28" name="타원 27">
+            <a:extLst>
+              <a:ext uri="{FF2B5EF4-FFF2-40B4-BE49-F238E27FC236}">
+                <a16:creationId xmlns:a16="http://schemas.microsoft.com/office/drawing/2014/main" id="{84CF5B01-3843-4F74-9D03-8E7179FD7163}"/>
+              </a:ext>
+            </a:extLst>
+          </p:cNvPr>
+          <p:cNvSpPr/>
+          <p:nvPr/>
+        </p:nvSpPr>
+        <p:spPr>
+          <a:xfrm>
+            <a:off x="4995334" y="914401"/>
+            <a:ext cx="931333" cy="931333"/>
+          </a:xfrm>
+          <a:prstGeom prst="ellipse">
+            <a:avLst/>
+          </a:prstGeom>
+        </p:spPr>
+        <p:style>
+          <a:lnRef idx="2">
+            <a:schemeClr val="dk1"/>
+          </a:lnRef>
+          <a:fillRef idx="1">
+            <a:schemeClr val="lt1"/>
+          </a:fillRef>
+          <a:effectRef idx="0">
+            <a:schemeClr val="dk1"/>
+          </a:effectRef>
+          <a:fontRef idx="minor">
+            <a:schemeClr val="dk1"/>
+          </a:fontRef>
+        </p:style>
+        <p:txBody>
+          <a:bodyPr rtlCol="0" anchor="ctr"/>
+          <a:lstStyle/>
+          <a:p>
+            <a:pPr algn="ctr"/>
+            <a:r>
+              <a:rPr lang="en-US" altLang="ko-KR" sz="4400" dirty="0">
+                <a:latin typeface="Arial Black" panose="020B0A04020102020204" pitchFamily="34" charset="0"/>
+              </a:rPr>
+              <a:t>A</a:t>
+            </a:r>
+            <a:endParaRPr lang="ko-KR" altLang="en-US" sz="4400" dirty="0">
+              <a:latin typeface="Arial Black" panose="020B0A04020102020204" pitchFamily="34" charset="0"/>
+            </a:endParaRPr>
+          </a:p>
+        </p:txBody>
+      </p:sp>
+      <p:sp>
+        <p:nvSpPr>
+          <p:cNvPr id="29" name="타원 28">
+            <a:extLst>
+              <a:ext uri="{FF2B5EF4-FFF2-40B4-BE49-F238E27FC236}">
+                <a16:creationId xmlns:a16="http://schemas.microsoft.com/office/drawing/2014/main" id="{000A9229-0EEB-4B32-9542-28C00F4F9C60}"/>
+              </a:ext>
+            </a:extLst>
+          </p:cNvPr>
+          <p:cNvSpPr/>
+          <p:nvPr/>
+        </p:nvSpPr>
+        <p:spPr>
+          <a:xfrm>
+            <a:off x="2777066" y="2362201"/>
+            <a:ext cx="931333" cy="931333"/>
+          </a:xfrm>
+          <a:prstGeom prst="ellipse">
+            <a:avLst/>
+          </a:prstGeom>
+        </p:spPr>
+        <p:style>
+          <a:lnRef idx="2">
+            <a:schemeClr val="dk1"/>
+          </a:lnRef>
+          <a:fillRef idx="1">
+            <a:schemeClr val="lt1"/>
+          </a:fillRef>
+          <a:effectRef idx="0">
+            <a:schemeClr val="dk1"/>
+          </a:effectRef>
+          <a:fontRef idx="minor">
+            <a:schemeClr val="dk1"/>
+          </a:fontRef>
+        </p:style>
+        <p:txBody>
+          <a:bodyPr rtlCol="0" anchor="ctr"/>
+          <a:lstStyle/>
+          <a:p>
+            <a:pPr algn="ctr"/>
+            <a:r>
+              <a:rPr lang="en-US" altLang="ko-KR" sz="4400" dirty="0">
+                <a:latin typeface="Arial Black" panose="020B0A04020102020204" pitchFamily="34" charset="0"/>
+              </a:rPr>
+              <a:t>B</a:t>
+            </a:r>
+            <a:endParaRPr lang="ko-KR" altLang="en-US" sz="4400" dirty="0">
+              <a:latin typeface="Arial Black" panose="020B0A04020102020204" pitchFamily="34" charset="0"/>
+            </a:endParaRPr>
+          </a:p>
+        </p:txBody>
+      </p:sp>
+      <p:sp>
+        <p:nvSpPr>
+          <p:cNvPr id="30" name="타원 29">
+            <a:extLst>
+              <a:ext uri="{FF2B5EF4-FFF2-40B4-BE49-F238E27FC236}">
+                <a16:creationId xmlns:a16="http://schemas.microsoft.com/office/drawing/2014/main" id="{B21370C5-182D-4225-86AC-02D893103D91}"/>
+              </a:ext>
+            </a:extLst>
+          </p:cNvPr>
+          <p:cNvSpPr/>
+          <p:nvPr/>
+        </p:nvSpPr>
+        <p:spPr>
+          <a:xfrm>
+            <a:off x="4978401" y="2362200"/>
+            <a:ext cx="931333" cy="931333"/>
+          </a:xfrm>
+          <a:prstGeom prst="ellipse">
+            <a:avLst/>
+          </a:prstGeom>
+        </p:spPr>
+        <p:style>
+          <a:lnRef idx="2">
+            <a:schemeClr val="dk1"/>
+          </a:lnRef>
+          <a:fillRef idx="1">
+            <a:schemeClr val="lt1"/>
+          </a:fillRef>
+          <a:effectRef idx="0">
+            <a:schemeClr val="dk1"/>
+          </a:effectRef>
+          <a:fontRef idx="minor">
+            <a:schemeClr val="dk1"/>
+          </a:fontRef>
+        </p:style>
+        <p:txBody>
+          <a:bodyPr rtlCol="0" anchor="ctr"/>
+          <a:lstStyle/>
+          <a:p>
+            <a:pPr algn="ctr"/>
+            <a:r>
+              <a:rPr lang="en-US" altLang="ko-KR" sz="4400" dirty="0">
+                <a:latin typeface="Arial Black" panose="020B0A04020102020204" pitchFamily="34" charset="0"/>
+              </a:rPr>
+              <a:t>C</a:t>
+            </a:r>
+            <a:endParaRPr lang="ko-KR" altLang="en-US" sz="4400" dirty="0">
+              <a:latin typeface="Arial Black" panose="020B0A04020102020204" pitchFamily="34" charset="0"/>
+            </a:endParaRPr>
+          </a:p>
+        </p:txBody>
+      </p:sp>
+      <p:sp>
+        <p:nvSpPr>
+          <p:cNvPr id="31" name="타원 30">
+            <a:extLst>
+              <a:ext uri="{FF2B5EF4-FFF2-40B4-BE49-F238E27FC236}">
+                <a16:creationId xmlns:a16="http://schemas.microsoft.com/office/drawing/2014/main" id="{14068255-267F-432F-9C05-E31DCE45D751}"/>
+              </a:ext>
+            </a:extLst>
+          </p:cNvPr>
+          <p:cNvSpPr/>
+          <p:nvPr/>
+        </p:nvSpPr>
+        <p:spPr>
+          <a:xfrm>
+            <a:off x="7565903" y="2362200"/>
+            <a:ext cx="931333" cy="931333"/>
+          </a:xfrm>
+          <a:prstGeom prst="ellipse">
+            <a:avLst/>
+          </a:prstGeom>
+        </p:spPr>
+        <p:style>
+          <a:lnRef idx="2">
+            <a:schemeClr val="dk1"/>
+          </a:lnRef>
+          <a:fillRef idx="1">
+            <a:schemeClr val="lt1"/>
+          </a:fillRef>
+          <a:effectRef idx="0">
+            <a:schemeClr val="dk1"/>
+          </a:effectRef>
+          <a:fontRef idx="minor">
+            <a:schemeClr val="dk1"/>
+          </a:fontRef>
+        </p:style>
+        <p:txBody>
+          <a:bodyPr rtlCol="0" anchor="ctr"/>
+          <a:lstStyle/>
+          <a:p>
+            <a:pPr algn="ctr"/>
+            <a:r>
+              <a:rPr lang="en-US" altLang="ko-KR" sz="4400" dirty="0">
+                <a:latin typeface="Arial Black" panose="020B0A04020102020204" pitchFamily="34" charset="0"/>
+              </a:rPr>
+              <a:t>D</a:t>
+            </a:r>
+            <a:endParaRPr lang="ko-KR" altLang="en-US" sz="4400" dirty="0">
+              <a:latin typeface="Arial Black" panose="020B0A04020102020204" pitchFamily="34" charset="0"/>
+            </a:endParaRPr>
+          </a:p>
+        </p:txBody>
+      </p:sp>
+      <p:cxnSp>
+        <p:nvCxnSpPr>
+          <p:cNvPr id="32" name="직선 연결선 31">
+            <a:extLst>
+              <a:ext uri="{FF2B5EF4-FFF2-40B4-BE49-F238E27FC236}">
+                <a16:creationId xmlns:a16="http://schemas.microsoft.com/office/drawing/2014/main" id="{9E97D6C2-C59A-4E7E-939C-F8EF51565C41}"/>
+              </a:ext>
+            </a:extLst>
+          </p:cNvPr>
+          <p:cNvCxnSpPr>
+            <a:stCxn id="29" idx="7"/>
+            <a:endCxn id="28" idx="3"/>
+          </p:cNvCxnSpPr>
+          <p:nvPr/>
+        </p:nvCxnSpPr>
+        <p:spPr>
+          <a:xfrm flipV="1">
+            <a:off x="3572008" y="1709343"/>
+            <a:ext cx="1559717" cy="789249"/>
+          </a:xfrm>
+          <a:prstGeom prst="line">
+            <a:avLst/>
+          </a:prstGeom>
+        </p:spPr>
+        <p:style>
+          <a:lnRef idx="1">
+            <a:schemeClr val="accent1"/>
+          </a:lnRef>
+          <a:fillRef idx="0">
+            <a:schemeClr val="accent1"/>
+          </a:fillRef>
+          <a:effectRef idx="0">
+            <a:schemeClr val="accent1"/>
+          </a:effectRef>
+          <a:fontRef idx="minor">
+            <a:schemeClr val="tx1"/>
+          </a:fontRef>
+        </p:style>
+      </p:cxnSp>
+      <p:cxnSp>
+        <p:nvCxnSpPr>
+          <p:cNvPr id="33" name="직선 연결선 32">
+            <a:extLst>
+              <a:ext uri="{FF2B5EF4-FFF2-40B4-BE49-F238E27FC236}">
+                <a16:creationId xmlns:a16="http://schemas.microsoft.com/office/drawing/2014/main" id="{66AFF318-B2B6-44FF-9D3A-4FD82080F830}"/>
+              </a:ext>
+            </a:extLst>
+          </p:cNvPr>
+          <p:cNvCxnSpPr>
+            <a:stCxn id="30" idx="0"/>
+            <a:endCxn id="28" idx="4"/>
+          </p:cNvCxnSpPr>
+          <p:nvPr/>
+        </p:nvCxnSpPr>
+        <p:spPr>
+          <a:xfrm flipV="1">
+            <a:off x="5444068" y="1845734"/>
+            <a:ext cx="16933" cy="516466"/>
+          </a:xfrm>
+          <a:prstGeom prst="line">
+            <a:avLst/>
+          </a:prstGeom>
+        </p:spPr>
+        <p:style>
+          <a:lnRef idx="1">
+            <a:schemeClr val="accent1"/>
+          </a:lnRef>
+          <a:fillRef idx="0">
+            <a:schemeClr val="accent1"/>
+          </a:fillRef>
+          <a:effectRef idx="0">
+            <a:schemeClr val="accent1"/>
+          </a:effectRef>
+          <a:fontRef idx="minor">
+            <a:schemeClr val="tx1"/>
+          </a:fontRef>
+        </p:style>
+      </p:cxnSp>
+      <p:cxnSp>
+        <p:nvCxnSpPr>
+          <p:cNvPr id="34" name="직선 연결선 33">
+            <a:extLst>
+              <a:ext uri="{FF2B5EF4-FFF2-40B4-BE49-F238E27FC236}">
+                <a16:creationId xmlns:a16="http://schemas.microsoft.com/office/drawing/2014/main" id="{CB91B204-77A2-4DA4-A7B5-318AD5ADF918}"/>
+              </a:ext>
+            </a:extLst>
+          </p:cNvPr>
+          <p:cNvCxnSpPr>
+            <a:stCxn id="31" idx="1"/>
+            <a:endCxn id="28" idx="5"/>
+          </p:cNvCxnSpPr>
+          <p:nvPr/>
+        </p:nvCxnSpPr>
+        <p:spPr>
+          <a:xfrm flipH="1" flipV="1">
+            <a:off x="5790276" y="1709343"/>
+            <a:ext cx="1912018" cy="789248"/>
+          </a:xfrm>
+          <a:prstGeom prst="line">
+            <a:avLst/>
+          </a:prstGeom>
+        </p:spPr>
+        <p:style>
+          <a:lnRef idx="1">
+            <a:schemeClr val="accent1"/>
+          </a:lnRef>
+          <a:fillRef idx="0">
+            <a:schemeClr val="accent1"/>
+          </a:fillRef>
+          <a:effectRef idx="0">
+            <a:schemeClr val="accent1"/>
+          </a:effectRef>
+          <a:fontRef idx="minor">
+            <a:schemeClr val="tx1"/>
+          </a:fontRef>
+        </p:style>
+      </p:cxnSp>
+      <p:sp>
+        <p:nvSpPr>
+          <p:cNvPr id="35" name="타원 34">
+            <a:extLst>
+              <a:ext uri="{FF2B5EF4-FFF2-40B4-BE49-F238E27FC236}">
+                <a16:creationId xmlns:a16="http://schemas.microsoft.com/office/drawing/2014/main" id="{BA112414-10F8-4C54-88B0-9B6809B2EB1B}"/>
+              </a:ext>
+            </a:extLst>
+          </p:cNvPr>
+          <p:cNvSpPr/>
+          <p:nvPr/>
+        </p:nvSpPr>
+        <p:spPr>
+          <a:xfrm>
+            <a:off x="1845733" y="3564467"/>
+            <a:ext cx="931333" cy="931333"/>
+          </a:xfrm>
+          <a:prstGeom prst="ellipse">
+            <a:avLst/>
+          </a:prstGeom>
+        </p:spPr>
+        <p:style>
+          <a:lnRef idx="2">
+            <a:schemeClr val="dk1"/>
+          </a:lnRef>
+          <a:fillRef idx="1">
+            <a:schemeClr val="lt1"/>
+          </a:fillRef>
+          <a:effectRef idx="0">
+            <a:schemeClr val="dk1"/>
+          </a:effectRef>
+          <a:fontRef idx="minor">
+            <a:schemeClr val="dk1"/>
+          </a:fontRef>
+        </p:style>
+        <p:txBody>
+          <a:bodyPr rtlCol="0" anchor="ctr"/>
+          <a:lstStyle/>
+          <a:p>
+            <a:pPr algn="ctr"/>
+            <a:r>
+              <a:rPr lang="en-US" altLang="ko-KR" sz="4400" dirty="0">
+                <a:latin typeface="Arial Black" panose="020B0A04020102020204" pitchFamily="34" charset="0"/>
+              </a:rPr>
+              <a:t>E</a:t>
+            </a:r>
+            <a:endParaRPr lang="ko-KR" altLang="en-US" sz="4400" dirty="0">
+              <a:latin typeface="Arial Black" panose="020B0A04020102020204" pitchFamily="34" charset="0"/>
+            </a:endParaRPr>
+          </a:p>
+        </p:txBody>
+      </p:sp>
+      <p:sp>
+        <p:nvSpPr>
+          <p:cNvPr id="36" name="타원 35">
+            <a:extLst>
+              <a:ext uri="{FF2B5EF4-FFF2-40B4-BE49-F238E27FC236}">
+                <a16:creationId xmlns:a16="http://schemas.microsoft.com/office/drawing/2014/main" id="{96EFF468-869C-4EFC-AAAF-43958F9F0459}"/>
+              </a:ext>
+            </a:extLst>
+          </p:cNvPr>
+          <p:cNvSpPr/>
+          <p:nvPr/>
+        </p:nvSpPr>
+        <p:spPr>
+          <a:xfrm>
+            <a:off x="3572008" y="3564467"/>
+            <a:ext cx="931333" cy="931333"/>
+          </a:xfrm>
+          <a:prstGeom prst="ellipse">
+            <a:avLst/>
+          </a:prstGeom>
+        </p:spPr>
+        <p:style>
+          <a:lnRef idx="2">
+            <a:schemeClr val="dk1"/>
+          </a:lnRef>
+          <a:fillRef idx="1">
+            <a:schemeClr val="lt1"/>
+          </a:fillRef>
+          <a:effectRef idx="0">
+            <a:schemeClr val="dk1"/>
+          </a:effectRef>
+          <a:fontRef idx="minor">
+            <a:schemeClr val="dk1"/>
+          </a:fontRef>
+        </p:style>
+        <p:txBody>
+          <a:bodyPr rtlCol="0" anchor="ctr"/>
+          <a:lstStyle/>
+          <a:p>
+            <a:pPr algn="ctr"/>
+            <a:r>
+              <a:rPr lang="en-US" altLang="ko-KR" sz="4400" dirty="0">
+                <a:latin typeface="Arial Black" panose="020B0A04020102020204" pitchFamily="34" charset="0"/>
+              </a:rPr>
+              <a:t>F</a:t>
+            </a:r>
+            <a:endParaRPr lang="ko-KR" altLang="en-US" sz="4400" dirty="0">
+              <a:latin typeface="Arial Black" panose="020B0A04020102020204" pitchFamily="34" charset="0"/>
+            </a:endParaRPr>
+          </a:p>
+        </p:txBody>
+      </p:sp>
+      <p:sp>
+        <p:nvSpPr>
+          <p:cNvPr id="37" name="타원 36">
+            <a:extLst>
+              <a:ext uri="{FF2B5EF4-FFF2-40B4-BE49-F238E27FC236}">
+                <a16:creationId xmlns:a16="http://schemas.microsoft.com/office/drawing/2014/main" id="{642BDDAC-6A7A-4383-83C1-13050DB8D8B4}"/>
+              </a:ext>
+            </a:extLst>
+          </p:cNvPr>
+          <p:cNvSpPr/>
+          <p:nvPr/>
+        </p:nvSpPr>
+        <p:spPr>
+          <a:xfrm>
+            <a:off x="914400" y="4876800"/>
+            <a:ext cx="931333" cy="931333"/>
+          </a:xfrm>
+          <a:prstGeom prst="ellipse">
+            <a:avLst/>
+          </a:prstGeom>
+        </p:spPr>
+        <p:style>
+          <a:lnRef idx="2">
+            <a:schemeClr val="dk1"/>
+          </a:lnRef>
+          <a:fillRef idx="1">
+            <a:schemeClr val="lt1"/>
+          </a:fillRef>
+          <a:effectRef idx="0">
+            <a:schemeClr val="dk1"/>
+          </a:effectRef>
+          <a:fontRef idx="minor">
+            <a:schemeClr val="dk1"/>
+          </a:fontRef>
+        </p:style>
+        <p:txBody>
+          <a:bodyPr rtlCol="0" anchor="ctr"/>
+          <a:lstStyle/>
+          <a:p>
+            <a:pPr algn="ctr"/>
+            <a:r>
+              <a:rPr lang="en-US" altLang="ko-KR" sz="4400" dirty="0">
+                <a:latin typeface="Arial Black" panose="020B0A04020102020204" pitchFamily="34" charset="0"/>
+              </a:rPr>
+              <a:t>K</a:t>
+            </a:r>
+            <a:endParaRPr lang="ko-KR" altLang="en-US" sz="4400" dirty="0">
+              <a:latin typeface="Arial Black" panose="020B0A04020102020204" pitchFamily="34" charset="0"/>
+            </a:endParaRPr>
+          </a:p>
+        </p:txBody>
+      </p:sp>
+      <p:sp>
+        <p:nvSpPr>
+          <p:cNvPr id="38" name="타원 37">
+            <a:extLst>
+              <a:ext uri="{FF2B5EF4-FFF2-40B4-BE49-F238E27FC236}">
+                <a16:creationId xmlns:a16="http://schemas.microsoft.com/office/drawing/2014/main" id="{3F768242-6582-4224-856A-4874990FDB54}"/>
+              </a:ext>
+            </a:extLst>
+          </p:cNvPr>
+          <p:cNvSpPr/>
+          <p:nvPr/>
+        </p:nvSpPr>
+        <p:spPr>
+          <a:xfrm>
+            <a:off x="2810007" y="4876800"/>
+            <a:ext cx="931333" cy="931333"/>
+          </a:xfrm>
+          <a:prstGeom prst="ellipse">
+            <a:avLst/>
+          </a:prstGeom>
+        </p:spPr>
+        <p:style>
+          <a:lnRef idx="2">
+            <a:schemeClr val="dk1"/>
+          </a:lnRef>
+          <a:fillRef idx="1">
+            <a:schemeClr val="lt1"/>
+          </a:fillRef>
+          <a:effectRef idx="0">
+            <a:schemeClr val="dk1"/>
+          </a:effectRef>
+          <a:fontRef idx="minor">
+            <a:schemeClr val="dk1"/>
+          </a:fontRef>
+        </p:style>
+        <p:txBody>
+          <a:bodyPr rtlCol="0" anchor="ctr"/>
+          <a:lstStyle/>
+          <a:p>
+            <a:pPr algn="ctr"/>
+            <a:r>
+              <a:rPr lang="en-US" altLang="ko-KR" sz="4400" dirty="0">
+                <a:latin typeface="Arial Black" panose="020B0A04020102020204" pitchFamily="34" charset="0"/>
+              </a:rPr>
+              <a:t>L</a:t>
+            </a:r>
+            <a:endParaRPr lang="ko-KR" altLang="en-US" sz="4400" dirty="0">
+              <a:latin typeface="Arial Black" panose="020B0A04020102020204" pitchFamily="34" charset="0"/>
+            </a:endParaRPr>
+          </a:p>
+        </p:txBody>
+      </p:sp>
+      <p:sp>
+        <p:nvSpPr>
+          <p:cNvPr id="39" name="타원 38">
+            <a:extLst>
+              <a:ext uri="{FF2B5EF4-FFF2-40B4-BE49-F238E27FC236}">
+                <a16:creationId xmlns:a16="http://schemas.microsoft.com/office/drawing/2014/main" id="{20EA11D7-9C2B-4E58-A2BF-1FAFD6621DD0}"/>
+              </a:ext>
+            </a:extLst>
+          </p:cNvPr>
+          <p:cNvSpPr/>
+          <p:nvPr/>
+        </p:nvSpPr>
+        <p:spPr>
+          <a:xfrm>
+            <a:off x="4978400" y="3564467"/>
+            <a:ext cx="931333" cy="931333"/>
+          </a:xfrm>
+          <a:prstGeom prst="ellipse">
+            <a:avLst/>
+          </a:prstGeom>
+        </p:spPr>
+        <p:style>
+          <a:lnRef idx="2">
+            <a:schemeClr val="dk1"/>
+          </a:lnRef>
+          <a:fillRef idx="1">
+            <a:schemeClr val="lt1"/>
+          </a:fillRef>
+          <a:effectRef idx="0">
+            <a:schemeClr val="dk1"/>
+          </a:effectRef>
+          <a:fontRef idx="minor">
+            <a:schemeClr val="dk1"/>
+          </a:fontRef>
+        </p:style>
+        <p:txBody>
+          <a:bodyPr rtlCol="0" anchor="ctr"/>
+          <a:lstStyle/>
+          <a:p>
+            <a:pPr algn="ctr"/>
+            <a:r>
+              <a:rPr lang="en-US" altLang="ko-KR" sz="4400" dirty="0">
+                <a:latin typeface="Arial Black" panose="020B0A04020102020204" pitchFamily="34" charset="0"/>
+              </a:rPr>
+              <a:t>G</a:t>
+            </a:r>
+            <a:endParaRPr lang="ko-KR" altLang="en-US" sz="4400" dirty="0">
+              <a:latin typeface="Arial Black" panose="020B0A04020102020204" pitchFamily="34" charset="0"/>
+            </a:endParaRPr>
+          </a:p>
+        </p:txBody>
+      </p:sp>
+      <p:sp>
+        <p:nvSpPr>
+          <p:cNvPr id="40" name="타원 39">
+            <a:extLst>
+              <a:ext uri="{FF2B5EF4-FFF2-40B4-BE49-F238E27FC236}">
+                <a16:creationId xmlns:a16="http://schemas.microsoft.com/office/drawing/2014/main" id="{93160C7D-ABDE-4423-8E83-B3F6904205C3}"/>
+              </a:ext>
+            </a:extLst>
+          </p:cNvPr>
+          <p:cNvSpPr/>
+          <p:nvPr/>
+        </p:nvSpPr>
+        <p:spPr>
+          <a:xfrm>
+            <a:off x="6381263" y="3547530"/>
+            <a:ext cx="931333" cy="931333"/>
+          </a:xfrm>
+          <a:prstGeom prst="ellipse">
+            <a:avLst/>
+          </a:prstGeom>
+        </p:spPr>
+        <p:style>
+          <a:lnRef idx="2">
+            <a:schemeClr val="dk1"/>
+          </a:lnRef>
+          <a:fillRef idx="1">
+            <a:schemeClr val="lt1"/>
+          </a:fillRef>
+          <a:effectRef idx="0">
+            <a:schemeClr val="dk1"/>
+          </a:effectRef>
+          <a:fontRef idx="minor">
+            <a:schemeClr val="dk1"/>
+          </a:fontRef>
+        </p:style>
+        <p:txBody>
+          <a:bodyPr rtlCol="0" anchor="ctr"/>
+          <a:lstStyle/>
+          <a:p>
+            <a:pPr algn="ctr"/>
+            <a:r>
+              <a:rPr lang="en-US" altLang="ko-KR" sz="4400" dirty="0">
+                <a:latin typeface="Arial Black" panose="020B0A04020102020204" pitchFamily="34" charset="0"/>
+              </a:rPr>
+              <a:t>H</a:t>
+            </a:r>
+            <a:endParaRPr lang="ko-KR" altLang="en-US" sz="4400" dirty="0">
+              <a:latin typeface="Arial Black" panose="020B0A04020102020204" pitchFamily="34" charset="0"/>
+            </a:endParaRPr>
+          </a:p>
+        </p:txBody>
+      </p:sp>
+      <p:sp>
+        <p:nvSpPr>
+          <p:cNvPr id="41" name="타원 40">
+            <a:extLst>
+              <a:ext uri="{FF2B5EF4-FFF2-40B4-BE49-F238E27FC236}">
+                <a16:creationId xmlns:a16="http://schemas.microsoft.com/office/drawing/2014/main" id="{38DD9547-F455-42AA-817A-7BF46D31D487}"/>
+              </a:ext>
+            </a:extLst>
+          </p:cNvPr>
+          <p:cNvSpPr/>
+          <p:nvPr/>
+        </p:nvSpPr>
+        <p:spPr>
+          <a:xfrm>
+            <a:off x="7580987" y="3547529"/>
+            <a:ext cx="931333" cy="931333"/>
+          </a:xfrm>
+          <a:prstGeom prst="ellipse">
+            <a:avLst/>
+          </a:prstGeom>
+        </p:spPr>
+        <p:style>
+          <a:lnRef idx="2">
+            <a:schemeClr val="dk1"/>
+          </a:lnRef>
+          <a:fillRef idx="1">
+            <a:schemeClr val="lt1"/>
+          </a:fillRef>
+          <a:effectRef idx="0">
+            <a:schemeClr val="dk1"/>
+          </a:effectRef>
+          <a:fontRef idx="minor">
+            <a:schemeClr val="dk1"/>
+          </a:fontRef>
+        </p:style>
+        <p:txBody>
+          <a:bodyPr rtlCol="0" anchor="ctr"/>
+          <a:lstStyle/>
+          <a:p>
+            <a:pPr algn="ctr"/>
+            <a:r>
+              <a:rPr lang="en-US" altLang="ko-KR" sz="4400" dirty="0">
+                <a:latin typeface="Arial Black" panose="020B0A04020102020204" pitchFamily="34" charset="0"/>
+              </a:rPr>
+              <a:t>I</a:t>
+            </a:r>
+            <a:endParaRPr lang="ko-KR" altLang="en-US" sz="4400" dirty="0">
+              <a:latin typeface="Arial Black" panose="020B0A04020102020204" pitchFamily="34" charset="0"/>
+            </a:endParaRPr>
+          </a:p>
+        </p:txBody>
+      </p:sp>
+      <p:sp>
+        <p:nvSpPr>
+          <p:cNvPr id="42" name="타원 41">
+            <a:extLst>
+              <a:ext uri="{FF2B5EF4-FFF2-40B4-BE49-F238E27FC236}">
+                <a16:creationId xmlns:a16="http://schemas.microsoft.com/office/drawing/2014/main" id="{39994EE2-560B-430B-81CE-121ABD193F82}"/>
+              </a:ext>
+            </a:extLst>
+          </p:cNvPr>
+          <p:cNvSpPr/>
+          <p:nvPr/>
+        </p:nvSpPr>
+        <p:spPr>
+          <a:xfrm>
+            <a:off x="8906010" y="3564466"/>
+            <a:ext cx="931333" cy="931333"/>
+          </a:xfrm>
+          <a:prstGeom prst="ellipse">
+            <a:avLst/>
+          </a:prstGeom>
+        </p:spPr>
+        <p:style>
+          <a:lnRef idx="2">
+            <a:schemeClr val="dk1"/>
+          </a:lnRef>
+          <a:fillRef idx="1">
+            <a:schemeClr val="lt1"/>
+          </a:fillRef>
+          <a:effectRef idx="0">
+            <a:schemeClr val="dk1"/>
+          </a:effectRef>
+          <a:fontRef idx="minor">
+            <a:schemeClr val="dk1"/>
+          </a:fontRef>
+        </p:style>
+        <p:txBody>
+          <a:bodyPr rtlCol="0" anchor="ctr"/>
+          <a:lstStyle/>
+          <a:p>
+            <a:pPr algn="ctr"/>
+            <a:r>
+              <a:rPr lang="en-US" altLang="ko-KR" sz="4400" dirty="0">
+                <a:latin typeface="Arial Black" panose="020B0A04020102020204" pitchFamily="34" charset="0"/>
+              </a:rPr>
+              <a:t>J</a:t>
+            </a:r>
+            <a:endParaRPr lang="ko-KR" altLang="en-US" sz="4400" dirty="0">
+              <a:latin typeface="Arial Black" panose="020B0A04020102020204" pitchFamily="34" charset="0"/>
+            </a:endParaRPr>
+          </a:p>
+        </p:txBody>
+      </p:sp>
+      <p:sp>
+        <p:nvSpPr>
+          <p:cNvPr id="43" name="타원 42">
+            <a:extLst>
+              <a:ext uri="{FF2B5EF4-FFF2-40B4-BE49-F238E27FC236}">
+                <a16:creationId xmlns:a16="http://schemas.microsoft.com/office/drawing/2014/main" id="{073C4080-FBA1-4420-BC6D-25004B1D6FE4}"/>
+              </a:ext>
+            </a:extLst>
+          </p:cNvPr>
+          <p:cNvSpPr/>
+          <p:nvPr/>
+        </p:nvSpPr>
+        <p:spPr>
+          <a:xfrm>
+            <a:off x="6381263" y="4876800"/>
+            <a:ext cx="931333" cy="931333"/>
+          </a:xfrm>
+          <a:prstGeom prst="ellipse">
+            <a:avLst/>
+          </a:prstGeom>
+        </p:spPr>
+        <p:style>
+          <a:lnRef idx="2">
+            <a:schemeClr val="dk1"/>
+          </a:lnRef>
+          <a:fillRef idx="1">
+            <a:schemeClr val="lt1"/>
+          </a:fillRef>
+          <a:effectRef idx="0">
+            <a:schemeClr val="dk1"/>
+          </a:effectRef>
+          <a:fontRef idx="minor">
+            <a:schemeClr val="dk1"/>
+          </a:fontRef>
+        </p:style>
+        <p:txBody>
+          <a:bodyPr rtlCol="0" anchor="ctr"/>
+          <a:lstStyle/>
+          <a:p>
+            <a:pPr algn="ctr"/>
+            <a:r>
+              <a:rPr lang="en-US" altLang="ko-KR" sz="4400" dirty="0">
+                <a:latin typeface="Arial Black" panose="020B0A04020102020204" pitchFamily="34" charset="0"/>
+              </a:rPr>
+              <a:t>M</a:t>
+            </a:r>
+            <a:endParaRPr lang="ko-KR" altLang="en-US" sz="4400" dirty="0">
+              <a:latin typeface="Arial Black" panose="020B0A04020102020204" pitchFamily="34" charset="0"/>
+            </a:endParaRPr>
+          </a:p>
+        </p:txBody>
+      </p:sp>
+      <p:cxnSp>
+        <p:nvCxnSpPr>
+          <p:cNvPr id="44" name="직선 연결선 43">
+            <a:extLst>
+              <a:ext uri="{FF2B5EF4-FFF2-40B4-BE49-F238E27FC236}">
+                <a16:creationId xmlns:a16="http://schemas.microsoft.com/office/drawing/2014/main" id="{B61E25B1-1F7F-43CD-8587-A755464CE437}"/>
+              </a:ext>
+            </a:extLst>
+          </p:cNvPr>
+          <p:cNvCxnSpPr>
+            <a:stCxn id="29" idx="3"/>
+            <a:endCxn id="35" idx="7"/>
+          </p:cNvCxnSpPr>
+          <p:nvPr/>
+        </p:nvCxnSpPr>
+        <p:spPr>
+          <a:xfrm flipH="1">
+            <a:off x="2640675" y="3157143"/>
+            <a:ext cx="272782" cy="543715"/>
+          </a:xfrm>
+          <a:prstGeom prst="line">
+            <a:avLst/>
+          </a:prstGeom>
+        </p:spPr>
+        <p:style>
+          <a:lnRef idx="1">
+            <a:schemeClr val="accent1"/>
+          </a:lnRef>
+          <a:fillRef idx="0">
+            <a:schemeClr val="accent1"/>
+          </a:fillRef>
+          <a:effectRef idx="0">
+            <a:schemeClr val="accent1"/>
+          </a:effectRef>
+          <a:fontRef idx="minor">
+            <a:schemeClr val="tx1"/>
+          </a:fontRef>
+        </p:style>
+      </p:cxnSp>
+      <p:cxnSp>
+        <p:nvCxnSpPr>
+          <p:cNvPr id="45" name="직선 연결선 44">
+            <a:extLst>
+              <a:ext uri="{FF2B5EF4-FFF2-40B4-BE49-F238E27FC236}">
+                <a16:creationId xmlns:a16="http://schemas.microsoft.com/office/drawing/2014/main" id="{56DCC278-B164-4129-9D1F-D709A40A7501}"/>
+              </a:ext>
+            </a:extLst>
+          </p:cNvPr>
+          <p:cNvCxnSpPr>
+            <a:stCxn id="29" idx="5"/>
+            <a:endCxn id="36" idx="1"/>
+          </p:cNvCxnSpPr>
+          <p:nvPr/>
+        </p:nvCxnSpPr>
+        <p:spPr>
+          <a:xfrm>
+            <a:off x="3572008" y="3157143"/>
+            <a:ext cx="136391" cy="543715"/>
+          </a:xfrm>
+          <a:prstGeom prst="line">
+            <a:avLst/>
+          </a:prstGeom>
+        </p:spPr>
+        <p:style>
+          <a:lnRef idx="1">
+            <a:schemeClr val="accent1"/>
+          </a:lnRef>
+          <a:fillRef idx="0">
+            <a:schemeClr val="accent1"/>
+          </a:fillRef>
+          <a:effectRef idx="0">
+            <a:schemeClr val="accent1"/>
+          </a:effectRef>
+          <a:fontRef idx="minor">
+            <a:schemeClr val="tx1"/>
+          </a:fontRef>
+        </p:style>
+      </p:cxnSp>
+      <p:cxnSp>
+        <p:nvCxnSpPr>
+          <p:cNvPr id="46" name="직선 연결선 45">
+            <a:extLst>
+              <a:ext uri="{FF2B5EF4-FFF2-40B4-BE49-F238E27FC236}">
+                <a16:creationId xmlns:a16="http://schemas.microsoft.com/office/drawing/2014/main" id="{BD84DD9E-43EF-47E2-AAF3-1CE577A3036C}"/>
+              </a:ext>
+            </a:extLst>
+          </p:cNvPr>
+          <p:cNvCxnSpPr>
+            <a:stCxn id="30" idx="4"/>
+            <a:endCxn id="39" idx="0"/>
+          </p:cNvCxnSpPr>
+          <p:nvPr/>
+        </p:nvCxnSpPr>
+        <p:spPr>
+          <a:xfrm flipH="1">
+            <a:off x="5444067" y="3293533"/>
+            <a:ext cx="1" cy="270934"/>
+          </a:xfrm>
+          <a:prstGeom prst="line">
+            <a:avLst/>
+          </a:prstGeom>
+        </p:spPr>
+        <p:style>
+          <a:lnRef idx="1">
+            <a:schemeClr val="accent1"/>
+          </a:lnRef>
+          <a:fillRef idx="0">
+            <a:schemeClr val="accent1"/>
+          </a:fillRef>
+          <a:effectRef idx="0">
+            <a:schemeClr val="accent1"/>
+          </a:effectRef>
+          <a:fontRef idx="minor">
+            <a:schemeClr val="tx1"/>
+          </a:fontRef>
+        </p:style>
+      </p:cxnSp>
+      <p:cxnSp>
+        <p:nvCxnSpPr>
+          <p:cNvPr id="47" name="직선 연결선 46">
+            <a:extLst>
+              <a:ext uri="{FF2B5EF4-FFF2-40B4-BE49-F238E27FC236}">
+                <a16:creationId xmlns:a16="http://schemas.microsoft.com/office/drawing/2014/main" id="{E154ABA2-E193-4A36-87F3-1FBA49733C31}"/>
+              </a:ext>
+            </a:extLst>
+          </p:cNvPr>
+          <p:cNvCxnSpPr>
+            <a:stCxn id="31" idx="3"/>
+            <a:endCxn id="40" idx="0"/>
+          </p:cNvCxnSpPr>
+          <p:nvPr/>
+        </p:nvCxnSpPr>
+        <p:spPr>
+          <a:xfrm flipH="1">
+            <a:off x="6846930" y="3157142"/>
+            <a:ext cx="855364" cy="390388"/>
+          </a:xfrm>
+          <a:prstGeom prst="line">
+            <a:avLst/>
+          </a:prstGeom>
+        </p:spPr>
+        <p:style>
+          <a:lnRef idx="1">
+            <a:schemeClr val="accent1"/>
+          </a:lnRef>
+          <a:fillRef idx="0">
+            <a:schemeClr val="accent1"/>
+          </a:fillRef>
+          <a:effectRef idx="0">
+            <a:schemeClr val="accent1"/>
+          </a:effectRef>
+          <a:fontRef idx="minor">
+            <a:schemeClr val="tx1"/>
+          </a:fontRef>
+        </p:style>
+      </p:cxnSp>
+      <p:cxnSp>
+        <p:nvCxnSpPr>
+          <p:cNvPr id="48" name="직선 연결선 47">
+            <a:extLst>
+              <a:ext uri="{FF2B5EF4-FFF2-40B4-BE49-F238E27FC236}">
+                <a16:creationId xmlns:a16="http://schemas.microsoft.com/office/drawing/2014/main" id="{F6C168AF-CE83-467C-AE1D-B76B96A0EF58}"/>
+              </a:ext>
+            </a:extLst>
+          </p:cNvPr>
+          <p:cNvCxnSpPr>
+            <a:stCxn id="31" idx="4"/>
+            <a:endCxn id="41" idx="0"/>
+          </p:cNvCxnSpPr>
+          <p:nvPr/>
+        </p:nvCxnSpPr>
+        <p:spPr>
+          <a:xfrm>
+            <a:off x="8031570" y="3293533"/>
+            <a:ext cx="15084" cy="253996"/>
+          </a:xfrm>
+          <a:prstGeom prst="line">
+            <a:avLst/>
+          </a:prstGeom>
+        </p:spPr>
+        <p:style>
+          <a:lnRef idx="1">
+            <a:schemeClr val="accent1"/>
+          </a:lnRef>
+          <a:fillRef idx="0">
+            <a:schemeClr val="accent1"/>
+          </a:fillRef>
+          <a:effectRef idx="0">
+            <a:schemeClr val="accent1"/>
+          </a:effectRef>
+          <a:fontRef idx="minor">
+            <a:schemeClr val="tx1"/>
+          </a:fontRef>
+        </p:style>
+      </p:cxnSp>
+      <p:cxnSp>
+        <p:nvCxnSpPr>
+          <p:cNvPr id="49" name="직선 연결선 48">
+            <a:extLst>
+              <a:ext uri="{FF2B5EF4-FFF2-40B4-BE49-F238E27FC236}">
+                <a16:creationId xmlns:a16="http://schemas.microsoft.com/office/drawing/2014/main" id="{C4B71805-3734-4F8A-88BE-A98A142ADD65}"/>
+              </a:ext>
+            </a:extLst>
+          </p:cNvPr>
+          <p:cNvCxnSpPr>
+            <a:cxnSpLocks/>
+            <a:stCxn id="31" idx="5"/>
+            <a:endCxn id="42" idx="0"/>
+          </p:cNvCxnSpPr>
+          <p:nvPr/>
+        </p:nvCxnSpPr>
+        <p:spPr>
+          <a:xfrm>
+            <a:off x="8360845" y="3157142"/>
+            <a:ext cx="1010832" cy="407324"/>
+          </a:xfrm>
+          <a:prstGeom prst="line">
+            <a:avLst/>
+          </a:prstGeom>
+        </p:spPr>
+        <p:style>
+          <a:lnRef idx="1">
+            <a:schemeClr val="accent1"/>
+          </a:lnRef>
+          <a:fillRef idx="0">
+            <a:schemeClr val="accent1"/>
+          </a:fillRef>
+          <a:effectRef idx="0">
+            <a:schemeClr val="accent1"/>
+          </a:effectRef>
+          <a:fontRef idx="minor">
+            <a:schemeClr val="tx1"/>
+          </a:fontRef>
+        </p:style>
+      </p:cxnSp>
+      <p:cxnSp>
+        <p:nvCxnSpPr>
+          <p:cNvPr id="50" name="직선 연결선 49">
+            <a:extLst>
+              <a:ext uri="{FF2B5EF4-FFF2-40B4-BE49-F238E27FC236}">
+                <a16:creationId xmlns:a16="http://schemas.microsoft.com/office/drawing/2014/main" id="{5518B34E-0936-41A1-BBAA-B9B1D17CCDFE}"/>
+              </a:ext>
+            </a:extLst>
+          </p:cNvPr>
+          <p:cNvCxnSpPr>
+            <a:stCxn id="40" idx="4"/>
+            <a:endCxn id="43" idx="0"/>
+          </p:cNvCxnSpPr>
+          <p:nvPr/>
+        </p:nvCxnSpPr>
+        <p:spPr>
+          <a:xfrm>
+            <a:off x="6846930" y="4478863"/>
+            <a:ext cx="0" cy="397937"/>
+          </a:xfrm>
+          <a:prstGeom prst="line">
+            <a:avLst/>
+          </a:prstGeom>
+        </p:spPr>
+        <p:style>
+          <a:lnRef idx="1">
+            <a:schemeClr val="accent1"/>
+          </a:lnRef>
+          <a:fillRef idx="0">
+            <a:schemeClr val="accent1"/>
+          </a:fillRef>
+          <a:effectRef idx="0">
+            <a:schemeClr val="accent1"/>
+          </a:effectRef>
+          <a:fontRef idx="minor">
+            <a:schemeClr val="tx1"/>
+          </a:fontRef>
+        </p:style>
+      </p:cxnSp>
+      <p:cxnSp>
+        <p:nvCxnSpPr>
+          <p:cNvPr id="51" name="직선 연결선 50">
+            <a:extLst>
+              <a:ext uri="{FF2B5EF4-FFF2-40B4-BE49-F238E27FC236}">
+                <a16:creationId xmlns:a16="http://schemas.microsoft.com/office/drawing/2014/main" id="{129E7A2D-5E07-4F20-970E-4823EC15F4D1}"/>
+              </a:ext>
+            </a:extLst>
+          </p:cNvPr>
+          <p:cNvCxnSpPr>
+            <a:stCxn id="35" idx="3"/>
+            <a:endCxn id="37" idx="0"/>
+          </p:cNvCxnSpPr>
+          <p:nvPr/>
+        </p:nvCxnSpPr>
+        <p:spPr>
+          <a:xfrm flipH="1">
+            <a:off x="1380067" y="4359409"/>
+            <a:ext cx="602057" cy="517391"/>
+          </a:xfrm>
+          <a:prstGeom prst="line">
+            <a:avLst/>
+          </a:prstGeom>
+        </p:spPr>
+        <p:style>
+          <a:lnRef idx="1">
+            <a:schemeClr val="accent1"/>
+          </a:lnRef>
+          <a:fillRef idx="0">
+            <a:schemeClr val="accent1"/>
+          </a:fillRef>
+          <a:effectRef idx="0">
+            <a:schemeClr val="accent1"/>
+          </a:effectRef>
+          <a:fontRef idx="minor">
+            <a:schemeClr val="tx1"/>
+          </a:fontRef>
+        </p:style>
+      </p:cxnSp>
+      <p:cxnSp>
+        <p:nvCxnSpPr>
+          <p:cNvPr id="52" name="직선 연결선 51">
+            <a:extLst>
+              <a:ext uri="{FF2B5EF4-FFF2-40B4-BE49-F238E27FC236}">
+                <a16:creationId xmlns:a16="http://schemas.microsoft.com/office/drawing/2014/main" id="{1CA57A72-4E12-49FE-8B35-580FD032B9BF}"/>
+              </a:ext>
+            </a:extLst>
+          </p:cNvPr>
+          <p:cNvCxnSpPr>
+            <a:stCxn id="35" idx="5"/>
+          </p:cNvCxnSpPr>
+          <p:nvPr/>
+        </p:nvCxnSpPr>
+        <p:spPr>
+          <a:xfrm>
+            <a:off x="2640675" y="4359409"/>
+            <a:ext cx="611450" cy="543715"/>
+          </a:xfrm>
+          <a:prstGeom prst="line">
+            <a:avLst/>
+          </a:prstGeom>
+        </p:spPr>
+        <p:style>
+          <a:lnRef idx="1">
+            <a:schemeClr val="accent1"/>
+          </a:lnRef>
+          <a:fillRef idx="0">
+            <a:schemeClr val="accent1"/>
+          </a:fillRef>
+          <a:effectRef idx="0">
+            <a:schemeClr val="accent1"/>
+          </a:effectRef>
+          <a:fontRef idx="minor">
+            <a:schemeClr val="tx1"/>
+          </a:fontRef>
+        </p:style>
+      </p:cxnSp>
+      <p:sp>
+        <p:nvSpPr>
+          <p:cNvPr id="53" name="타원 52">
+            <a:extLst>
+              <a:ext uri="{FF2B5EF4-FFF2-40B4-BE49-F238E27FC236}">
+                <a16:creationId xmlns:a16="http://schemas.microsoft.com/office/drawing/2014/main" id="{9587D8F6-7896-441B-B5CD-3FAB7DB76262}"/>
+              </a:ext>
+            </a:extLst>
+          </p:cNvPr>
+          <p:cNvSpPr/>
+          <p:nvPr/>
+        </p:nvSpPr>
+        <p:spPr>
+          <a:xfrm>
+            <a:off x="355600" y="1845734"/>
+            <a:ext cx="4429912" cy="4758266"/>
+          </a:xfrm>
+          <a:prstGeom prst="ellipse">
+            <a:avLst/>
+          </a:prstGeom>
+          <a:noFill/>
+          <a:ln>
+            <a:solidFill>
+              <a:schemeClr val="accent2"/>
+            </a:solidFill>
+          </a:ln>
+        </p:spPr>
+        <p:style>
+          <a:lnRef idx="2">
+            <a:schemeClr val="accent1">
+              <a:shade val="50000"/>
+            </a:schemeClr>
+          </a:lnRef>
+          <a:fillRef idx="1">
+            <a:schemeClr val="accent1"/>
+          </a:fillRef>
+          <a:effectRef idx="0">
+            <a:schemeClr val="accent1"/>
+          </a:effectRef>
+          <a:fontRef idx="minor">
+            <a:schemeClr val="lt1"/>
+          </a:fontRef>
+        </p:style>
+        <p:txBody>
+          <a:bodyPr rtlCol="0" anchor="ctr"/>
+          <a:lstStyle/>
+          <a:p>
+            <a:pPr algn="ctr"/>
+            <a:endParaRPr lang="ko-KR" altLang="en-US"/>
+          </a:p>
+        </p:txBody>
+      </p:sp>
+      <p:sp>
+        <p:nvSpPr>
+          <p:cNvPr id="55" name="타원 54">
+            <a:extLst>
+              <a:ext uri="{FF2B5EF4-FFF2-40B4-BE49-F238E27FC236}">
+                <a16:creationId xmlns:a16="http://schemas.microsoft.com/office/drawing/2014/main" id="{8C4C96FB-8D2D-4E32-B8D7-A69AEDAB0AE6}"/>
+              </a:ext>
+            </a:extLst>
+          </p:cNvPr>
+          <p:cNvSpPr/>
+          <p:nvPr/>
+        </p:nvSpPr>
+        <p:spPr>
+          <a:xfrm>
+            <a:off x="6096000" y="1872984"/>
+            <a:ext cx="4429912" cy="4758266"/>
+          </a:xfrm>
+          <a:prstGeom prst="ellipse">
+            <a:avLst/>
+          </a:prstGeom>
+          <a:noFill/>
+          <a:ln>
+            <a:solidFill>
+              <a:schemeClr val="accent2"/>
+            </a:solidFill>
+          </a:ln>
+        </p:spPr>
+        <p:style>
+          <a:lnRef idx="2">
+            <a:schemeClr val="accent1">
+              <a:shade val="50000"/>
+            </a:schemeClr>
+          </a:lnRef>
+          <a:fillRef idx="1">
+            <a:schemeClr val="accent1"/>
+          </a:fillRef>
+          <a:effectRef idx="0">
+            <a:schemeClr val="accent1"/>
+          </a:effectRef>
+          <a:fontRef idx="minor">
+            <a:schemeClr val="lt1"/>
+          </a:fontRef>
+        </p:style>
+        <p:txBody>
+          <a:bodyPr rtlCol="0" anchor="ctr"/>
+          <a:lstStyle/>
+          <a:p>
+            <a:pPr algn="ctr"/>
+            <a:endParaRPr lang="ko-KR" altLang="en-US" dirty="0"/>
+          </a:p>
+        </p:txBody>
+      </p:sp>
+      <p:sp>
+        <p:nvSpPr>
+          <p:cNvPr id="56" name="타원 55">
+            <a:extLst>
+              <a:ext uri="{FF2B5EF4-FFF2-40B4-BE49-F238E27FC236}">
+                <a16:creationId xmlns:a16="http://schemas.microsoft.com/office/drawing/2014/main" id="{8C44EE54-AFDC-414D-8B9E-77D98D3B6436}"/>
+              </a:ext>
+            </a:extLst>
+          </p:cNvPr>
+          <p:cNvSpPr/>
+          <p:nvPr/>
+        </p:nvSpPr>
+        <p:spPr>
+          <a:xfrm>
+            <a:off x="4705614" y="1941642"/>
+            <a:ext cx="1559717" cy="3409291"/>
+          </a:xfrm>
+          <a:prstGeom prst="ellipse">
+            <a:avLst/>
+          </a:prstGeom>
+          <a:noFill/>
+          <a:ln>
+            <a:solidFill>
+              <a:schemeClr val="accent2"/>
+            </a:solidFill>
+          </a:ln>
+        </p:spPr>
+        <p:style>
+          <a:lnRef idx="2">
+            <a:schemeClr val="accent1">
+              <a:shade val="50000"/>
+            </a:schemeClr>
+          </a:lnRef>
+          <a:fillRef idx="1">
+            <a:schemeClr val="accent1"/>
+          </a:fillRef>
+          <a:effectRef idx="0">
+            <a:schemeClr val="accent1"/>
+          </a:effectRef>
+          <a:fontRef idx="minor">
+            <a:schemeClr val="lt1"/>
+          </a:fontRef>
+        </p:style>
+        <p:txBody>
+          <a:bodyPr rtlCol="0" anchor="ctr"/>
+          <a:lstStyle/>
+          <a:p>
+            <a:pPr algn="ctr"/>
+            <a:endParaRPr lang="ko-KR" altLang="en-US"/>
+          </a:p>
+        </p:txBody>
+      </p:sp>
+      <p:cxnSp>
+        <p:nvCxnSpPr>
+          <p:cNvPr id="58" name="직선 화살표 연결선 57">
+            <a:extLst>
+              <a:ext uri="{FF2B5EF4-FFF2-40B4-BE49-F238E27FC236}">
+                <a16:creationId xmlns:a16="http://schemas.microsoft.com/office/drawing/2014/main" id="{B00075A1-4B67-461F-BE21-D99C434C2960}"/>
+              </a:ext>
+            </a:extLst>
+          </p:cNvPr>
+          <p:cNvCxnSpPr>
+            <a:stCxn id="56" idx="7"/>
+          </p:cNvCxnSpPr>
+          <p:nvPr/>
+        </p:nvCxnSpPr>
+        <p:spPr>
+          <a:xfrm flipV="1">
+            <a:off x="6036916" y="575733"/>
+            <a:ext cx="1275680" cy="1865188"/>
+          </a:xfrm>
+          <a:prstGeom prst="straightConnector1">
+            <a:avLst/>
+          </a:prstGeom>
+          <a:ln>
+            <a:solidFill>
+              <a:schemeClr val="accent2"/>
+            </a:solidFill>
+            <a:tailEnd type="triangle"/>
+          </a:ln>
+        </p:spPr>
+        <p:style>
+          <a:lnRef idx="1">
+            <a:schemeClr val="accent1"/>
+          </a:lnRef>
+          <a:fillRef idx="0">
+            <a:schemeClr val="accent1"/>
+          </a:fillRef>
+          <a:effectRef idx="0">
+            <a:schemeClr val="accent1"/>
+          </a:effectRef>
+          <a:fontRef idx="minor">
+            <a:schemeClr val="tx1"/>
+          </a:fontRef>
+        </p:style>
+      </p:cxnSp>
+      <p:cxnSp>
+        <p:nvCxnSpPr>
+          <p:cNvPr id="60" name="직선 화살표 연결선 59">
+            <a:extLst>
+              <a:ext uri="{FF2B5EF4-FFF2-40B4-BE49-F238E27FC236}">
+                <a16:creationId xmlns:a16="http://schemas.microsoft.com/office/drawing/2014/main" id="{C4C64764-CEEB-4F25-801F-70C24085A957}"/>
+              </a:ext>
+            </a:extLst>
+          </p:cNvPr>
+          <p:cNvCxnSpPr>
+            <a:stCxn id="53" idx="1"/>
+          </p:cNvCxnSpPr>
+          <p:nvPr/>
+        </p:nvCxnSpPr>
+        <p:spPr>
+          <a:xfrm flipV="1">
+            <a:off x="1004346" y="914401"/>
+            <a:ext cx="672054" cy="1628165"/>
+          </a:xfrm>
+          <a:prstGeom prst="straightConnector1">
+            <a:avLst/>
+          </a:prstGeom>
+          <a:ln>
+            <a:solidFill>
+              <a:schemeClr val="accent2"/>
+            </a:solidFill>
+            <a:tailEnd type="triangle"/>
+          </a:ln>
+        </p:spPr>
+        <p:style>
+          <a:lnRef idx="1">
+            <a:schemeClr val="accent1"/>
+          </a:lnRef>
+          <a:fillRef idx="0">
+            <a:schemeClr val="accent1"/>
+          </a:fillRef>
+          <a:effectRef idx="0">
+            <a:schemeClr val="accent1"/>
+          </a:effectRef>
+          <a:fontRef idx="minor">
+            <a:schemeClr val="tx1"/>
+          </a:fontRef>
+        </p:style>
+      </p:cxnSp>
+      <p:cxnSp>
+        <p:nvCxnSpPr>
+          <p:cNvPr id="62" name="직선 화살표 연결선 61">
+            <a:extLst>
+              <a:ext uri="{FF2B5EF4-FFF2-40B4-BE49-F238E27FC236}">
+                <a16:creationId xmlns:a16="http://schemas.microsoft.com/office/drawing/2014/main" id="{AA2DE1B2-128D-44CD-8AFC-EB7FAAFB6351}"/>
+              </a:ext>
+            </a:extLst>
+          </p:cNvPr>
+          <p:cNvCxnSpPr>
+            <a:stCxn id="55" idx="7"/>
+          </p:cNvCxnSpPr>
+          <p:nvPr/>
+        </p:nvCxnSpPr>
+        <p:spPr>
+          <a:xfrm flipV="1">
+            <a:off x="9877166" y="1405467"/>
+            <a:ext cx="648746" cy="1164349"/>
+          </a:xfrm>
+          <a:prstGeom prst="straightConnector1">
+            <a:avLst/>
+          </a:prstGeom>
+          <a:ln>
+            <a:solidFill>
+              <a:schemeClr val="accent2"/>
+            </a:solidFill>
+            <a:tailEnd type="triangle"/>
+          </a:ln>
+        </p:spPr>
+        <p:style>
+          <a:lnRef idx="1">
+            <a:schemeClr val="accent1"/>
+          </a:lnRef>
+          <a:fillRef idx="0">
+            <a:schemeClr val="accent1"/>
+          </a:fillRef>
+          <a:effectRef idx="0">
+            <a:schemeClr val="accent1"/>
+          </a:effectRef>
+          <a:fontRef idx="minor">
+            <a:schemeClr val="tx1"/>
+          </a:fontRef>
+        </p:style>
+      </p:cxnSp>
+      <p:sp>
+        <p:nvSpPr>
+          <p:cNvPr id="63" name="TextBox 62">
+            <a:extLst>
+              <a:ext uri="{FF2B5EF4-FFF2-40B4-BE49-F238E27FC236}">
+                <a16:creationId xmlns:a16="http://schemas.microsoft.com/office/drawing/2014/main" id="{44EB7ABF-9A9F-438B-967A-8A55A1932B52}"/>
+              </a:ext>
+            </a:extLst>
+          </p:cNvPr>
+          <p:cNvSpPr txBox="1"/>
+          <p:nvPr/>
+        </p:nvSpPr>
+        <p:spPr>
+          <a:xfrm>
+            <a:off x="1004346" y="493951"/>
+            <a:ext cx="1516364" cy="369332"/>
+          </a:xfrm>
+          <a:prstGeom prst="rect">
+            <a:avLst/>
+          </a:prstGeom>
+          <a:noFill/>
+        </p:spPr>
+        <p:txBody>
+          <a:bodyPr wrap="square" rtlCol="0">
+            <a:spAutoFit/>
+          </a:bodyPr>
+          <a:lstStyle/>
+          <a:p>
+            <a:r>
+              <a:rPr lang="ko-KR" altLang="en-US" dirty="0"/>
+              <a:t>서브 트리 </a:t>
+            </a:r>
+            <a:r>
+              <a:rPr lang="en-US" altLang="ko-KR" dirty="0"/>
+              <a:t>1</a:t>
+            </a:r>
+            <a:endParaRPr lang="ko-KR" altLang="en-US" dirty="0"/>
+          </a:p>
+        </p:txBody>
+      </p:sp>
+      <p:sp>
+        <p:nvSpPr>
+          <p:cNvPr id="64" name="TextBox 63">
+            <a:extLst>
+              <a:ext uri="{FF2B5EF4-FFF2-40B4-BE49-F238E27FC236}">
+                <a16:creationId xmlns:a16="http://schemas.microsoft.com/office/drawing/2014/main" id="{FFD9AAA3-75DE-4665-8009-DFB15B1DAC97}"/>
+              </a:ext>
+            </a:extLst>
+          </p:cNvPr>
+          <p:cNvSpPr txBox="1"/>
+          <p:nvPr/>
+        </p:nvSpPr>
+        <p:spPr>
+          <a:xfrm>
+            <a:off x="6554414" y="333397"/>
+            <a:ext cx="1516364" cy="369332"/>
+          </a:xfrm>
+          <a:prstGeom prst="rect">
+            <a:avLst/>
+          </a:prstGeom>
+          <a:noFill/>
+        </p:spPr>
+        <p:txBody>
+          <a:bodyPr wrap="square" rtlCol="0">
+            <a:spAutoFit/>
+          </a:bodyPr>
+          <a:lstStyle/>
+          <a:p>
+            <a:r>
+              <a:rPr lang="ko-KR" altLang="en-US" dirty="0"/>
+              <a:t>서브 트리 </a:t>
+            </a:r>
+            <a:r>
+              <a:rPr lang="en-US" altLang="ko-KR" dirty="0"/>
+              <a:t>2</a:t>
+            </a:r>
+            <a:endParaRPr lang="ko-KR" altLang="en-US" dirty="0"/>
+          </a:p>
+        </p:txBody>
+      </p:sp>
+      <p:sp>
+        <p:nvSpPr>
+          <p:cNvPr id="65" name="TextBox 64">
+            <a:extLst>
+              <a:ext uri="{FF2B5EF4-FFF2-40B4-BE49-F238E27FC236}">
+                <a16:creationId xmlns:a16="http://schemas.microsoft.com/office/drawing/2014/main" id="{7F682FCB-1037-413F-9E4E-7571DFF56153}"/>
+              </a:ext>
+            </a:extLst>
+          </p:cNvPr>
+          <p:cNvSpPr txBox="1"/>
+          <p:nvPr/>
+        </p:nvSpPr>
+        <p:spPr>
+          <a:xfrm>
+            <a:off x="9837343" y="1115324"/>
+            <a:ext cx="1516364" cy="369332"/>
+          </a:xfrm>
+          <a:prstGeom prst="rect">
+            <a:avLst/>
+          </a:prstGeom>
+          <a:noFill/>
+        </p:spPr>
+        <p:txBody>
+          <a:bodyPr wrap="square" rtlCol="0">
+            <a:spAutoFit/>
+          </a:bodyPr>
+          <a:lstStyle/>
+          <a:p>
+            <a:r>
+              <a:rPr lang="ko-KR" altLang="en-US" dirty="0"/>
+              <a:t>서브 트리 </a:t>
+            </a:r>
+            <a:r>
+              <a:rPr lang="en-US" altLang="ko-KR" dirty="0"/>
+              <a:t>3</a:t>
+            </a:r>
+            <a:endParaRPr lang="ko-KR" altLang="en-US" dirty="0"/>
+          </a:p>
+        </p:txBody>
+      </p:sp>
     </p:spTree>
     <p:extLst>
       <p:ext uri="{BB962C8B-B14F-4D97-AF65-F5344CB8AC3E}">
@@ -12527,6 +17172,1150 @@
           <a:chExt cx="0" cy="0"/>
         </a:xfrm>
       </p:grpSpPr>
+      <p:sp>
+        <p:nvSpPr>
+          <p:cNvPr id="3" name="타원 2">
+            <a:extLst>
+              <a:ext uri="{FF2B5EF4-FFF2-40B4-BE49-F238E27FC236}">
+                <a16:creationId xmlns:a16="http://schemas.microsoft.com/office/drawing/2014/main" id="{839AE636-7753-4F36-BD4F-F91559F02FA2}"/>
+              </a:ext>
+            </a:extLst>
+          </p:cNvPr>
+          <p:cNvSpPr/>
+          <p:nvPr/>
+        </p:nvSpPr>
+        <p:spPr>
+          <a:xfrm>
+            <a:off x="4995334" y="914401"/>
+            <a:ext cx="931333" cy="931333"/>
+          </a:xfrm>
+          <a:prstGeom prst="ellipse">
+            <a:avLst/>
+          </a:prstGeom>
+        </p:spPr>
+        <p:style>
+          <a:lnRef idx="2">
+            <a:schemeClr val="dk1"/>
+          </a:lnRef>
+          <a:fillRef idx="1">
+            <a:schemeClr val="lt1"/>
+          </a:fillRef>
+          <a:effectRef idx="0">
+            <a:schemeClr val="dk1"/>
+          </a:effectRef>
+          <a:fontRef idx="minor">
+            <a:schemeClr val="dk1"/>
+          </a:fontRef>
+        </p:style>
+        <p:txBody>
+          <a:bodyPr rtlCol="0" anchor="ctr"/>
+          <a:lstStyle/>
+          <a:p>
+            <a:pPr algn="ctr"/>
+            <a:r>
+              <a:rPr lang="en-US" altLang="ko-KR" sz="4400" dirty="0">
+                <a:latin typeface="Arial Black" panose="020B0A04020102020204" pitchFamily="34" charset="0"/>
+              </a:rPr>
+              <a:t>A</a:t>
+            </a:r>
+            <a:endParaRPr lang="ko-KR" altLang="en-US" sz="4400" dirty="0">
+              <a:latin typeface="Arial Black" panose="020B0A04020102020204" pitchFamily="34" charset="0"/>
+            </a:endParaRPr>
+          </a:p>
+        </p:txBody>
+      </p:sp>
+      <p:sp>
+        <p:nvSpPr>
+          <p:cNvPr id="4" name="타원 3">
+            <a:extLst>
+              <a:ext uri="{FF2B5EF4-FFF2-40B4-BE49-F238E27FC236}">
+                <a16:creationId xmlns:a16="http://schemas.microsoft.com/office/drawing/2014/main" id="{781A18D6-5B08-4605-B143-792A29B2C9DE}"/>
+              </a:ext>
+            </a:extLst>
+          </p:cNvPr>
+          <p:cNvSpPr/>
+          <p:nvPr/>
+        </p:nvSpPr>
+        <p:spPr>
+          <a:xfrm>
+            <a:off x="2777066" y="2362201"/>
+            <a:ext cx="931333" cy="931333"/>
+          </a:xfrm>
+          <a:prstGeom prst="ellipse">
+            <a:avLst/>
+          </a:prstGeom>
+        </p:spPr>
+        <p:style>
+          <a:lnRef idx="2">
+            <a:schemeClr val="dk1"/>
+          </a:lnRef>
+          <a:fillRef idx="1">
+            <a:schemeClr val="lt1"/>
+          </a:fillRef>
+          <a:effectRef idx="0">
+            <a:schemeClr val="dk1"/>
+          </a:effectRef>
+          <a:fontRef idx="minor">
+            <a:schemeClr val="dk1"/>
+          </a:fontRef>
+        </p:style>
+        <p:txBody>
+          <a:bodyPr rtlCol="0" anchor="ctr"/>
+          <a:lstStyle/>
+          <a:p>
+            <a:pPr algn="ctr"/>
+            <a:r>
+              <a:rPr lang="en-US" altLang="ko-KR" sz="4400" dirty="0">
+                <a:latin typeface="Arial Black" panose="020B0A04020102020204" pitchFamily="34" charset="0"/>
+              </a:rPr>
+              <a:t>B</a:t>
+            </a:r>
+            <a:endParaRPr lang="ko-KR" altLang="en-US" sz="4400" dirty="0">
+              <a:latin typeface="Arial Black" panose="020B0A04020102020204" pitchFamily="34" charset="0"/>
+            </a:endParaRPr>
+          </a:p>
+        </p:txBody>
+      </p:sp>
+      <p:sp>
+        <p:nvSpPr>
+          <p:cNvPr id="5" name="타원 4">
+            <a:extLst>
+              <a:ext uri="{FF2B5EF4-FFF2-40B4-BE49-F238E27FC236}">
+                <a16:creationId xmlns:a16="http://schemas.microsoft.com/office/drawing/2014/main" id="{C97429D0-9F78-4A2D-BE5F-0A49C8E7C6E8}"/>
+              </a:ext>
+            </a:extLst>
+          </p:cNvPr>
+          <p:cNvSpPr/>
+          <p:nvPr/>
+        </p:nvSpPr>
+        <p:spPr>
+          <a:xfrm>
+            <a:off x="4978401" y="2362200"/>
+            <a:ext cx="931333" cy="931333"/>
+          </a:xfrm>
+          <a:prstGeom prst="ellipse">
+            <a:avLst/>
+          </a:prstGeom>
+        </p:spPr>
+        <p:style>
+          <a:lnRef idx="2">
+            <a:schemeClr val="dk1"/>
+          </a:lnRef>
+          <a:fillRef idx="1">
+            <a:schemeClr val="lt1"/>
+          </a:fillRef>
+          <a:effectRef idx="0">
+            <a:schemeClr val="dk1"/>
+          </a:effectRef>
+          <a:fontRef idx="minor">
+            <a:schemeClr val="dk1"/>
+          </a:fontRef>
+        </p:style>
+        <p:txBody>
+          <a:bodyPr rtlCol="0" anchor="ctr"/>
+          <a:lstStyle/>
+          <a:p>
+            <a:pPr algn="ctr"/>
+            <a:r>
+              <a:rPr lang="en-US" altLang="ko-KR" sz="4400" dirty="0">
+                <a:latin typeface="Arial Black" panose="020B0A04020102020204" pitchFamily="34" charset="0"/>
+              </a:rPr>
+              <a:t>C</a:t>
+            </a:r>
+            <a:endParaRPr lang="ko-KR" altLang="en-US" sz="4400" dirty="0">
+              <a:latin typeface="Arial Black" panose="020B0A04020102020204" pitchFamily="34" charset="0"/>
+            </a:endParaRPr>
+          </a:p>
+        </p:txBody>
+      </p:sp>
+      <p:sp>
+        <p:nvSpPr>
+          <p:cNvPr id="6" name="타원 5">
+            <a:extLst>
+              <a:ext uri="{FF2B5EF4-FFF2-40B4-BE49-F238E27FC236}">
+                <a16:creationId xmlns:a16="http://schemas.microsoft.com/office/drawing/2014/main" id="{6134CE27-6638-4349-A800-D70BB3A05EB9}"/>
+              </a:ext>
+            </a:extLst>
+          </p:cNvPr>
+          <p:cNvSpPr/>
+          <p:nvPr/>
+        </p:nvSpPr>
+        <p:spPr>
+          <a:xfrm>
+            <a:off x="7565903" y="2362200"/>
+            <a:ext cx="931333" cy="931333"/>
+          </a:xfrm>
+          <a:prstGeom prst="ellipse">
+            <a:avLst/>
+          </a:prstGeom>
+        </p:spPr>
+        <p:style>
+          <a:lnRef idx="2">
+            <a:schemeClr val="dk1"/>
+          </a:lnRef>
+          <a:fillRef idx="1">
+            <a:schemeClr val="lt1"/>
+          </a:fillRef>
+          <a:effectRef idx="0">
+            <a:schemeClr val="dk1"/>
+          </a:effectRef>
+          <a:fontRef idx="minor">
+            <a:schemeClr val="dk1"/>
+          </a:fontRef>
+        </p:style>
+        <p:txBody>
+          <a:bodyPr rtlCol="0" anchor="ctr"/>
+          <a:lstStyle/>
+          <a:p>
+            <a:pPr algn="ctr"/>
+            <a:r>
+              <a:rPr lang="en-US" altLang="ko-KR" sz="4400" dirty="0">
+                <a:latin typeface="Arial Black" panose="020B0A04020102020204" pitchFamily="34" charset="0"/>
+              </a:rPr>
+              <a:t>D</a:t>
+            </a:r>
+            <a:endParaRPr lang="ko-KR" altLang="en-US" sz="4400" dirty="0">
+              <a:latin typeface="Arial Black" panose="020B0A04020102020204" pitchFamily="34" charset="0"/>
+            </a:endParaRPr>
+          </a:p>
+        </p:txBody>
+      </p:sp>
+      <p:cxnSp>
+        <p:nvCxnSpPr>
+          <p:cNvPr id="17" name="직선 연결선 16">
+            <a:extLst>
+              <a:ext uri="{FF2B5EF4-FFF2-40B4-BE49-F238E27FC236}">
+                <a16:creationId xmlns:a16="http://schemas.microsoft.com/office/drawing/2014/main" id="{5A778930-C8FA-4F97-B88A-F36DC4903B9F}"/>
+              </a:ext>
+            </a:extLst>
+          </p:cNvPr>
+          <p:cNvCxnSpPr>
+            <a:stCxn id="4" idx="7"/>
+            <a:endCxn id="3" idx="3"/>
+          </p:cNvCxnSpPr>
+          <p:nvPr/>
+        </p:nvCxnSpPr>
+        <p:spPr>
+          <a:xfrm flipV="1">
+            <a:off x="3572008" y="1709343"/>
+            <a:ext cx="1559717" cy="789249"/>
+          </a:xfrm>
+          <a:prstGeom prst="line">
+            <a:avLst/>
+          </a:prstGeom>
+        </p:spPr>
+        <p:style>
+          <a:lnRef idx="1">
+            <a:schemeClr val="accent1"/>
+          </a:lnRef>
+          <a:fillRef idx="0">
+            <a:schemeClr val="accent1"/>
+          </a:fillRef>
+          <a:effectRef idx="0">
+            <a:schemeClr val="accent1"/>
+          </a:effectRef>
+          <a:fontRef idx="minor">
+            <a:schemeClr val="tx1"/>
+          </a:fontRef>
+        </p:style>
+      </p:cxnSp>
+      <p:cxnSp>
+        <p:nvCxnSpPr>
+          <p:cNvPr id="19" name="직선 연결선 18">
+            <a:extLst>
+              <a:ext uri="{FF2B5EF4-FFF2-40B4-BE49-F238E27FC236}">
+                <a16:creationId xmlns:a16="http://schemas.microsoft.com/office/drawing/2014/main" id="{6F3B5F10-0A24-4712-86FA-14C8EE4323DE}"/>
+              </a:ext>
+            </a:extLst>
+          </p:cNvPr>
+          <p:cNvCxnSpPr>
+            <a:stCxn id="5" idx="0"/>
+            <a:endCxn id="3" idx="4"/>
+          </p:cNvCxnSpPr>
+          <p:nvPr/>
+        </p:nvCxnSpPr>
+        <p:spPr>
+          <a:xfrm flipV="1">
+            <a:off x="5444068" y="1845734"/>
+            <a:ext cx="16933" cy="516466"/>
+          </a:xfrm>
+          <a:prstGeom prst="line">
+            <a:avLst/>
+          </a:prstGeom>
+        </p:spPr>
+        <p:style>
+          <a:lnRef idx="1">
+            <a:schemeClr val="accent1"/>
+          </a:lnRef>
+          <a:fillRef idx="0">
+            <a:schemeClr val="accent1"/>
+          </a:fillRef>
+          <a:effectRef idx="0">
+            <a:schemeClr val="accent1"/>
+          </a:effectRef>
+          <a:fontRef idx="minor">
+            <a:schemeClr val="tx1"/>
+          </a:fontRef>
+        </p:style>
+      </p:cxnSp>
+      <p:cxnSp>
+        <p:nvCxnSpPr>
+          <p:cNvPr id="21" name="직선 연결선 20">
+            <a:extLst>
+              <a:ext uri="{FF2B5EF4-FFF2-40B4-BE49-F238E27FC236}">
+                <a16:creationId xmlns:a16="http://schemas.microsoft.com/office/drawing/2014/main" id="{3B6970FD-57E4-4F9B-8AB9-A3EB8613462A}"/>
+              </a:ext>
+            </a:extLst>
+          </p:cNvPr>
+          <p:cNvCxnSpPr>
+            <a:stCxn id="6" idx="1"/>
+            <a:endCxn id="3" idx="5"/>
+          </p:cNvCxnSpPr>
+          <p:nvPr/>
+        </p:nvCxnSpPr>
+        <p:spPr>
+          <a:xfrm flipH="1" flipV="1">
+            <a:off x="5790276" y="1709343"/>
+            <a:ext cx="1912018" cy="789248"/>
+          </a:xfrm>
+          <a:prstGeom prst="line">
+            <a:avLst/>
+          </a:prstGeom>
+        </p:spPr>
+        <p:style>
+          <a:lnRef idx="1">
+            <a:schemeClr val="accent1"/>
+          </a:lnRef>
+          <a:fillRef idx="0">
+            <a:schemeClr val="accent1"/>
+          </a:fillRef>
+          <a:effectRef idx="0">
+            <a:schemeClr val="accent1"/>
+          </a:effectRef>
+          <a:fontRef idx="minor">
+            <a:schemeClr val="tx1"/>
+          </a:fontRef>
+        </p:style>
+      </p:cxnSp>
+      <p:sp>
+        <p:nvSpPr>
+          <p:cNvPr id="23" name="타원 22">
+            <a:extLst>
+              <a:ext uri="{FF2B5EF4-FFF2-40B4-BE49-F238E27FC236}">
+                <a16:creationId xmlns:a16="http://schemas.microsoft.com/office/drawing/2014/main" id="{AB6DC972-C7D2-40FD-BAF9-B9BA5A10CD35}"/>
+              </a:ext>
+            </a:extLst>
+          </p:cNvPr>
+          <p:cNvSpPr/>
+          <p:nvPr/>
+        </p:nvSpPr>
+        <p:spPr>
+          <a:xfrm>
+            <a:off x="1845733" y="3564467"/>
+            <a:ext cx="931333" cy="931333"/>
+          </a:xfrm>
+          <a:prstGeom prst="ellipse">
+            <a:avLst/>
+          </a:prstGeom>
+        </p:spPr>
+        <p:style>
+          <a:lnRef idx="2">
+            <a:schemeClr val="dk1"/>
+          </a:lnRef>
+          <a:fillRef idx="1">
+            <a:schemeClr val="lt1"/>
+          </a:fillRef>
+          <a:effectRef idx="0">
+            <a:schemeClr val="dk1"/>
+          </a:effectRef>
+          <a:fontRef idx="minor">
+            <a:schemeClr val="dk1"/>
+          </a:fontRef>
+        </p:style>
+        <p:txBody>
+          <a:bodyPr rtlCol="0" anchor="ctr"/>
+          <a:lstStyle/>
+          <a:p>
+            <a:pPr algn="ctr"/>
+            <a:r>
+              <a:rPr lang="en-US" altLang="ko-KR" sz="4400" dirty="0">
+                <a:latin typeface="Arial Black" panose="020B0A04020102020204" pitchFamily="34" charset="0"/>
+              </a:rPr>
+              <a:t>E</a:t>
+            </a:r>
+            <a:endParaRPr lang="ko-KR" altLang="en-US" sz="4400" dirty="0">
+              <a:latin typeface="Arial Black" panose="020B0A04020102020204" pitchFamily="34" charset="0"/>
+            </a:endParaRPr>
+          </a:p>
+        </p:txBody>
+      </p:sp>
+      <p:sp>
+        <p:nvSpPr>
+          <p:cNvPr id="24" name="타원 23">
+            <a:extLst>
+              <a:ext uri="{FF2B5EF4-FFF2-40B4-BE49-F238E27FC236}">
+                <a16:creationId xmlns:a16="http://schemas.microsoft.com/office/drawing/2014/main" id="{A2AE79F5-8651-4E95-B64A-880D5D538BED}"/>
+              </a:ext>
+            </a:extLst>
+          </p:cNvPr>
+          <p:cNvSpPr/>
+          <p:nvPr/>
+        </p:nvSpPr>
+        <p:spPr>
+          <a:xfrm>
+            <a:off x="3572008" y="3564467"/>
+            <a:ext cx="931333" cy="931333"/>
+          </a:xfrm>
+          <a:prstGeom prst="ellipse">
+            <a:avLst/>
+          </a:prstGeom>
+        </p:spPr>
+        <p:style>
+          <a:lnRef idx="2">
+            <a:schemeClr val="dk1"/>
+          </a:lnRef>
+          <a:fillRef idx="1">
+            <a:schemeClr val="lt1"/>
+          </a:fillRef>
+          <a:effectRef idx="0">
+            <a:schemeClr val="dk1"/>
+          </a:effectRef>
+          <a:fontRef idx="minor">
+            <a:schemeClr val="dk1"/>
+          </a:fontRef>
+        </p:style>
+        <p:txBody>
+          <a:bodyPr rtlCol="0" anchor="ctr"/>
+          <a:lstStyle/>
+          <a:p>
+            <a:pPr algn="ctr"/>
+            <a:r>
+              <a:rPr lang="en-US" altLang="ko-KR" sz="4400" dirty="0">
+                <a:latin typeface="Arial Black" panose="020B0A04020102020204" pitchFamily="34" charset="0"/>
+              </a:rPr>
+              <a:t>F</a:t>
+            </a:r>
+            <a:endParaRPr lang="ko-KR" altLang="en-US" sz="4400" dirty="0">
+              <a:latin typeface="Arial Black" panose="020B0A04020102020204" pitchFamily="34" charset="0"/>
+            </a:endParaRPr>
+          </a:p>
+        </p:txBody>
+      </p:sp>
+      <p:sp>
+        <p:nvSpPr>
+          <p:cNvPr id="25" name="타원 24">
+            <a:extLst>
+              <a:ext uri="{FF2B5EF4-FFF2-40B4-BE49-F238E27FC236}">
+                <a16:creationId xmlns:a16="http://schemas.microsoft.com/office/drawing/2014/main" id="{4BD188D0-898A-4F60-A256-0B1AEE1867D7}"/>
+              </a:ext>
+            </a:extLst>
+          </p:cNvPr>
+          <p:cNvSpPr/>
+          <p:nvPr/>
+        </p:nvSpPr>
+        <p:spPr>
+          <a:xfrm>
+            <a:off x="914400" y="4876800"/>
+            <a:ext cx="931333" cy="931333"/>
+          </a:xfrm>
+          <a:prstGeom prst="ellipse">
+            <a:avLst/>
+          </a:prstGeom>
+        </p:spPr>
+        <p:style>
+          <a:lnRef idx="2">
+            <a:schemeClr val="dk1"/>
+          </a:lnRef>
+          <a:fillRef idx="1">
+            <a:schemeClr val="lt1"/>
+          </a:fillRef>
+          <a:effectRef idx="0">
+            <a:schemeClr val="dk1"/>
+          </a:effectRef>
+          <a:fontRef idx="minor">
+            <a:schemeClr val="dk1"/>
+          </a:fontRef>
+        </p:style>
+        <p:txBody>
+          <a:bodyPr rtlCol="0" anchor="ctr"/>
+          <a:lstStyle/>
+          <a:p>
+            <a:pPr algn="ctr"/>
+            <a:r>
+              <a:rPr lang="en-US" altLang="ko-KR" sz="4400" dirty="0">
+                <a:latin typeface="Arial Black" panose="020B0A04020102020204" pitchFamily="34" charset="0"/>
+              </a:rPr>
+              <a:t>K</a:t>
+            </a:r>
+            <a:endParaRPr lang="ko-KR" altLang="en-US" sz="4400" dirty="0">
+              <a:latin typeface="Arial Black" panose="020B0A04020102020204" pitchFamily="34" charset="0"/>
+            </a:endParaRPr>
+          </a:p>
+        </p:txBody>
+      </p:sp>
+      <p:sp>
+        <p:nvSpPr>
+          <p:cNvPr id="26" name="타원 25">
+            <a:extLst>
+              <a:ext uri="{FF2B5EF4-FFF2-40B4-BE49-F238E27FC236}">
+                <a16:creationId xmlns:a16="http://schemas.microsoft.com/office/drawing/2014/main" id="{D9C20EAB-DF8C-46FE-A40B-BAE99387F793}"/>
+              </a:ext>
+            </a:extLst>
+          </p:cNvPr>
+          <p:cNvSpPr/>
+          <p:nvPr/>
+        </p:nvSpPr>
+        <p:spPr>
+          <a:xfrm>
+            <a:off x="2810007" y="4876800"/>
+            <a:ext cx="931333" cy="931333"/>
+          </a:xfrm>
+          <a:prstGeom prst="ellipse">
+            <a:avLst/>
+          </a:prstGeom>
+        </p:spPr>
+        <p:style>
+          <a:lnRef idx="2">
+            <a:schemeClr val="dk1"/>
+          </a:lnRef>
+          <a:fillRef idx="1">
+            <a:schemeClr val="lt1"/>
+          </a:fillRef>
+          <a:effectRef idx="0">
+            <a:schemeClr val="dk1"/>
+          </a:effectRef>
+          <a:fontRef idx="minor">
+            <a:schemeClr val="dk1"/>
+          </a:fontRef>
+        </p:style>
+        <p:txBody>
+          <a:bodyPr rtlCol="0" anchor="ctr"/>
+          <a:lstStyle/>
+          <a:p>
+            <a:pPr algn="ctr"/>
+            <a:r>
+              <a:rPr lang="en-US" altLang="ko-KR" sz="4400" dirty="0">
+                <a:latin typeface="Arial Black" panose="020B0A04020102020204" pitchFamily="34" charset="0"/>
+              </a:rPr>
+              <a:t>L</a:t>
+            </a:r>
+            <a:endParaRPr lang="ko-KR" altLang="en-US" sz="4400" dirty="0">
+              <a:latin typeface="Arial Black" panose="020B0A04020102020204" pitchFamily="34" charset="0"/>
+            </a:endParaRPr>
+          </a:p>
+        </p:txBody>
+      </p:sp>
+      <p:sp>
+        <p:nvSpPr>
+          <p:cNvPr id="27" name="타원 26">
+            <a:extLst>
+              <a:ext uri="{FF2B5EF4-FFF2-40B4-BE49-F238E27FC236}">
+                <a16:creationId xmlns:a16="http://schemas.microsoft.com/office/drawing/2014/main" id="{C9914221-9C84-4000-B89F-45CEF07D65E9}"/>
+              </a:ext>
+            </a:extLst>
+          </p:cNvPr>
+          <p:cNvSpPr/>
+          <p:nvPr/>
+        </p:nvSpPr>
+        <p:spPr>
+          <a:xfrm>
+            <a:off x="4978400" y="3564467"/>
+            <a:ext cx="931333" cy="931333"/>
+          </a:xfrm>
+          <a:prstGeom prst="ellipse">
+            <a:avLst/>
+          </a:prstGeom>
+        </p:spPr>
+        <p:style>
+          <a:lnRef idx="2">
+            <a:schemeClr val="dk1"/>
+          </a:lnRef>
+          <a:fillRef idx="1">
+            <a:schemeClr val="lt1"/>
+          </a:fillRef>
+          <a:effectRef idx="0">
+            <a:schemeClr val="dk1"/>
+          </a:effectRef>
+          <a:fontRef idx="minor">
+            <a:schemeClr val="dk1"/>
+          </a:fontRef>
+        </p:style>
+        <p:txBody>
+          <a:bodyPr rtlCol="0" anchor="ctr"/>
+          <a:lstStyle/>
+          <a:p>
+            <a:pPr algn="ctr"/>
+            <a:r>
+              <a:rPr lang="en-US" altLang="ko-KR" sz="4400" dirty="0">
+                <a:latin typeface="Arial Black" panose="020B0A04020102020204" pitchFamily="34" charset="0"/>
+              </a:rPr>
+              <a:t>G</a:t>
+            </a:r>
+            <a:endParaRPr lang="ko-KR" altLang="en-US" sz="4400" dirty="0">
+              <a:latin typeface="Arial Black" panose="020B0A04020102020204" pitchFamily="34" charset="0"/>
+            </a:endParaRPr>
+          </a:p>
+        </p:txBody>
+      </p:sp>
+      <p:sp>
+        <p:nvSpPr>
+          <p:cNvPr id="28" name="타원 27">
+            <a:extLst>
+              <a:ext uri="{FF2B5EF4-FFF2-40B4-BE49-F238E27FC236}">
+                <a16:creationId xmlns:a16="http://schemas.microsoft.com/office/drawing/2014/main" id="{816D526F-FB74-4BFA-A301-6F6EBBE29C64}"/>
+              </a:ext>
+            </a:extLst>
+          </p:cNvPr>
+          <p:cNvSpPr/>
+          <p:nvPr/>
+        </p:nvSpPr>
+        <p:spPr>
+          <a:xfrm>
+            <a:off x="6381263" y="3547530"/>
+            <a:ext cx="931333" cy="931333"/>
+          </a:xfrm>
+          <a:prstGeom prst="ellipse">
+            <a:avLst/>
+          </a:prstGeom>
+        </p:spPr>
+        <p:style>
+          <a:lnRef idx="2">
+            <a:schemeClr val="dk1"/>
+          </a:lnRef>
+          <a:fillRef idx="1">
+            <a:schemeClr val="lt1"/>
+          </a:fillRef>
+          <a:effectRef idx="0">
+            <a:schemeClr val="dk1"/>
+          </a:effectRef>
+          <a:fontRef idx="minor">
+            <a:schemeClr val="dk1"/>
+          </a:fontRef>
+        </p:style>
+        <p:txBody>
+          <a:bodyPr rtlCol="0" anchor="ctr"/>
+          <a:lstStyle/>
+          <a:p>
+            <a:pPr algn="ctr"/>
+            <a:r>
+              <a:rPr lang="en-US" altLang="ko-KR" sz="4400" dirty="0">
+                <a:latin typeface="Arial Black" panose="020B0A04020102020204" pitchFamily="34" charset="0"/>
+              </a:rPr>
+              <a:t>H</a:t>
+            </a:r>
+            <a:endParaRPr lang="ko-KR" altLang="en-US" sz="4400" dirty="0">
+              <a:latin typeface="Arial Black" panose="020B0A04020102020204" pitchFamily="34" charset="0"/>
+            </a:endParaRPr>
+          </a:p>
+        </p:txBody>
+      </p:sp>
+      <p:sp>
+        <p:nvSpPr>
+          <p:cNvPr id="29" name="타원 28">
+            <a:extLst>
+              <a:ext uri="{FF2B5EF4-FFF2-40B4-BE49-F238E27FC236}">
+                <a16:creationId xmlns:a16="http://schemas.microsoft.com/office/drawing/2014/main" id="{AE3EAA26-B9E7-4DBF-B413-BD267EB28BA7}"/>
+              </a:ext>
+            </a:extLst>
+          </p:cNvPr>
+          <p:cNvSpPr/>
+          <p:nvPr/>
+        </p:nvSpPr>
+        <p:spPr>
+          <a:xfrm>
+            <a:off x="7580987" y="3547529"/>
+            <a:ext cx="931333" cy="931333"/>
+          </a:xfrm>
+          <a:prstGeom prst="ellipse">
+            <a:avLst/>
+          </a:prstGeom>
+        </p:spPr>
+        <p:style>
+          <a:lnRef idx="2">
+            <a:schemeClr val="dk1"/>
+          </a:lnRef>
+          <a:fillRef idx="1">
+            <a:schemeClr val="lt1"/>
+          </a:fillRef>
+          <a:effectRef idx="0">
+            <a:schemeClr val="dk1"/>
+          </a:effectRef>
+          <a:fontRef idx="minor">
+            <a:schemeClr val="dk1"/>
+          </a:fontRef>
+        </p:style>
+        <p:txBody>
+          <a:bodyPr rtlCol="0" anchor="ctr"/>
+          <a:lstStyle/>
+          <a:p>
+            <a:pPr algn="ctr"/>
+            <a:r>
+              <a:rPr lang="en-US" altLang="ko-KR" sz="4400" dirty="0">
+                <a:latin typeface="Arial Black" panose="020B0A04020102020204" pitchFamily="34" charset="0"/>
+              </a:rPr>
+              <a:t>I</a:t>
+            </a:r>
+            <a:endParaRPr lang="ko-KR" altLang="en-US" sz="4400" dirty="0">
+              <a:latin typeface="Arial Black" panose="020B0A04020102020204" pitchFamily="34" charset="0"/>
+            </a:endParaRPr>
+          </a:p>
+        </p:txBody>
+      </p:sp>
+      <p:sp>
+        <p:nvSpPr>
+          <p:cNvPr id="30" name="타원 29">
+            <a:extLst>
+              <a:ext uri="{FF2B5EF4-FFF2-40B4-BE49-F238E27FC236}">
+                <a16:creationId xmlns:a16="http://schemas.microsoft.com/office/drawing/2014/main" id="{C23721D4-3F49-469A-ABAC-08078686F606}"/>
+              </a:ext>
+            </a:extLst>
+          </p:cNvPr>
+          <p:cNvSpPr/>
+          <p:nvPr/>
+        </p:nvSpPr>
+        <p:spPr>
+          <a:xfrm>
+            <a:off x="8906010" y="3564466"/>
+            <a:ext cx="931333" cy="931333"/>
+          </a:xfrm>
+          <a:prstGeom prst="ellipse">
+            <a:avLst/>
+          </a:prstGeom>
+        </p:spPr>
+        <p:style>
+          <a:lnRef idx="2">
+            <a:schemeClr val="dk1"/>
+          </a:lnRef>
+          <a:fillRef idx="1">
+            <a:schemeClr val="lt1"/>
+          </a:fillRef>
+          <a:effectRef idx="0">
+            <a:schemeClr val="dk1"/>
+          </a:effectRef>
+          <a:fontRef idx="minor">
+            <a:schemeClr val="dk1"/>
+          </a:fontRef>
+        </p:style>
+        <p:txBody>
+          <a:bodyPr rtlCol="0" anchor="ctr"/>
+          <a:lstStyle/>
+          <a:p>
+            <a:pPr algn="ctr"/>
+            <a:r>
+              <a:rPr lang="en-US" altLang="ko-KR" sz="4400" dirty="0">
+                <a:latin typeface="Arial Black" panose="020B0A04020102020204" pitchFamily="34" charset="0"/>
+              </a:rPr>
+              <a:t>J</a:t>
+            </a:r>
+            <a:endParaRPr lang="ko-KR" altLang="en-US" sz="4400" dirty="0">
+              <a:latin typeface="Arial Black" panose="020B0A04020102020204" pitchFamily="34" charset="0"/>
+            </a:endParaRPr>
+          </a:p>
+        </p:txBody>
+      </p:sp>
+      <p:sp>
+        <p:nvSpPr>
+          <p:cNvPr id="31" name="타원 30">
+            <a:extLst>
+              <a:ext uri="{FF2B5EF4-FFF2-40B4-BE49-F238E27FC236}">
+                <a16:creationId xmlns:a16="http://schemas.microsoft.com/office/drawing/2014/main" id="{3B20D5CE-9406-412C-9989-D11A59C6EFBE}"/>
+              </a:ext>
+            </a:extLst>
+          </p:cNvPr>
+          <p:cNvSpPr/>
+          <p:nvPr/>
+        </p:nvSpPr>
+        <p:spPr>
+          <a:xfrm>
+            <a:off x="6381263" y="4876800"/>
+            <a:ext cx="931333" cy="931333"/>
+          </a:xfrm>
+          <a:prstGeom prst="ellipse">
+            <a:avLst/>
+          </a:prstGeom>
+        </p:spPr>
+        <p:style>
+          <a:lnRef idx="2">
+            <a:schemeClr val="dk1"/>
+          </a:lnRef>
+          <a:fillRef idx="1">
+            <a:schemeClr val="lt1"/>
+          </a:fillRef>
+          <a:effectRef idx="0">
+            <a:schemeClr val="dk1"/>
+          </a:effectRef>
+          <a:fontRef idx="minor">
+            <a:schemeClr val="dk1"/>
+          </a:fontRef>
+        </p:style>
+        <p:txBody>
+          <a:bodyPr rtlCol="0" anchor="ctr"/>
+          <a:lstStyle/>
+          <a:p>
+            <a:pPr algn="ctr"/>
+            <a:r>
+              <a:rPr lang="en-US" altLang="ko-KR" sz="4400" dirty="0">
+                <a:latin typeface="Arial Black" panose="020B0A04020102020204" pitchFamily="34" charset="0"/>
+              </a:rPr>
+              <a:t>M</a:t>
+            </a:r>
+            <a:endParaRPr lang="ko-KR" altLang="en-US" sz="4400" dirty="0">
+              <a:latin typeface="Arial Black" panose="020B0A04020102020204" pitchFamily="34" charset="0"/>
+            </a:endParaRPr>
+          </a:p>
+        </p:txBody>
+      </p:sp>
+      <p:cxnSp>
+        <p:nvCxnSpPr>
+          <p:cNvPr id="33" name="직선 연결선 32">
+            <a:extLst>
+              <a:ext uri="{FF2B5EF4-FFF2-40B4-BE49-F238E27FC236}">
+                <a16:creationId xmlns:a16="http://schemas.microsoft.com/office/drawing/2014/main" id="{E58C0452-8EB5-4521-9A86-22FB68C3DECE}"/>
+              </a:ext>
+            </a:extLst>
+          </p:cNvPr>
+          <p:cNvCxnSpPr>
+            <a:stCxn id="4" idx="3"/>
+            <a:endCxn id="23" idx="7"/>
+          </p:cNvCxnSpPr>
+          <p:nvPr/>
+        </p:nvCxnSpPr>
+        <p:spPr>
+          <a:xfrm flipH="1">
+            <a:off x="2640675" y="3157143"/>
+            <a:ext cx="272782" cy="543715"/>
+          </a:xfrm>
+          <a:prstGeom prst="line">
+            <a:avLst/>
+          </a:prstGeom>
+        </p:spPr>
+        <p:style>
+          <a:lnRef idx="1">
+            <a:schemeClr val="accent1"/>
+          </a:lnRef>
+          <a:fillRef idx="0">
+            <a:schemeClr val="accent1"/>
+          </a:fillRef>
+          <a:effectRef idx="0">
+            <a:schemeClr val="accent1"/>
+          </a:effectRef>
+          <a:fontRef idx="minor">
+            <a:schemeClr val="tx1"/>
+          </a:fontRef>
+        </p:style>
+      </p:cxnSp>
+      <p:cxnSp>
+        <p:nvCxnSpPr>
+          <p:cNvPr id="37" name="직선 연결선 36">
+            <a:extLst>
+              <a:ext uri="{FF2B5EF4-FFF2-40B4-BE49-F238E27FC236}">
+                <a16:creationId xmlns:a16="http://schemas.microsoft.com/office/drawing/2014/main" id="{228E2C3C-BA8A-4645-B22A-CB89AC8AB8D2}"/>
+              </a:ext>
+            </a:extLst>
+          </p:cNvPr>
+          <p:cNvCxnSpPr>
+            <a:stCxn id="4" idx="5"/>
+            <a:endCxn id="24" idx="1"/>
+          </p:cNvCxnSpPr>
+          <p:nvPr/>
+        </p:nvCxnSpPr>
+        <p:spPr>
+          <a:xfrm>
+            <a:off x="3572008" y="3157143"/>
+            <a:ext cx="136391" cy="543715"/>
+          </a:xfrm>
+          <a:prstGeom prst="line">
+            <a:avLst/>
+          </a:prstGeom>
+        </p:spPr>
+        <p:style>
+          <a:lnRef idx="1">
+            <a:schemeClr val="accent1"/>
+          </a:lnRef>
+          <a:fillRef idx="0">
+            <a:schemeClr val="accent1"/>
+          </a:fillRef>
+          <a:effectRef idx="0">
+            <a:schemeClr val="accent1"/>
+          </a:effectRef>
+          <a:fontRef idx="minor">
+            <a:schemeClr val="tx1"/>
+          </a:fontRef>
+        </p:style>
+      </p:cxnSp>
+      <p:cxnSp>
+        <p:nvCxnSpPr>
+          <p:cNvPr id="39" name="직선 연결선 38">
+            <a:extLst>
+              <a:ext uri="{FF2B5EF4-FFF2-40B4-BE49-F238E27FC236}">
+                <a16:creationId xmlns:a16="http://schemas.microsoft.com/office/drawing/2014/main" id="{75F86642-30AA-43F6-8535-62C1BA4BA3DB}"/>
+              </a:ext>
+            </a:extLst>
+          </p:cNvPr>
+          <p:cNvCxnSpPr>
+            <a:stCxn id="5" idx="4"/>
+            <a:endCxn id="27" idx="0"/>
+          </p:cNvCxnSpPr>
+          <p:nvPr/>
+        </p:nvCxnSpPr>
+        <p:spPr>
+          <a:xfrm flipH="1">
+            <a:off x="5444067" y="3293533"/>
+            <a:ext cx="1" cy="270934"/>
+          </a:xfrm>
+          <a:prstGeom prst="line">
+            <a:avLst/>
+          </a:prstGeom>
+        </p:spPr>
+        <p:style>
+          <a:lnRef idx="1">
+            <a:schemeClr val="accent1"/>
+          </a:lnRef>
+          <a:fillRef idx="0">
+            <a:schemeClr val="accent1"/>
+          </a:fillRef>
+          <a:effectRef idx="0">
+            <a:schemeClr val="accent1"/>
+          </a:effectRef>
+          <a:fontRef idx="minor">
+            <a:schemeClr val="tx1"/>
+          </a:fontRef>
+        </p:style>
+      </p:cxnSp>
+      <p:cxnSp>
+        <p:nvCxnSpPr>
+          <p:cNvPr id="41" name="직선 연결선 40">
+            <a:extLst>
+              <a:ext uri="{FF2B5EF4-FFF2-40B4-BE49-F238E27FC236}">
+                <a16:creationId xmlns:a16="http://schemas.microsoft.com/office/drawing/2014/main" id="{532EE77B-84B8-4997-93F6-0F721973FE81}"/>
+              </a:ext>
+            </a:extLst>
+          </p:cNvPr>
+          <p:cNvCxnSpPr>
+            <a:stCxn id="6" idx="3"/>
+            <a:endCxn id="28" idx="0"/>
+          </p:cNvCxnSpPr>
+          <p:nvPr/>
+        </p:nvCxnSpPr>
+        <p:spPr>
+          <a:xfrm flipH="1">
+            <a:off x="6846930" y="3157142"/>
+            <a:ext cx="855364" cy="390388"/>
+          </a:xfrm>
+          <a:prstGeom prst="line">
+            <a:avLst/>
+          </a:prstGeom>
+        </p:spPr>
+        <p:style>
+          <a:lnRef idx="1">
+            <a:schemeClr val="accent1"/>
+          </a:lnRef>
+          <a:fillRef idx="0">
+            <a:schemeClr val="accent1"/>
+          </a:fillRef>
+          <a:effectRef idx="0">
+            <a:schemeClr val="accent1"/>
+          </a:effectRef>
+          <a:fontRef idx="minor">
+            <a:schemeClr val="tx1"/>
+          </a:fontRef>
+        </p:style>
+      </p:cxnSp>
+      <p:cxnSp>
+        <p:nvCxnSpPr>
+          <p:cNvPr id="54" name="직선 연결선 53">
+            <a:extLst>
+              <a:ext uri="{FF2B5EF4-FFF2-40B4-BE49-F238E27FC236}">
+                <a16:creationId xmlns:a16="http://schemas.microsoft.com/office/drawing/2014/main" id="{90B44DEE-E3C2-40BE-AFCC-12D83D2045AD}"/>
+              </a:ext>
+            </a:extLst>
+          </p:cNvPr>
+          <p:cNvCxnSpPr>
+            <a:stCxn id="6" idx="4"/>
+            <a:endCxn id="29" idx="0"/>
+          </p:cNvCxnSpPr>
+          <p:nvPr/>
+        </p:nvCxnSpPr>
+        <p:spPr>
+          <a:xfrm>
+            <a:off x="8031570" y="3293533"/>
+            <a:ext cx="15084" cy="253996"/>
+          </a:xfrm>
+          <a:prstGeom prst="line">
+            <a:avLst/>
+          </a:prstGeom>
+        </p:spPr>
+        <p:style>
+          <a:lnRef idx="1">
+            <a:schemeClr val="accent1"/>
+          </a:lnRef>
+          <a:fillRef idx="0">
+            <a:schemeClr val="accent1"/>
+          </a:fillRef>
+          <a:effectRef idx="0">
+            <a:schemeClr val="accent1"/>
+          </a:effectRef>
+          <a:fontRef idx="minor">
+            <a:schemeClr val="tx1"/>
+          </a:fontRef>
+        </p:style>
+      </p:cxnSp>
+      <p:cxnSp>
+        <p:nvCxnSpPr>
+          <p:cNvPr id="56" name="직선 연결선 55">
+            <a:extLst>
+              <a:ext uri="{FF2B5EF4-FFF2-40B4-BE49-F238E27FC236}">
+                <a16:creationId xmlns:a16="http://schemas.microsoft.com/office/drawing/2014/main" id="{F777495F-BBEC-4A97-99F1-9CFF719AB45E}"/>
+              </a:ext>
+            </a:extLst>
+          </p:cNvPr>
+          <p:cNvCxnSpPr>
+            <a:cxnSpLocks/>
+            <a:stCxn id="6" idx="5"/>
+            <a:endCxn id="30" idx="0"/>
+          </p:cNvCxnSpPr>
+          <p:nvPr/>
+        </p:nvCxnSpPr>
+        <p:spPr>
+          <a:xfrm>
+            <a:off x="8360845" y="3157142"/>
+            <a:ext cx="1010832" cy="407324"/>
+          </a:xfrm>
+          <a:prstGeom prst="line">
+            <a:avLst/>
+          </a:prstGeom>
+        </p:spPr>
+        <p:style>
+          <a:lnRef idx="1">
+            <a:schemeClr val="accent1"/>
+          </a:lnRef>
+          <a:fillRef idx="0">
+            <a:schemeClr val="accent1"/>
+          </a:fillRef>
+          <a:effectRef idx="0">
+            <a:schemeClr val="accent1"/>
+          </a:effectRef>
+          <a:fontRef idx="minor">
+            <a:schemeClr val="tx1"/>
+          </a:fontRef>
+        </p:style>
+      </p:cxnSp>
+      <p:cxnSp>
+        <p:nvCxnSpPr>
+          <p:cNvPr id="58" name="직선 연결선 57">
+            <a:extLst>
+              <a:ext uri="{FF2B5EF4-FFF2-40B4-BE49-F238E27FC236}">
+                <a16:creationId xmlns:a16="http://schemas.microsoft.com/office/drawing/2014/main" id="{F820DF95-A246-4532-999F-CBDA2484AE62}"/>
+              </a:ext>
+            </a:extLst>
+          </p:cNvPr>
+          <p:cNvCxnSpPr>
+            <a:stCxn id="28" idx="4"/>
+            <a:endCxn id="31" idx="0"/>
+          </p:cNvCxnSpPr>
+          <p:nvPr/>
+        </p:nvCxnSpPr>
+        <p:spPr>
+          <a:xfrm>
+            <a:off x="6846930" y="4478863"/>
+            <a:ext cx="0" cy="397937"/>
+          </a:xfrm>
+          <a:prstGeom prst="line">
+            <a:avLst/>
+          </a:prstGeom>
+        </p:spPr>
+        <p:style>
+          <a:lnRef idx="1">
+            <a:schemeClr val="accent1"/>
+          </a:lnRef>
+          <a:fillRef idx="0">
+            <a:schemeClr val="accent1"/>
+          </a:fillRef>
+          <a:effectRef idx="0">
+            <a:schemeClr val="accent1"/>
+          </a:effectRef>
+          <a:fontRef idx="minor">
+            <a:schemeClr val="tx1"/>
+          </a:fontRef>
+        </p:style>
+      </p:cxnSp>
+      <p:cxnSp>
+        <p:nvCxnSpPr>
+          <p:cNvPr id="61" name="직선 연결선 60">
+            <a:extLst>
+              <a:ext uri="{FF2B5EF4-FFF2-40B4-BE49-F238E27FC236}">
+                <a16:creationId xmlns:a16="http://schemas.microsoft.com/office/drawing/2014/main" id="{1488B249-EF62-417B-8056-2E22284F3204}"/>
+              </a:ext>
+            </a:extLst>
+          </p:cNvPr>
+          <p:cNvCxnSpPr>
+            <a:stCxn id="23" idx="3"/>
+            <a:endCxn id="25" idx="0"/>
+          </p:cNvCxnSpPr>
+          <p:nvPr/>
+        </p:nvCxnSpPr>
+        <p:spPr>
+          <a:xfrm flipH="1">
+            <a:off x="1380067" y="4359409"/>
+            <a:ext cx="602057" cy="517391"/>
+          </a:xfrm>
+          <a:prstGeom prst="line">
+            <a:avLst/>
+          </a:prstGeom>
+        </p:spPr>
+        <p:style>
+          <a:lnRef idx="1">
+            <a:schemeClr val="accent1"/>
+          </a:lnRef>
+          <a:fillRef idx="0">
+            <a:schemeClr val="accent1"/>
+          </a:fillRef>
+          <a:effectRef idx="0">
+            <a:schemeClr val="accent1"/>
+          </a:effectRef>
+          <a:fontRef idx="minor">
+            <a:schemeClr val="tx1"/>
+          </a:fontRef>
+        </p:style>
+      </p:cxnSp>
+      <p:cxnSp>
+        <p:nvCxnSpPr>
+          <p:cNvPr id="63" name="직선 연결선 62">
+            <a:extLst>
+              <a:ext uri="{FF2B5EF4-FFF2-40B4-BE49-F238E27FC236}">
+                <a16:creationId xmlns:a16="http://schemas.microsoft.com/office/drawing/2014/main" id="{30CC1BC7-4ADD-4993-AD04-6D93231E815A}"/>
+              </a:ext>
+            </a:extLst>
+          </p:cNvPr>
+          <p:cNvCxnSpPr>
+            <a:stCxn id="23" idx="5"/>
+          </p:cNvCxnSpPr>
+          <p:nvPr/>
+        </p:nvCxnSpPr>
+        <p:spPr>
+          <a:xfrm>
+            <a:off x="2640675" y="4359409"/>
+            <a:ext cx="611450" cy="543715"/>
+          </a:xfrm>
+          <a:prstGeom prst="line">
+            <a:avLst/>
+          </a:prstGeom>
+        </p:spPr>
+        <p:style>
+          <a:lnRef idx="1">
+            <a:schemeClr val="accent1"/>
+          </a:lnRef>
+          <a:fillRef idx="0">
+            <a:schemeClr val="accent1"/>
+          </a:fillRef>
+          <a:effectRef idx="0">
+            <a:schemeClr val="accent1"/>
+          </a:effectRef>
+          <a:fontRef idx="minor">
+            <a:schemeClr val="tx1"/>
+          </a:fontRef>
+        </p:style>
+      </p:cxnSp>
     </p:spTree>
     <p:extLst>
       <p:ext uri="{BB962C8B-B14F-4D97-AF65-F5344CB8AC3E}">
@@ -12557,6 +18346,1720 @@
           <a:chExt cx="0" cy="0"/>
         </a:xfrm>
       </p:grpSpPr>
+      <p:sp>
+        <p:nvSpPr>
+          <p:cNvPr id="2" name="타원 1">
+            <a:extLst>
+              <a:ext uri="{FF2B5EF4-FFF2-40B4-BE49-F238E27FC236}">
+                <a16:creationId xmlns:a16="http://schemas.microsoft.com/office/drawing/2014/main" id="{1950335F-6A4E-498F-AAFF-016F44B50C94}"/>
+              </a:ext>
+            </a:extLst>
+          </p:cNvPr>
+          <p:cNvSpPr/>
+          <p:nvPr/>
+        </p:nvSpPr>
+        <p:spPr>
+          <a:xfrm>
+            <a:off x="4995334" y="914401"/>
+            <a:ext cx="931333" cy="931333"/>
+          </a:xfrm>
+          <a:prstGeom prst="ellipse">
+            <a:avLst/>
+          </a:prstGeom>
+        </p:spPr>
+        <p:style>
+          <a:lnRef idx="2">
+            <a:schemeClr val="dk1"/>
+          </a:lnRef>
+          <a:fillRef idx="1">
+            <a:schemeClr val="lt1"/>
+          </a:fillRef>
+          <a:effectRef idx="0">
+            <a:schemeClr val="dk1"/>
+          </a:effectRef>
+          <a:fontRef idx="minor">
+            <a:schemeClr val="dk1"/>
+          </a:fontRef>
+        </p:style>
+        <p:txBody>
+          <a:bodyPr rtlCol="0" anchor="ctr"/>
+          <a:lstStyle/>
+          <a:p>
+            <a:pPr algn="ctr"/>
+            <a:r>
+              <a:rPr lang="en-US" altLang="ko-KR" sz="4400" dirty="0">
+                <a:latin typeface="Arial Black" panose="020B0A04020102020204" pitchFamily="34" charset="0"/>
+              </a:rPr>
+              <a:t>A</a:t>
+            </a:r>
+            <a:endParaRPr lang="ko-KR" altLang="en-US" sz="4400" dirty="0">
+              <a:latin typeface="Arial Black" panose="020B0A04020102020204" pitchFamily="34" charset="0"/>
+            </a:endParaRPr>
+          </a:p>
+        </p:txBody>
+      </p:sp>
+      <p:sp>
+        <p:nvSpPr>
+          <p:cNvPr id="3" name="타원 2">
+            <a:extLst>
+              <a:ext uri="{FF2B5EF4-FFF2-40B4-BE49-F238E27FC236}">
+                <a16:creationId xmlns:a16="http://schemas.microsoft.com/office/drawing/2014/main" id="{979DB6E2-4468-433D-BA60-6CCF75BC2D8B}"/>
+              </a:ext>
+            </a:extLst>
+          </p:cNvPr>
+          <p:cNvSpPr/>
+          <p:nvPr/>
+        </p:nvSpPr>
+        <p:spPr>
+          <a:xfrm>
+            <a:off x="2777066" y="2362201"/>
+            <a:ext cx="931333" cy="931333"/>
+          </a:xfrm>
+          <a:prstGeom prst="ellipse">
+            <a:avLst/>
+          </a:prstGeom>
+        </p:spPr>
+        <p:style>
+          <a:lnRef idx="2">
+            <a:schemeClr val="dk1"/>
+          </a:lnRef>
+          <a:fillRef idx="1">
+            <a:schemeClr val="lt1"/>
+          </a:fillRef>
+          <a:effectRef idx="0">
+            <a:schemeClr val="dk1"/>
+          </a:effectRef>
+          <a:fontRef idx="minor">
+            <a:schemeClr val="dk1"/>
+          </a:fontRef>
+        </p:style>
+        <p:txBody>
+          <a:bodyPr rtlCol="0" anchor="ctr"/>
+          <a:lstStyle/>
+          <a:p>
+            <a:pPr algn="ctr"/>
+            <a:r>
+              <a:rPr lang="en-US" altLang="ko-KR" sz="4400" dirty="0">
+                <a:latin typeface="Arial Black" panose="020B0A04020102020204" pitchFamily="34" charset="0"/>
+              </a:rPr>
+              <a:t>B</a:t>
+            </a:r>
+            <a:endParaRPr lang="ko-KR" altLang="en-US" sz="4400" dirty="0">
+              <a:latin typeface="Arial Black" panose="020B0A04020102020204" pitchFamily="34" charset="0"/>
+            </a:endParaRPr>
+          </a:p>
+        </p:txBody>
+      </p:sp>
+      <p:sp>
+        <p:nvSpPr>
+          <p:cNvPr id="4" name="타원 3">
+            <a:extLst>
+              <a:ext uri="{FF2B5EF4-FFF2-40B4-BE49-F238E27FC236}">
+                <a16:creationId xmlns:a16="http://schemas.microsoft.com/office/drawing/2014/main" id="{737059AD-A857-448B-940E-361816E62020}"/>
+              </a:ext>
+            </a:extLst>
+          </p:cNvPr>
+          <p:cNvSpPr/>
+          <p:nvPr/>
+        </p:nvSpPr>
+        <p:spPr>
+          <a:xfrm>
+            <a:off x="4978401" y="2362200"/>
+            <a:ext cx="931333" cy="931333"/>
+          </a:xfrm>
+          <a:prstGeom prst="ellipse">
+            <a:avLst/>
+          </a:prstGeom>
+        </p:spPr>
+        <p:style>
+          <a:lnRef idx="2">
+            <a:schemeClr val="dk1"/>
+          </a:lnRef>
+          <a:fillRef idx="1">
+            <a:schemeClr val="lt1"/>
+          </a:fillRef>
+          <a:effectRef idx="0">
+            <a:schemeClr val="dk1"/>
+          </a:effectRef>
+          <a:fontRef idx="minor">
+            <a:schemeClr val="dk1"/>
+          </a:fontRef>
+        </p:style>
+        <p:txBody>
+          <a:bodyPr rtlCol="0" anchor="ctr"/>
+          <a:lstStyle/>
+          <a:p>
+            <a:pPr algn="ctr"/>
+            <a:r>
+              <a:rPr lang="en-US" altLang="ko-KR" sz="4400" dirty="0">
+                <a:latin typeface="Arial Black" panose="020B0A04020102020204" pitchFamily="34" charset="0"/>
+              </a:rPr>
+              <a:t>C</a:t>
+            </a:r>
+            <a:endParaRPr lang="ko-KR" altLang="en-US" sz="4400" dirty="0">
+              <a:latin typeface="Arial Black" panose="020B0A04020102020204" pitchFamily="34" charset="0"/>
+            </a:endParaRPr>
+          </a:p>
+        </p:txBody>
+      </p:sp>
+      <p:sp>
+        <p:nvSpPr>
+          <p:cNvPr id="5" name="타원 4">
+            <a:extLst>
+              <a:ext uri="{FF2B5EF4-FFF2-40B4-BE49-F238E27FC236}">
+                <a16:creationId xmlns:a16="http://schemas.microsoft.com/office/drawing/2014/main" id="{A04EF488-8844-4080-8155-ABC7E6007D13}"/>
+              </a:ext>
+            </a:extLst>
+          </p:cNvPr>
+          <p:cNvSpPr/>
+          <p:nvPr/>
+        </p:nvSpPr>
+        <p:spPr>
+          <a:xfrm>
+            <a:off x="7565903" y="2362200"/>
+            <a:ext cx="931333" cy="931333"/>
+          </a:xfrm>
+          <a:prstGeom prst="ellipse">
+            <a:avLst/>
+          </a:prstGeom>
+        </p:spPr>
+        <p:style>
+          <a:lnRef idx="2">
+            <a:schemeClr val="dk1"/>
+          </a:lnRef>
+          <a:fillRef idx="1">
+            <a:schemeClr val="lt1"/>
+          </a:fillRef>
+          <a:effectRef idx="0">
+            <a:schemeClr val="dk1"/>
+          </a:effectRef>
+          <a:fontRef idx="minor">
+            <a:schemeClr val="dk1"/>
+          </a:fontRef>
+        </p:style>
+        <p:txBody>
+          <a:bodyPr rtlCol="0" anchor="ctr"/>
+          <a:lstStyle/>
+          <a:p>
+            <a:pPr algn="ctr"/>
+            <a:r>
+              <a:rPr lang="en-US" altLang="ko-KR" sz="4400" dirty="0">
+                <a:latin typeface="Arial Black" panose="020B0A04020102020204" pitchFamily="34" charset="0"/>
+              </a:rPr>
+              <a:t>D</a:t>
+            </a:r>
+            <a:endParaRPr lang="ko-KR" altLang="en-US" sz="4400" dirty="0">
+              <a:latin typeface="Arial Black" panose="020B0A04020102020204" pitchFamily="34" charset="0"/>
+            </a:endParaRPr>
+          </a:p>
+        </p:txBody>
+      </p:sp>
+      <p:cxnSp>
+        <p:nvCxnSpPr>
+          <p:cNvPr id="6" name="직선 연결선 5">
+            <a:extLst>
+              <a:ext uri="{FF2B5EF4-FFF2-40B4-BE49-F238E27FC236}">
+                <a16:creationId xmlns:a16="http://schemas.microsoft.com/office/drawing/2014/main" id="{34DC561D-FD7A-4B3B-AB5D-722E119163BB}"/>
+              </a:ext>
+            </a:extLst>
+          </p:cNvPr>
+          <p:cNvCxnSpPr>
+            <a:stCxn id="3" idx="7"/>
+            <a:endCxn id="2" idx="3"/>
+          </p:cNvCxnSpPr>
+          <p:nvPr/>
+        </p:nvCxnSpPr>
+        <p:spPr>
+          <a:xfrm flipV="1">
+            <a:off x="3572008" y="1709343"/>
+            <a:ext cx="1559717" cy="789249"/>
+          </a:xfrm>
+          <a:prstGeom prst="line">
+            <a:avLst/>
+          </a:prstGeom>
+        </p:spPr>
+        <p:style>
+          <a:lnRef idx="1">
+            <a:schemeClr val="accent1"/>
+          </a:lnRef>
+          <a:fillRef idx="0">
+            <a:schemeClr val="accent1"/>
+          </a:fillRef>
+          <a:effectRef idx="0">
+            <a:schemeClr val="accent1"/>
+          </a:effectRef>
+          <a:fontRef idx="minor">
+            <a:schemeClr val="tx1"/>
+          </a:fontRef>
+        </p:style>
+      </p:cxnSp>
+      <p:cxnSp>
+        <p:nvCxnSpPr>
+          <p:cNvPr id="7" name="직선 연결선 6">
+            <a:extLst>
+              <a:ext uri="{FF2B5EF4-FFF2-40B4-BE49-F238E27FC236}">
+                <a16:creationId xmlns:a16="http://schemas.microsoft.com/office/drawing/2014/main" id="{D0684147-36AC-4A83-81A1-F8C54F3294A3}"/>
+              </a:ext>
+            </a:extLst>
+          </p:cNvPr>
+          <p:cNvCxnSpPr>
+            <a:stCxn id="4" idx="0"/>
+            <a:endCxn id="2" idx="4"/>
+          </p:cNvCxnSpPr>
+          <p:nvPr/>
+        </p:nvCxnSpPr>
+        <p:spPr>
+          <a:xfrm flipV="1">
+            <a:off x="5444068" y="1845734"/>
+            <a:ext cx="16933" cy="516466"/>
+          </a:xfrm>
+          <a:prstGeom prst="line">
+            <a:avLst/>
+          </a:prstGeom>
+        </p:spPr>
+        <p:style>
+          <a:lnRef idx="1">
+            <a:schemeClr val="accent1"/>
+          </a:lnRef>
+          <a:fillRef idx="0">
+            <a:schemeClr val="accent1"/>
+          </a:fillRef>
+          <a:effectRef idx="0">
+            <a:schemeClr val="accent1"/>
+          </a:effectRef>
+          <a:fontRef idx="minor">
+            <a:schemeClr val="tx1"/>
+          </a:fontRef>
+        </p:style>
+      </p:cxnSp>
+      <p:cxnSp>
+        <p:nvCxnSpPr>
+          <p:cNvPr id="8" name="직선 연결선 7">
+            <a:extLst>
+              <a:ext uri="{FF2B5EF4-FFF2-40B4-BE49-F238E27FC236}">
+                <a16:creationId xmlns:a16="http://schemas.microsoft.com/office/drawing/2014/main" id="{6A625DD0-2444-4056-9187-80038E1DBBCD}"/>
+              </a:ext>
+            </a:extLst>
+          </p:cNvPr>
+          <p:cNvCxnSpPr>
+            <a:stCxn id="5" idx="1"/>
+            <a:endCxn id="2" idx="5"/>
+          </p:cNvCxnSpPr>
+          <p:nvPr/>
+        </p:nvCxnSpPr>
+        <p:spPr>
+          <a:xfrm flipH="1" flipV="1">
+            <a:off x="5790276" y="1709343"/>
+            <a:ext cx="1912018" cy="789248"/>
+          </a:xfrm>
+          <a:prstGeom prst="line">
+            <a:avLst/>
+          </a:prstGeom>
+        </p:spPr>
+        <p:style>
+          <a:lnRef idx="1">
+            <a:schemeClr val="accent1"/>
+          </a:lnRef>
+          <a:fillRef idx="0">
+            <a:schemeClr val="accent1"/>
+          </a:fillRef>
+          <a:effectRef idx="0">
+            <a:schemeClr val="accent1"/>
+          </a:effectRef>
+          <a:fontRef idx="minor">
+            <a:schemeClr val="tx1"/>
+          </a:fontRef>
+        </p:style>
+      </p:cxnSp>
+      <p:sp>
+        <p:nvSpPr>
+          <p:cNvPr id="9" name="타원 8">
+            <a:extLst>
+              <a:ext uri="{FF2B5EF4-FFF2-40B4-BE49-F238E27FC236}">
+                <a16:creationId xmlns:a16="http://schemas.microsoft.com/office/drawing/2014/main" id="{4224BC8F-03FB-4AD0-A24A-8346CD4F6DD5}"/>
+              </a:ext>
+            </a:extLst>
+          </p:cNvPr>
+          <p:cNvSpPr/>
+          <p:nvPr/>
+        </p:nvSpPr>
+        <p:spPr>
+          <a:xfrm>
+            <a:off x="1845733" y="3564467"/>
+            <a:ext cx="931333" cy="931333"/>
+          </a:xfrm>
+          <a:prstGeom prst="ellipse">
+            <a:avLst/>
+          </a:prstGeom>
+        </p:spPr>
+        <p:style>
+          <a:lnRef idx="2">
+            <a:schemeClr val="dk1"/>
+          </a:lnRef>
+          <a:fillRef idx="1">
+            <a:schemeClr val="lt1"/>
+          </a:fillRef>
+          <a:effectRef idx="0">
+            <a:schemeClr val="dk1"/>
+          </a:effectRef>
+          <a:fontRef idx="minor">
+            <a:schemeClr val="dk1"/>
+          </a:fontRef>
+        </p:style>
+        <p:txBody>
+          <a:bodyPr rtlCol="0" anchor="ctr"/>
+          <a:lstStyle/>
+          <a:p>
+            <a:pPr algn="ctr"/>
+            <a:r>
+              <a:rPr lang="en-US" altLang="ko-KR" sz="4400" dirty="0">
+                <a:latin typeface="Arial Black" panose="020B0A04020102020204" pitchFamily="34" charset="0"/>
+              </a:rPr>
+              <a:t>E</a:t>
+            </a:r>
+            <a:endParaRPr lang="ko-KR" altLang="en-US" sz="4400" dirty="0">
+              <a:latin typeface="Arial Black" panose="020B0A04020102020204" pitchFamily="34" charset="0"/>
+            </a:endParaRPr>
+          </a:p>
+        </p:txBody>
+      </p:sp>
+      <p:sp>
+        <p:nvSpPr>
+          <p:cNvPr id="10" name="타원 9">
+            <a:extLst>
+              <a:ext uri="{FF2B5EF4-FFF2-40B4-BE49-F238E27FC236}">
+                <a16:creationId xmlns:a16="http://schemas.microsoft.com/office/drawing/2014/main" id="{2B66DA7A-D8C3-43AA-9000-2BA659125506}"/>
+              </a:ext>
+            </a:extLst>
+          </p:cNvPr>
+          <p:cNvSpPr/>
+          <p:nvPr/>
+        </p:nvSpPr>
+        <p:spPr>
+          <a:xfrm>
+            <a:off x="3572008" y="3564467"/>
+            <a:ext cx="931333" cy="931333"/>
+          </a:xfrm>
+          <a:prstGeom prst="ellipse">
+            <a:avLst/>
+          </a:prstGeom>
+        </p:spPr>
+        <p:style>
+          <a:lnRef idx="2">
+            <a:schemeClr val="dk1"/>
+          </a:lnRef>
+          <a:fillRef idx="1">
+            <a:schemeClr val="lt1"/>
+          </a:fillRef>
+          <a:effectRef idx="0">
+            <a:schemeClr val="dk1"/>
+          </a:effectRef>
+          <a:fontRef idx="minor">
+            <a:schemeClr val="dk1"/>
+          </a:fontRef>
+        </p:style>
+        <p:txBody>
+          <a:bodyPr rtlCol="0" anchor="ctr"/>
+          <a:lstStyle/>
+          <a:p>
+            <a:pPr algn="ctr"/>
+            <a:r>
+              <a:rPr lang="en-US" altLang="ko-KR" sz="4400" dirty="0">
+                <a:latin typeface="Arial Black" panose="020B0A04020102020204" pitchFamily="34" charset="0"/>
+              </a:rPr>
+              <a:t>F</a:t>
+            </a:r>
+            <a:endParaRPr lang="ko-KR" altLang="en-US" sz="4400" dirty="0">
+              <a:latin typeface="Arial Black" panose="020B0A04020102020204" pitchFamily="34" charset="0"/>
+            </a:endParaRPr>
+          </a:p>
+        </p:txBody>
+      </p:sp>
+      <p:sp>
+        <p:nvSpPr>
+          <p:cNvPr id="11" name="타원 10">
+            <a:extLst>
+              <a:ext uri="{FF2B5EF4-FFF2-40B4-BE49-F238E27FC236}">
+                <a16:creationId xmlns:a16="http://schemas.microsoft.com/office/drawing/2014/main" id="{765CF78C-A520-4B5A-BA46-2DF9F8B44804}"/>
+              </a:ext>
+            </a:extLst>
+          </p:cNvPr>
+          <p:cNvSpPr/>
+          <p:nvPr/>
+        </p:nvSpPr>
+        <p:spPr>
+          <a:xfrm>
+            <a:off x="914400" y="4893733"/>
+            <a:ext cx="931333" cy="931333"/>
+          </a:xfrm>
+          <a:prstGeom prst="ellipse">
+            <a:avLst/>
+          </a:prstGeom>
+        </p:spPr>
+        <p:style>
+          <a:lnRef idx="2">
+            <a:schemeClr val="dk1"/>
+          </a:lnRef>
+          <a:fillRef idx="1">
+            <a:schemeClr val="lt1"/>
+          </a:fillRef>
+          <a:effectRef idx="0">
+            <a:schemeClr val="dk1"/>
+          </a:effectRef>
+          <a:fontRef idx="minor">
+            <a:schemeClr val="dk1"/>
+          </a:fontRef>
+        </p:style>
+        <p:txBody>
+          <a:bodyPr rtlCol="0" anchor="ctr"/>
+          <a:lstStyle/>
+          <a:p>
+            <a:pPr algn="ctr"/>
+            <a:r>
+              <a:rPr lang="en-US" altLang="ko-KR" sz="4400" dirty="0">
+                <a:latin typeface="Arial Black" panose="020B0A04020102020204" pitchFamily="34" charset="0"/>
+              </a:rPr>
+              <a:t>K</a:t>
+            </a:r>
+            <a:endParaRPr lang="ko-KR" altLang="en-US" sz="4400" dirty="0">
+              <a:latin typeface="Arial Black" panose="020B0A04020102020204" pitchFamily="34" charset="0"/>
+            </a:endParaRPr>
+          </a:p>
+        </p:txBody>
+      </p:sp>
+      <p:sp>
+        <p:nvSpPr>
+          <p:cNvPr id="12" name="타원 11">
+            <a:extLst>
+              <a:ext uri="{FF2B5EF4-FFF2-40B4-BE49-F238E27FC236}">
+                <a16:creationId xmlns:a16="http://schemas.microsoft.com/office/drawing/2014/main" id="{6B0C88F4-8495-451A-B0D1-E47CB7A82A5C}"/>
+              </a:ext>
+            </a:extLst>
+          </p:cNvPr>
+          <p:cNvSpPr/>
+          <p:nvPr/>
+        </p:nvSpPr>
+        <p:spPr>
+          <a:xfrm>
+            <a:off x="2810007" y="4876800"/>
+            <a:ext cx="931333" cy="931333"/>
+          </a:xfrm>
+          <a:prstGeom prst="ellipse">
+            <a:avLst/>
+          </a:prstGeom>
+        </p:spPr>
+        <p:style>
+          <a:lnRef idx="2">
+            <a:schemeClr val="dk1"/>
+          </a:lnRef>
+          <a:fillRef idx="1">
+            <a:schemeClr val="lt1"/>
+          </a:fillRef>
+          <a:effectRef idx="0">
+            <a:schemeClr val="dk1"/>
+          </a:effectRef>
+          <a:fontRef idx="minor">
+            <a:schemeClr val="dk1"/>
+          </a:fontRef>
+        </p:style>
+        <p:txBody>
+          <a:bodyPr rtlCol="0" anchor="ctr"/>
+          <a:lstStyle/>
+          <a:p>
+            <a:pPr algn="ctr"/>
+            <a:r>
+              <a:rPr lang="en-US" altLang="ko-KR" sz="4400" dirty="0">
+                <a:latin typeface="Arial Black" panose="020B0A04020102020204" pitchFamily="34" charset="0"/>
+              </a:rPr>
+              <a:t>L</a:t>
+            </a:r>
+            <a:endParaRPr lang="ko-KR" altLang="en-US" sz="4400" dirty="0">
+              <a:latin typeface="Arial Black" panose="020B0A04020102020204" pitchFamily="34" charset="0"/>
+            </a:endParaRPr>
+          </a:p>
+        </p:txBody>
+      </p:sp>
+      <p:sp>
+        <p:nvSpPr>
+          <p:cNvPr id="13" name="타원 12">
+            <a:extLst>
+              <a:ext uri="{FF2B5EF4-FFF2-40B4-BE49-F238E27FC236}">
+                <a16:creationId xmlns:a16="http://schemas.microsoft.com/office/drawing/2014/main" id="{E45CDBC4-AB9B-4A73-B553-401A6FB0C71A}"/>
+              </a:ext>
+            </a:extLst>
+          </p:cNvPr>
+          <p:cNvSpPr/>
+          <p:nvPr/>
+        </p:nvSpPr>
+        <p:spPr>
+          <a:xfrm>
+            <a:off x="4978400" y="3564467"/>
+            <a:ext cx="931333" cy="931333"/>
+          </a:xfrm>
+          <a:prstGeom prst="ellipse">
+            <a:avLst/>
+          </a:prstGeom>
+        </p:spPr>
+        <p:style>
+          <a:lnRef idx="2">
+            <a:schemeClr val="dk1"/>
+          </a:lnRef>
+          <a:fillRef idx="1">
+            <a:schemeClr val="lt1"/>
+          </a:fillRef>
+          <a:effectRef idx="0">
+            <a:schemeClr val="dk1"/>
+          </a:effectRef>
+          <a:fontRef idx="minor">
+            <a:schemeClr val="dk1"/>
+          </a:fontRef>
+        </p:style>
+        <p:txBody>
+          <a:bodyPr rtlCol="0" anchor="ctr"/>
+          <a:lstStyle/>
+          <a:p>
+            <a:pPr algn="ctr"/>
+            <a:r>
+              <a:rPr lang="en-US" altLang="ko-KR" sz="4400" dirty="0">
+                <a:latin typeface="Arial Black" panose="020B0A04020102020204" pitchFamily="34" charset="0"/>
+              </a:rPr>
+              <a:t>G</a:t>
+            </a:r>
+            <a:endParaRPr lang="ko-KR" altLang="en-US" sz="4400" dirty="0">
+              <a:latin typeface="Arial Black" panose="020B0A04020102020204" pitchFamily="34" charset="0"/>
+            </a:endParaRPr>
+          </a:p>
+        </p:txBody>
+      </p:sp>
+      <p:sp>
+        <p:nvSpPr>
+          <p:cNvPr id="14" name="타원 13">
+            <a:extLst>
+              <a:ext uri="{FF2B5EF4-FFF2-40B4-BE49-F238E27FC236}">
+                <a16:creationId xmlns:a16="http://schemas.microsoft.com/office/drawing/2014/main" id="{6C66C23B-3F7A-4567-B061-596A71E0EA55}"/>
+              </a:ext>
+            </a:extLst>
+          </p:cNvPr>
+          <p:cNvSpPr/>
+          <p:nvPr/>
+        </p:nvSpPr>
+        <p:spPr>
+          <a:xfrm>
+            <a:off x="6381263" y="3547530"/>
+            <a:ext cx="931333" cy="931333"/>
+          </a:xfrm>
+          <a:prstGeom prst="ellipse">
+            <a:avLst/>
+          </a:prstGeom>
+        </p:spPr>
+        <p:style>
+          <a:lnRef idx="2">
+            <a:schemeClr val="dk1"/>
+          </a:lnRef>
+          <a:fillRef idx="1">
+            <a:schemeClr val="lt1"/>
+          </a:fillRef>
+          <a:effectRef idx="0">
+            <a:schemeClr val="dk1"/>
+          </a:effectRef>
+          <a:fontRef idx="minor">
+            <a:schemeClr val="dk1"/>
+          </a:fontRef>
+        </p:style>
+        <p:txBody>
+          <a:bodyPr rtlCol="0" anchor="ctr"/>
+          <a:lstStyle/>
+          <a:p>
+            <a:pPr algn="ctr"/>
+            <a:r>
+              <a:rPr lang="en-US" altLang="ko-KR" sz="4400" dirty="0">
+                <a:latin typeface="Arial Black" panose="020B0A04020102020204" pitchFamily="34" charset="0"/>
+              </a:rPr>
+              <a:t>H</a:t>
+            </a:r>
+            <a:endParaRPr lang="ko-KR" altLang="en-US" sz="4400" dirty="0">
+              <a:latin typeface="Arial Black" panose="020B0A04020102020204" pitchFamily="34" charset="0"/>
+            </a:endParaRPr>
+          </a:p>
+        </p:txBody>
+      </p:sp>
+      <p:sp>
+        <p:nvSpPr>
+          <p:cNvPr id="15" name="타원 14">
+            <a:extLst>
+              <a:ext uri="{FF2B5EF4-FFF2-40B4-BE49-F238E27FC236}">
+                <a16:creationId xmlns:a16="http://schemas.microsoft.com/office/drawing/2014/main" id="{9F692E31-3661-4627-B2E9-6E37D106D1F3}"/>
+              </a:ext>
+            </a:extLst>
+          </p:cNvPr>
+          <p:cNvSpPr/>
+          <p:nvPr/>
+        </p:nvSpPr>
+        <p:spPr>
+          <a:xfrm>
+            <a:off x="7580987" y="3547529"/>
+            <a:ext cx="931333" cy="931333"/>
+          </a:xfrm>
+          <a:prstGeom prst="ellipse">
+            <a:avLst/>
+          </a:prstGeom>
+        </p:spPr>
+        <p:style>
+          <a:lnRef idx="2">
+            <a:schemeClr val="dk1"/>
+          </a:lnRef>
+          <a:fillRef idx="1">
+            <a:schemeClr val="lt1"/>
+          </a:fillRef>
+          <a:effectRef idx="0">
+            <a:schemeClr val="dk1"/>
+          </a:effectRef>
+          <a:fontRef idx="minor">
+            <a:schemeClr val="dk1"/>
+          </a:fontRef>
+        </p:style>
+        <p:txBody>
+          <a:bodyPr rtlCol="0" anchor="ctr"/>
+          <a:lstStyle/>
+          <a:p>
+            <a:pPr algn="ctr"/>
+            <a:r>
+              <a:rPr lang="en-US" altLang="ko-KR" sz="4400" dirty="0">
+                <a:latin typeface="Arial Black" panose="020B0A04020102020204" pitchFamily="34" charset="0"/>
+              </a:rPr>
+              <a:t>I</a:t>
+            </a:r>
+            <a:endParaRPr lang="ko-KR" altLang="en-US" sz="4400" dirty="0">
+              <a:latin typeface="Arial Black" panose="020B0A04020102020204" pitchFamily="34" charset="0"/>
+            </a:endParaRPr>
+          </a:p>
+        </p:txBody>
+      </p:sp>
+      <p:sp>
+        <p:nvSpPr>
+          <p:cNvPr id="16" name="타원 15">
+            <a:extLst>
+              <a:ext uri="{FF2B5EF4-FFF2-40B4-BE49-F238E27FC236}">
+                <a16:creationId xmlns:a16="http://schemas.microsoft.com/office/drawing/2014/main" id="{7A223F1E-6F8B-4DC9-96EF-2FC29E35F5E6}"/>
+              </a:ext>
+            </a:extLst>
+          </p:cNvPr>
+          <p:cNvSpPr/>
+          <p:nvPr/>
+        </p:nvSpPr>
+        <p:spPr>
+          <a:xfrm>
+            <a:off x="8906010" y="3564466"/>
+            <a:ext cx="931333" cy="931333"/>
+          </a:xfrm>
+          <a:prstGeom prst="ellipse">
+            <a:avLst/>
+          </a:prstGeom>
+        </p:spPr>
+        <p:style>
+          <a:lnRef idx="2">
+            <a:schemeClr val="dk1"/>
+          </a:lnRef>
+          <a:fillRef idx="1">
+            <a:schemeClr val="lt1"/>
+          </a:fillRef>
+          <a:effectRef idx="0">
+            <a:schemeClr val="dk1"/>
+          </a:effectRef>
+          <a:fontRef idx="minor">
+            <a:schemeClr val="dk1"/>
+          </a:fontRef>
+        </p:style>
+        <p:txBody>
+          <a:bodyPr rtlCol="0" anchor="ctr"/>
+          <a:lstStyle/>
+          <a:p>
+            <a:pPr algn="ctr"/>
+            <a:r>
+              <a:rPr lang="en-US" altLang="ko-KR" sz="4400" dirty="0">
+                <a:latin typeface="Arial Black" panose="020B0A04020102020204" pitchFamily="34" charset="0"/>
+              </a:rPr>
+              <a:t>J</a:t>
+            </a:r>
+            <a:endParaRPr lang="ko-KR" altLang="en-US" sz="4400" dirty="0">
+              <a:latin typeface="Arial Black" panose="020B0A04020102020204" pitchFamily="34" charset="0"/>
+            </a:endParaRPr>
+          </a:p>
+        </p:txBody>
+      </p:sp>
+      <p:sp>
+        <p:nvSpPr>
+          <p:cNvPr id="17" name="타원 16">
+            <a:extLst>
+              <a:ext uri="{FF2B5EF4-FFF2-40B4-BE49-F238E27FC236}">
+                <a16:creationId xmlns:a16="http://schemas.microsoft.com/office/drawing/2014/main" id="{478FEA89-1AE9-4260-A77B-F3B65B35DF56}"/>
+              </a:ext>
+            </a:extLst>
+          </p:cNvPr>
+          <p:cNvSpPr/>
+          <p:nvPr/>
+        </p:nvSpPr>
+        <p:spPr>
+          <a:xfrm>
+            <a:off x="6381263" y="4876800"/>
+            <a:ext cx="931333" cy="931333"/>
+          </a:xfrm>
+          <a:prstGeom prst="ellipse">
+            <a:avLst/>
+          </a:prstGeom>
+        </p:spPr>
+        <p:style>
+          <a:lnRef idx="2">
+            <a:schemeClr val="dk1"/>
+          </a:lnRef>
+          <a:fillRef idx="1">
+            <a:schemeClr val="lt1"/>
+          </a:fillRef>
+          <a:effectRef idx="0">
+            <a:schemeClr val="dk1"/>
+          </a:effectRef>
+          <a:fontRef idx="minor">
+            <a:schemeClr val="dk1"/>
+          </a:fontRef>
+        </p:style>
+        <p:txBody>
+          <a:bodyPr rtlCol="0" anchor="ctr"/>
+          <a:lstStyle/>
+          <a:p>
+            <a:pPr algn="ctr"/>
+            <a:r>
+              <a:rPr lang="en-US" altLang="ko-KR" sz="4400" dirty="0">
+                <a:latin typeface="Arial Black" panose="020B0A04020102020204" pitchFamily="34" charset="0"/>
+              </a:rPr>
+              <a:t>M</a:t>
+            </a:r>
+            <a:endParaRPr lang="ko-KR" altLang="en-US" sz="4400" dirty="0">
+              <a:latin typeface="Arial Black" panose="020B0A04020102020204" pitchFamily="34" charset="0"/>
+            </a:endParaRPr>
+          </a:p>
+        </p:txBody>
+      </p:sp>
+      <p:cxnSp>
+        <p:nvCxnSpPr>
+          <p:cNvPr id="18" name="직선 연결선 17">
+            <a:extLst>
+              <a:ext uri="{FF2B5EF4-FFF2-40B4-BE49-F238E27FC236}">
+                <a16:creationId xmlns:a16="http://schemas.microsoft.com/office/drawing/2014/main" id="{EE42C5F8-C732-42B4-8C04-97FA6A04C1C6}"/>
+              </a:ext>
+            </a:extLst>
+          </p:cNvPr>
+          <p:cNvCxnSpPr>
+            <a:stCxn id="3" idx="3"/>
+            <a:endCxn id="9" idx="7"/>
+          </p:cNvCxnSpPr>
+          <p:nvPr/>
+        </p:nvCxnSpPr>
+        <p:spPr>
+          <a:xfrm flipH="1">
+            <a:off x="2640675" y="3157143"/>
+            <a:ext cx="272782" cy="543715"/>
+          </a:xfrm>
+          <a:prstGeom prst="line">
+            <a:avLst/>
+          </a:prstGeom>
+        </p:spPr>
+        <p:style>
+          <a:lnRef idx="1">
+            <a:schemeClr val="accent1"/>
+          </a:lnRef>
+          <a:fillRef idx="0">
+            <a:schemeClr val="accent1"/>
+          </a:fillRef>
+          <a:effectRef idx="0">
+            <a:schemeClr val="accent1"/>
+          </a:effectRef>
+          <a:fontRef idx="minor">
+            <a:schemeClr val="tx1"/>
+          </a:fontRef>
+        </p:style>
+      </p:cxnSp>
+      <p:cxnSp>
+        <p:nvCxnSpPr>
+          <p:cNvPr id="19" name="직선 연결선 18">
+            <a:extLst>
+              <a:ext uri="{FF2B5EF4-FFF2-40B4-BE49-F238E27FC236}">
+                <a16:creationId xmlns:a16="http://schemas.microsoft.com/office/drawing/2014/main" id="{53978054-AB44-47C7-A052-F420DB215695}"/>
+              </a:ext>
+            </a:extLst>
+          </p:cNvPr>
+          <p:cNvCxnSpPr>
+            <a:stCxn id="3" idx="5"/>
+            <a:endCxn id="10" idx="1"/>
+          </p:cNvCxnSpPr>
+          <p:nvPr/>
+        </p:nvCxnSpPr>
+        <p:spPr>
+          <a:xfrm>
+            <a:off x="3572008" y="3157143"/>
+            <a:ext cx="136391" cy="543715"/>
+          </a:xfrm>
+          <a:prstGeom prst="line">
+            <a:avLst/>
+          </a:prstGeom>
+        </p:spPr>
+        <p:style>
+          <a:lnRef idx="1">
+            <a:schemeClr val="accent1"/>
+          </a:lnRef>
+          <a:fillRef idx="0">
+            <a:schemeClr val="accent1"/>
+          </a:fillRef>
+          <a:effectRef idx="0">
+            <a:schemeClr val="accent1"/>
+          </a:effectRef>
+          <a:fontRef idx="minor">
+            <a:schemeClr val="tx1"/>
+          </a:fontRef>
+        </p:style>
+      </p:cxnSp>
+      <p:cxnSp>
+        <p:nvCxnSpPr>
+          <p:cNvPr id="20" name="직선 연결선 19">
+            <a:extLst>
+              <a:ext uri="{FF2B5EF4-FFF2-40B4-BE49-F238E27FC236}">
+                <a16:creationId xmlns:a16="http://schemas.microsoft.com/office/drawing/2014/main" id="{4D548F65-C301-407D-A2F7-C224416DF332}"/>
+              </a:ext>
+            </a:extLst>
+          </p:cNvPr>
+          <p:cNvCxnSpPr>
+            <a:stCxn id="4" idx="4"/>
+            <a:endCxn id="13" idx="0"/>
+          </p:cNvCxnSpPr>
+          <p:nvPr/>
+        </p:nvCxnSpPr>
+        <p:spPr>
+          <a:xfrm flipH="1">
+            <a:off x="5444067" y="3293533"/>
+            <a:ext cx="1" cy="270934"/>
+          </a:xfrm>
+          <a:prstGeom prst="line">
+            <a:avLst/>
+          </a:prstGeom>
+        </p:spPr>
+        <p:style>
+          <a:lnRef idx="1">
+            <a:schemeClr val="accent1"/>
+          </a:lnRef>
+          <a:fillRef idx="0">
+            <a:schemeClr val="accent1"/>
+          </a:fillRef>
+          <a:effectRef idx="0">
+            <a:schemeClr val="accent1"/>
+          </a:effectRef>
+          <a:fontRef idx="minor">
+            <a:schemeClr val="tx1"/>
+          </a:fontRef>
+        </p:style>
+      </p:cxnSp>
+      <p:cxnSp>
+        <p:nvCxnSpPr>
+          <p:cNvPr id="21" name="직선 연결선 20">
+            <a:extLst>
+              <a:ext uri="{FF2B5EF4-FFF2-40B4-BE49-F238E27FC236}">
+                <a16:creationId xmlns:a16="http://schemas.microsoft.com/office/drawing/2014/main" id="{964B78D3-01E0-4268-893C-A0ED03B6CBA2}"/>
+              </a:ext>
+            </a:extLst>
+          </p:cNvPr>
+          <p:cNvCxnSpPr>
+            <a:stCxn id="5" idx="3"/>
+            <a:endCxn id="14" idx="0"/>
+          </p:cNvCxnSpPr>
+          <p:nvPr/>
+        </p:nvCxnSpPr>
+        <p:spPr>
+          <a:xfrm flipH="1">
+            <a:off x="6846930" y="3157142"/>
+            <a:ext cx="855364" cy="390388"/>
+          </a:xfrm>
+          <a:prstGeom prst="line">
+            <a:avLst/>
+          </a:prstGeom>
+        </p:spPr>
+        <p:style>
+          <a:lnRef idx="1">
+            <a:schemeClr val="accent1"/>
+          </a:lnRef>
+          <a:fillRef idx="0">
+            <a:schemeClr val="accent1"/>
+          </a:fillRef>
+          <a:effectRef idx="0">
+            <a:schemeClr val="accent1"/>
+          </a:effectRef>
+          <a:fontRef idx="minor">
+            <a:schemeClr val="tx1"/>
+          </a:fontRef>
+        </p:style>
+      </p:cxnSp>
+      <p:cxnSp>
+        <p:nvCxnSpPr>
+          <p:cNvPr id="22" name="직선 연결선 21">
+            <a:extLst>
+              <a:ext uri="{FF2B5EF4-FFF2-40B4-BE49-F238E27FC236}">
+                <a16:creationId xmlns:a16="http://schemas.microsoft.com/office/drawing/2014/main" id="{5E334DA9-9A04-4255-A25D-A6B164D036AA}"/>
+              </a:ext>
+            </a:extLst>
+          </p:cNvPr>
+          <p:cNvCxnSpPr>
+            <a:stCxn id="5" idx="4"/>
+            <a:endCxn id="15" idx="0"/>
+          </p:cNvCxnSpPr>
+          <p:nvPr/>
+        </p:nvCxnSpPr>
+        <p:spPr>
+          <a:xfrm>
+            <a:off x="8031570" y="3293533"/>
+            <a:ext cx="15084" cy="253996"/>
+          </a:xfrm>
+          <a:prstGeom prst="line">
+            <a:avLst/>
+          </a:prstGeom>
+        </p:spPr>
+        <p:style>
+          <a:lnRef idx="1">
+            <a:schemeClr val="accent1"/>
+          </a:lnRef>
+          <a:fillRef idx="0">
+            <a:schemeClr val="accent1"/>
+          </a:fillRef>
+          <a:effectRef idx="0">
+            <a:schemeClr val="accent1"/>
+          </a:effectRef>
+          <a:fontRef idx="minor">
+            <a:schemeClr val="tx1"/>
+          </a:fontRef>
+        </p:style>
+      </p:cxnSp>
+      <p:cxnSp>
+        <p:nvCxnSpPr>
+          <p:cNvPr id="23" name="직선 연결선 22">
+            <a:extLst>
+              <a:ext uri="{FF2B5EF4-FFF2-40B4-BE49-F238E27FC236}">
+                <a16:creationId xmlns:a16="http://schemas.microsoft.com/office/drawing/2014/main" id="{FA202F9E-680A-4C85-BF18-F7F10CF04CB1}"/>
+              </a:ext>
+            </a:extLst>
+          </p:cNvPr>
+          <p:cNvCxnSpPr>
+            <a:cxnSpLocks/>
+            <a:stCxn id="5" idx="5"/>
+            <a:endCxn id="16" idx="0"/>
+          </p:cNvCxnSpPr>
+          <p:nvPr/>
+        </p:nvCxnSpPr>
+        <p:spPr>
+          <a:xfrm>
+            <a:off x="8360845" y="3157142"/>
+            <a:ext cx="1010832" cy="407324"/>
+          </a:xfrm>
+          <a:prstGeom prst="line">
+            <a:avLst/>
+          </a:prstGeom>
+        </p:spPr>
+        <p:style>
+          <a:lnRef idx="1">
+            <a:schemeClr val="accent1"/>
+          </a:lnRef>
+          <a:fillRef idx="0">
+            <a:schemeClr val="accent1"/>
+          </a:fillRef>
+          <a:effectRef idx="0">
+            <a:schemeClr val="accent1"/>
+          </a:effectRef>
+          <a:fontRef idx="minor">
+            <a:schemeClr val="tx1"/>
+          </a:fontRef>
+        </p:style>
+      </p:cxnSp>
+      <p:cxnSp>
+        <p:nvCxnSpPr>
+          <p:cNvPr id="24" name="직선 연결선 23">
+            <a:extLst>
+              <a:ext uri="{FF2B5EF4-FFF2-40B4-BE49-F238E27FC236}">
+                <a16:creationId xmlns:a16="http://schemas.microsoft.com/office/drawing/2014/main" id="{FF90B559-EDD3-4F14-87BA-97EEAEC5AC6C}"/>
+              </a:ext>
+            </a:extLst>
+          </p:cNvPr>
+          <p:cNvCxnSpPr>
+            <a:stCxn id="14" idx="4"/>
+            <a:endCxn id="17" idx="0"/>
+          </p:cNvCxnSpPr>
+          <p:nvPr/>
+        </p:nvCxnSpPr>
+        <p:spPr>
+          <a:xfrm>
+            <a:off x="6846930" y="4478863"/>
+            <a:ext cx="0" cy="397937"/>
+          </a:xfrm>
+          <a:prstGeom prst="line">
+            <a:avLst/>
+          </a:prstGeom>
+        </p:spPr>
+        <p:style>
+          <a:lnRef idx="1">
+            <a:schemeClr val="accent1"/>
+          </a:lnRef>
+          <a:fillRef idx="0">
+            <a:schemeClr val="accent1"/>
+          </a:fillRef>
+          <a:effectRef idx="0">
+            <a:schemeClr val="accent1"/>
+          </a:effectRef>
+          <a:fontRef idx="minor">
+            <a:schemeClr val="tx1"/>
+          </a:fontRef>
+        </p:style>
+      </p:cxnSp>
+      <p:cxnSp>
+        <p:nvCxnSpPr>
+          <p:cNvPr id="25" name="직선 연결선 24">
+            <a:extLst>
+              <a:ext uri="{FF2B5EF4-FFF2-40B4-BE49-F238E27FC236}">
+                <a16:creationId xmlns:a16="http://schemas.microsoft.com/office/drawing/2014/main" id="{126FFEA2-D1AE-493A-918C-223DEAA80ACF}"/>
+              </a:ext>
+            </a:extLst>
+          </p:cNvPr>
+          <p:cNvCxnSpPr>
+            <a:stCxn id="9" idx="3"/>
+            <a:endCxn id="11" idx="0"/>
+          </p:cNvCxnSpPr>
+          <p:nvPr/>
+        </p:nvCxnSpPr>
+        <p:spPr>
+          <a:xfrm flipH="1">
+            <a:off x="1380067" y="4359409"/>
+            <a:ext cx="602057" cy="534324"/>
+          </a:xfrm>
+          <a:prstGeom prst="line">
+            <a:avLst/>
+          </a:prstGeom>
+        </p:spPr>
+        <p:style>
+          <a:lnRef idx="1">
+            <a:schemeClr val="accent1"/>
+          </a:lnRef>
+          <a:fillRef idx="0">
+            <a:schemeClr val="accent1"/>
+          </a:fillRef>
+          <a:effectRef idx="0">
+            <a:schemeClr val="accent1"/>
+          </a:effectRef>
+          <a:fontRef idx="minor">
+            <a:schemeClr val="tx1"/>
+          </a:fontRef>
+        </p:style>
+      </p:cxnSp>
+      <p:cxnSp>
+        <p:nvCxnSpPr>
+          <p:cNvPr id="26" name="직선 연결선 25">
+            <a:extLst>
+              <a:ext uri="{FF2B5EF4-FFF2-40B4-BE49-F238E27FC236}">
+                <a16:creationId xmlns:a16="http://schemas.microsoft.com/office/drawing/2014/main" id="{0B694B51-BDC5-4C6B-8878-49BFA7F1F286}"/>
+              </a:ext>
+            </a:extLst>
+          </p:cNvPr>
+          <p:cNvCxnSpPr>
+            <a:stCxn id="9" idx="5"/>
+          </p:cNvCxnSpPr>
+          <p:nvPr/>
+        </p:nvCxnSpPr>
+        <p:spPr>
+          <a:xfrm>
+            <a:off x="2640675" y="4359409"/>
+            <a:ext cx="611450" cy="543715"/>
+          </a:xfrm>
+          <a:prstGeom prst="line">
+            <a:avLst/>
+          </a:prstGeom>
+        </p:spPr>
+        <p:style>
+          <a:lnRef idx="1">
+            <a:schemeClr val="accent1"/>
+          </a:lnRef>
+          <a:fillRef idx="0">
+            <a:schemeClr val="accent1"/>
+          </a:fillRef>
+          <a:effectRef idx="0">
+            <a:schemeClr val="accent1"/>
+          </a:effectRef>
+          <a:fontRef idx="minor">
+            <a:schemeClr val="tx1"/>
+          </a:fontRef>
+        </p:style>
+      </p:cxnSp>
+      <p:sp>
+        <p:nvSpPr>
+          <p:cNvPr id="28" name="타원 27">
+            <a:extLst>
+              <a:ext uri="{FF2B5EF4-FFF2-40B4-BE49-F238E27FC236}">
+                <a16:creationId xmlns:a16="http://schemas.microsoft.com/office/drawing/2014/main" id="{4E644717-30CB-477C-9AFB-30D05B47B29A}"/>
+              </a:ext>
+            </a:extLst>
+          </p:cNvPr>
+          <p:cNvSpPr/>
+          <p:nvPr/>
+        </p:nvSpPr>
+        <p:spPr>
+          <a:xfrm>
+            <a:off x="4114800" y="660400"/>
+            <a:ext cx="2945477" cy="1565409"/>
+          </a:xfrm>
+          <a:prstGeom prst="ellipse">
+            <a:avLst/>
+          </a:prstGeom>
+          <a:noFill/>
+          <a:ln>
+            <a:solidFill>
+              <a:schemeClr val="accent2"/>
+            </a:solidFill>
+          </a:ln>
+        </p:spPr>
+        <p:style>
+          <a:lnRef idx="2">
+            <a:schemeClr val="accent1">
+              <a:shade val="50000"/>
+            </a:schemeClr>
+          </a:lnRef>
+          <a:fillRef idx="1">
+            <a:schemeClr val="accent1"/>
+          </a:fillRef>
+          <a:effectRef idx="0">
+            <a:schemeClr val="accent1"/>
+          </a:effectRef>
+          <a:fontRef idx="minor">
+            <a:schemeClr val="lt1"/>
+          </a:fontRef>
+        </p:style>
+        <p:txBody>
+          <a:bodyPr rtlCol="0" anchor="ctr"/>
+          <a:lstStyle/>
+          <a:p>
+            <a:pPr algn="ctr"/>
+            <a:endParaRPr lang="ko-KR" altLang="en-US"/>
+          </a:p>
+        </p:txBody>
+      </p:sp>
+      <p:sp>
+        <p:nvSpPr>
+          <p:cNvPr id="29" name="타원 28">
+            <a:extLst>
+              <a:ext uri="{FF2B5EF4-FFF2-40B4-BE49-F238E27FC236}">
+                <a16:creationId xmlns:a16="http://schemas.microsoft.com/office/drawing/2014/main" id="{D69509D3-5963-42AE-BBD4-09FF99343351}"/>
+              </a:ext>
+            </a:extLst>
+          </p:cNvPr>
+          <p:cNvSpPr/>
+          <p:nvPr/>
+        </p:nvSpPr>
+        <p:spPr>
+          <a:xfrm>
+            <a:off x="761307" y="4677831"/>
+            <a:ext cx="1280084" cy="1473200"/>
+          </a:xfrm>
+          <a:prstGeom prst="ellipse">
+            <a:avLst/>
+          </a:prstGeom>
+          <a:noFill/>
+          <a:ln>
+            <a:solidFill>
+              <a:schemeClr val="accent6"/>
+            </a:solidFill>
+          </a:ln>
+        </p:spPr>
+        <p:style>
+          <a:lnRef idx="2">
+            <a:schemeClr val="accent1">
+              <a:shade val="50000"/>
+            </a:schemeClr>
+          </a:lnRef>
+          <a:fillRef idx="1">
+            <a:schemeClr val="accent1"/>
+          </a:fillRef>
+          <a:effectRef idx="0">
+            <a:schemeClr val="accent1"/>
+          </a:effectRef>
+          <a:fontRef idx="minor">
+            <a:schemeClr val="lt1"/>
+          </a:fontRef>
+        </p:style>
+        <p:txBody>
+          <a:bodyPr rtlCol="0" anchor="ctr"/>
+          <a:lstStyle/>
+          <a:p>
+            <a:pPr algn="ctr"/>
+            <a:endParaRPr lang="ko-KR" altLang="en-US"/>
+          </a:p>
+        </p:txBody>
+      </p:sp>
+      <p:sp>
+        <p:nvSpPr>
+          <p:cNvPr id="31" name="타원 30">
+            <a:extLst>
+              <a:ext uri="{FF2B5EF4-FFF2-40B4-BE49-F238E27FC236}">
+                <a16:creationId xmlns:a16="http://schemas.microsoft.com/office/drawing/2014/main" id="{75EF4F09-8744-4140-9F08-49825541CBB8}"/>
+              </a:ext>
+            </a:extLst>
+          </p:cNvPr>
+          <p:cNvSpPr/>
+          <p:nvPr/>
+        </p:nvSpPr>
+        <p:spPr>
+          <a:xfrm>
+            <a:off x="2699942" y="4644428"/>
+            <a:ext cx="1280084" cy="1473200"/>
+          </a:xfrm>
+          <a:prstGeom prst="ellipse">
+            <a:avLst/>
+          </a:prstGeom>
+          <a:noFill/>
+          <a:ln>
+            <a:solidFill>
+              <a:schemeClr val="accent6"/>
+            </a:solidFill>
+          </a:ln>
+        </p:spPr>
+        <p:style>
+          <a:lnRef idx="2">
+            <a:schemeClr val="accent1">
+              <a:shade val="50000"/>
+            </a:schemeClr>
+          </a:lnRef>
+          <a:fillRef idx="1">
+            <a:schemeClr val="accent1"/>
+          </a:fillRef>
+          <a:effectRef idx="0">
+            <a:schemeClr val="accent1"/>
+          </a:effectRef>
+          <a:fontRef idx="minor">
+            <a:schemeClr val="lt1"/>
+          </a:fontRef>
+        </p:style>
+        <p:txBody>
+          <a:bodyPr rtlCol="0" anchor="ctr"/>
+          <a:lstStyle/>
+          <a:p>
+            <a:pPr algn="ctr"/>
+            <a:endParaRPr lang="ko-KR" altLang="en-US"/>
+          </a:p>
+        </p:txBody>
+      </p:sp>
+      <p:sp>
+        <p:nvSpPr>
+          <p:cNvPr id="32" name="타원 31">
+            <a:extLst>
+              <a:ext uri="{FF2B5EF4-FFF2-40B4-BE49-F238E27FC236}">
+                <a16:creationId xmlns:a16="http://schemas.microsoft.com/office/drawing/2014/main" id="{9F4C3D02-AF09-433A-8806-5E72F6C4569F}"/>
+              </a:ext>
+            </a:extLst>
+          </p:cNvPr>
+          <p:cNvSpPr/>
+          <p:nvPr/>
+        </p:nvSpPr>
+        <p:spPr>
+          <a:xfrm>
+            <a:off x="3460428" y="3347180"/>
+            <a:ext cx="1280084" cy="1473200"/>
+          </a:xfrm>
+          <a:prstGeom prst="ellipse">
+            <a:avLst/>
+          </a:prstGeom>
+          <a:noFill/>
+          <a:ln>
+            <a:solidFill>
+              <a:schemeClr val="accent6"/>
+            </a:solidFill>
+          </a:ln>
+        </p:spPr>
+        <p:style>
+          <a:lnRef idx="2">
+            <a:schemeClr val="accent1">
+              <a:shade val="50000"/>
+            </a:schemeClr>
+          </a:lnRef>
+          <a:fillRef idx="1">
+            <a:schemeClr val="accent1"/>
+          </a:fillRef>
+          <a:effectRef idx="0">
+            <a:schemeClr val="accent1"/>
+          </a:effectRef>
+          <a:fontRef idx="minor">
+            <a:schemeClr val="lt1"/>
+          </a:fontRef>
+        </p:style>
+        <p:txBody>
+          <a:bodyPr rtlCol="0" anchor="ctr"/>
+          <a:lstStyle/>
+          <a:p>
+            <a:pPr algn="ctr"/>
+            <a:endParaRPr lang="ko-KR" altLang="en-US"/>
+          </a:p>
+        </p:txBody>
+      </p:sp>
+      <p:sp>
+        <p:nvSpPr>
+          <p:cNvPr id="33" name="타원 32">
+            <a:extLst>
+              <a:ext uri="{FF2B5EF4-FFF2-40B4-BE49-F238E27FC236}">
+                <a16:creationId xmlns:a16="http://schemas.microsoft.com/office/drawing/2014/main" id="{DBFD343E-B0A2-465A-AAAC-C7849DD5B15E}"/>
+              </a:ext>
+            </a:extLst>
+          </p:cNvPr>
+          <p:cNvSpPr/>
+          <p:nvPr/>
+        </p:nvSpPr>
+        <p:spPr>
+          <a:xfrm>
+            <a:off x="4883484" y="3365499"/>
+            <a:ext cx="1280084" cy="1473200"/>
+          </a:xfrm>
+          <a:prstGeom prst="ellipse">
+            <a:avLst/>
+          </a:prstGeom>
+          <a:noFill/>
+          <a:ln>
+            <a:solidFill>
+              <a:schemeClr val="accent6"/>
+            </a:solidFill>
+          </a:ln>
+        </p:spPr>
+        <p:style>
+          <a:lnRef idx="2">
+            <a:schemeClr val="accent1">
+              <a:shade val="50000"/>
+            </a:schemeClr>
+          </a:lnRef>
+          <a:fillRef idx="1">
+            <a:schemeClr val="accent1"/>
+          </a:fillRef>
+          <a:effectRef idx="0">
+            <a:schemeClr val="accent1"/>
+          </a:effectRef>
+          <a:fontRef idx="minor">
+            <a:schemeClr val="lt1"/>
+          </a:fontRef>
+        </p:style>
+        <p:txBody>
+          <a:bodyPr rtlCol="0" anchor="ctr"/>
+          <a:lstStyle/>
+          <a:p>
+            <a:pPr algn="ctr"/>
+            <a:endParaRPr lang="ko-KR" altLang="en-US"/>
+          </a:p>
+        </p:txBody>
+      </p:sp>
+      <p:sp>
+        <p:nvSpPr>
+          <p:cNvPr id="34" name="타원 33">
+            <a:extLst>
+              <a:ext uri="{FF2B5EF4-FFF2-40B4-BE49-F238E27FC236}">
+                <a16:creationId xmlns:a16="http://schemas.microsoft.com/office/drawing/2014/main" id="{07EB5E81-A140-4E49-B516-3EB2C04798F5}"/>
+              </a:ext>
+            </a:extLst>
+          </p:cNvPr>
+          <p:cNvSpPr/>
+          <p:nvPr/>
+        </p:nvSpPr>
+        <p:spPr>
+          <a:xfrm>
+            <a:off x="6206887" y="4668897"/>
+            <a:ext cx="1280084" cy="1473200"/>
+          </a:xfrm>
+          <a:prstGeom prst="ellipse">
+            <a:avLst/>
+          </a:prstGeom>
+          <a:noFill/>
+          <a:ln>
+            <a:solidFill>
+              <a:schemeClr val="accent6"/>
+            </a:solidFill>
+          </a:ln>
+        </p:spPr>
+        <p:style>
+          <a:lnRef idx="2">
+            <a:schemeClr val="accent1">
+              <a:shade val="50000"/>
+            </a:schemeClr>
+          </a:lnRef>
+          <a:fillRef idx="1">
+            <a:schemeClr val="accent1"/>
+          </a:fillRef>
+          <a:effectRef idx="0">
+            <a:schemeClr val="accent1"/>
+          </a:effectRef>
+          <a:fontRef idx="minor">
+            <a:schemeClr val="lt1"/>
+          </a:fontRef>
+        </p:style>
+        <p:txBody>
+          <a:bodyPr rtlCol="0" anchor="ctr"/>
+          <a:lstStyle/>
+          <a:p>
+            <a:pPr algn="ctr"/>
+            <a:endParaRPr lang="ko-KR" altLang="en-US"/>
+          </a:p>
+        </p:txBody>
+      </p:sp>
+      <p:sp>
+        <p:nvSpPr>
+          <p:cNvPr id="35" name="타원 34">
+            <a:extLst>
+              <a:ext uri="{FF2B5EF4-FFF2-40B4-BE49-F238E27FC236}">
+                <a16:creationId xmlns:a16="http://schemas.microsoft.com/office/drawing/2014/main" id="{3E8EBCCB-0679-4116-A069-79FFAF848881}"/>
+              </a:ext>
+            </a:extLst>
+          </p:cNvPr>
+          <p:cNvSpPr/>
+          <p:nvPr/>
+        </p:nvSpPr>
+        <p:spPr>
+          <a:xfrm>
+            <a:off x="7391527" y="3340559"/>
+            <a:ext cx="1280084" cy="1473200"/>
+          </a:xfrm>
+          <a:prstGeom prst="ellipse">
+            <a:avLst/>
+          </a:prstGeom>
+          <a:noFill/>
+          <a:ln>
+            <a:solidFill>
+              <a:schemeClr val="accent6"/>
+            </a:solidFill>
+          </a:ln>
+        </p:spPr>
+        <p:style>
+          <a:lnRef idx="2">
+            <a:schemeClr val="accent1">
+              <a:shade val="50000"/>
+            </a:schemeClr>
+          </a:lnRef>
+          <a:fillRef idx="1">
+            <a:schemeClr val="accent1"/>
+          </a:fillRef>
+          <a:effectRef idx="0">
+            <a:schemeClr val="accent1"/>
+          </a:effectRef>
+          <a:fontRef idx="minor">
+            <a:schemeClr val="lt1"/>
+          </a:fontRef>
+        </p:style>
+        <p:txBody>
+          <a:bodyPr rtlCol="0" anchor="ctr"/>
+          <a:lstStyle/>
+          <a:p>
+            <a:pPr algn="ctr"/>
+            <a:endParaRPr lang="ko-KR" altLang="en-US"/>
+          </a:p>
+        </p:txBody>
+      </p:sp>
+      <p:sp>
+        <p:nvSpPr>
+          <p:cNvPr id="36" name="타원 35">
+            <a:extLst>
+              <a:ext uri="{FF2B5EF4-FFF2-40B4-BE49-F238E27FC236}">
+                <a16:creationId xmlns:a16="http://schemas.microsoft.com/office/drawing/2014/main" id="{B61237FD-213E-4716-840B-47FD58F2F83A}"/>
+              </a:ext>
+            </a:extLst>
+          </p:cNvPr>
+          <p:cNvSpPr/>
+          <p:nvPr/>
+        </p:nvSpPr>
+        <p:spPr>
+          <a:xfrm>
+            <a:off x="8811427" y="3340559"/>
+            <a:ext cx="1280084" cy="1473200"/>
+          </a:xfrm>
+          <a:prstGeom prst="ellipse">
+            <a:avLst/>
+          </a:prstGeom>
+          <a:noFill/>
+          <a:ln>
+            <a:solidFill>
+              <a:schemeClr val="accent6"/>
+            </a:solidFill>
+          </a:ln>
+        </p:spPr>
+        <p:style>
+          <a:lnRef idx="2">
+            <a:schemeClr val="accent1">
+              <a:shade val="50000"/>
+            </a:schemeClr>
+          </a:lnRef>
+          <a:fillRef idx="1">
+            <a:schemeClr val="accent1"/>
+          </a:fillRef>
+          <a:effectRef idx="0">
+            <a:schemeClr val="accent1"/>
+          </a:effectRef>
+          <a:fontRef idx="minor">
+            <a:schemeClr val="lt1"/>
+          </a:fontRef>
+        </p:style>
+        <p:txBody>
+          <a:bodyPr rtlCol="0" anchor="ctr"/>
+          <a:lstStyle/>
+          <a:p>
+            <a:pPr algn="ctr"/>
+            <a:endParaRPr lang="ko-KR" altLang="en-US"/>
+          </a:p>
+        </p:txBody>
+      </p:sp>
+      <p:cxnSp>
+        <p:nvCxnSpPr>
+          <p:cNvPr id="38" name="직선 연결선 37">
+            <a:extLst>
+              <a:ext uri="{FF2B5EF4-FFF2-40B4-BE49-F238E27FC236}">
+                <a16:creationId xmlns:a16="http://schemas.microsoft.com/office/drawing/2014/main" id="{5F04832C-BF34-48FA-BF70-C4FE455C5FD8}"/>
+              </a:ext>
+            </a:extLst>
+          </p:cNvPr>
+          <p:cNvCxnSpPr>
+            <a:cxnSpLocks/>
+          </p:cNvCxnSpPr>
+          <p:nvPr/>
+        </p:nvCxnSpPr>
+        <p:spPr>
+          <a:xfrm flipV="1">
+            <a:off x="6690061" y="735952"/>
+            <a:ext cx="1566811" cy="229249"/>
+          </a:xfrm>
+          <a:prstGeom prst="line">
+            <a:avLst/>
+          </a:prstGeom>
+          <a:ln>
+            <a:solidFill>
+              <a:schemeClr val="accent2"/>
+            </a:solidFill>
+          </a:ln>
+        </p:spPr>
+        <p:style>
+          <a:lnRef idx="1">
+            <a:schemeClr val="accent1"/>
+          </a:lnRef>
+          <a:fillRef idx="0">
+            <a:schemeClr val="accent1"/>
+          </a:fillRef>
+          <a:effectRef idx="0">
+            <a:schemeClr val="accent1"/>
+          </a:effectRef>
+          <a:fontRef idx="minor">
+            <a:schemeClr val="tx1"/>
+          </a:fontRef>
+        </p:style>
+      </p:cxnSp>
+      <p:cxnSp>
+        <p:nvCxnSpPr>
+          <p:cNvPr id="40" name="직선 연결선 39">
+            <a:extLst>
+              <a:ext uri="{FF2B5EF4-FFF2-40B4-BE49-F238E27FC236}">
+                <a16:creationId xmlns:a16="http://schemas.microsoft.com/office/drawing/2014/main" id="{CDC00F11-2D91-4292-B9DE-9341A319F41D}"/>
+              </a:ext>
+            </a:extLst>
+          </p:cNvPr>
+          <p:cNvCxnSpPr/>
+          <p:nvPr/>
+        </p:nvCxnSpPr>
+        <p:spPr>
+          <a:xfrm>
+            <a:off x="10091511" y="3860800"/>
+            <a:ext cx="1118356" cy="0"/>
+          </a:xfrm>
+          <a:prstGeom prst="line">
+            <a:avLst/>
+          </a:prstGeom>
+          <a:ln>
+            <a:solidFill>
+              <a:schemeClr val="accent6"/>
+            </a:solidFill>
+          </a:ln>
+        </p:spPr>
+        <p:style>
+          <a:lnRef idx="1">
+            <a:schemeClr val="accent1"/>
+          </a:lnRef>
+          <a:fillRef idx="0">
+            <a:schemeClr val="accent1"/>
+          </a:fillRef>
+          <a:effectRef idx="0">
+            <a:schemeClr val="accent1"/>
+          </a:effectRef>
+          <a:fontRef idx="minor">
+            <a:schemeClr val="tx1"/>
+          </a:fontRef>
+        </p:style>
+      </p:cxnSp>
+      <p:sp>
+        <p:nvSpPr>
+          <p:cNvPr id="42" name="TextBox 41">
+            <a:extLst>
+              <a:ext uri="{FF2B5EF4-FFF2-40B4-BE49-F238E27FC236}">
+                <a16:creationId xmlns:a16="http://schemas.microsoft.com/office/drawing/2014/main" id="{CADC331E-7D35-418F-8895-7D65C74EA675}"/>
+              </a:ext>
+            </a:extLst>
+          </p:cNvPr>
+          <p:cNvSpPr txBox="1"/>
+          <p:nvPr/>
+        </p:nvSpPr>
+        <p:spPr>
+          <a:xfrm>
+            <a:off x="8046655" y="401055"/>
+            <a:ext cx="1566812" cy="369332"/>
+          </a:xfrm>
+          <a:prstGeom prst="rect">
+            <a:avLst/>
+          </a:prstGeom>
+          <a:noFill/>
+        </p:spPr>
+        <p:txBody>
+          <a:bodyPr wrap="square" rtlCol="0">
+            <a:spAutoFit/>
+          </a:bodyPr>
+          <a:lstStyle/>
+          <a:p>
+            <a:r>
+              <a:rPr lang="ko-KR" altLang="en-US"/>
+              <a:t>루트 노드</a:t>
+            </a:r>
+          </a:p>
+        </p:txBody>
+      </p:sp>
+      <p:sp>
+        <p:nvSpPr>
+          <p:cNvPr id="44" name="TextBox 43">
+            <a:extLst>
+              <a:ext uri="{FF2B5EF4-FFF2-40B4-BE49-F238E27FC236}">
+                <a16:creationId xmlns:a16="http://schemas.microsoft.com/office/drawing/2014/main" id="{59341876-6EDA-47E0-A977-6243F234BC5E}"/>
+              </a:ext>
+            </a:extLst>
+          </p:cNvPr>
+          <p:cNvSpPr txBox="1"/>
+          <p:nvPr/>
+        </p:nvSpPr>
+        <p:spPr>
+          <a:xfrm>
+            <a:off x="11209867" y="3547529"/>
+            <a:ext cx="982133" cy="646331"/>
+          </a:xfrm>
+          <a:prstGeom prst="rect">
+            <a:avLst/>
+          </a:prstGeom>
+          <a:noFill/>
+        </p:spPr>
+        <p:txBody>
+          <a:bodyPr wrap="square" rtlCol="0">
+            <a:spAutoFit/>
+          </a:bodyPr>
+          <a:lstStyle/>
+          <a:p>
+            <a:r>
+              <a:rPr lang="ko-KR" altLang="en-US" dirty="0"/>
+              <a:t>리프 노드</a:t>
+            </a:r>
+          </a:p>
+        </p:txBody>
+      </p:sp>
     </p:spTree>
     <p:extLst>
       <p:ext uri="{BB962C8B-B14F-4D97-AF65-F5344CB8AC3E}">

--- a/img/파워포인트 이미지.pptx
+++ b/img/파워포인트 이미지.pptx
@@ -18,6 +18,15 @@
     <p:sldId id="266" r:id="rId12"/>
     <p:sldId id="267" r:id="rId13"/>
     <p:sldId id="268" r:id="rId14"/>
+    <p:sldId id="277" r:id="rId15"/>
+    <p:sldId id="276" r:id="rId16"/>
+    <p:sldId id="275" r:id="rId17"/>
+    <p:sldId id="269" r:id="rId18"/>
+    <p:sldId id="270" r:id="rId19"/>
+    <p:sldId id="271" r:id="rId20"/>
+    <p:sldId id="272" r:id="rId21"/>
+    <p:sldId id="273" r:id="rId22"/>
+    <p:sldId id="274" r:id="rId23"/>
   </p:sldIdLst>
   <p:sldSz cx="12192000" cy="6858000"/>
   <p:notesSz cx="6858000" cy="9144000"/>
@@ -8440,10 +8449,4109 @@
           <a:chExt cx="0" cy="0"/>
         </a:xfrm>
       </p:grpSpPr>
+      <p:sp>
+        <p:nvSpPr>
+          <p:cNvPr id="2" name="타원 1">
+            <a:extLst>
+              <a:ext uri="{FF2B5EF4-FFF2-40B4-BE49-F238E27FC236}">
+                <a16:creationId xmlns:a16="http://schemas.microsoft.com/office/drawing/2014/main" id="{30C09177-6311-441B-B296-A5C0BA08F3EB}"/>
+              </a:ext>
+            </a:extLst>
+          </p:cNvPr>
+          <p:cNvSpPr/>
+          <p:nvPr/>
+        </p:nvSpPr>
+        <p:spPr>
+          <a:xfrm>
+            <a:off x="4995334" y="914401"/>
+            <a:ext cx="931333" cy="931333"/>
+          </a:xfrm>
+          <a:prstGeom prst="ellipse">
+            <a:avLst/>
+          </a:prstGeom>
+        </p:spPr>
+        <p:style>
+          <a:lnRef idx="2">
+            <a:schemeClr val="dk1"/>
+          </a:lnRef>
+          <a:fillRef idx="1">
+            <a:schemeClr val="lt1"/>
+          </a:fillRef>
+          <a:effectRef idx="0">
+            <a:schemeClr val="dk1"/>
+          </a:effectRef>
+          <a:fontRef idx="minor">
+            <a:schemeClr val="dk1"/>
+          </a:fontRef>
+        </p:style>
+        <p:txBody>
+          <a:bodyPr rtlCol="0" anchor="ctr"/>
+          <a:lstStyle/>
+          <a:p>
+            <a:pPr algn="ctr"/>
+            <a:r>
+              <a:rPr lang="en-US" altLang="ko-KR" sz="4400" dirty="0">
+                <a:latin typeface="Arial Black" panose="020B0A04020102020204" pitchFamily="34" charset="0"/>
+              </a:rPr>
+              <a:t>A</a:t>
+            </a:r>
+            <a:endParaRPr lang="ko-KR" altLang="en-US" sz="4400" dirty="0">
+              <a:latin typeface="Arial Black" panose="020B0A04020102020204" pitchFamily="34" charset="0"/>
+            </a:endParaRPr>
+          </a:p>
+        </p:txBody>
+      </p:sp>
+      <p:sp>
+        <p:nvSpPr>
+          <p:cNvPr id="3" name="타원 2">
+            <a:extLst>
+              <a:ext uri="{FF2B5EF4-FFF2-40B4-BE49-F238E27FC236}">
+                <a16:creationId xmlns:a16="http://schemas.microsoft.com/office/drawing/2014/main" id="{47AE6237-BA0E-4B21-9E80-C1780440D0D5}"/>
+              </a:ext>
+            </a:extLst>
+          </p:cNvPr>
+          <p:cNvSpPr/>
+          <p:nvPr/>
+        </p:nvSpPr>
+        <p:spPr>
+          <a:xfrm>
+            <a:off x="3454401" y="2032001"/>
+            <a:ext cx="931333" cy="931333"/>
+          </a:xfrm>
+          <a:prstGeom prst="ellipse">
+            <a:avLst/>
+          </a:prstGeom>
+        </p:spPr>
+        <p:style>
+          <a:lnRef idx="2">
+            <a:schemeClr val="dk1"/>
+          </a:lnRef>
+          <a:fillRef idx="1">
+            <a:schemeClr val="lt1"/>
+          </a:fillRef>
+          <a:effectRef idx="0">
+            <a:schemeClr val="dk1"/>
+          </a:effectRef>
+          <a:fontRef idx="minor">
+            <a:schemeClr val="dk1"/>
+          </a:fontRef>
+        </p:style>
+        <p:txBody>
+          <a:bodyPr rtlCol="0" anchor="ctr"/>
+          <a:lstStyle/>
+          <a:p>
+            <a:pPr algn="ctr"/>
+            <a:r>
+              <a:rPr lang="en-US" altLang="ko-KR" sz="4400" dirty="0">
+                <a:latin typeface="Arial Black" panose="020B0A04020102020204" pitchFamily="34" charset="0"/>
+              </a:rPr>
+              <a:t>B</a:t>
+            </a:r>
+            <a:endParaRPr lang="ko-KR" altLang="en-US" sz="4400" dirty="0">
+              <a:latin typeface="Arial Black" panose="020B0A04020102020204" pitchFamily="34" charset="0"/>
+            </a:endParaRPr>
+          </a:p>
+        </p:txBody>
+      </p:sp>
+      <p:sp>
+        <p:nvSpPr>
+          <p:cNvPr id="4" name="타원 3">
+            <a:extLst>
+              <a:ext uri="{FF2B5EF4-FFF2-40B4-BE49-F238E27FC236}">
+                <a16:creationId xmlns:a16="http://schemas.microsoft.com/office/drawing/2014/main" id="{424532C4-B479-407F-B889-29ACDF93EAFB}"/>
+              </a:ext>
+            </a:extLst>
+          </p:cNvPr>
+          <p:cNvSpPr/>
+          <p:nvPr/>
+        </p:nvSpPr>
+        <p:spPr>
+          <a:xfrm>
+            <a:off x="6722533" y="2032001"/>
+            <a:ext cx="931333" cy="931333"/>
+          </a:xfrm>
+          <a:prstGeom prst="ellipse">
+            <a:avLst/>
+          </a:prstGeom>
+        </p:spPr>
+        <p:style>
+          <a:lnRef idx="2">
+            <a:schemeClr val="dk1"/>
+          </a:lnRef>
+          <a:fillRef idx="1">
+            <a:schemeClr val="lt1"/>
+          </a:fillRef>
+          <a:effectRef idx="0">
+            <a:schemeClr val="dk1"/>
+          </a:effectRef>
+          <a:fontRef idx="minor">
+            <a:schemeClr val="dk1"/>
+          </a:fontRef>
+        </p:style>
+        <p:txBody>
+          <a:bodyPr rtlCol="0" anchor="ctr"/>
+          <a:lstStyle/>
+          <a:p>
+            <a:pPr algn="ctr"/>
+            <a:r>
+              <a:rPr lang="en-US" altLang="ko-KR" sz="4400" dirty="0">
+                <a:latin typeface="Arial Black" panose="020B0A04020102020204" pitchFamily="34" charset="0"/>
+              </a:rPr>
+              <a:t>C</a:t>
+            </a:r>
+            <a:endParaRPr lang="ko-KR" altLang="en-US" sz="4400" dirty="0">
+              <a:latin typeface="Arial Black" panose="020B0A04020102020204" pitchFamily="34" charset="0"/>
+            </a:endParaRPr>
+          </a:p>
+        </p:txBody>
+      </p:sp>
+      <p:sp>
+        <p:nvSpPr>
+          <p:cNvPr id="5" name="타원 4">
+            <a:extLst>
+              <a:ext uri="{FF2B5EF4-FFF2-40B4-BE49-F238E27FC236}">
+                <a16:creationId xmlns:a16="http://schemas.microsoft.com/office/drawing/2014/main" id="{EEED4513-2AA2-480D-B58B-8A8ADE3E92FE}"/>
+              </a:ext>
+            </a:extLst>
+          </p:cNvPr>
+          <p:cNvSpPr/>
+          <p:nvPr/>
+        </p:nvSpPr>
+        <p:spPr>
+          <a:xfrm>
+            <a:off x="2463802" y="3429000"/>
+            <a:ext cx="931333" cy="931333"/>
+          </a:xfrm>
+          <a:prstGeom prst="ellipse">
+            <a:avLst/>
+          </a:prstGeom>
+        </p:spPr>
+        <p:style>
+          <a:lnRef idx="2">
+            <a:schemeClr val="dk1"/>
+          </a:lnRef>
+          <a:fillRef idx="1">
+            <a:schemeClr val="lt1"/>
+          </a:fillRef>
+          <a:effectRef idx="0">
+            <a:schemeClr val="dk1"/>
+          </a:effectRef>
+          <a:fontRef idx="minor">
+            <a:schemeClr val="dk1"/>
+          </a:fontRef>
+        </p:style>
+        <p:txBody>
+          <a:bodyPr rtlCol="0" anchor="ctr"/>
+          <a:lstStyle/>
+          <a:p>
+            <a:pPr algn="ctr"/>
+            <a:r>
+              <a:rPr lang="en-US" altLang="ko-KR" sz="4400" dirty="0">
+                <a:latin typeface="Arial Black" panose="020B0A04020102020204" pitchFamily="34" charset="0"/>
+              </a:rPr>
+              <a:t>D</a:t>
+            </a:r>
+            <a:endParaRPr lang="ko-KR" altLang="en-US" sz="4400" dirty="0">
+              <a:latin typeface="Arial Black" panose="020B0A04020102020204" pitchFamily="34" charset="0"/>
+            </a:endParaRPr>
+          </a:p>
+        </p:txBody>
+      </p:sp>
+      <p:sp>
+        <p:nvSpPr>
+          <p:cNvPr id="6" name="타원 5">
+            <a:extLst>
+              <a:ext uri="{FF2B5EF4-FFF2-40B4-BE49-F238E27FC236}">
+                <a16:creationId xmlns:a16="http://schemas.microsoft.com/office/drawing/2014/main" id="{C74DFFC9-4F6C-40CB-BBB3-B40C1288A95C}"/>
+              </a:ext>
+            </a:extLst>
+          </p:cNvPr>
+          <p:cNvSpPr/>
+          <p:nvPr/>
+        </p:nvSpPr>
+        <p:spPr>
+          <a:xfrm>
+            <a:off x="4385734" y="3429000"/>
+            <a:ext cx="931333" cy="931333"/>
+          </a:xfrm>
+          <a:prstGeom prst="ellipse">
+            <a:avLst/>
+          </a:prstGeom>
+        </p:spPr>
+        <p:style>
+          <a:lnRef idx="2">
+            <a:schemeClr val="dk1"/>
+          </a:lnRef>
+          <a:fillRef idx="1">
+            <a:schemeClr val="lt1"/>
+          </a:fillRef>
+          <a:effectRef idx="0">
+            <a:schemeClr val="dk1"/>
+          </a:effectRef>
+          <a:fontRef idx="minor">
+            <a:schemeClr val="dk1"/>
+          </a:fontRef>
+        </p:style>
+        <p:txBody>
+          <a:bodyPr rtlCol="0" anchor="ctr"/>
+          <a:lstStyle/>
+          <a:p>
+            <a:pPr algn="ctr"/>
+            <a:r>
+              <a:rPr lang="en-US" altLang="ko-KR" sz="4400" dirty="0">
+                <a:latin typeface="Arial Black" panose="020B0A04020102020204" pitchFamily="34" charset="0"/>
+              </a:rPr>
+              <a:t>E</a:t>
+            </a:r>
+            <a:endParaRPr lang="ko-KR" altLang="en-US" sz="4400" dirty="0">
+              <a:latin typeface="Arial Black" panose="020B0A04020102020204" pitchFamily="34" charset="0"/>
+            </a:endParaRPr>
+          </a:p>
+        </p:txBody>
+      </p:sp>
+      <p:sp>
+        <p:nvSpPr>
+          <p:cNvPr id="7" name="타원 6">
+            <a:extLst>
+              <a:ext uri="{FF2B5EF4-FFF2-40B4-BE49-F238E27FC236}">
+                <a16:creationId xmlns:a16="http://schemas.microsoft.com/office/drawing/2014/main" id="{C9E078B1-C023-4D16-9D7A-84CD984B883B}"/>
+              </a:ext>
+            </a:extLst>
+          </p:cNvPr>
+          <p:cNvSpPr/>
+          <p:nvPr/>
+        </p:nvSpPr>
+        <p:spPr>
+          <a:xfrm>
+            <a:off x="6096000" y="3429000"/>
+            <a:ext cx="931333" cy="931333"/>
+          </a:xfrm>
+          <a:prstGeom prst="ellipse">
+            <a:avLst/>
+          </a:prstGeom>
+        </p:spPr>
+        <p:style>
+          <a:lnRef idx="2">
+            <a:schemeClr val="dk1"/>
+          </a:lnRef>
+          <a:fillRef idx="1">
+            <a:schemeClr val="lt1"/>
+          </a:fillRef>
+          <a:effectRef idx="0">
+            <a:schemeClr val="dk1"/>
+          </a:effectRef>
+          <a:fontRef idx="minor">
+            <a:schemeClr val="dk1"/>
+          </a:fontRef>
+        </p:style>
+        <p:txBody>
+          <a:bodyPr rtlCol="0" anchor="ctr"/>
+          <a:lstStyle/>
+          <a:p>
+            <a:pPr algn="ctr"/>
+            <a:r>
+              <a:rPr lang="en-US" altLang="ko-KR" sz="4400" dirty="0">
+                <a:latin typeface="Arial Black" panose="020B0A04020102020204" pitchFamily="34" charset="0"/>
+              </a:rPr>
+              <a:t>F</a:t>
+            </a:r>
+            <a:endParaRPr lang="ko-KR" altLang="en-US" sz="4400" dirty="0">
+              <a:latin typeface="Arial Black" panose="020B0A04020102020204" pitchFamily="34" charset="0"/>
+            </a:endParaRPr>
+          </a:p>
+        </p:txBody>
+      </p:sp>
+      <p:sp>
+        <p:nvSpPr>
+          <p:cNvPr id="8" name="타원 7">
+            <a:extLst>
+              <a:ext uri="{FF2B5EF4-FFF2-40B4-BE49-F238E27FC236}">
+                <a16:creationId xmlns:a16="http://schemas.microsoft.com/office/drawing/2014/main" id="{F053FEC2-4444-4A5D-80D3-227C7B0AAF54}"/>
+              </a:ext>
+            </a:extLst>
+          </p:cNvPr>
+          <p:cNvSpPr/>
+          <p:nvPr/>
+        </p:nvSpPr>
+        <p:spPr>
+          <a:xfrm>
+            <a:off x="7865534" y="3302001"/>
+            <a:ext cx="931333" cy="931333"/>
+          </a:xfrm>
+          <a:prstGeom prst="ellipse">
+            <a:avLst/>
+          </a:prstGeom>
+        </p:spPr>
+        <p:style>
+          <a:lnRef idx="2">
+            <a:schemeClr val="dk1"/>
+          </a:lnRef>
+          <a:fillRef idx="1">
+            <a:schemeClr val="lt1"/>
+          </a:fillRef>
+          <a:effectRef idx="0">
+            <a:schemeClr val="dk1"/>
+          </a:effectRef>
+          <a:fontRef idx="minor">
+            <a:schemeClr val="dk1"/>
+          </a:fontRef>
+        </p:style>
+        <p:txBody>
+          <a:bodyPr rtlCol="0" anchor="ctr"/>
+          <a:lstStyle/>
+          <a:p>
+            <a:pPr algn="ctr"/>
+            <a:r>
+              <a:rPr lang="en-US" altLang="ko-KR" sz="4400" dirty="0">
+                <a:latin typeface="Arial Black" panose="020B0A04020102020204" pitchFamily="34" charset="0"/>
+              </a:rPr>
+              <a:t>G</a:t>
+            </a:r>
+            <a:endParaRPr lang="ko-KR" altLang="en-US" sz="4400" dirty="0">
+              <a:latin typeface="Arial Black" panose="020B0A04020102020204" pitchFamily="34" charset="0"/>
+            </a:endParaRPr>
+          </a:p>
+        </p:txBody>
+      </p:sp>
+      <p:sp>
+        <p:nvSpPr>
+          <p:cNvPr id="9" name="타원 8">
+            <a:extLst>
+              <a:ext uri="{FF2B5EF4-FFF2-40B4-BE49-F238E27FC236}">
+                <a16:creationId xmlns:a16="http://schemas.microsoft.com/office/drawing/2014/main" id="{B81C7D7A-EC16-4CD4-8CC0-202E0001FACB}"/>
+              </a:ext>
+            </a:extLst>
+          </p:cNvPr>
+          <p:cNvSpPr/>
+          <p:nvPr/>
+        </p:nvSpPr>
+        <p:spPr>
+          <a:xfrm>
+            <a:off x="3454401" y="5181601"/>
+            <a:ext cx="931333" cy="931333"/>
+          </a:xfrm>
+          <a:prstGeom prst="ellipse">
+            <a:avLst/>
+          </a:prstGeom>
+        </p:spPr>
+        <p:style>
+          <a:lnRef idx="2">
+            <a:schemeClr val="dk1"/>
+          </a:lnRef>
+          <a:fillRef idx="1">
+            <a:schemeClr val="lt1"/>
+          </a:fillRef>
+          <a:effectRef idx="0">
+            <a:schemeClr val="dk1"/>
+          </a:effectRef>
+          <a:fontRef idx="minor">
+            <a:schemeClr val="dk1"/>
+          </a:fontRef>
+        </p:style>
+        <p:txBody>
+          <a:bodyPr rtlCol="0" anchor="ctr"/>
+          <a:lstStyle/>
+          <a:p>
+            <a:pPr algn="ctr"/>
+            <a:r>
+              <a:rPr lang="en-US" altLang="ko-KR" sz="4400" dirty="0">
+                <a:latin typeface="Arial Black" panose="020B0A04020102020204" pitchFamily="34" charset="0"/>
+              </a:rPr>
+              <a:t>H</a:t>
+            </a:r>
+            <a:endParaRPr lang="ko-KR" altLang="en-US" sz="4400" dirty="0">
+              <a:latin typeface="Arial Black" panose="020B0A04020102020204" pitchFamily="34" charset="0"/>
+            </a:endParaRPr>
+          </a:p>
+        </p:txBody>
+      </p:sp>
+      <p:sp>
+        <p:nvSpPr>
+          <p:cNvPr id="10" name="타원 9">
+            <a:extLst>
+              <a:ext uri="{FF2B5EF4-FFF2-40B4-BE49-F238E27FC236}">
+                <a16:creationId xmlns:a16="http://schemas.microsoft.com/office/drawing/2014/main" id="{D666E5DF-DA5F-4822-B3F4-34CE41850E50}"/>
+              </a:ext>
+            </a:extLst>
+          </p:cNvPr>
+          <p:cNvSpPr/>
+          <p:nvPr/>
+        </p:nvSpPr>
+        <p:spPr>
+          <a:xfrm>
+            <a:off x="5317067" y="5181600"/>
+            <a:ext cx="931333" cy="931333"/>
+          </a:xfrm>
+          <a:prstGeom prst="ellipse">
+            <a:avLst/>
+          </a:prstGeom>
+        </p:spPr>
+        <p:style>
+          <a:lnRef idx="2">
+            <a:schemeClr val="dk1"/>
+          </a:lnRef>
+          <a:fillRef idx="1">
+            <a:schemeClr val="lt1"/>
+          </a:fillRef>
+          <a:effectRef idx="0">
+            <a:schemeClr val="dk1"/>
+          </a:effectRef>
+          <a:fontRef idx="minor">
+            <a:schemeClr val="dk1"/>
+          </a:fontRef>
+        </p:style>
+        <p:txBody>
+          <a:bodyPr rtlCol="0" anchor="ctr"/>
+          <a:lstStyle/>
+          <a:p>
+            <a:pPr algn="ctr"/>
+            <a:r>
+              <a:rPr lang="en-US" altLang="ko-KR" sz="4400" dirty="0">
+                <a:latin typeface="Arial Black" panose="020B0A04020102020204" pitchFamily="34" charset="0"/>
+              </a:rPr>
+              <a:t>I</a:t>
+            </a:r>
+            <a:endParaRPr lang="ko-KR" altLang="en-US" sz="4400" dirty="0">
+              <a:latin typeface="Arial Black" panose="020B0A04020102020204" pitchFamily="34" charset="0"/>
+            </a:endParaRPr>
+          </a:p>
+        </p:txBody>
+      </p:sp>
+      <p:cxnSp>
+        <p:nvCxnSpPr>
+          <p:cNvPr id="14" name="직선 연결선 13">
+            <a:extLst>
+              <a:ext uri="{FF2B5EF4-FFF2-40B4-BE49-F238E27FC236}">
+                <a16:creationId xmlns:a16="http://schemas.microsoft.com/office/drawing/2014/main" id="{A3E08AA5-7EA7-4D67-9770-BF7B3510C34F}"/>
+              </a:ext>
+            </a:extLst>
+          </p:cNvPr>
+          <p:cNvCxnSpPr>
+            <a:stCxn id="2" idx="3"/>
+            <a:endCxn id="3" idx="7"/>
+          </p:cNvCxnSpPr>
+          <p:nvPr/>
+        </p:nvCxnSpPr>
+        <p:spPr>
+          <a:xfrm flipH="1">
+            <a:off x="4249343" y="1709343"/>
+            <a:ext cx="882382" cy="459049"/>
+          </a:xfrm>
+          <a:prstGeom prst="line">
+            <a:avLst/>
+          </a:prstGeom>
+        </p:spPr>
+        <p:style>
+          <a:lnRef idx="1">
+            <a:schemeClr val="accent1"/>
+          </a:lnRef>
+          <a:fillRef idx="0">
+            <a:schemeClr val="accent1"/>
+          </a:fillRef>
+          <a:effectRef idx="0">
+            <a:schemeClr val="accent1"/>
+          </a:effectRef>
+          <a:fontRef idx="minor">
+            <a:schemeClr val="tx1"/>
+          </a:fontRef>
+        </p:style>
+      </p:cxnSp>
+      <p:cxnSp>
+        <p:nvCxnSpPr>
+          <p:cNvPr id="16" name="직선 연결선 15">
+            <a:extLst>
+              <a:ext uri="{FF2B5EF4-FFF2-40B4-BE49-F238E27FC236}">
+                <a16:creationId xmlns:a16="http://schemas.microsoft.com/office/drawing/2014/main" id="{4250EB48-C8DF-4CCE-B440-F6B13F6D2819}"/>
+              </a:ext>
+            </a:extLst>
+          </p:cNvPr>
+          <p:cNvCxnSpPr>
+            <a:stCxn id="2" idx="5"/>
+            <a:endCxn id="4" idx="1"/>
+          </p:cNvCxnSpPr>
+          <p:nvPr/>
+        </p:nvCxnSpPr>
+        <p:spPr>
+          <a:xfrm>
+            <a:off x="5790276" y="1709343"/>
+            <a:ext cx="1068648" cy="459049"/>
+          </a:xfrm>
+          <a:prstGeom prst="line">
+            <a:avLst/>
+          </a:prstGeom>
+        </p:spPr>
+        <p:style>
+          <a:lnRef idx="1">
+            <a:schemeClr val="accent1"/>
+          </a:lnRef>
+          <a:fillRef idx="0">
+            <a:schemeClr val="accent1"/>
+          </a:fillRef>
+          <a:effectRef idx="0">
+            <a:schemeClr val="accent1"/>
+          </a:effectRef>
+          <a:fontRef idx="minor">
+            <a:schemeClr val="tx1"/>
+          </a:fontRef>
+        </p:style>
+      </p:cxnSp>
+      <p:cxnSp>
+        <p:nvCxnSpPr>
+          <p:cNvPr id="20" name="직선 연결선 19">
+            <a:extLst>
+              <a:ext uri="{FF2B5EF4-FFF2-40B4-BE49-F238E27FC236}">
+                <a16:creationId xmlns:a16="http://schemas.microsoft.com/office/drawing/2014/main" id="{3A0DD0CD-1786-484F-A8BF-920D79F40B07}"/>
+              </a:ext>
+            </a:extLst>
+          </p:cNvPr>
+          <p:cNvCxnSpPr>
+            <a:stCxn id="3" idx="3"/>
+            <a:endCxn id="5" idx="0"/>
+          </p:cNvCxnSpPr>
+          <p:nvPr/>
+        </p:nvCxnSpPr>
+        <p:spPr>
+          <a:xfrm flipH="1">
+            <a:off x="2929469" y="2826943"/>
+            <a:ext cx="661323" cy="602057"/>
+          </a:xfrm>
+          <a:prstGeom prst="line">
+            <a:avLst/>
+          </a:prstGeom>
+        </p:spPr>
+        <p:style>
+          <a:lnRef idx="1">
+            <a:schemeClr val="accent1"/>
+          </a:lnRef>
+          <a:fillRef idx="0">
+            <a:schemeClr val="accent1"/>
+          </a:fillRef>
+          <a:effectRef idx="0">
+            <a:schemeClr val="accent1"/>
+          </a:effectRef>
+          <a:fontRef idx="minor">
+            <a:schemeClr val="tx1"/>
+          </a:fontRef>
+        </p:style>
+      </p:cxnSp>
+      <p:cxnSp>
+        <p:nvCxnSpPr>
+          <p:cNvPr id="22" name="직선 연결선 21">
+            <a:extLst>
+              <a:ext uri="{FF2B5EF4-FFF2-40B4-BE49-F238E27FC236}">
+                <a16:creationId xmlns:a16="http://schemas.microsoft.com/office/drawing/2014/main" id="{793B659F-50B3-4835-81A4-B4FBC18426D3}"/>
+              </a:ext>
+            </a:extLst>
+          </p:cNvPr>
+          <p:cNvCxnSpPr>
+            <a:stCxn id="3" idx="5"/>
+            <a:endCxn id="6" idx="0"/>
+          </p:cNvCxnSpPr>
+          <p:nvPr/>
+        </p:nvCxnSpPr>
+        <p:spPr>
+          <a:xfrm>
+            <a:off x="4249343" y="2826943"/>
+            <a:ext cx="602058" cy="602057"/>
+          </a:xfrm>
+          <a:prstGeom prst="line">
+            <a:avLst/>
+          </a:prstGeom>
+        </p:spPr>
+        <p:style>
+          <a:lnRef idx="1">
+            <a:schemeClr val="accent1"/>
+          </a:lnRef>
+          <a:fillRef idx="0">
+            <a:schemeClr val="accent1"/>
+          </a:fillRef>
+          <a:effectRef idx="0">
+            <a:schemeClr val="accent1"/>
+          </a:effectRef>
+          <a:fontRef idx="minor">
+            <a:schemeClr val="tx1"/>
+          </a:fontRef>
+        </p:style>
+      </p:cxnSp>
+      <p:cxnSp>
+        <p:nvCxnSpPr>
+          <p:cNvPr id="24" name="직선 연결선 23">
+            <a:extLst>
+              <a:ext uri="{FF2B5EF4-FFF2-40B4-BE49-F238E27FC236}">
+                <a16:creationId xmlns:a16="http://schemas.microsoft.com/office/drawing/2014/main" id="{23F0EA15-002E-4291-AE3A-675A54D76E98}"/>
+              </a:ext>
+            </a:extLst>
+          </p:cNvPr>
+          <p:cNvCxnSpPr>
+            <a:stCxn id="4" idx="3"/>
+            <a:endCxn id="7" idx="0"/>
+          </p:cNvCxnSpPr>
+          <p:nvPr/>
+        </p:nvCxnSpPr>
+        <p:spPr>
+          <a:xfrm flipH="1">
+            <a:off x="6561667" y="2826943"/>
+            <a:ext cx="297257" cy="602057"/>
+          </a:xfrm>
+          <a:prstGeom prst="line">
+            <a:avLst/>
+          </a:prstGeom>
+        </p:spPr>
+        <p:style>
+          <a:lnRef idx="1">
+            <a:schemeClr val="accent1"/>
+          </a:lnRef>
+          <a:fillRef idx="0">
+            <a:schemeClr val="accent1"/>
+          </a:fillRef>
+          <a:effectRef idx="0">
+            <a:schemeClr val="accent1"/>
+          </a:effectRef>
+          <a:fontRef idx="minor">
+            <a:schemeClr val="tx1"/>
+          </a:fontRef>
+        </p:style>
+      </p:cxnSp>
+      <p:cxnSp>
+        <p:nvCxnSpPr>
+          <p:cNvPr id="26" name="직선 연결선 25">
+            <a:extLst>
+              <a:ext uri="{FF2B5EF4-FFF2-40B4-BE49-F238E27FC236}">
+                <a16:creationId xmlns:a16="http://schemas.microsoft.com/office/drawing/2014/main" id="{737E08C9-CEAE-460E-B65D-650B3AA9EC64}"/>
+              </a:ext>
+            </a:extLst>
+          </p:cNvPr>
+          <p:cNvCxnSpPr>
+            <a:stCxn id="4" idx="5"/>
+            <a:endCxn id="8" idx="1"/>
+          </p:cNvCxnSpPr>
+          <p:nvPr/>
+        </p:nvCxnSpPr>
+        <p:spPr>
+          <a:xfrm>
+            <a:off x="7517475" y="2826943"/>
+            <a:ext cx="484450" cy="611449"/>
+          </a:xfrm>
+          <a:prstGeom prst="line">
+            <a:avLst/>
+          </a:prstGeom>
+        </p:spPr>
+        <p:style>
+          <a:lnRef idx="1">
+            <a:schemeClr val="accent1"/>
+          </a:lnRef>
+          <a:fillRef idx="0">
+            <a:schemeClr val="accent1"/>
+          </a:fillRef>
+          <a:effectRef idx="0">
+            <a:schemeClr val="accent1"/>
+          </a:effectRef>
+          <a:fontRef idx="minor">
+            <a:schemeClr val="tx1"/>
+          </a:fontRef>
+        </p:style>
+      </p:cxnSp>
+      <p:cxnSp>
+        <p:nvCxnSpPr>
+          <p:cNvPr id="28" name="직선 연결선 27">
+            <a:extLst>
+              <a:ext uri="{FF2B5EF4-FFF2-40B4-BE49-F238E27FC236}">
+                <a16:creationId xmlns:a16="http://schemas.microsoft.com/office/drawing/2014/main" id="{098CB886-9DE4-4AF2-B46A-0134E08339C5}"/>
+              </a:ext>
+            </a:extLst>
+          </p:cNvPr>
+          <p:cNvCxnSpPr>
+            <a:cxnSpLocks/>
+            <a:stCxn id="6" idx="3"/>
+            <a:endCxn id="9" idx="0"/>
+          </p:cNvCxnSpPr>
+          <p:nvPr/>
+        </p:nvCxnSpPr>
+        <p:spPr>
+          <a:xfrm flipH="1">
+            <a:off x="3920068" y="4223942"/>
+            <a:ext cx="602057" cy="957659"/>
+          </a:xfrm>
+          <a:prstGeom prst="line">
+            <a:avLst/>
+          </a:prstGeom>
+        </p:spPr>
+        <p:style>
+          <a:lnRef idx="1">
+            <a:schemeClr val="accent1"/>
+          </a:lnRef>
+          <a:fillRef idx="0">
+            <a:schemeClr val="accent1"/>
+          </a:fillRef>
+          <a:effectRef idx="0">
+            <a:schemeClr val="accent1"/>
+          </a:effectRef>
+          <a:fontRef idx="minor">
+            <a:schemeClr val="tx1"/>
+          </a:fontRef>
+        </p:style>
+      </p:cxnSp>
+      <p:cxnSp>
+        <p:nvCxnSpPr>
+          <p:cNvPr id="30" name="직선 연결선 29">
+            <a:extLst>
+              <a:ext uri="{FF2B5EF4-FFF2-40B4-BE49-F238E27FC236}">
+                <a16:creationId xmlns:a16="http://schemas.microsoft.com/office/drawing/2014/main" id="{6C4578DA-9CAE-48EB-A182-EF701B17D2D8}"/>
+              </a:ext>
+            </a:extLst>
+          </p:cNvPr>
+          <p:cNvCxnSpPr>
+            <a:stCxn id="6" idx="5"/>
+            <a:endCxn id="10" idx="0"/>
+          </p:cNvCxnSpPr>
+          <p:nvPr/>
+        </p:nvCxnSpPr>
+        <p:spPr>
+          <a:xfrm>
+            <a:off x="5180676" y="4223942"/>
+            <a:ext cx="602058" cy="957658"/>
+          </a:xfrm>
+          <a:prstGeom prst="line">
+            <a:avLst/>
+          </a:prstGeom>
+        </p:spPr>
+        <p:style>
+          <a:lnRef idx="1">
+            <a:schemeClr val="accent1"/>
+          </a:lnRef>
+          <a:fillRef idx="0">
+            <a:schemeClr val="accent1"/>
+          </a:fillRef>
+          <a:effectRef idx="0">
+            <a:schemeClr val="accent1"/>
+          </a:effectRef>
+          <a:fontRef idx="minor">
+            <a:schemeClr val="tx1"/>
+          </a:fontRef>
+        </p:style>
+      </p:cxnSp>
     </p:spTree>
     <p:extLst>
       <p:ext uri="{BB962C8B-B14F-4D97-AF65-F5344CB8AC3E}">
         <p14:creationId xmlns:p14="http://schemas.microsoft.com/office/powerpoint/2010/main" val="658361561"/>
+      </p:ext>
+    </p:extLst>
+  </p:cSld>
+  <p:clrMapOvr>
+    <a:masterClrMapping/>
+  </p:clrMapOvr>
+</p:sld>
+</file>
+
+<file path=ppt/slides/slide14.xml><?xml version="1.0" encoding="utf-8"?>
+<p:sld xmlns:a="http://schemas.openxmlformats.org/drawingml/2006/main" xmlns:r="http://schemas.openxmlformats.org/officeDocument/2006/relationships" xmlns:p="http://schemas.openxmlformats.org/presentationml/2006/main">
+  <p:cSld>
+    <p:spTree>
+      <p:nvGrpSpPr>
+        <p:cNvPr id="1" name=""/>
+        <p:cNvGrpSpPr/>
+        <p:nvPr/>
+      </p:nvGrpSpPr>
+      <p:grpSpPr>
+        <a:xfrm>
+          <a:off x="0" y="0"/>
+          <a:ext cx="0" cy="0"/>
+          <a:chOff x="0" y="0"/>
+          <a:chExt cx="0" cy="0"/>
+        </a:xfrm>
+      </p:grpSpPr>
+      <p:sp>
+        <p:nvSpPr>
+          <p:cNvPr id="2" name="타원 1">
+            <a:extLst>
+              <a:ext uri="{FF2B5EF4-FFF2-40B4-BE49-F238E27FC236}">
+                <a16:creationId xmlns:a16="http://schemas.microsoft.com/office/drawing/2014/main" id="{6965A2FD-8893-4A2D-B9EF-3A4C82AC0EA0}"/>
+              </a:ext>
+            </a:extLst>
+          </p:cNvPr>
+          <p:cNvSpPr/>
+          <p:nvPr/>
+        </p:nvSpPr>
+        <p:spPr>
+          <a:xfrm>
+            <a:off x="4995334" y="914401"/>
+            <a:ext cx="931333" cy="931333"/>
+          </a:xfrm>
+          <a:prstGeom prst="ellipse">
+            <a:avLst/>
+          </a:prstGeom>
+        </p:spPr>
+        <p:style>
+          <a:lnRef idx="2">
+            <a:schemeClr val="dk1"/>
+          </a:lnRef>
+          <a:fillRef idx="1">
+            <a:schemeClr val="lt1"/>
+          </a:fillRef>
+          <a:effectRef idx="0">
+            <a:schemeClr val="dk1"/>
+          </a:effectRef>
+          <a:fontRef idx="minor">
+            <a:schemeClr val="dk1"/>
+          </a:fontRef>
+        </p:style>
+        <p:txBody>
+          <a:bodyPr rtlCol="0" anchor="ctr"/>
+          <a:lstStyle/>
+          <a:p>
+            <a:pPr algn="ctr"/>
+            <a:r>
+              <a:rPr lang="en-US" altLang="ko-KR" sz="4400" dirty="0">
+                <a:latin typeface="Arial Black" panose="020B0A04020102020204" pitchFamily="34" charset="0"/>
+              </a:rPr>
+              <a:t>A</a:t>
+            </a:r>
+            <a:endParaRPr lang="ko-KR" altLang="en-US" sz="4400" dirty="0">
+              <a:latin typeface="Arial Black" panose="020B0A04020102020204" pitchFamily="34" charset="0"/>
+            </a:endParaRPr>
+          </a:p>
+        </p:txBody>
+      </p:sp>
+      <p:sp>
+        <p:nvSpPr>
+          <p:cNvPr id="3" name="타원 2">
+            <a:extLst>
+              <a:ext uri="{FF2B5EF4-FFF2-40B4-BE49-F238E27FC236}">
+                <a16:creationId xmlns:a16="http://schemas.microsoft.com/office/drawing/2014/main" id="{D22EF6FE-180F-48EB-8A4C-7BF0AA28EA47}"/>
+              </a:ext>
+            </a:extLst>
+          </p:cNvPr>
+          <p:cNvSpPr/>
+          <p:nvPr/>
+        </p:nvSpPr>
+        <p:spPr>
+          <a:xfrm>
+            <a:off x="3454401" y="2032001"/>
+            <a:ext cx="931333" cy="931333"/>
+          </a:xfrm>
+          <a:prstGeom prst="ellipse">
+            <a:avLst/>
+          </a:prstGeom>
+        </p:spPr>
+        <p:style>
+          <a:lnRef idx="2">
+            <a:schemeClr val="dk1"/>
+          </a:lnRef>
+          <a:fillRef idx="1">
+            <a:schemeClr val="lt1"/>
+          </a:fillRef>
+          <a:effectRef idx="0">
+            <a:schemeClr val="dk1"/>
+          </a:effectRef>
+          <a:fontRef idx="minor">
+            <a:schemeClr val="dk1"/>
+          </a:fontRef>
+        </p:style>
+        <p:txBody>
+          <a:bodyPr rtlCol="0" anchor="ctr"/>
+          <a:lstStyle/>
+          <a:p>
+            <a:pPr algn="ctr"/>
+            <a:r>
+              <a:rPr lang="en-US" altLang="ko-KR" sz="4400" dirty="0">
+                <a:latin typeface="Arial Black" panose="020B0A04020102020204" pitchFamily="34" charset="0"/>
+              </a:rPr>
+              <a:t>B</a:t>
+            </a:r>
+            <a:endParaRPr lang="ko-KR" altLang="en-US" sz="4400" dirty="0">
+              <a:latin typeface="Arial Black" panose="020B0A04020102020204" pitchFamily="34" charset="0"/>
+            </a:endParaRPr>
+          </a:p>
+        </p:txBody>
+      </p:sp>
+      <p:sp>
+        <p:nvSpPr>
+          <p:cNvPr id="4" name="타원 3">
+            <a:extLst>
+              <a:ext uri="{FF2B5EF4-FFF2-40B4-BE49-F238E27FC236}">
+                <a16:creationId xmlns:a16="http://schemas.microsoft.com/office/drawing/2014/main" id="{921FC681-25A7-409D-B0F1-D040553B1603}"/>
+              </a:ext>
+            </a:extLst>
+          </p:cNvPr>
+          <p:cNvSpPr/>
+          <p:nvPr/>
+        </p:nvSpPr>
+        <p:spPr>
+          <a:xfrm>
+            <a:off x="6722533" y="2032001"/>
+            <a:ext cx="931333" cy="931333"/>
+          </a:xfrm>
+          <a:prstGeom prst="ellipse">
+            <a:avLst/>
+          </a:prstGeom>
+        </p:spPr>
+        <p:style>
+          <a:lnRef idx="2">
+            <a:schemeClr val="dk1"/>
+          </a:lnRef>
+          <a:fillRef idx="1">
+            <a:schemeClr val="lt1"/>
+          </a:fillRef>
+          <a:effectRef idx="0">
+            <a:schemeClr val="dk1"/>
+          </a:effectRef>
+          <a:fontRef idx="minor">
+            <a:schemeClr val="dk1"/>
+          </a:fontRef>
+        </p:style>
+        <p:txBody>
+          <a:bodyPr rtlCol="0" anchor="ctr"/>
+          <a:lstStyle/>
+          <a:p>
+            <a:pPr algn="ctr"/>
+            <a:r>
+              <a:rPr lang="en-US" altLang="ko-KR" sz="4400" dirty="0">
+                <a:latin typeface="Arial Black" panose="020B0A04020102020204" pitchFamily="34" charset="0"/>
+              </a:rPr>
+              <a:t>C</a:t>
+            </a:r>
+            <a:endParaRPr lang="ko-KR" altLang="en-US" sz="4400" dirty="0">
+              <a:latin typeface="Arial Black" panose="020B0A04020102020204" pitchFamily="34" charset="0"/>
+            </a:endParaRPr>
+          </a:p>
+        </p:txBody>
+      </p:sp>
+      <p:sp>
+        <p:nvSpPr>
+          <p:cNvPr id="5" name="타원 4">
+            <a:extLst>
+              <a:ext uri="{FF2B5EF4-FFF2-40B4-BE49-F238E27FC236}">
+                <a16:creationId xmlns:a16="http://schemas.microsoft.com/office/drawing/2014/main" id="{0AFF2217-13DB-423F-B23A-297C8DC3131F}"/>
+              </a:ext>
+            </a:extLst>
+          </p:cNvPr>
+          <p:cNvSpPr/>
+          <p:nvPr/>
+        </p:nvSpPr>
+        <p:spPr>
+          <a:xfrm>
+            <a:off x="2463802" y="3429000"/>
+            <a:ext cx="931333" cy="931333"/>
+          </a:xfrm>
+          <a:prstGeom prst="ellipse">
+            <a:avLst/>
+          </a:prstGeom>
+        </p:spPr>
+        <p:style>
+          <a:lnRef idx="2">
+            <a:schemeClr val="dk1"/>
+          </a:lnRef>
+          <a:fillRef idx="1">
+            <a:schemeClr val="lt1"/>
+          </a:fillRef>
+          <a:effectRef idx="0">
+            <a:schemeClr val="dk1"/>
+          </a:effectRef>
+          <a:fontRef idx="minor">
+            <a:schemeClr val="dk1"/>
+          </a:fontRef>
+        </p:style>
+        <p:txBody>
+          <a:bodyPr rtlCol="0" anchor="ctr"/>
+          <a:lstStyle/>
+          <a:p>
+            <a:pPr algn="ctr"/>
+            <a:r>
+              <a:rPr lang="en-US" altLang="ko-KR" sz="4400" dirty="0">
+                <a:latin typeface="Arial Black" panose="020B0A04020102020204" pitchFamily="34" charset="0"/>
+              </a:rPr>
+              <a:t>D</a:t>
+            </a:r>
+            <a:endParaRPr lang="ko-KR" altLang="en-US" sz="4400" dirty="0">
+              <a:latin typeface="Arial Black" panose="020B0A04020102020204" pitchFamily="34" charset="0"/>
+            </a:endParaRPr>
+          </a:p>
+        </p:txBody>
+      </p:sp>
+      <p:sp>
+        <p:nvSpPr>
+          <p:cNvPr id="6" name="타원 5">
+            <a:extLst>
+              <a:ext uri="{FF2B5EF4-FFF2-40B4-BE49-F238E27FC236}">
+                <a16:creationId xmlns:a16="http://schemas.microsoft.com/office/drawing/2014/main" id="{B7A601EF-237D-4027-BE5C-DB2C22395941}"/>
+              </a:ext>
+            </a:extLst>
+          </p:cNvPr>
+          <p:cNvSpPr/>
+          <p:nvPr/>
+        </p:nvSpPr>
+        <p:spPr>
+          <a:xfrm>
+            <a:off x="4385734" y="3429000"/>
+            <a:ext cx="931333" cy="931333"/>
+          </a:xfrm>
+          <a:prstGeom prst="ellipse">
+            <a:avLst/>
+          </a:prstGeom>
+        </p:spPr>
+        <p:style>
+          <a:lnRef idx="2">
+            <a:schemeClr val="dk1"/>
+          </a:lnRef>
+          <a:fillRef idx="1">
+            <a:schemeClr val="lt1"/>
+          </a:fillRef>
+          <a:effectRef idx="0">
+            <a:schemeClr val="dk1"/>
+          </a:effectRef>
+          <a:fontRef idx="minor">
+            <a:schemeClr val="dk1"/>
+          </a:fontRef>
+        </p:style>
+        <p:txBody>
+          <a:bodyPr rtlCol="0" anchor="ctr"/>
+          <a:lstStyle/>
+          <a:p>
+            <a:pPr algn="ctr"/>
+            <a:r>
+              <a:rPr lang="en-US" altLang="ko-KR" sz="4400" dirty="0">
+                <a:latin typeface="Arial Black" panose="020B0A04020102020204" pitchFamily="34" charset="0"/>
+              </a:rPr>
+              <a:t>E</a:t>
+            </a:r>
+            <a:endParaRPr lang="ko-KR" altLang="en-US" sz="4400" dirty="0">
+              <a:latin typeface="Arial Black" panose="020B0A04020102020204" pitchFamily="34" charset="0"/>
+            </a:endParaRPr>
+          </a:p>
+        </p:txBody>
+      </p:sp>
+      <p:sp>
+        <p:nvSpPr>
+          <p:cNvPr id="7" name="타원 6">
+            <a:extLst>
+              <a:ext uri="{FF2B5EF4-FFF2-40B4-BE49-F238E27FC236}">
+                <a16:creationId xmlns:a16="http://schemas.microsoft.com/office/drawing/2014/main" id="{64D110D9-2BE2-4FD3-B08F-8B59AFB03CB4}"/>
+              </a:ext>
+            </a:extLst>
+          </p:cNvPr>
+          <p:cNvSpPr/>
+          <p:nvPr/>
+        </p:nvSpPr>
+        <p:spPr>
+          <a:xfrm>
+            <a:off x="6096000" y="3429000"/>
+            <a:ext cx="931333" cy="931333"/>
+          </a:xfrm>
+          <a:prstGeom prst="ellipse">
+            <a:avLst/>
+          </a:prstGeom>
+        </p:spPr>
+        <p:style>
+          <a:lnRef idx="2">
+            <a:schemeClr val="dk1"/>
+          </a:lnRef>
+          <a:fillRef idx="1">
+            <a:schemeClr val="lt1"/>
+          </a:fillRef>
+          <a:effectRef idx="0">
+            <a:schemeClr val="dk1"/>
+          </a:effectRef>
+          <a:fontRef idx="minor">
+            <a:schemeClr val="dk1"/>
+          </a:fontRef>
+        </p:style>
+        <p:txBody>
+          <a:bodyPr rtlCol="0" anchor="ctr"/>
+          <a:lstStyle/>
+          <a:p>
+            <a:pPr algn="ctr"/>
+            <a:r>
+              <a:rPr lang="en-US" altLang="ko-KR" sz="4400" dirty="0">
+                <a:latin typeface="Arial Black" panose="020B0A04020102020204" pitchFamily="34" charset="0"/>
+              </a:rPr>
+              <a:t>F</a:t>
+            </a:r>
+            <a:endParaRPr lang="ko-KR" altLang="en-US" sz="4400" dirty="0">
+              <a:latin typeface="Arial Black" panose="020B0A04020102020204" pitchFamily="34" charset="0"/>
+            </a:endParaRPr>
+          </a:p>
+        </p:txBody>
+      </p:sp>
+      <p:sp>
+        <p:nvSpPr>
+          <p:cNvPr id="8" name="타원 7">
+            <a:extLst>
+              <a:ext uri="{FF2B5EF4-FFF2-40B4-BE49-F238E27FC236}">
+                <a16:creationId xmlns:a16="http://schemas.microsoft.com/office/drawing/2014/main" id="{1FD2A225-77DD-4492-AA6E-42A610C467C5}"/>
+              </a:ext>
+            </a:extLst>
+          </p:cNvPr>
+          <p:cNvSpPr/>
+          <p:nvPr/>
+        </p:nvSpPr>
+        <p:spPr>
+          <a:xfrm>
+            <a:off x="7865534" y="3302001"/>
+            <a:ext cx="931333" cy="931333"/>
+          </a:xfrm>
+          <a:prstGeom prst="ellipse">
+            <a:avLst/>
+          </a:prstGeom>
+        </p:spPr>
+        <p:style>
+          <a:lnRef idx="2">
+            <a:schemeClr val="dk1"/>
+          </a:lnRef>
+          <a:fillRef idx="1">
+            <a:schemeClr val="lt1"/>
+          </a:fillRef>
+          <a:effectRef idx="0">
+            <a:schemeClr val="dk1"/>
+          </a:effectRef>
+          <a:fontRef idx="minor">
+            <a:schemeClr val="dk1"/>
+          </a:fontRef>
+        </p:style>
+        <p:txBody>
+          <a:bodyPr rtlCol="0" anchor="ctr"/>
+          <a:lstStyle/>
+          <a:p>
+            <a:pPr algn="ctr"/>
+            <a:r>
+              <a:rPr lang="en-US" altLang="ko-KR" sz="4400" dirty="0">
+                <a:latin typeface="Arial Black" panose="020B0A04020102020204" pitchFamily="34" charset="0"/>
+              </a:rPr>
+              <a:t>G</a:t>
+            </a:r>
+            <a:endParaRPr lang="ko-KR" altLang="en-US" sz="4400" dirty="0">
+              <a:latin typeface="Arial Black" panose="020B0A04020102020204" pitchFamily="34" charset="0"/>
+            </a:endParaRPr>
+          </a:p>
+        </p:txBody>
+      </p:sp>
+      <p:cxnSp>
+        <p:nvCxnSpPr>
+          <p:cNvPr id="9" name="직선 연결선 8">
+            <a:extLst>
+              <a:ext uri="{FF2B5EF4-FFF2-40B4-BE49-F238E27FC236}">
+                <a16:creationId xmlns:a16="http://schemas.microsoft.com/office/drawing/2014/main" id="{5BDAAE07-6ABB-464E-AB25-63140AEFA02B}"/>
+              </a:ext>
+            </a:extLst>
+          </p:cNvPr>
+          <p:cNvCxnSpPr>
+            <a:stCxn id="2" idx="3"/>
+            <a:endCxn id="3" idx="7"/>
+          </p:cNvCxnSpPr>
+          <p:nvPr/>
+        </p:nvCxnSpPr>
+        <p:spPr>
+          <a:xfrm flipH="1">
+            <a:off x="4249343" y="1709343"/>
+            <a:ext cx="882382" cy="459049"/>
+          </a:xfrm>
+          <a:prstGeom prst="line">
+            <a:avLst/>
+          </a:prstGeom>
+        </p:spPr>
+        <p:style>
+          <a:lnRef idx="1">
+            <a:schemeClr val="accent1"/>
+          </a:lnRef>
+          <a:fillRef idx="0">
+            <a:schemeClr val="accent1"/>
+          </a:fillRef>
+          <a:effectRef idx="0">
+            <a:schemeClr val="accent1"/>
+          </a:effectRef>
+          <a:fontRef idx="minor">
+            <a:schemeClr val="tx1"/>
+          </a:fontRef>
+        </p:style>
+      </p:cxnSp>
+      <p:cxnSp>
+        <p:nvCxnSpPr>
+          <p:cNvPr id="10" name="직선 연결선 9">
+            <a:extLst>
+              <a:ext uri="{FF2B5EF4-FFF2-40B4-BE49-F238E27FC236}">
+                <a16:creationId xmlns:a16="http://schemas.microsoft.com/office/drawing/2014/main" id="{C90A349D-9F0E-481D-9A06-E7F59CB7808A}"/>
+              </a:ext>
+            </a:extLst>
+          </p:cNvPr>
+          <p:cNvCxnSpPr>
+            <a:stCxn id="2" idx="5"/>
+            <a:endCxn id="4" idx="1"/>
+          </p:cNvCxnSpPr>
+          <p:nvPr/>
+        </p:nvCxnSpPr>
+        <p:spPr>
+          <a:xfrm>
+            <a:off x="5790276" y="1709343"/>
+            <a:ext cx="1068648" cy="459049"/>
+          </a:xfrm>
+          <a:prstGeom prst="line">
+            <a:avLst/>
+          </a:prstGeom>
+        </p:spPr>
+        <p:style>
+          <a:lnRef idx="1">
+            <a:schemeClr val="accent1"/>
+          </a:lnRef>
+          <a:fillRef idx="0">
+            <a:schemeClr val="accent1"/>
+          </a:fillRef>
+          <a:effectRef idx="0">
+            <a:schemeClr val="accent1"/>
+          </a:effectRef>
+          <a:fontRef idx="minor">
+            <a:schemeClr val="tx1"/>
+          </a:fontRef>
+        </p:style>
+      </p:cxnSp>
+      <p:cxnSp>
+        <p:nvCxnSpPr>
+          <p:cNvPr id="11" name="직선 연결선 10">
+            <a:extLst>
+              <a:ext uri="{FF2B5EF4-FFF2-40B4-BE49-F238E27FC236}">
+                <a16:creationId xmlns:a16="http://schemas.microsoft.com/office/drawing/2014/main" id="{3CEEDBBB-0498-49F2-BAD2-CAF77F28E87B}"/>
+              </a:ext>
+            </a:extLst>
+          </p:cNvPr>
+          <p:cNvCxnSpPr>
+            <a:stCxn id="3" idx="3"/>
+            <a:endCxn id="5" idx="0"/>
+          </p:cNvCxnSpPr>
+          <p:nvPr/>
+        </p:nvCxnSpPr>
+        <p:spPr>
+          <a:xfrm flipH="1">
+            <a:off x="2929469" y="2826943"/>
+            <a:ext cx="661323" cy="602057"/>
+          </a:xfrm>
+          <a:prstGeom prst="line">
+            <a:avLst/>
+          </a:prstGeom>
+        </p:spPr>
+        <p:style>
+          <a:lnRef idx="1">
+            <a:schemeClr val="accent1"/>
+          </a:lnRef>
+          <a:fillRef idx="0">
+            <a:schemeClr val="accent1"/>
+          </a:fillRef>
+          <a:effectRef idx="0">
+            <a:schemeClr val="accent1"/>
+          </a:effectRef>
+          <a:fontRef idx="minor">
+            <a:schemeClr val="tx1"/>
+          </a:fontRef>
+        </p:style>
+      </p:cxnSp>
+      <p:cxnSp>
+        <p:nvCxnSpPr>
+          <p:cNvPr id="12" name="직선 연결선 11">
+            <a:extLst>
+              <a:ext uri="{FF2B5EF4-FFF2-40B4-BE49-F238E27FC236}">
+                <a16:creationId xmlns:a16="http://schemas.microsoft.com/office/drawing/2014/main" id="{C99890F9-D8DA-4C1D-93EA-4B52191A1086}"/>
+              </a:ext>
+            </a:extLst>
+          </p:cNvPr>
+          <p:cNvCxnSpPr>
+            <a:stCxn id="3" idx="5"/>
+            <a:endCxn id="6" idx="0"/>
+          </p:cNvCxnSpPr>
+          <p:nvPr/>
+        </p:nvCxnSpPr>
+        <p:spPr>
+          <a:xfrm>
+            <a:off x="4249343" y="2826943"/>
+            <a:ext cx="602058" cy="602057"/>
+          </a:xfrm>
+          <a:prstGeom prst="line">
+            <a:avLst/>
+          </a:prstGeom>
+        </p:spPr>
+        <p:style>
+          <a:lnRef idx="1">
+            <a:schemeClr val="accent1"/>
+          </a:lnRef>
+          <a:fillRef idx="0">
+            <a:schemeClr val="accent1"/>
+          </a:fillRef>
+          <a:effectRef idx="0">
+            <a:schemeClr val="accent1"/>
+          </a:effectRef>
+          <a:fontRef idx="minor">
+            <a:schemeClr val="tx1"/>
+          </a:fontRef>
+        </p:style>
+      </p:cxnSp>
+      <p:cxnSp>
+        <p:nvCxnSpPr>
+          <p:cNvPr id="13" name="직선 연결선 12">
+            <a:extLst>
+              <a:ext uri="{FF2B5EF4-FFF2-40B4-BE49-F238E27FC236}">
+                <a16:creationId xmlns:a16="http://schemas.microsoft.com/office/drawing/2014/main" id="{6DAC89EA-FC9A-4E2C-B1CC-0B681EA2D724}"/>
+              </a:ext>
+            </a:extLst>
+          </p:cNvPr>
+          <p:cNvCxnSpPr>
+            <a:stCxn id="4" idx="3"/>
+            <a:endCxn id="7" idx="0"/>
+          </p:cNvCxnSpPr>
+          <p:nvPr/>
+        </p:nvCxnSpPr>
+        <p:spPr>
+          <a:xfrm flipH="1">
+            <a:off x="6561667" y="2826943"/>
+            <a:ext cx="297257" cy="602057"/>
+          </a:xfrm>
+          <a:prstGeom prst="line">
+            <a:avLst/>
+          </a:prstGeom>
+        </p:spPr>
+        <p:style>
+          <a:lnRef idx="1">
+            <a:schemeClr val="accent1"/>
+          </a:lnRef>
+          <a:fillRef idx="0">
+            <a:schemeClr val="accent1"/>
+          </a:fillRef>
+          <a:effectRef idx="0">
+            <a:schemeClr val="accent1"/>
+          </a:effectRef>
+          <a:fontRef idx="minor">
+            <a:schemeClr val="tx1"/>
+          </a:fontRef>
+        </p:style>
+      </p:cxnSp>
+      <p:cxnSp>
+        <p:nvCxnSpPr>
+          <p:cNvPr id="14" name="직선 연결선 13">
+            <a:extLst>
+              <a:ext uri="{FF2B5EF4-FFF2-40B4-BE49-F238E27FC236}">
+                <a16:creationId xmlns:a16="http://schemas.microsoft.com/office/drawing/2014/main" id="{6FBD25E7-15AE-46CD-9D4C-6FADB5832335}"/>
+              </a:ext>
+            </a:extLst>
+          </p:cNvPr>
+          <p:cNvCxnSpPr>
+            <a:stCxn id="4" idx="5"/>
+            <a:endCxn id="8" idx="1"/>
+          </p:cNvCxnSpPr>
+          <p:nvPr/>
+        </p:nvCxnSpPr>
+        <p:spPr>
+          <a:xfrm>
+            <a:off x="7517475" y="2826943"/>
+            <a:ext cx="484450" cy="611449"/>
+          </a:xfrm>
+          <a:prstGeom prst="line">
+            <a:avLst/>
+          </a:prstGeom>
+        </p:spPr>
+        <p:style>
+          <a:lnRef idx="1">
+            <a:schemeClr val="accent1"/>
+          </a:lnRef>
+          <a:fillRef idx="0">
+            <a:schemeClr val="accent1"/>
+          </a:fillRef>
+          <a:effectRef idx="0">
+            <a:schemeClr val="accent1"/>
+          </a:effectRef>
+          <a:fontRef idx="minor">
+            <a:schemeClr val="tx1"/>
+          </a:fontRef>
+        </p:style>
+      </p:cxnSp>
+    </p:spTree>
+    <p:extLst>
+      <p:ext uri="{BB962C8B-B14F-4D97-AF65-F5344CB8AC3E}">
+        <p14:creationId xmlns:p14="http://schemas.microsoft.com/office/powerpoint/2010/main" val="4111581614"/>
+      </p:ext>
+    </p:extLst>
+  </p:cSld>
+  <p:clrMapOvr>
+    <a:masterClrMapping/>
+  </p:clrMapOvr>
+</p:sld>
+</file>
+
+<file path=ppt/slides/slide15.xml><?xml version="1.0" encoding="utf-8"?>
+<p:sld xmlns:a="http://schemas.openxmlformats.org/drawingml/2006/main" xmlns:r="http://schemas.openxmlformats.org/officeDocument/2006/relationships" xmlns:p="http://schemas.openxmlformats.org/presentationml/2006/main">
+  <p:cSld>
+    <p:spTree>
+      <p:nvGrpSpPr>
+        <p:cNvPr id="1" name=""/>
+        <p:cNvGrpSpPr/>
+        <p:nvPr/>
+      </p:nvGrpSpPr>
+      <p:grpSpPr>
+        <a:xfrm>
+          <a:off x="0" y="0"/>
+          <a:ext cx="0" cy="0"/>
+          <a:chOff x="0" y="0"/>
+          <a:chExt cx="0" cy="0"/>
+        </a:xfrm>
+      </p:grpSpPr>
+      <p:sp>
+        <p:nvSpPr>
+          <p:cNvPr id="2" name="타원 1">
+            <a:extLst>
+              <a:ext uri="{FF2B5EF4-FFF2-40B4-BE49-F238E27FC236}">
+                <a16:creationId xmlns:a16="http://schemas.microsoft.com/office/drawing/2014/main" id="{4C83DE67-CCEE-46FE-B5A8-F167AB3804CD}"/>
+              </a:ext>
+            </a:extLst>
+          </p:cNvPr>
+          <p:cNvSpPr/>
+          <p:nvPr/>
+        </p:nvSpPr>
+        <p:spPr>
+          <a:xfrm>
+            <a:off x="4995334" y="914401"/>
+            <a:ext cx="931333" cy="931333"/>
+          </a:xfrm>
+          <a:prstGeom prst="ellipse">
+            <a:avLst/>
+          </a:prstGeom>
+        </p:spPr>
+        <p:style>
+          <a:lnRef idx="2">
+            <a:schemeClr val="dk1"/>
+          </a:lnRef>
+          <a:fillRef idx="1">
+            <a:schemeClr val="lt1"/>
+          </a:fillRef>
+          <a:effectRef idx="0">
+            <a:schemeClr val="dk1"/>
+          </a:effectRef>
+          <a:fontRef idx="minor">
+            <a:schemeClr val="dk1"/>
+          </a:fontRef>
+        </p:style>
+        <p:txBody>
+          <a:bodyPr rtlCol="0" anchor="ctr"/>
+          <a:lstStyle/>
+          <a:p>
+            <a:pPr algn="ctr"/>
+            <a:r>
+              <a:rPr lang="en-US" altLang="ko-KR" sz="4400" dirty="0">
+                <a:latin typeface="Arial Black" panose="020B0A04020102020204" pitchFamily="34" charset="0"/>
+              </a:rPr>
+              <a:t>A</a:t>
+            </a:r>
+            <a:endParaRPr lang="ko-KR" altLang="en-US" sz="4400" dirty="0">
+              <a:latin typeface="Arial Black" panose="020B0A04020102020204" pitchFamily="34" charset="0"/>
+            </a:endParaRPr>
+          </a:p>
+        </p:txBody>
+      </p:sp>
+      <p:sp>
+        <p:nvSpPr>
+          <p:cNvPr id="3" name="타원 2">
+            <a:extLst>
+              <a:ext uri="{FF2B5EF4-FFF2-40B4-BE49-F238E27FC236}">
+                <a16:creationId xmlns:a16="http://schemas.microsoft.com/office/drawing/2014/main" id="{DFC5B9CA-263F-4F14-9E37-EB23D34B9FFE}"/>
+              </a:ext>
+            </a:extLst>
+          </p:cNvPr>
+          <p:cNvSpPr/>
+          <p:nvPr/>
+        </p:nvSpPr>
+        <p:spPr>
+          <a:xfrm>
+            <a:off x="3454401" y="2032001"/>
+            <a:ext cx="931333" cy="931333"/>
+          </a:xfrm>
+          <a:prstGeom prst="ellipse">
+            <a:avLst/>
+          </a:prstGeom>
+        </p:spPr>
+        <p:style>
+          <a:lnRef idx="2">
+            <a:schemeClr val="dk1"/>
+          </a:lnRef>
+          <a:fillRef idx="1">
+            <a:schemeClr val="lt1"/>
+          </a:fillRef>
+          <a:effectRef idx="0">
+            <a:schemeClr val="dk1"/>
+          </a:effectRef>
+          <a:fontRef idx="minor">
+            <a:schemeClr val="dk1"/>
+          </a:fontRef>
+        </p:style>
+        <p:txBody>
+          <a:bodyPr rtlCol="0" anchor="ctr"/>
+          <a:lstStyle/>
+          <a:p>
+            <a:pPr algn="ctr"/>
+            <a:r>
+              <a:rPr lang="en-US" altLang="ko-KR" sz="4400" dirty="0">
+                <a:latin typeface="Arial Black" panose="020B0A04020102020204" pitchFamily="34" charset="0"/>
+              </a:rPr>
+              <a:t>B</a:t>
+            </a:r>
+            <a:endParaRPr lang="ko-KR" altLang="en-US" sz="4400" dirty="0">
+              <a:latin typeface="Arial Black" panose="020B0A04020102020204" pitchFamily="34" charset="0"/>
+            </a:endParaRPr>
+          </a:p>
+        </p:txBody>
+      </p:sp>
+      <p:sp>
+        <p:nvSpPr>
+          <p:cNvPr id="4" name="타원 3">
+            <a:extLst>
+              <a:ext uri="{FF2B5EF4-FFF2-40B4-BE49-F238E27FC236}">
+                <a16:creationId xmlns:a16="http://schemas.microsoft.com/office/drawing/2014/main" id="{F561A0C1-E4C7-4467-9E75-5D99DCDE0B3A}"/>
+              </a:ext>
+            </a:extLst>
+          </p:cNvPr>
+          <p:cNvSpPr/>
+          <p:nvPr/>
+        </p:nvSpPr>
+        <p:spPr>
+          <a:xfrm>
+            <a:off x="6722533" y="2032001"/>
+            <a:ext cx="931333" cy="931333"/>
+          </a:xfrm>
+          <a:prstGeom prst="ellipse">
+            <a:avLst/>
+          </a:prstGeom>
+        </p:spPr>
+        <p:style>
+          <a:lnRef idx="2">
+            <a:schemeClr val="dk1"/>
+          </a:lnRef>
+          <a:fillRef idx="1">
+            <a:schemeClr val="lt1"/>
+          </a:fillRef>
+          <a:effectRef idx="0">
+            <a:schemeClr val="dk1"/>
+          </a:effectRef>
+          <a:fontRef idx="minor">
+            <a:schemeClr val="dk1"/>
+          </a:fontRef>
+        </p:style>
+        <p:txBody>
+          <a:bodyPr rtlCol="0" anchor="ctr"/>
+          <a:lstStyle/>
+          <a:p>
+            <a:pPr algn="ctr"/>
+            <a:r>
+              <a:rPr lang="en-US" altLang="ko-KR" sz="4400" dirty="0">
+                <a:latin typeface="Arial Black" panose="020B0A04020102020204" pitchFamily="34" charset="0"/>
+              </a:rPr>
+              <a:t>C</a:t>
+            </a:r>
+            <a:endParaRPr lang="ko-KR" altLang="en-US" sz="4400" dirty="0">
+              <a:latin typeface="Arial Black" panose="020B0A04020102020204" pitchFamily="34" charset="0"/>
+            </a:endParaRPr>
+          </a:p>
+        </p:txBody>
+      </p:sp>
+      <p:sp>
+        <p:nvSpPr>
+          <p:cNvPr id="5" name="타원 4">
+            <a:extLst>
+              <a:ext uri="{FF2B5EF4-FFF2-40B4-BE49-F238E27FC236}">
+                <a16:creationId xmlns:a16="http://schemas.microsoft.com/office/drawing/2014/main" id="{CB5B4E29-96DC-4C85-B10A-59CD6C912A38}"/>
+              </a:ext>
+            </a:extLst>
+          </p:cNvPr>
+          <p:cNvSpPr/>
+          <p:nvPr/>
+        </p:nvSpPr>
+        <p:spPr>
+          <a:xfrm>
+            <a:off x="2463802" y="3429000"/>
+            <a:ext cx="931333" cy="931333"/>
+          </a:xfrm>
+          <a:prstGeom prst="ellipse">
+            <a:avLst/>
+          </a:prstGeom>
+        </p:spPr>
+        <p:style>
+          <a:lnRef idx="2">
+            <a:schemeClr val="dk1"/>
+          </a:lnRef>
+          <a:fillRef idx="1">
+            <a:schemeClr val="lt1"/>
+          </a:fillRef>
+          <a:effectRef idx="0">
+            <a:schemeClr val="dk1"/>
+          </a:effectRef>
+          <a:fontRef idx="minor">
+            <a:schemeClr val="dk1"/>
+          </a:fontRef>
+        </p:style>
+        <p:txBody>
+          <a:bodyPr rtlCol="0" anchor="ctr"/>
+          <a:lstStyle/>
+          <a:p>
+            <a:pPr algn="ctr"/>
+            <a:r>
+              <a:rPr lang="en-US" altLang="ko-KR" sz="4400" dirty="0">
+                <a:latin typeface="Arial Black" panose="020B0A04020102020204" pitchFamily="34" charset="0"/>
+              </a:rPr>
+              <a:t>D</a:t>
+            </a:r>
+            <a:endParaRPr lang="ko-KR" altLang="en-US" sz="4400" dirty="0">
+              <a:latin typeface="Arial Black" panose="020B0A04020102020204" pitchFamily="34" charset="0"/>
+            </a:endParaRPr>
+          </a:p>
+        </p:txBody>
+      </p:sp>
+      <p:sp>
+        <p:nvSpPr>
+          <p:cNvPr id="6" name="타원 5">
+            <a:extLst>
+              <a:ext uri="{FF2B5EF4-FFF2-40B4-BE49-F238E27FC236}">
+                <a16:creationId xmlns:a16="http://schemas.microsoft.com/office/drawing/2014/main" id="{19390A25-7055-40D1-B806-19DEAB94620B}"/>
+              </a:ext>
+            </a:extLst>
+          </p:cNvPr>
+          <p:cNvSpPr/>
+          <p:nvPr/>
+        </p:nvSpPr>
+        <p:spPr>
+          <a:xfrm>
+            <a:off x="4385734" y="3429000"/>
+            <a:ext cx="931333" cy="931333"/>
+          </a:xfrm>
+          <a:prstGeom prst="ellipse">
+            <a:avLst/>
+          </a:prstGeom>
+        </p:spPr>
+        <p:style>
+          <a:lnRef idx="2">
+            <a:schemeClr val="dk1"/>
+          </a:lnRef>
+          <a:fillRef idx="1">
+            <a:schemeClr val="lt1"/>
+          </a:fillRef>
+          <a:effectRef idx="0">
+            <a:schemeClr val="dk1"/>
+          </a:effectRef>
+          <a:fontRef idx="minor">
+            <a:schemeClr val="dk1"/>
+          </a:fontRef>
+        </p:style>
+        <p:txBody>
+          <a:bodyPr rtlCol="0" anchor="ctr"/>
+          <a:lstStyle/>
+          <a:p>
+            <a:pPr algn="ctr"/>
+            <a:r>
+              <a:rPr lang="en-US" altLang="ko-KR" sz="4400" dirty="0">
+                <a:latin typeface="Arial Black" panose="020B0A04020102020204" pitchFamily="34" charset="0"/>
+              </a:rPr>
+              <a:t>E</a:t>
+            </a:r>
+            <a:endParaRPr lang="ko-KR" altLang="en-US" sz="4400" dirty="0">
+              <a:latin typeface="Arial Black" panose="020B0A04020102020204" pitchFamily="34" charset="0"/>
+            </a:endParaRPr>
+          </a:p>
+        </p:txBody>
+      </p:sp>
+      <p:sp>
+        <p:nvSpPr>
+          <p:cNvPr id="7" name="타원 6">
+            <a:extLst>
+              <a:ext uri="{FF2B5EF4-FFF2-40B4-BE49-F238E27FC236}">
+                <a16:creationId xmlns:a16="http://schemas.microsoft.com/office/drawing/2014/main" id="{D3A013DD-69A9-428F-8A1E-E8D2CA2E6355}"/>
+              </a:ext>
+            </a:extLst>
+          </p:cNvPr>
+          <p:cNvSpPr/>
+          <p:nvPr/>
+        </p:nvSpPr>
+        <p:spPr>
+          <a:xfrm>
+            <a:off x="6096000" y="3429000"/>
+            <a:ext cx="931333" cy="931333"/>
+          </a:xfrm>
+          <a:prstGeom prst="ellipse">
+            <a:avLst/>
+          </a:prstGeom>
+        </p:spPr>
+        <p:style>
+          <a:lnRef idx="2">
+            <a:schemeClr val="dk1"/>
+          </a:lnRef>
+          <a:fillRef idx="1">
+            <a:schemeClr val="lt1"/>
+          </a:fillRef>
+          <a:effectRef idx="0">
+            <a:schemeClr val="dk1"/>
+          </a:effectRef>
+          <a:fontRef idx="minor">
+            <a:schemeClr val="dk1"/>
+          </a:fontRef>
+        </p:style>
+        <p:txBody>
+          <a:bodyPr rtlCol="0" anchor="ctr"/>
+          <a:lstStyle/>
+          <a:p>
+            <a:pPr algn="ctr"/>
+            <a:r>
+              <a:rPr lang="en-US" altLang="ko-KR" sz="4400" dirty="0">
+                <a:latin typeface="Arial Black" panose="020B0A04020102020204" pitchFamily="34" charset="0"/>
+              </a:rPr>
+              <a:t>F</a:t>
+            </a:r>
+            <a:endParaRPr lang="ko-KR" altLang="en-US" sz="4400" dirty="0">
+              <a:latin typeface="Arial Black" panose="020B0A04020102020204" pitchFamily="34" charset="0"/>
+            </a:endParaRPr>
+          </a:p>
+        </p:txBody>
+      </p:sp>
+      <p:sp>
+        <p:nvSpPr>
+          <p:cNvPr id="8" name="타원 7">
+            <a:extLst>
+              <a:ext uri="{FF2B5EF4-FFF2-40B4-BE49-F238E27FC236}">
+                <a16:creationId xmlns:a16="http://schemas.microsoft.com/office/drawing/2014/main" id="{52A41644-C794-445A-9823-5809EB04041C}"/>
+              </a:ext>
+            </a:extLst>
+          </p:cNvPr>
+          <p:cNvSpPr/>
+          <p:nvPr/>
+        </p:nvSpPr>
+        <p:spPr>
+          <a:xfrm>
+            <a:off x="7865534" y="3302001"/>
+            <a:ext cx="931333" cy="931333"/>
+          </a:xfrm>
+          <a:prstGeom prst="ellipse">
+            <a:avLst/>
+          </a:prstGeom>
+        </p:spPr>
+        <p:style>
+          <a:lnRef idx="2">
+            <a:schemeClr val="dk1"/>
+          </a:lnRef>
+          <a:fillRef idx="1">
+            <a:schemeClr val="lt1"/>
+          </a:fillRef>
+          <a:effectRef idx="0">
+            <a:schemeClr val="dk1"/>
+          </a:effectRef>
+          <a:fontRef idx="minor">
+            <a:schemeClr val="dk1"/>
+          </a:fontRef>
+        </p:style>
+        <p:txBody>
+          <a:bodyPr rtlCol="0" anchor="ctr"/>
+          <a:lstStyle/>
+          <a:p>
+            <a:pPr algn="ctr"/>
+            <a:r>
+              <a:rPr lang="en-US" altLang="ko-KR" sz="4400" dirty="0">
+                <a:latin typeface="Arial Black" panose="020B0A04020102020204" pitchFamily="34" charset="0"/>
+              </a:rPr>
+              <a:t>G</a:t>
+            </a:r>
+            <a:endParaRPr lang="ko-KR" altLang="en-US" sz="4400" dirty="0">
+              <a:latin typeface="Arial Black" panose="020B0A04020102020204" pitchFamily="34" charset="0"/>
+            </a:endParaRPr>
+          </a:p>
+        </p:txBody>
+      </p:sp>
+      <p:cxnSp>
+        <p:nvCxnSpPr>
+          <p:cNvPr id="9" name="직선 연결선 8">
+            <a:extLst>
+              <a:ext uri="{FF2B5EF4-FFF2-40B4-BE49-F238E27FC236}">
+                <a16:creationId xmlns:a16="http://schemas.microsoft.com/office/drawing/2014/main" id="{6860DFD1-2A8E-42B8-B5F7-2E98F160837C}"/>
+              </a:ext>
+            </a:extLst>
+          </p:cNvPr>
+          <p:cNvCxnSpPr>
+            <a:stCxn id="2" idx="3"/>
+            <a:endCxn id="3" idx="7"/>
+          </p:cNvCxnSpPr>
+          <p:nvPr/>
+        </p:nvCxnSpPr>
+        <p:spPr>
+          <a:xfrm flipH="1">
+            <a:off x="4249343" y="1709343"/>
+            <a:ext cx="882382" cy="459049"/>
+          </a:xfrm>
+          <a:prstGeom prst="line">
+            <a:avLst/>
+          </a:prstGeom>
+        </p:spPr>
+        <p:style>
+          <a:lnRef idx="1">
+            <a:schemeClr val="accent1"/>
+          </a:lnRef>
+          <a:fillRef idx="0">
+            <a:schemeClr val="accent1"/>
+          </a:fillRef>
+          <a:effectRef idx="0">
+            <a:schemeClr val="accent1"/>
+          </a:effectRef>
+          <a:fontRef idx="minor">
+            <a:schemeClr val="tx1"/>
+          </a:fontRef>
+        </p:style>
+      </p:cxnSp>
+      <p:cxnSp>
+        <p:nvCxnSpPr>
+          <p:cNvPr id="10" name="직선 연결선 9">
+            <a:extLst>
+              <a:ext uri="{FF2B5EF4-FFF2-40B4-BE49-F238E27FC236}">
+                <a16:creationId xmlns:a16="http://schemas.microsoft.com/office/drawing/2014/main" id="{D34BA408-DF0B-4C20-98B2-56CAD89CECB9}"/>
+              </a:ext>
+            </a:extLst>
+          </p:cNvPr>
+          <p:cNvCxnSpPr>
+            <a:stCxn id="2" idx="5"/>
+            <a:endCxn id="4" idx="1"/>
+          </p:cNvCxnSpPr>
+          <p:nvPr/>
+        </p:nvCxnSpPr>
+        <p:spPr>
+          <a:xfrm>
+            <a:off x="5790276" y="1709343"/>
+            <a:ext cx="1068648" cy="459049"/>
+          </a:xfrm>
+          <a:prstGeom prst="line">
+            <a:avLst/>
+          </a:prstGeom>
+        </p:spPr>
+        <p:style>
+          <a:lnRef idx="1">
+            <a:schemeClr val="accent1"/>
+          </a:lnRef>
+          <a:fillRef idx="0">
+            <a:schemeClr val="accent1"/>
+          </a:fillRef>
+          <a:effectRef idx="0">
+            <a:schemeClr val="accent1"/>
+          </a:effectRef>
+          <a:fontRef idx="minor">
+            <a:schemeClr val="tx1"/>
+          </a:fontRef>
+        </p:style>
+      </p:cxnSp>
+      <p:cxnSp>
+        <p:nvCxnSpPr>
+          <p:cNvPr id="11" name="직선 연결선 10">
+            <a:extLst>
+              <a:ext uri="{FF2B5EF4-FFF2-40B4-BE49-F238E27FC236}">
+                <a16:creationId xmlns:a16="http://schemas.microsoft.com/office/drawing/2014/main" id="{5038DD05-6A4C-4965-A1F1-880B45EB6920}"/>
+              </a:ext>
+            </a:extLst>
+          </p:cNvPr>
+          <p:cNvCxnSpPr>
+            <a:stCxn id="3" idx="3"/>
+            <a:endCxn id="5" idx="0"/>
+          </p:cNvCxnSpPr>
+          <p:nvPr/>
+        </p:nvCxnSpPr>
+        <p:spPr>
+          <a:xfrm flipH="1">
+            <a:off x="2929469" y="2826943"/>
+            <a:ext cx="661323" cy="602057"/>
+          </a:xfrm>
+          <a:prstGeom prst="line">
+            <a:avLst/>
+          </a:prstGeom>
+        </p:spPr>
+        <p:style>
+          <a:lnRef idx="1">
+            <a:schemeClr val="accent1"/>
+          </a:lnRef>
+          <a:fillRef idx="0">
+            <a:schemeClr val="accent1"/>
+          </a:fillRef>
+          <a:effectRef idx="0">
+            <a:schemeClr val="accent1"/>
+          </a:effectRef>
+          <a:fontRef idx="minor">
+            <a:schemeClr val="tx1"/>
+          </a:fontRef>
+        </p:style>
+      </p:cxnSp>
+      <p:cxnSp>
+        <p:nvCxnSpPr>
+          <p:cNvPr id="12" name="직선 연결선 11">
+            <a:extLst>
+              <a:ext uri="{FF2B5EF4-FFF2-40B4-BE49-F238E27FC236}">
+                <a16:creationId xmlns:a16="http://schemas.microsoft.com/office/drawing/2014/main" id="{BE3446A1-2572-4612-A13E-0884F439A537}"/>
+              </a:ext>
+            </a:extLst>
+          </p:cNvPr>
+          <p:cNvCxnSpPr>
+            <a:stCxn id="3" idx="5"/>
+            <a:endCxn id="6" idx="0"/>
+          </p:cNvCxnSpPr>
+          <p:nvPr/>
+        </p:nvCxnSpPr>
+        <p:spPr>
+          <a:xfrm>
+            <a:off x="4249343" y="2826943"/>
+            <a:ext cx="602058" cy="602057"/>
+          </a:xfrm>
+          <a:prstGeom prst="line">
+            <a:avLst/>
+          </a:prstGeom>
+        </p:spPr>
+        <p:style>
+          <a:lnRef idx="1">
+            <a:schemeClr val="accent1"/>
+          </a:lnRef>
+          <a:fillRef idx="0">
+            <a:schemeClr val="accent1"/>
+          </a:fillRef>
+          <a:effectRef idx="0">
+            <a:schemeClr val="accent1"/>
+          </a:effectRef>
+          <a:fontRef idx="minor">
+            <a:schemeClr val="tx1"/>
+          </a:fontRef>
+        </p:style>
+      </p:cxnSp>
+      <p:cxnSp>
+        <p:nvCxnSpPr>
+          <p:cNvPr id="13" name="직선 연결선 12">
+            <a:extLst>
+              <a:ext uri="{FF2B5EF4-FFF2-40B4-BE49-F238E27FC236}">
+                <a16:creationId xmlns:a16="http://schemas.microsoft.com/office/drawing/2014/main" id="{BCFA89CE-F42E-4BC9-B134-10BEE9E7043D}"/>
+              </a:ext>
+            </a:extLst>
+          </p:cNvPr>
+          <p:cNvCxnSpPr>
+            <a:stCxn id="4" idx="3"/>
+            <a:endCxn id="7" idx="0"/>
+          </p:cNvCxnSpPr>
+          <p:nvPr/>
+        </p:nvCxnSpPr>
+        <p:spPr>
+          <a:xfrm flipH="1">
+            <a:off x="6561667" y="2826943"/>
+            <a:ext cx="297257" cy="602057"/>
+          </a:xfrm>
+          <a:prstGeom prst="line">
+            <a:avLst/>
+          </a:prstGeom>
+        </p:spPr>
+        <p:style>
+          <a:lnRef idx="1">
+            <a:schemeClr val="accent1"/>
+          </a:lnRef>
+          <a:fillRef idx="0">
+            <a:schemeClr val="accent1"/>
+          </a:fillRef>
+          <a:effectRef idx="0">
+            <a:schemeClr val="accent1"/>
+          </a:effectRef>
+          <a:fontRef idx="minor">
+            <a:schemeClr val="tx1"/>
+          </a:fontRef>
+        </p:style>
+      </p:cxnSp>
+      <p:cxnSp>
+        <p:nvCxnSpPr>
+          <p:cNvPr id="14" name="직선 연결선 13">
+            <a:extLst>
+              <a:ext uri="{FF2B5EF4-FFF2-40B4-BE49-F238E27FC236}">
+                <a16:creationId xmlns:a16="http://schemas.microsoft.com/office/drawing/2014/main" id="{F65B6A62-DB22-4C78-A7FD-CB69C618C78E}"/>
+              </a:ext>
+            </a:extLst>
+          </p:cNvPr>
+          <p:cNvCxnSpPr>
+            <a:stCxn id="4" idx="5"/>
+            <a:endCxn id="8" idx="1"/>
+          </p:cNvCxnSpPr>
+          <p:nvPr/>
+        </p:nvCxnSpPr>
+        <p:spPr>
+          <a:xfrm>
+            <a:off x="7517475" y="2826943"/>
+            <a:ext cx="484450" cy="611449"/>
+          </a:xfrm>
+          <a:prstGeom prst="line">
+            <a:avLst/>
+          </a:prstGeom>
+        </p:spPr>
+        <p:style>
+          <a:lnRef idx="1">
+            <a:schemeClr val="accent1"/>
+          </a:lnRef>
+          <a:fillRef idx="0">
+            <a:schemeClr val="accent1"/>
+          </a:fillRef>
+          <a:effectRef idx="0">
+            <a:schemeClr val="accent1"/>
+          </a:effectRef>
+          <a:fontRef idx="minor">
+            <a:schemeClr val="tx1"/>
+          </a:fontRef>
+        </p:style>
+      </p:cxnSp>
+      <p:sp>
+        <p:nvSpPr>
+          <p:cNvPr id="15" name="TextBox 14">
+            <a:extLst>
+              <a:ext uri="{FF2B5EF4-FFF2-40B4-BE49-F238E27FC236}">
+                <a16:creationId xmlns:a16="http://schemas.microsoft.com/office/drawing/2014/main" id="{38AD2614-4AE9-405D-8085-305C5865542F}"/>
+              </a:ext>
+            </a:extLst>
+          </p:cNvPr>
+          <p:cNvSpPr txBox="1"/>
+          <p:nvPr/>
+        </p:nvSpPr>
+        <p:spPr>
+          <a:xfrm>
+            <a:off x="896543" y="4997272"/>
+            <a:ext cx="9787466" cy="646331"/>
+          </a:xfrm>
+          <a:prstGeom prst="rect">
+            <a:avLst/>
+          </a:prstGeom>
+          <a:noFill/>
+        </p:spPr>
+        <p:txBody>
+          <a:bodyPr wrap="square" rtlCol="0">
+            <a:spAutoFit/>
+          </a:bodyPr>
+          <a:lstStyle/>
+          <a:p>
+            <a:pPr algn="ctr"/>
+            <a:r>
+              <a:rPr lang="en-US" altLang="ko-KR" sz="3600" dirty="0"/>
+              <a:t>A -&gt; B -&gt; D -&gt; E -&gt; C -&gt; F -&gt; G</a:t>
+            </a:r>
+            <a:endParaRPr lang="ko-KR" altLang="en-US" sz="3600" dirty="0"/>
+          </a:p>
+        </p:txBody>
+      </p:sp>
+    </p:spTree>
+    <p:extLst>
+      <p:ext uri="{BB962C8B-B14F-4D97-AF65-F5344CB8AC3E}">
+        <p14:creationId xmlns:p14="http://schemas.microsoft.com/office/powerpoint/2010/main" val="2693309221"/>
+      </p:ext>
+    </p:extLst>
+  </p:cSld>
+  <p:clrMapOvr>
+    <a:masterClrMapping/>
+  </p:clrMapOvr>
+</p:sld>
+</file>
+
+<file path=ppt/slides/slide16.xml><?xml version="1.0" encoding="utf-8"?>
+<p:sld xmlns:a="http://schemas.openxmlformats.org/drawingml/2006/main" xmlns:r="http://schemas.openxmlformats.org/officeDocument/2006/relationships" xmlns:p="http://schemas.openxmlformats.org/presentationml/2006/main">
+  <p:cSld>
+    <p:spTree>
+      <p:nvGrpSpPr>
+        <p:cNvPr id="1" name=""/>
+        <p:cNvGrpSpPr/>
+        <p:nvPr/>
+      </p:nvGrpSpPr>
+      <p:grpSpPr>
+        <a:xfrm>
+          <a:off x="0" y="0"/>
+          <a:ext cx="0" cy="0"/>
+          <a:chOff x="0" y="0"/>
+          <a:chExt cx="0" cy="0"/>
+        </a:xfrm>
+      </p:grpSpPr>
+      <p:sp>
+        <p:nvSpPr>
+          <p:cNvPr id="2" name="타원 1">
+            <a:extLst>
+              <a:ext uri="{FF2B5EF4-FFF2-40B4-BE49-F238E27FC236}">
+                <a16:creationId xmlns:a16="http://schemas.microsoft.com/office/drawing/2014/main" id="{3EDED352-5054-460F-9AE0-22D2AE6CF601}"/>
+              </a:ext>
+            </a:extLst>
+          </p:cNvPr>
+          <p:cNvSpPr/>
+          <p:nvPr/>
+        </p:nvSpPr>
+        <p:spPr>
+          <a:xfrm>
+            <a:off x="4995334" y="914401"/>
+            <a:ext cx="931333" cy="931333"/>
+          </a:xfrm>
+          <a:prstGeom prst="ellipse">
+            <a:avLst/>
+          </a:prstGeom>
+        </p:spPr>
+        <p:style>
+          <a:lnRef idx="2">
+            <a:schemeClr val="dk1"/>
+          </a:lnRef>
+          <a:fillRef idx="1">
+            <a:schemeClr val="lt1"/>
+          </a:fillRef>
+          <a:effectRef idx="0">
+            <a:schemeClr val="dk1"/>
+          </a:effectRef>
+          <a:fontRef idx="minor">
+            <a:schemeClr val="dk1"/>
+          </a:fontRef>
+        </p:style>
+        <p:txBody>
+          <a:bodyPr rtlCol="0" anchor="ctr"/>
+          <a:lstStyle/>
+          <a:p>
+            <a:pPr algn="ctr"/>
+            <a:r>
+              <a:rPr lang="en-US" altLang="ko-KR" sz="4400" dirty="0">
+                <a:latin typeface="Arial Black" panose="020B0A04020102020204" pitchFamily="34" charset="0"/>
+              </a:rPr>
+              <a:t>A</a:t>
+            </a:r>
+            <a:endParaRPr lang="ko-KR" altLang="en-US" sz="4400" dirty="0">
+              <a:latin typeface="Arial Black" panose="020B0A04020102020204" pitchFamily="34" charset="0"/>
+            </a:endParaRPr>
+          </a:p>
+        </p:txBody>
+      </p:sp>
+      <p:sp>
+        <p:nvSpPr>
+          <p:cNvPr id="3" name="타원 2">
+            <a:extLst>
+              <a:ext uri="{FF2B5EF4-FFF2-40B4-BE49-F238E27FC236}">
+                <a16:creationId xmlns:a16="http://schemas.microsoft.com/office/drawing/2014/main" id="{995DDC71-A9F8-44FE-8D74-2A6E87820608}"/>
+              </a:ext>
+            </a:extLst>
+          </p:cNvPr>
+          <p:cNvSpPr/>
+          <p:nvPr/>
+        </p:nvSpPr>
+        <p:spPr>
+          <a:xfrm>
+            <a:off x="3454401" y="2032001"/>
+            <a:ext cx="931333" cy="931333"/>
+          </a:xfrm>
+          <a:prstGeom prst="ellipse">
+            <a:avLst/>
+          </a:prstGeom>
+        </p:spPr>
+        <p:style>
+          <a:lnRef idx="2">
+            <a:schemeClr val="dk1"/>
+          </a:lnRef>
+          <a:fillRef idx="1">
+            <a:schemeClr val="lt1"/>
+          </a:fillRef>
+          <a:effectRef idx="0">
+            <a:schemeClr val="dk1"/>
+          </a:effectRef>
+          <a:fontRef idx="minor">
+            <a:schemeClr val="dk1"/>
+          </a:fontRef>
+        </p:style>
+        <p:txBody>
+          <a:bodyPr rtlCol="0" anchor="ctr"/>
+          <a:lstStyle/>
+          <a:p>
+            <a:pPr algn="ctr"/>
+            <a:r>
+              <a:rPr lang="en-US" altLang="ko-KR" sz="4400" dirty="0">
+                <a:latin typeface="Arial Black" panose="020B0A04020102020204" pitchFamily="34" charset="0"/>
+              </a:rPr>
+              <a:t>B</a:t>
+            </a:r>
+            <a:endParaRPr lang="ko-KR" altLang="en-US" sz="4400" dirty="0">
+              <a:latin typeface="Arial Black" panose="020B0A04020102020204" pitchFamily="34" charset="0"/>
+            </a:endParaRPr>
+          </a:p>
+        </p:txBody>
+      </p:sp>
+      <p:sp>
+        <p:nvSpPr>
+          <p:cNvPr id="4" name="타원 3">
+            <a:extLst>
+              <a:ext uri="{FF2B5EF4-FFF2-40B4-BE49-F238E27FC236}">
+                <a16:creationId xmlns:a16="http://schemas.microsoft.com/office/drawing/2014/main" id="{C840C343-DE5A-4F3A-884D-92385D423419}"/>
+              </a:ext>
+            </a:extLst>
+          </p:cNvPr>
+          <p:cNvSpPr/>
+          <p:nvPr/>
+        </p:nvSpPr>
+        <p:spPr>
+          <a:xfrm>
+            <a:off x="6722533" y="2032001"/>
+            <a:ext cx="931333" cy="931333"/>
+          </a:xfrm>
+          <a:prstGeom prst="ellipse">
+            <a:avLst/>
+          </a:prstGeom>
+        </p:spPr>
+        <p:style>
+          <a:lnRef idx="2">
+            <a:schemeClr val="dk1"/>
+          </a:lnRef>
+          <a:fillRef idx="1">
+            <a:schemeClr val="lt1"/>
+          </a:fillRef>
+          <a:effectRef idx="0">
+            <a:schemeClr val="dk1"/>
+          </a:effectRef>
+          <a:fontRef idx="minor">
+            <a:schemeClr val="dk1"/>
+          </a:fontRef>
+        </p:style>
+        <p:txBody>
+          <a:bodyPr rtlCol="0" anchor="ctr"/>
+          <a:lstStyle/>
+          <a:p>
+            <a:pPr algn="ctr"/>
+            <a:r>
+              <a:rPr lang="en-US" altLang="ko-KR" sz="4400" dirty="0">
+                <a:latin typeface="Arial Black" panose="020B0A04020102020204" pitchFamily="34" charset="0"/>
+              </a:rPr>
+              <a:t>C</a:t>
+            </a:r>
+            <a:endParaRPr lang="ko-KR" altLang="en-US" sz="4400" dirty="0">
+              <a:latin typeface="Arial Black" panose="020B0A04020102020204" pitchFamily="34" charset="0"/>
+            </a:endParaRPr>
+          </a:p>
+        </p:txBody>
+      </p:sp>
+      <p:sp>
+        <p:nvSpPr>
+          <p:cNvPr id="5" name="타원 4">
+            <a:extLst>
+              <a:ext uri="{FF2B5EF4-FFF2-40B4-BE49-F238E27FC236}">
+                <a16:creationId xmlns:a16="http://schemas.microsoft.com/office/drawing/2014/main" id="{9533A404-39D3-451A-9024-9E2EBC0AAE60}"/>
+              </a:ext>
+            </a:extLst>
+          </p:cNvPr>
+          <p:cNvSpPr/>
+          <p:nvPr/>
+        </p:nvSpPr>
+        <p:spPr>
+          <a:xfrm>
+            <a:off x="2463802" y="3429000"/>
+            <a:ext cx="931333" cy="931333"/>
+          </a:xfrm>
+          <a:prstGeom prst="ellipse">
+            <a:avLst/>
+          </a:prstGeom>
+        </p:spPr>
+        <p:style>
+          <a:lnRef idx="2">
+            <a:schemeClr val="dk1"/>
+          </a:lnRef>
+          <a:fillRef idx="1">
+            <a:schemeClr val="lt1"/>
+          </a:fillRef>
+          <a:effectRef idx="0">
+            <a:schemeClr val="dk1"/>
+          </a:effectRef>
+          <a:fontRef idx="minor">
+            <a:schemeClr val="dk1"/>
+          </a:fontRef>
+        </p:style>
+        <p:txBody>
+          <a:bodyPr rtlCol="0" anchor="ctr"/>
+          <a:lstStyle/>
+          <a:p>
+            <a:pPr algn="ctr"/>
+            <a:r>
+              <a:rPr lang="en-US" altLang="ko-KR" sz="4400" dirty="0">
+                <a:latin typeface="Arial Black" panose="020B0A04020102020204" pitchFamily="34" charset="0"/>
+              </a:rPr>
+              <a:t>D</a:t>
+            </a:r>
+            <a:endParaRPr lang="ko-KR" altLang="en-US" sz="4400" dirty="0">
+              <a:latin typeface="Arial Black" panose="020B0A04020102020204" pitchFamily="34" charset="0"/>
+            </a:endParaRPr>
+          </a:p>
+        </p:txBody>
+      </p:sp>
+      <p:sp>
+        <p:nvSpPr>
+          <p:cNvPr id="6" name="타원 5">
+            <a:extLst>
+              <a:ext uri="{FF2B5EF4-FFF2-40B4-BE49-F238E27FC236}">
+                <a16:creationId xmlns:a16="http://schemas.microsoft.com/office/drawing/2014/main" id="{8998BBBB-EEA9-4740-970D-333C60D4581F}"/>
+              </a:ext>
+            </a:extLst>
+          </p:cNvPr>
+          <p:cNvSpPr/>
+          <p:nvPr/>
+        </p:nvSpPr>
+        <p:spPr>
+          <a:xfrm>
+            <a:off x="4385734" y="3429000"/>
+            <a:ext cx="931333" cy="931333"/>
+          </a:xfrm>
+          <a:prstGeom prst="ellipse">
+            <a:avLst/>
+          </a:prstGeom>
+        </p:spPr>
+        <p:style>
+          <a:lnRef idx="2">
+            <a:schemeClr val="dk1"/>
+          </a:lnRef>
+          <a:fillRef idx="1">
+            <a:schemeClr val="lt1"/>
+          </a:fillRef>
+          <a:effectRef idx="0">
+            <a:schemeClr val="dk1"/>
+          </a:effectRef>
+          <a:fontRef idx="minor">
+            <a:schemeClr val="dk1"/>
+          </a:fontRef>
+        </p:style>
+        <p:txBody>
+          <a:bodyPr rtlCol="0" anchor="ctr"/>
+          <a:lstStyle/>
+          <a:p>
+            <a:pPr algn="ctr"/>
+            <a:r>
+              <a:rPr lang="en-US" altLang="ko-KR" sz="4400" dirty="0">
+                <a:latin typeface="Arial Black" panose="020B0A04020102020204" pitchFamily="34" charset="0"/>
+              </a:rPr>
+              <a:t>E</a:t>
+            </a:r>
+            <a:endParaRPr lang="ko-KR" altLang="en-US" sz="4400" dirty="0">
+              <a:latin typeface="Arial Black" panose="020B0A04020102020204" pitchFamily="34" charset="0"/>
+            </a:endParaRPr>
+          </a:p>
+        </p:txBody>
+      </p:sp>
+      <p:sp>
+        <p:nvSpPr>
+          <p:cNvPr id="7" name="타원 6">
+            <a:extLst>
+              <a:ext uri="{FF2B5EF4-FFF2-40B4-BE49-F238E27FC236}">
+                <a16:creationId xmlns:a16="http://schemas.microsoft.com/office/drawing/2014/main" id="{0071F3E0-86AF-498E-9678-0578AF8917CC}"/>
+              </a:ext>
+            </a:extLst>
+          </p:cNvPr>
+          <p:cNvSpPr/>
+          <p:nvPr/>
+        </p:nvSpPr>
+        <p:spPr>
+          <a:xfrm>
+            <a:off x="6096000" y="3429000"/>
+            <a:ext cx="931333" cy="931333"/>
+          </a:xfrm>
+          <a:prstGeom prst="ellipse">
+            <a:avLst/>
+          </a:prstGeom>
+        </p:spPr>
+        <p:style>
+          <a:lnRef idx="2">
+            <a:schemeClr val="dk1"/>
+          </a:lnRef>
+          <a:fillRef idx="1">
+            <a:schemeClr val="lt1"/>
+          </a:fillRef>
+          <a:effectRef idx="0">
+            <a:schemeClr val="dk1"/>
+          </a:effectRef>
+          <a:fontRef idx="minor">
+            <a:schemeClr val="dk1"/>
+          </a:fontRef>
+        </p:style>
+        <p:txBody>
+          <a:bodyPr rtlCol="0" anchor="ctr"/>
+          <a:lstStyle/>
+          <a:p>
+            <a:pPr algn="ctr"/>
+            <a:r>
+              <a:rPr lang="en-US" altLang="ko-KR" sz="4400" dirty="0">
+                <a:latin typeface="Arial Black" panose="020B0A04020102020204" pitchFamily="34" charset="0"/>
+              </a:rPr>
+              <a:t>F</a:t>
+            </a:r>
+            <a:endParaRPr lang="ko-KR" altLang="en-US" sz="4400" dirty="0">
+              <a:latin typeface="Arial Black" panose="020B0A04020102020204" pitchFamily="34" charset="0"/>
+            </a:endParaRPr>
+          </a:p>
+        </p:txBody>
+      </p:sp>
+      <p:sp>
+        <p:nvSpPr>
+          <p:cNvPr id="8" name="타원 7">
+            <a:extLst>
+              <a:ext uri="{FF2B5EF4-FFF2-40B4-BE49-F238E27FC236}">
+                <a16:creationId xmlns:a16="http://schemas.microsoft.com/office/drawing/2014/main" id="{01784D8A-BEA6-44C1-95A6-4EA51DE83FD8}"/>
+              </a:ext>
+            </a:extLst>
+          </p:cNvPr>
+          <p:cNvSpPr/>
+          <p:nvPr/>
+        </p:nvSpPr>
+        <p:spPr>
+          <a:xfrm>
+            <a:off x="7865534" y="3302001"/>
+            <a:ext cx="931333" cy="931333"/>
+          </a:xfrm>
+          <a:prstGeom prst="ellipse">
+            <a:avLst/>
+          </a:prstGeom>
+        </p:spPr>
+        <p:style>
+          <a:lnRef idx="2">
+            <a:schemeClr val="dk1"/>
+          </a:lnRef>
+          <a:fillRef idx="1">
+            <a:schemeClr val="lt1"/>
+          </a:fillRef>
+          <a:effectRef idx="0">
+            <a:schemeClr val="dk1"/>
+          </a:effectRef>
+          <a:fontRef idx="minor">
+            <a:schemeClr val="dk1"/>
+          </a:fontRef>
+        </p:style>
+        <p:txBody>
+          <a:bodyPr rtlCol="0" anchor="ctr"/>
+          <a:lstStyle/>
+          <a:p>
+            <a:pPr algn="ctr"/>
+            <a:r>
+              <a:rPr lang="en-US" altLang="ko-KR" sz="4400" dirty="0">
+                <a:latin typeface="Arial Black" panose="020B0A04020102020204" pitchFamily="34" charset="0"/>
+              </a:rPr>
+              <a:t>G</a:t>
+            </a:r>
+            <a:endParaRPr lang="ko-KR" altLang="en-US" sz="4400" dirty="0">
+              <a:latin typeface="Arial Black" panose="020B0A04020102020204" pitchFamily="34" charset="0"/>
+            </a:endParaRPr>
+          </a:p>
+        </p:txBody>
+      </p:sp>
+      <p:cxnSp>
+        <p:nvCxnSpPr>
+          <p:cNvPr id="9" name="직선 연결선 8">
+            <a:extLst>
+              <a:ext uri="{FF2B5EF4-FFF2-40B4-BE49-F238E27FC236}">
+                <a16:creationId xmlns:a16="http://schemas.microsoft.com/office/drawing/2014/main" id="{21F5B74C-D2E9-4321-8663-355AD4423D44}"/>
+              </a:ext>
+            </a:extLst>
+          </p:cNvPr>
+          <p:cNvCxnSpPr>
+            <a:stCxn id="2" idx="3"/>
+            <a:endCxn id="3" idx="7"/>
+          </p:cNvCxnSpPr>
+          <p:nvPr/>
+        </p:nvCxnSpPr>
+        <p:spPr>
+          <a:xfrm flipH="1">
+            <a:off x="4249343" y="1709343"/>
+            <a:ext cx="882382" cy="459049"/>
+          </a:xfrm>
+          <a:prstGeom prst="line">
+            <a:avLst/>
+          </a:prstGeom>
+        </p:spPr>
+        <p:style>
+          <a:lnRef idx="1">
+            <a:schemeClr val="accent1"/>
+          </a:lnRef>
+          <a:fillRef idx="0">
+            <a:schemeClr val="accent1"/>
+          </a:fillRef>
+          <a:effectRef idx="0">
+            <a:schemeClr val="accent1"/>
+          </a:effectRef>
+          <a:fontRef idx="minor">
+            <a:schemeClr val="tx1"/>
+          </a:fontRef>
+        </p:style>
+      </p:cxnSp>
+      <p:cxnSp>
+        <p:nvCxnSpPr>
+          <p:cNvPr id="10" name="직선 연결선 9">
+            <a:extLst>
+              <a:ext uri="{FF2B5EF4-FFF2-40B4-BE49-F238E27FC236}">
+                <a16:creationId xmlns:a16="http://schemas.microsoft.com/office/drawing/2014/main" id="{159C141C-5482-483A-AFCD-2EE9B816A5C1}"/>
+              </a:ext>
+            </a:extLst>
+          </p:cNvPr>
+          <p:cNvCxnSpPr>
+            <a:stCxn id="2" idx="5"/>
+            <a:endCxn id="4" idx="1"/>
+          </p:cNvCxnSpPr>
+          <p:nvPr/>
+        </p:nvCxnSpPr>
+        <p:spPr>
+          <a:xfrm>
+            <a:off x="5790276" y="1709343"/>
+            <a:ext cx="1068648" cy="459049"/>
+          </a:xfrm>
+          <a:prstGeom prst="line">
+            <a:avLst/>
+          </a:prstGeom>
+        </p:spPr>
+        <p:style>
+          <a:lnRef idx="1">
+            <a:schemeClr val="accent1"/>
+          </a:lnRef>
+          <a:fillRef idx="0">
+            <a:schemeClr val="accent1"/>
+          </a:fillRef>
+          <a:effectRef idx="0">
+            <a:schemeClr val="accent1"/>
+          </a:effectRef>
+          <a:fontRef idx="minor">
+            <a:schemeClr val="tx1"/>
+          </a:fontRef>
+        </p:style>
+      </p:cxnSp>
+      <p:cxnSp>
+        <p:nvCxnSpPr>
+          <p:cNvPr id="11" name="직선 연결선 10">
+            <a:extLst>
+              <a:ext uri="{FF2B5EF4-FFF2-40B4-BE49-F238E27FC236}">
+                <a16:creationId xmlns:a16="http://schemas.microsoft.com/office/drawing/2014/main" id="{F89C549C-F84D-48D7-B3E7-DED3595CA888}"/>
+              </a:ext>
+            </a:extLst>
+          </p:cNvPr>
+          <p:cNvCxnSpPr>
+            <a:stCxn id="3" idx="3"/>
+            <a:endCxn id="5" idx="0"/>
+          </p:cNvCxnSpPr>
+          <p:nvPr/>
+        </p:nvCxnSpPr>
+        <p:spPr>
+          <a:xfrm flipH="1">
+            <a:off x="2929469" y="2826943"/>
+            <a:ext cx="661323" cy="602057"/>
+          </a:xfrm>
+          <a:prstGeom prst="line">
+            <a:avLst/>
+          </a:prstGeom>
+        </p:spPr>
+        <p:style>
+          <a:lnRef idx="1">
+            <a:schemeClr val="accent1"/>
+          </a:lnRef>
+          <a:fillRef idx="0">
+            <a:schemeClr val="accent1"/>
+          </a:fillRef>
+          <a:effectRef idx="0">
+            <a:schemeClr val="accent1"/>
+          </a:effectRef>
+          <a:fontRef idx="minor">
+            <a:schemeClr val="tx1"/>
+          </a:fontRef>
+        </p:style>
+      </p:cxnSp>
+      <p:cxnSp>
+        <p:nvCxnSpPr>
+          <p:cNvPr id="12" name="직선 연결선 11">
+            <a:extLst>
+              <a:ext uri="{FF2B5EF4-FFF2-40B4-BE49-F238E27FC236}">
+                <a16:creationId xmlns:a16="http://schemas.microsoft.com/office/drawing/2014/main" id="{CD709DCF-1DB3-4A13-915F-94E6F3528906}"/>
+              </a:ext>
+            </a:extLst>
+          </p:cNvPr>
+          <p:cNvCxnSpPr>
+            <a:stCxn id="3" idx="5"/>
+            <a:endCxn id="6" idx="0"/>
+          </p:cNvCxnSpPr>
+          <p:nvPr/>
+        </p:nvCxnSpPr>
+        <p:spPr>
+          <a:xfrm>
+            <a:off x="4249343" y="2826943"/>
+            <a:ext cx="602058" cy="602057"/>
+          </a:xfrm>
+          <a:prstGeom prst="line">
+            <a:avLst/>
+          </a:prstGeom>
+        </p:spPr>
+        <p:style>
+          <a:lnRef idx="1">
+            <a:schemeClr val="accent1"/>
+          </a:lnRef>
+          <a:fillRef idx="0">
+            <a:schemeClr val="accent1"/>
+          </a:fillRef>
+          <a:effectRef idx="0">
+            <a:schemeClr val="accent1"/>
+          </a:effectRef>
+          <a:fontRef idx="minor">
+            <a:schemeClr val="tx1"/>
+          </a:fontRef>
+        </p:style>
+      </p:cxnSp>
+      <p:cxnSp>
+        <p:nvCxnSpPr>
+          <p:cNvPr id="13" name="직선 연결선 12">
+            <a:extLst>
+              <a:ext uri="{FF2B5EF4-FFF2-40B4-BE49-F238E27FC236}">
+                <a16:creationId xmlns:a16="http://schemas.microsoft.com/office/drawing/2014/main" id="{37613CA4-E2D2-4743-BAAD-A5BC3290FFC0}"/>
+              </a:ext>
+            </a:extLst>
+          </p:cNvPr>
+          <p:cNvCxnSpPr>
+            <a:stCxn id="4" idx="3"/>
+            <a:endCxn id="7" idx="0"/>
+          </p:cNvCxnSpPr>
+          <p:nvPr/>
+        </p:nvCxnSpPr>
+        <p:spPr>
+          <a:xfrm flipH="1">
+            <a:off x="6561667" y="2826943"/>
+            <a:ext cx="297257" cy="602057"/>
+          </a:xfrm>
+          <a:prstGeom prst="line">
+            <a:avLst/>
+          </a:prstGeom>
+        </p:spPr>
+        <p:style>
+          <a:lnRef idx="1">
+            <a:schemeClr val="accent1"/>
+          </a:lnRef>
+          <a:fillRef idx="0">
+            <a:schemeClr val="accent1"/>
+          </a:fillRef>
+          <a:effectRef idx="0">
+            <a:schemeClr val="accent1"/>
+          </a:effectRef>
+          <a:fontRef idx="minor">
+            <a:schemeClr val="tx1"/>
+          </a:fontRef>
+        </p:style>
+      </p:cxnSp>
+      <p:cxnSp>
+        <p:nvCxnSpPr>
+          <p:cNvPr id="14" name="직선 연결선 13">
+            <a:extLst>
+              <a:ext uri="{FF2B5EF4-FFF2-40B4-BE49-F238E27FC236}">
+                <a16:creationId xmlns:a16="http://schemas.microsoft.com/office/drawing/2014/main" id="{709E0586-70DB-46DA-9200-E6DC7B9DC010}"/>
+              </a:ext>
+            </a:extLst>
+          </p:cNvPr>
+          <p:cNvCxnSpPr>
+            <a:stCxn id="4" idx="5"/>
+            <a:endCxn id="8" idx="1"/>
+          </p:cNvCxnSpPr>
+          <p:nvPr/>
+        </p:nvCxnSpPr>
+        <p:spPr>
+          <a:xfrm>
+            <a:off x="7517475" y="2826943"/>
+            <a:ext cx="484450" cy="611449"/>
+          </a:xfrm>
+          <a:prstGeom prst="line">
+            <a:avLst/>
+          </a:prstGeom>
+        </p:spPr>
+        <p:style>
+          <a:lnRef idx="1">
+            <a:schemeClr val="accent1"/>
+          </a:lnRef>
+          <a:fillRef idx="0">
+            <a:schemeClr val="accent1"/>
+          </a:fillRef>
+          <a:effectRef idx="0">
+            <a:schemeClr val="accent1"/>
+          </a:effectRef>
+          <a:fontRef idx="minor">
+            <a:schemeClr val="tx1"/>
+          </a:fontRef>
+        </p:style>
+      </p:cxnSp>
+      <p:sp>
+        <p:nvSpPr>
+          <p:cNvPr id="15" name="TextBox 14">
+            <a:extLst>
+              <a:ext uri="{FF2B5EF4-FFF2-40B4-BE49-F238E27FC236}">
+                <a16:creationId xmlns:a16="http://schemas.microsoft.com/office/drawing/2014/main" id="{8312740E-05EB-46EB-90DD-B30D9D38D956}"/>
+              </a:ext>
+            </a:extLst>
+          </p:cNvPr>
+          <p:cNvSpPr txBox="1"/>
+          <p:nvPr/>
+        </p:nvSpPr>
+        <p:spPr>
+          <a:xfrm>
+            <a:off x="896543" y="5012266"/>
+            <a:ext cx="9787466" cy="646331"/>
+          </a:xfrm>
+          <a:prstGeom prst="rect">
+            <a:avLst/>
+          </a:prstGeom>
+          <a:noFill/>
+        </p:spPr>
+        <p:txBody>
+          <a:bodyPr wrap="square" rtlCol="0">
+            <a:spAutoFit/>
+          </a:bodyPr>
+          <a:lstStyle/>
+          <a:p>
+            <a:pPr algn="ctr"/>
+            <a:r>
+              <a:rPr lang="en-US" altLang="ko-KR" sz="3600" dirty="0"/>
+              <a:t>D-&gt;E-&gt;B-&gt;F-&gt;G-&gt;C-&gt;A</a:t>
+            </a:r>
+            <a:endParaRPr lang="ko-KR" altLang="en-US" sz="3600" dirty="0"/>
+          </a:p>
+        </p:txBody>
+      </p:sp>
+    </p:spTree>
+    <p:extLst>
+      <p:ext uri="{BB962C8B-B14F-4D97-AF65-F5344CB8AC3E}">
+        <p14:creationId xmlns:p14="http://schemas.microsoft.com/office/powerpoint/2010/main" val="807114911"/>
+      </p:ext>
+    </p:extLst>
+  </p:cSld>
+  <p:clrMapOvr>
+    <a:masterClrMapping/>
+  </p:clrMapOvr>
+</p:sld>
+</file>
+
+<file path=ppt/slides/slide17.xml><?xml version="1.0" encoding="utf-8"?>
+<p:sld xmlns:a="http://schemas.openxmlformats.org/drawingml/2006/main" xmlns:r="http://schemas.openxmlformats.org/officeDocument/2006/relationships" xmlns:p="http://schemas.openxmlformats.org/presentationml/2006/main">
+  <p:cSld>
+    <p:spTree>
+      <p:nvGrpSpPr>
+        <p:cNvPr id="1" name=""/>
+        <p:cNvGrpSpPr/>
+        <p:nvPr/>
+      </p:nvGrpSpPr>
+      <p:grpSpPr>
+        <a:xfrm>
+          <a:off x="0" y="0"/>
+          <a:ext cx="0" cy="0"/>
+          <a:chOff x="0" y="0"/>
+          <a:chExt cx="0" cy="0"/>
+        </a:xfrm>
+      </p:grpSpPr>
+      <p:sp>
+        <p:nvSpPr>
+          <p:cNvPr id="2" name="타원 1">
+            <a:extLst>
+              <a:ext uri="{FF2B5EF4-FFF2-40B4-BE49-F238E27FC236}">
+                <a16:creationId xmlns:a16="http://schemas.microsoft.com/office/drawing/2014/main" id="{02DDFC05-AF81-4992-B84E-2BEFE7448C07}"/>
+              </a:ext>
+            </a:extLst>
+          </p:cNvPr>
+          <p:cNvSpPr/>
+          <p:nvPr/>
+        </p:nvSpPr>
+        <p:spPr>
+          <a:xfrm>
+            <a:off x="4995334" y="914401"/>
+            <a:ext cx="931333" cy="931333"/>
+          </a:xfrm>
+          <a:prstGeom prst="ellipse">
+            <a:avLst/>
+          </a:prstGeom>
+        </p:spPr>
+        <p:style>
+          <a:lnRef idx="2">
+            <a:schemeClr val="dk1"/>
+          </a:lnRef>
+          <a:fillRef idx="1">
+            <a:schemeClr val="lt1"/>
+          </a:fillRef>
+          <a:effectRef idx="0">
+            <a:schemeClr val="dk1"/>
+          </a:effectRef>
+          <a:fontRef idx="minor">
+            <a:schemeClr val="dk1"/>
+          </a:fontRef>
+        </p:style>
+        <p:txBody>
+          <a:bodyPr rtlCol="0" anchor="ctr"/>
+          <a:lstStyle/>
+          <a:p>
+            <a:pPr algn="ctr"/>
+            <a:r>
+              <a:rPr lang="en-US" altLang="ko-KR" sz="4400" dirty="0">
+                <a:latin typeface="Arial Black" panose="020B0A04020102020204" pitchFamily="34" charset="0"/>
+              </a:rPr>
+              <a:t>A</a:t>
+            </a:r>
+            <a:endParaRPr lang="ko-KR" altLang="en-US" sz="4400" dirty="0">
+              <a:latin typeface="Arial Black" panose="020B0A04020102020204" pitchFamily="34" charset="0"/>
+            </a:endParaRPr>
+          </a:p>
+        </p:txBody>
+      </p:sp>
+      <p:sp>
+        <p:nvSpPr>
+          <p:cNvPr id="3" name="타원 2">
+            <a:extLst>
+              <a:ext uri="{FF2B5EF4-FFF2-40B4-BE49-F238E27FC236}">
+                <a16:creationId xmlns:a16="http://schemas.microsoft.com/office/drawing/2014/main" id="{B34BD415-713E-46C0-88E4-77DF2B91E5B5}"/>
+              </a:ext>
+            </a:extLst>
+          </p:cNvPr>
+          <p:cNvSpPr/>
+          <p:nvPr/>
+        </p:nvSpPr>
+        <p:spPr>
+          <a:xfrm>
+            <a:off x="3454401" y="2032001"/>
+            <a:ext cx="931333" cy="931333"/>
+          </a:xfrm>
+          <a:prstGeom prst="ellipse">
+            <a:avLst/>
+          </a:prstGeom>
+        </p:spPr>
+        <p:style>
+          <a:lnRef idx="2">
+            <a:schemeClr val="dk1"/>
+          </a:lnRef>
+          <a:fillRef idx="1">
+            <a:schemeClr val="lt1"/>
+          </a:fillRef>
+          <a:effectRef idx="0">
+            <a:schemeClr val="dk1"/>
+          </a:effectRef>
+          <a:fontRef idx="minor">
+            <a:schemeClr val="dk1"/>
+          </a:fontRef>
+        </p:style>
+        <p:txBody>
+          <a:bodyPr rtlCol="0" anchor="ctr"/>
+          <a:lstStyle/>
+          <a:p>
+            <a:pPr algn="ctr"/>
+            <a:r>
+              <a:rPr lang="en-US" altLang="ko-KR" sz="4400" dirty="0">
+                <a:latin typeface="Arial Black" panose="020B0A04020102020204" pitchFamily="34" charset="0"/>
+              </a:rPr>
+              <a:t>B</a:t>
+            </a:r>
+            <a:endParaRPr lang="ko-KR" altLang="en-US" sz="4400" dirty="0">
+              <a:latin typeface="Arial Black" panose="020B0A04020102020204" pitchFamily="34" charset="0"/>
+            </a:endParaRPr>
+          </a:p>
+        </p:txBody>
+      </p:sp>
+      <p:sp>
+        <p:nvSpPr>
+          <p:cNvPr id="4" name="타원 3">
+            <a:extLst>
+              <a:ext uri="{FF2B5EF4-FFF2-40B4-BE49-F238E27FC236}">
+                <a16:creationId xmlns:a16="http://schemas.microsoft.com/office/drawing/2014/main" id="{9A70A193-C916-4129-8820-91D0A3250B9D}"/>
+              </a:ext>
+            </a:extLst>
+          </p:cNvPr>
+          <p:cNvSpPr/>
+          <p:nvPr/>
+        </p:nvSpPr>
+        <p:spPr>
+          <a:xfrm>
+            <a:off x="6722533" y="2032001"/>
+            <a:ext cx="931333" cy="931333"/>
+          </a:xfrm>
+          <a:prstGeom prst="ellipse">
+            <a:avLst/>
+          </a:prstGeom>
+        </p:spPr>
+        <p:style>
+          <a:lnRef idx="2">
+            <a:schemeClr val="dk1"/>
+          </a:lnRef>
+          <a:fillRef idx="1">
+            <a:schemeClr val="lt1"/>
+          </a:fillRef>
+          <a:effectRef idx="0">
+            <a:schemeClr val="dk1"/>
+          </a:effectRef>
+          <a:fontRef idx="minor">
+            <a:schemeClr val="dk1"/>
+          </a:fontRef>
+        </p:style>
+        <p:txBody>
+          <a:bodyPr rtlCol="0" anchor="ctr"/>
+          <a:lstStyle/>
+          <a:p>
+            <a:pPr algn="ctr"/>
+            <a:r>
+              <a:rPr lang="en-US" altLang="ko-KR" sz="4400" dirty="0">
+                <a:latin typeface="Arial Black" panose="020B0A04020102020204" pitchFamily="34" charset="0"/>
+              </a:rPr>
+              <a:t>C</a:t>
+            </a:r>
+            <a:endParaRPr lang="ko-KR" altLang="en-US" sz="4400" dirty="0">
+              <a:latin typeface="Arial Black" panose="020B0A04020102020204" pitchFamily="34" charset="0"/>
+            </a:endParaRPr>
+          </a:p>
+        </p:txBody>
+      </p:sp>
+      <p:sp>
+        <p:nvSpPr>
+          <p:cNvPr id="5" name="타원 4">
+            <a:extLst>
+              <a:ext uri="{FF2B5EF4-FFF2-40B4-BE49-F238E27FC236}">
+                <a16:creationId xmlns:a16="http://schemas.microsoft.com/office/drawing/2014/main" id="{145B04BE-DC31-4FE9-993C-C700304AC09E}"/>
+              </a:ext>
+            </a:extLst>
+          </p:cNvPr>
+          <p:cNvSpPr/>
+          <p:nvPr/>
+        </p:nvSpPr>
+        <p:spPr>
+          <a:xfrm>
+            <a:off x="2463802" y="3429000"/>
+            <a:ext cx="931333" cy="931333"/>
+          </a:xfrm>
+          <a:prstGeom prst="ellipse">
+            <a:avLst/>
+          </a:prstGeom>
+        </p:spPr>
+        <p:style>
+          <a:lnRef idx="2">
+            <a:schemeClr val="dk1"/>
+          </a:lnRef>
+          <a:fillRef idx="1">
+            <a:schemeClr val="lt1"/>
+          </a:fillRef>
+          <a:effectRef idx="0">
+            <a:schemeClr val="dk1"/>
+          </a:effectRef>
+          <a:fontRef idx="minor">
+            <a:schemeClr val="dk1"/>
+          </a:fontRef>
+        </p:style>
+        <p:txBody>
+          <a:bodyPr rtlCol="0" anchor="ctr"/>
+          <a:lstStyle/>
+          <a:p>
+            <a:pPr algn="ctr"/>
+            <a:r>
+              <a:rPr lang="en-US" altLang="ko-KR" sz="4400" dirty="0">
+                <a:latin typeface="Arial Black" panose="020B0A04020102020204" pitchFamily="34" charset="0"/>
+              </a:rPr>
+              <a:t>D</a:t>
+            </a:r>
+            <a:endParaRPr lang="ko-KR" altLang="en-US" sz="4400" dirty="0">
+              <a:latin typeface="Arial Black" panose="020B0A04020102020204" pitchFamily="34" charset="0"/>
+            </a:endParaRPr>
+          </a:p>
+        </p:txBody>
+      </p:sp>
+      <p:sp>
+        <p:nvSpPr>
+          <p:cNvPr id="6" name="타원 5">
+            <a:extLst>
+              <a:ext uri="{FF2B5EF4-FFF2-40B4-BE49-F238E27FC236}">
+                <a16:creationId xmlns:a16="http://schemas.microsoft.com/office/drawing/2014/main" id="{27FE28F7-5F56-4DD6-8D35-B4059F2A9CE2}"/>
+              </a:ext>
+            </a:extLst>
+          </p:cNvPr>
+          <p:cNvSpPr/>
+          <p:nvPr/>
+        </p:nvSpPr>
+        <p:spPr>
+          <a:xfrm>
+            <a:off x="4385734" y="3429000"/>
+            <a:ext cx="931333" cy="931333"/>
+          </a:xfrm>
+          <a:prstGeom prst="ellipse">
+            <a:avLst/>
+          </a:prstGeom>
+        </p:spPr>
+        <p:style>
+          <a:lnRef idx="2">
+            <a:schemeClr val="dk1"/>
+          </a:lnRef>
+          <a:fillRef idx="1">
+            <a:schemeClr val="lt1"/>
+          </a:fillRef>
+          <a:effectRef idx="0">
+            <a:schemeClr val="dk1"/>
+          </a:effectRef>
+          <a:fontRef idx="minor">
+            <a:schemeClr val="dk1"/>
+          </a:fontRef>
+        </p:style>
+        <p:txBody>
+          <a:bodyPr rtlCol="0" anchor="ctr"/>
+          <a:lstStyle/>
+          <a:p>
+            <a:pPr algn="ctr"/>
+            <a:r>
+              <a:rPr lang="en-US" altLang="ko-KR" sz="4400" dirty="0">
+                <a:latin typeface="Arial Black" panose="020B0A04020102020204" pitchFamily="34" charset="0"/>
+              </a:rPr>
+              <a:t>E</a:t>
+            </a:r>
+            <a:endParaRPr lang="ko-KR" altLang="en-US" sz="4400" dirty="0">
+              <a:latin typeface="Arial Black" panose="020B0A04020102020204" pitchFamily="34" charset="0"/>
+            </a:endParaRPr>
+          </a:p>
+        </p:txBody>
+      </p:sp>
+      <p:sp>
+        <p:nvSpPr>
+          <p:cNvPr id="7" name="타원 6">
+            <a:extLst>
+              <a:ext uri="{FF2B5EF4-FFF2-40B4-BE49-F238E27FC236}">
+                <a16:creationId xmlns:a16="http://schemas.microsoft.com/office/drawing/2014/main" id="{49CA006F-738C-4DFF-BE86-B44C6BEAC698}"/>
+              </a:ext>
+            </a:extLst>
+          </p:cNvPr>
+          <p:cNvSpPr/>
+          <p:nvPr/>
+        </p:nvSpPr>
+        <p:spPr>
+          <a:xfrm>
+            <a:off x="6096000" y="3429000"/>
+            <a:ext cx="931333" cy="931333"/>
+          </a:xfrm>
+          <a:prstGeom prst="ellipse">
+            <a:avLst/>
+          </a:prstGeom>
+        </p:spPr>
+        <p:style>
+          <a:lnRef idx="2">
+            <a:schemeClr val="dk1"/>
+          </a:lnRef>
+          <a:fillRef idx="1">
+            <a:schemeClr val="lt1"/>
+          </a:fillRef>
+          <a:effectRef idx="0">
+            <a:schemeClr val="dk1"/>
+          </a:effectRef>
+          <a:fontRef idx="minor">
+            <a:schemeClr val="dk1"/>
+          </a:fontRef>
+        </p:style>
+        <p:txBody>
+          <a:bodyPr rtlCol="0" anchor="ctr"/>
+          <a:lstStyle/>
+          <a:p>
+            <a:pPr algn="ctr"/>
+            <a:r>
+              <a:rPr lang="en-US" altLang="ko-KR" sz="4400" dirty="0">
+                <a:latin typeface="Arial Black" panose="020B0A04020102020204" pitchFamily="34" charset="0"/>
+              </a:rPr>
+              <a:t>F</a:t>
+            </a:r>
+            <a:endParaRPr lang="ko-KR" altLang="en-US" sz="4400" dirty="0">
+              <a:latin typeface="Arial Black" panose="020B0A04020102020204" pitchFamily="34" charset="0"/>
+            </a:endParaRPr>
+          </a:p>
+        </p:txBody>
+      </p:sp>
+      <p:sp>
+        <p:nvSpPr>
+          <p:cNvPr id="8" name="타원 7">
+            <a:extLst>
+              <a:ext uri="{FF2B5EF4-FFF2-40B4-BE49-F238E27FC236}">
+                <a16:creationId xmlns:a16="http://schemas.microsoft.com/office/drawing/2014/main" id="{8C6E0B73-A5EB-4553-98CB-DBFEF93E012E}"/>
+              </a:ext>
+            </a:extLst>
+          </p:cNvPr>
+          <p:cNvSpPr/>
+          <p:nvPr/>
+        </p:nvSpPr>
+        <p:spPr>
+          <a:xfrm>
+            <a:off x="7865534" y="3302001"/>
+            <a:ext cx="931333" cy="931333"/>
+          </a:xfrm>
+          <a:prstGeom prst="ellipse">
+            <a:avLst/>
+          </a:prstGeom>
+        </p:spPr>
+        <p:style>
+          <a:lnRef idx="2">
+            <a:schemeClr val="dk1"/>
+          </a:lnRef>
+          <a:fillRef idx="1">
+            <a:schemeClr val="lt1"/>
+          </a:fillRef>
+          <a:effectRef idx="0">
+            <a:schemeClr val="dk1"/>
+          </a:effectRef>
+          <a:fontRef idx="minor">
+            <a:schemeClr val="dk1"/>
+          </a:fontRef>
+        </p:style>
+        <p:txBody>
+          <a:bodyPr rtlCol="0" anchor="ctr"/>
+          <a:lstStyle/>
+          <a:p>
+            <a:pPr algn="ctr"/>
+            <a:r>
+              <a:rPr lang="en-US" altLang="ko-KR" sz="4400" dirty="0">
+                <a:latin typeface="Arial Black" panose="020B0A04020102020204" pitchFamily="34" charset="0"/>
+              </a:rPr>
+              <a:t>G</a:t>
+            </a:r>
+            <a:endParaRPr lang="ko-KR" altLang="en-US" sz="4400" dirty="0">
+              <a:latin typeface="Arial Black" panose="020B0A04020102020204" pitchFamily="34" charset="0"/>
+            </a:endParaRPr>
+          </a:p>
+        </p:txBody>
+      </p:sp>
+      <p:cxnSp>
+        <p:nvCxnSpPr>
+          <p:cNvPr id="9" name="직선 연결선 8">
+            <a:extLst>
+              <a:ext uri="{FF2B5EF4-FFF2-40B4-BE49-F238E27FC236}">
+                <a16:creationId xmlns:a16="http://schemas.microsoft.com/office/drawing/2014/main" id="{23440A3A-DCC7-49AA-BC44-21CD517F6C00}"/>
+              </a:ext>
+            </a:extLst>
+          </p:cNvPr>
+          <p:cNvCxnSpPr>
+            <a:stCxn id="2" idx="3"/>
+            <a:endCxn id="3" idx="7"/>
+          </p:cNvCxnSpPr>
+          <p:nvPr/>
+        </p:nvCxnSpPr>
+        <p:spPr>
+          <a:xfrm flipH="1">
+            <a:off x="4249343" y="1709343"/>
+            <a:ext cx="882382" cy="459049"/>
+          </a:xfrm>
+          <a:prstGeom prst="line">
+            <a:avLst/>
+          </a:prstGeom>
+        </p:spPr>
+        <p:style>
+          <a:lnRef idx="1">
+            <a:schemeClr val="accent1"/>
+          </a:lnRef>
+          <a:fillRef idx="0">
+            <a:schemeClr val="accent1"/>
+          </a:fillRef>
+          <a:effectRef idx="0">
+            <a:schemeClr val="accent1"/>
+          </a:effectRef>
+          <a:fontRef idx="minor">
+            <a:schemeClr val="tx1"/>
+          </a:fontRef>
+        </p:style>
+      </p:cxnSp>
+      <p:cxnSp>
+        <p:nvCxnSpPr>
+          <p:cNvPr id="10" name="직선 연결선 9">
+            <a:extLst>
+              <a:ext uri="{FF2B5EF4-FFF2-40B4-BE49-F238E27FC236}">
+                <a16:creationId xmlns:a16="http://schemas.microsoft.com/office/drawing/2014/main" id="{19442986-DA64-44E5-8929-F0E7D6F9CD8B}"/>
+              </a:ext>
+            </a:extLst>
+          </p:cNvPr>
+          <p:cNvCxnSpPr>
+            <a:stCxn id="2" idx="5"/>
+            <a:endCxn id="4" idx="1"/>
+          </p:cNvCxnSpPr>
+          <p:nvPr/>
+        </p:nvCxnSpPr>
+        <p:spPr>
+          <a:xfrm>
+            <a:off x="5790276" y="1709343"/>
+            <a:ext cx="1068648" cy="459049"/>
+          </a:xfrm>
+          <a:prstGeom prst="line">
+            <a:avLst/>
+          </a:prstGeom>
+        </p:spPr>
+        <p:style>
+          <a:lnRef idx="1">
+            <a:schemeClr val="accent1"/>
+          </a:lnRef>
+          <a:fillRef idx="0">
+            <a:schemeClr val="accent1"/>
+          </a:fillRef>
+          <a:effectRef idx="0">
+            <a:schemeClr val="accent1"/>
+          </a:effectRef>
+          <a:fontRef idx="minor">
+            <a:schemeClr val="tx1"/>
+          </a:fontRef>
+        </p:style>
+      </p:cxnSp>
+      <p:cxnSp>
+        <p:nvCxnSpPr>
+          <p:cNvPr id="11" name="직선 연결선 10">
+            <a:extLst>
+              <a:ext uri="{FF2B5EF4-FFF2-40B4-BE49-F238E27FC236}">
+                <a16:creationId xmlns:a16="http://schemas.microsoft.com/office/drawing/2014/main" id="{50D1010D-F308-4A3B-B66D-D092645DF83F}"/>
+              </a:ext>
+            </a:extLst>
+          </p:cNvPr>
+          <p:cNvCxnSpPr>
+            <a:stCxn id="3" idx="3"/>
+            <a:endCxn id="5" idx="0"/>
+          </p:cNvCxnSpPr>
+          <p:nvPr/>
+        </p:nvCxnSpPr>
+        <p:spPr>
+          <a:xfrm flipH="1">
+            <a:off x="2929469" y="2826943"/>
+            <a:ext cx="661323" cy="602057"/>
+          </a:xfrm>
+          <a:prstGeom prst="line">
+            <a:avLst/>
+          </a:prstGeom>
+        </p:spPr>
+        <p:style>
+          <a:lnRef idx="1">
+            <a:schemeClr val="accent1"/>
+          </a:lnRef>
+          <a:fillRef idx="0">
+            <a:schemeClr val="accent1"/>
+          </a:fillRef>
+          <a:effectRef idx="0">
+            <a:schemeClr val="accent1"/>
+          </a:effectRef>
+          <a:fontRef idx="minor">
+            <a:schemeClr val="tx1"/>
+          </a:fontRef>
+        </p:style>
+      </p:cxnSp>
+      <p:cxnSp>
+        <p:nvCxnSpPr>
+          <p:cNvPr id="12" name="직선 연결선 11">
+            <a:extLst>
+              <a:ext uri="{FF2B5EF4-FFF2-40B4-BE49-F238E27FC236}">
+                <a16:creationId xmlns:a16="http://schemas.microsoft.com/office/drawing/2014/main" id="{93B775F8-27DA-43C2-91A5-05FBAD2BBB96}"/>
+              </a:ext>
+            </a:extLst>
+          </p:cNvPr>
+          <p:cNvCxnSpPr>
+            <a:stCxn id="3" idx="5"/>
+            <a:endCxn id="6" idx="0"/>
+          </p:cNvCxnSpPr>
+          <p:nvPr/>
+        </p:nvCxnSpPr>
+        <p:spPr>
+          <a:xfrm>
+            <a:off x="4249343" y="2826943"/>
+            <a:ext cx="602058" cy="602057"/>
+          </a:xfrm>
+          <a:prstGeom prst="line">
+            <a:avLst/>
+          </a:prstGeom>
+        </p:spPr>
+        <p:style>
+          <a:lnRef idx="1">
+            <a:schemeClr val="accent1"/>
+          </a:lnRef>
+          <a:fillRef idx="0">
+            <a:schemeClr val="accent1"/>
+          </a:fillRef>
+          <a:effectRef idx="0">
+            <a:schemeClr val="accent1"/>
+          </a:effectRef>
+          <a:fontRef idx="minor">
+            <a:schemeClr val="tx1"/>
+          </a:fontRef>
+        </p:style>
+      </p:cxnSp>
+      <p:cxnSp>
+        <p:nvCxnSpPr>
+          <p:cNvPr id="13" name="직선 연결선 12">
+            <a:extLst>
+              <a:ext uri="{FF2B5EF4-FFF2-40B4-BE49-F238E27FC236}">
+                <a16:creationId xmlns:a16="http://schemas.microsoft.com/office/drawing/2014/main" id="{9179BC04-D136-4500-A1C5-39A10472EDF1}"/>
+              </a:ext>
+            </a:extLst>
+          </p:cNvPr>
+          <p:cNvCxnSpPr>
+            <a:stCxn id="4" idx="3"/>
+            <a:endCxn id="7" idx="0"/>
+          </p:cNvCxnSpPr>
+          <p:nvPr/>
+        </p:nvCxnSpPr>
+        <p:spPr>
+          <a:xfrm flipH="1">
+            <a:off x="6561667" y="2826943"/>
+            <a:ext cx="297257" cy="602057"/>
+          </a:xfrm>
+          <a:prstGeom prst="line">
+            <a:avLst/>
+          </a:prstGeom>
+        </p:spPr>
+        <p:style>
+          <a:lnRef idx="1">
+            <a:schemeClr val="accent1"/>
+          </a:lnRef>
+          <a:fillRef idx="0">
+            <a:schemeClr val="accent1"/>
+          </a:fillRef>
+          <a:effectRef idx="0">
+            <a:schemeClr val="accent1"/>
+          </a:effectRef>
+          <a:fontRef idx="minor">
+            <a:schemeClr val="tx1"/>
+          </a:fontRef>
+        </p:style>
+      </p:cxnSp>
+      <p:cxnSp>
+        <p:nvCxnSpPr>
+          <p:cNvPr id="14" name="직선 연결선 13">
+            <a:extLst>
+              <a:ext uri="{FF2B5EF4-FFF2-40B4-BE49-F238E27FC236}">
+                <a16:creationId xmlns:a16="http://schemas.microsoft.com/office/drawing/2014/main" id="{79847D15-3FDC-46E8-A3A8-0EB12A645232}"/>
+              </a:ext>
+            </a:extLst>
+          </p:cNvPr>
+          <p:cNvCxnSpPr>
+            <a:stCxn id="4" idx="5"/>
+            <a:endCxn id="8" idx="1"/>
+          </p:cNvCxnSpPr>
+          <p:nvPr/>
+        </p:nvCxnSpPr>
+        <p:spPr>
+          <a:xfrm>
+            <a:off x="7517475" y="2826943"/>
+            <a:ext cx="484450" cy="611449"/>
+          </a:xfrm>
+          <a:prstGeom prst="line">
+            <a:avLst/>
+          </a:prstGeom>
+        </p:spPr>
+        <p:style>
+          <a:lnRef idx="1">
+            <a:schemeClr val="accent1"/>
+          </a:lnRef>
+          <a:fillRef idx="0">
+            <a:schemeClr val="accent1"/>
+          </a:fillRef>
+          <a:effectRef idx="0">
+            <a:schemeClr val="accent1"/>
+          </a:effectRef>
+          <a:fontRef idx="minor">
+            <a:schemeClr val="tx1"/>
+          </a:fontRef>
+        </p:style>
+      </p:cxnSp>
+      <p:sp>
+        <p:nvSpPr>
+          <p:cNvPr id="15" name="TextBox 14">
+            <a:extLst>
+              <a:ext uri="{FF2B5EF4-FFF2-40B4-BE49-F238E27FC236}">
+                <a16:creationId xmlns:a16="http://schemas.microsoft.com/office/drawing/2014/main" id="{DB9F8540-2E60-4CAA-A953-079FF0BA0A68}"/>
+              </a:ext>
+            </a:extLst>
+          </p:cNvPr>
+          <p:cNvSpPr txBox="1"/>
+          <p:nvPr/>
+        </p:nvSpPr>
+        <p:spPr>
+          <a:xfrm>
+            <a:off x="896543" y="4997272"/>
+            <a:ext cx="9787466" cy="646331"/>
+          </a:xfrm>
+          <a:prstGeom prst="rect">
+            <a:avLst/>
+          </a:prstGeom>
+          <a:noFill/>
+        </p:spPr>
+        <p:txBody>
+          <a:bodyPr wrap="square" rtlCol="0">
+            <a:spAutoFit/>
+          </a:bodyPr>
+          <a:lstStyle/>
+          <a:p>
+            <a:pPr algn="ctr"/>
+            <a:r>
+              <a:rPr lang="en-US" altLang="ko-KR" sz="3600" dirty="0"/>
+              <a:t>A -&gt; B -&gt; D -&gt; E -&gt; C -&gt; F -&gt; G</a:t>
+            </a:r>
+            <a:endParaRPr lang="ko-KR" altLang="en-US" sz="3600" dirty="0"/>
+          </a:p>
+        </p:txBody>
+      </p:sp>
+    </p:spTree>
+    <p:extLst>
+      <p:ext uri="{BB962C8B-B14F-4D97-AF65-F5344CB8AC3E}">
+        <p14:creationId xmlns:p14="http://schemas.microsoft.com/office/powerpoint/2010/main" val="1049858232"/>
+      </p:ext>
+    </p:extLst>
+  </p:cSld>
+  <p:clrMapOvr>
+    <a:masterClrMapping/>
+  </p:clrMapOvr>
+</p:sld>
+</file>
+
+<file path=ppt/slides/slide18.xml><?xml version="1.0" encoding="utf-8"?>
+<p:sld xmlns:a="http://schemas.openxmlformats.org/drawingml/2006/main" xmlns:r="http://schemas.openxmlformats.org/officeDocument/2006/relationships" xmlns:p="http://schemas.openxmlformats.org/presentationml/2006/main">
+  <p:cSld>
+    <p:spTree>
+      <p:nvGrpSpPr>
+        <p:cNvPr id="1" name=""/>
+        <p:cNvGrpSpPr/>
+        <p:nvPr/>
+      </p:nvGrpSpPr>
+      <p:grpSpPr>
+        <a:xfrm>
+          <a:off x="0" y="0"/>
+          <a:ext cx="0" cy="0"/>
+          <a:chOff x="0" y="0"/>
+          <a:chExt cx="0" cy="0"/>
+        </a:xfrm>
+      </p:grpSpPr>
+      <p:sp>
+        <p:nvSpPr>
+          <p:cNvPr id="2" name="타원 1">
+            <a:extLst>
+              <a:ext uri="{FF2B5EF4-FFF2-40B4-BE49-F238E27FC236}">
+                <a16:creationId xmlns:a16="http://schemas.microsoft.com/office/drawing/2014/main" id="{E8D7B1B1-A1B7-4352-B4D1-FBD79B96E493}"/>
+              </a:ext>
+            </a:extLst>
+          </p:cNvPr>
+          <p:cNvSpPr/>
+          <p:nvPr/>
+        </p:nvSpPr>
+        <p:spPr>
+          <a:xfrm>
+            <a:off x="4995334" y="914401"/>
+            <a:ext cx="931333" cy="931333"/>
+          </a:xfrm>
+          <a:prstGeom prst="ellipse">
+            <a:avLst/>
+          </a:prstGeom>
+        </p:spPr>
+        <p:style>
+          <a:lnRef idx="2">
+            <a:schemeClr val="dk1"/>
+          </a:lnRef>
+          <a:fillRef idx="1">
+            <a:schemeClr val="lt1"/>
+          </a:fillRef>
+          <a:effectRef idx="0">
+            <a:schemeClr val="dk1"/>
+          </a:effectRef>
+          <a:fontRef idx="minor">
+            <a:schemeClr val="dk1"/>
+          </a:fontRef>
+        </p:style>
+        <p:txBody>
+          <a:bodyPr rtlCol="0" anchor="ctr"/>
+          <a:lstStyle/>
+          <a:p>
+            <a:pPr algn="ctr"/>
+            <a:r>
+              <a:rPr lang="en-US" altLang="ko-KR" sz="4400" dirty="0">
+                <a:latin typeface="Arial Black" panose="020B0A04020102020204" pitchFamily="34" charset="0"/>
+              </a:rPr>
+              <a:t>A</a:t>
+            </a:r>
+            <a:endParaRPr lang="ko-KR" altLang="en-US" sz="4400" dirty="0">
+              <a:latin typeface="Arial Black" panose="020B0A04020102020204" pitchFamily="34" charset="0"/>
+            </a:endParaRPr>
+          </a:p>
+        </p:txBody>
+      </p:sp>
+      <p:sp>
+        <p:nvSpPr>
+          <p:cNvPr id="3" name="타원 2">
+            <a:extLst>
+              <a:ext uri="{FF2B5EF4-FFF2-40B4-BE49-F238E27FC236}">
+                <a16:creationId xmlns:a16="http://schemas.microsoft.com/office/drawing/2014/main" id="{E4D9B2D0-53EA-4580-AFB9-A1D448165238}"/>
+              </a:ext>
+            </a:extLst>
+          </p:cNvPr>
+          <p:cNvSpPr/>
+          <p:nvPr/>
+        </p:nvSpPr>
+        <p:spPr>
+          <a:xfrm>
+            <a:off x="3454401" y="2032001"/>
+            <a:ext cx="931333" cy="931333"/>
+          </a:xfrm>
+          <a:prstGeom prst="ellipse">
+            <a:avLst/>
+          </a:prstGeom>
+        </p:spPr>
+        <p:style>
+          <a:lnRef idx="2">
+            <a:schemeClr val="dk1"/>
+          </a:lnRef>
+          <a:fillRef idx="1">
+            <a:schemeClr val="lt1"/>
+          </a:fillRef>
+          <a:effectRef idx="0">
+            <a:schemeClr val="dk1"/>
+          </a:effectRef>
+          <a:fontRef idx="minor">
+            <a:schemeClr val="dk1"/>
+          </a:fontRef>
+        </p:style>
+        <p:txBody>
+          <a:bodyPr rtlCol="0" anchor="ctr"/>
+          <a:lstStyle/>
+          <a:p>
+            <a:pPr algn="ctr"/>
+            <a:r>
+              <a:rPr lang="en-US" altLang="ko-KR" sz="4400" dirty="0">
+                <a:latin typeface="Arial Black" panose="020B0A04020102020204" pitchFamily="34" charset="0"/>
+              </a:rPr>
+              <a:t>B</a:t>
+            </a:r>
+            <a:endParaRPr lang="ko-KR" altLang="en-US" sz="4400" dirty="0">
+              <a:latin typeface="Arial Black" panose="020B0A04020102020204" pitchFamily="34" charset="0"/>
+            </a:endParaRPr>
+          </a:p>
+        </p:txBody>
+      </p:sp>
+      <p:sp>
+        <p:nvSpPr>
+          <p:cNvPr id="4" name="타원 3">
+            <a:extLst>
+              <a:ext uri="{FF2B5EF4-FFF2-40B4-BE49-F238E27FC236}">
+                <a16:creationId xmlns:a16="http://schemas.microsoft.com/office/drawing/2014/main" id="{07040430-3207-43B1-9995-A01E44946243}"/>
+              </a:ext>
+            </a:extLst>
+          </p:cNvPr>
+          <p:cNvSpPr/>
+          <p:nvPr/>
+        </p:nvSpPr>
+        <p:spPr>
+          <a:xfrm>
+            <a:off x="6722533" y="2032001"/>
+            <a:ext cx="931333" cy="931333"/>
+          </a:xfrm>
+          <a:prstGeom prst="ellipse">
+            <a:avLst/>
+          </a:prstGeom>
+        </p:spPr>
+        <p:style>
+          <a:lnRef idx="2">
+            <a:schemeClr val="dk1"/>
+          </a:lnRef>
+          <a:fillRef idx="1">
+            <a:schemeClr val="lt1"/>
+          </a:fillRef>
+          <a:effectRef idx="0">
+            <a:schemeClr val="dk1"/>
+          </a:effectRef>
+          <a:fontRef idx="minor">
+            <a:schemeClr val="dk1"/>
+          </a:fontRef>
+        </p:style>
+        <p:txBody>
+          <a:bodyPr rtlCol="0" anchor="ctr"/>
+          <a:lstStyle/>
+          <a:p>
+            <a:pPr algn="ctr"/>
+            <a:r>
+              <a:rPr lang="en-US" altLang="ko-KR" sz="4400" dirty="0">
+                <a:latin typeface="Arial Black" panose="020B0A04020102020204" pitchFamily="34" charset="0"/>
+              </a:rPr>
+              <a:t>C</a:t>
+            </a:r>
+            <a:endParaRPr lang="ko-KR" altLang="en-US" sz="4400" dirty="0">
+              <a:latin typeface="Arial Black" panose="020B0A04020102020204" pitchFamily="34" charset="0"/>
+            </a:endParaRPr>
+          </a:p>
+        </p:txBody>
+      </p:sp>
+      <p:sp>
+        <p:nvSpPr>
+          <p:cNvPr id="5" name="타원 4">
+            <a:extLst>
+              <a:ext uri="{FF2B5EF4-FFF2-40B4-BE49-F238E27FC236}">
+                <a16:creationId xmlns:a16="http://schemas.microsoft.com/office/drawing/2014/main" id="{9B2F9F85-2709-44F2-8AB1-25E9AF16BF45}"/>
+              </a:ext>
+            </a:extLst>
+          </p:cNvPr>
+          <p:cNvSpPr/>
+          <p:nvPr/>
+        </p:nvSpPr>
+        <p:spPr>
+          <a:xfrm>
+            <a:off x="2463802" y="3429000"/>
+            <a:ext cx="931333" cy="931333"/>
+          </a:xfrm>
+          <a:prstGeom prst="ellipse">
+            <a:avLst/>
+          </a:prstGeom>
+        </p:spPr>
+        <p:style>
+          <a:lnRef idx="2">
+            <a:schemeClr val="dk1"/>
+          </a:lnRef>
+          <a:fillRef idx="1">
+            <a:schemeClr val="lt1"/>
+          </a:fillRef>
+          <a:effectRef idx="0">
+            <a:schemeClr val="dk1"/>
+          </a:effectRef>
+          <a:fontRef idx="minor">
+            <a:schemeClr val="dk1"/>
+          </a:fontRef>
+        </p:style>
+        <p:txBody>
+          <a:bodyPr rtlCol="0" anchor="ctr"/>
+          <a:lstStyle/>
+          <a:p>
+            <a:pPr algn="ctr"/>
+            <a:r>
+              <a:rPr lang="en-US" altLang="ko-KR" sz="4400" dirty="0">
+                <a:latin typeface="Arial Black" panose="020B0A04020102020204" pitchFamily="34" charset="0"/>
+              </a:rPr>
+              <a:t>D</a:t>
+            </a:r>
+            <a:endParaRPr lang="ko-KR" altLang="en-US" sz="4400" dirty="0">
+              <a:latin typeface="Arial Black" panose="020B0A04020102020204" pitchFamily="34" charset="0"/>
+            </a:endParaRPr>
+          </a:p>
+        </p:txBody>
+      </p:sp>
+      <p:sp>
+        <p:nvSpPr>
+          <p:cNvPr id="6" name="타원 5">
+            <a:extLst>
+              <a:ext uri="{FF2B5EF4-FFF2-40B4-BE49-F238E27FC236}">
+                <a16:creationId xmlns:a16="http://schemas.microsoft.com/office/drawing/2014/main" id="{B1A6B465-B476-4E23-B3ED-F111AD2975CA}"/>
+              </a:ext>
+            </a:extLst>
+          </p:cNvPr>
+          <p:cNvSpPr/>
+          <p:nvPr/>
+        </p:nvSpPr>
+        <p:spPr>
+          <a:xfrm>
+            <a:off x="4385734" y="3429000"/>
+            <a:ext cx="931333" cy="931333"/>
+          </a:xfrm>
+          <a:prstGeom prst="ellipse">
+            <a:avLst/>
+          </a:prstGeom>
+        </p:spPr>
+        <p:style>
+          <a:lnRef idx="2">
+            <a:schemeClr val="dk1"/>
+          </a:lnRef>
+          <a:fillRef idx="1">
+            <a:schemeClr val="lt1"/>
+          </a:fillRef>
+          <a:effectRef idx="0">
+            <a:schemeClr val="dk1"/>
+          </a:effectRef>
+          <a:fontRef idx="minor">
+            <a:schemeClr val="dk1"/>
+          </a:fontRef>
+        </p:style>
+        <p:txBody>
+          <a:bodyPr rtlCol="0" anchor="ctr"/>
+          <a:lstStyle/>
+          <a:p>
+            <a:pPr algn="ctr"/>
+            <a:r>
+              <a:rPr lang="en-US" altLang="ko-KR" sz="4400" dirty="0">
+                <a:latin typeface="Arial Black" panose="020B0A04020102020204" pitchFamily="34" charset="0"/>
+              </a:rPr>
+              <a:t>E</a:t>
+            </a:r>
+            <a:endParaRPr lang="ko-KR" altLang="en-US" sz="4400" dirty="0">
+              <a:latin typeface="Arial Black" panose="020B0A04020102020204" pitchFamily="34" charset="0"/>
+            </a:endParaRPr>
+          </a:p>
+        </p:txBody>
+      </p:sp>
+      <p:sp>
+        <p:nvSpPr>
+          <p:cNvPr id="7" name="타원 6">
+            <a:extLst>
+              <a:ext uri="{FF2B5EF4-FFF2-40B4-BE49-F238E27FC236}">
+                <a16:creationId xmlns:a16="http://schemas.microsoft.com/office/drawing/2014/main" id="{E184D476-2611-43F4-BFC0-749C400FE47C}"/>
+              </a:ext>
+            </a:extLst>
+          </p:cNvPr>
+          <p:cNvSpPr/>
+          <p:nvPr/>
+        </p:nvSpPr>
+        <p:spPr>
+          <a:xfrm>
+            <a:off x="6096000" y="3429000"/>
+            <a:ext cx="931333" cy="931333"/>
+          </a:xfrm>
+          <a:prstGeom prst="ellipse">
+            <a:avLst/>
+          </a:prstGeom>
+        </p:spPr>
+        <p:style>
+          <a:lnRef idx="2">
+            <a:schemeClr val="dk1"/>
+          </a:lnRef>
+          <a:fillRef idx="1">
+            <a:schemeClr val="lt1"/>
+          </a:fillRef>
+          <a:effectRef idx="0">
+            <a:schemeClr val="dk1"/>
+          </a:effectRef>
+          <a:fontRef idx="minor">
+            <a:schemeClr val="dk1"/>
+          </a:fontRef>
+        </p:style>
+        <p:txBody>
+          <a:bodyPr rtlCol="0" anchor="ctr"/>
+          <a:lstStyle/>
+          <a:p>
+            <a:pPr algn="ctr"/>
+            <a:r>
+              <a:rPr lang="en-US" altLang="ko-KR" sz="4400" dirty="0">
+                <a:latin typeface="Arial Black" panose="020B0A04020102020204" pitchFamily="34" charset="0"/>
+              </a:rPr>
+              <a:t>F</a:t>
+            </a:r>
+            <a:endParaRPr lang="ko-KR" altLang="en-US" sz="4400" dirty="0">
+              <a:latin typeface="Arial Black" panose="020B0A04020102020204" pitchFamily="34" charset="0"/>
+            </a:endParaRPr>
+          </a:p>
+        </p:txBody>
+      </p:sp>
+      <p:sp>
+        <p:nvSpPr>
+          <p:cNvPr id="8" name="타원 7">
+            <a:extLst>
+              <a:ext uri="{FF2B5EF4-FFF2-40B4-BE49-F238E27FC236}">
+                <a16:creationId xmlns:a16="http://schemas.microsoft.com/office/drawing/2014/main" id="{1D13D8E3-6382-4AF9-8600-30B20C29847D}"/>
+              </a:ext>
+            </a:extLst>
+          </p:cNvPr>
+          <p:cNvSpPr/>
+          <p:nvPr/>
+        </p:nvSpPr>
+        <p:spPr>
+          <a:xfrm>
+            <a:off x="7865534" y="3302001"/>
+            <a:ext cx="931333" cy="931333"/>
+          </a:xfrm>
+          <a:prstGeom prst="ellipse">
+            <a:avLst/>
+          </a:prstGeom>
+        </p:spPr>
+        <p:style>
+          <a:lnRef idx="2">
+            <a:schemeClr val="dk1"/>
+          </a:lnRef>
+          <a:fillRef idx="1">
+            <a:schemeClr val="lt1"/>
+          </a:fillRef>
+          <a:effectRef idx="0">
+            <a:schemeClr val="dk1"/>
+          </a:effectRef>
+          <a:fontRef idx="minor">
+            <a:schemeClr val="dk1"/>
+          </a:fontRef>
+        </p:style>
+        <p:txBody>
+          <a:bodyPr rtlCol="0" anchor="ctr"/>
+          <a:lstStyle/>
+          <a:p>
+            <a:pPr algn="ctr"/>
+            <a:r>
+              <a:rPr lang="en-US" altLang="ko-KR" sz="4400" dirty="0">
+                <a:latin typeface="Arial Black" panose="020B0A04020102020204" pitchFamily="34" charset="0"/>
+              </a:rPr>
+              <a:t>G</a:t>
+            </a:r>
+            <a:endParaRPr lang="ko-KR" altLang="en-US" sz="4400" dirty="0">
+              <a:latin typeface="Arial Black" panose="020B0A04020102020204" pitchFamily="34" charset="0"/>
+            </a:endParaRPr>
+          </a:p>
+        </p:txBody>
+      </p:sp>
+      <p:cxnSp>
+        <p:nvCxnSpPr>
+          <p:cNvPr id="9" name="직선 연결선 8">
+            <a:extLst>
+              <a:ext uri="{FF2B5EF4-FFF2-40B4-BE49-F238E27FC236}">
+                <a16:creationId xmlns:a16="http://schemas.microsoft.com/office/drawing/2014/main" id="{4FAD46E2-3BDC-4BCE-A290-A74A7A10354D}"/>
+              </a:ext>
+            </a:extLst>
+          </p:cNvPr>
+          <p:cNvCxnSpPr>
+            <a:stCxn id="2" idx="3"/>
+            <a:endCxn id="3" idx="7"/>
+          </p:cNvCxnSpPr>
+          <p:nvPr/>
+        </p:nvCxnSpPr>
+        <p:spPr>
+          <a:xfrm flipH="1">
+            <a:off x="4249343" y="1709343"/>
+            <a:ext cx="882382" cy="459049"/>
+          </a:xfrm>
+          <a:prstGeom prst="line">
+            <a:avLst/>
+          </a:prstGeom>
+        </p:spPr>
+        <p:style>
+          <a:lnRef idx="1">
+            <a:schemeClr val="accent1"/>
+          </a:lnRef>
+          <a:fillRef idx="0">
+            <a:schemeClr val="accent1"/>
+          </a:fillRef>
+          <a:effectRef idx="0">
+            <a:schemeClr val="accent1"/>
+          </a:effectRef>
+          <a:fontRef idx="minor">
+            <a:schemeClr val="tx1"/>
+          </a:fontRef>
+        </p:style>
+      </p:cxnSp>
+      <p:cxnSp>
+        <p:nvCxnSpPr>
+          <p:cNvPr id="10" name="직선 연결선 9">
+            <a:extLst>
+              <a:ext uri="{FF2B5EF4-FFF2-40B4-BE49-F238E27FC236}">
+                <a16:creationId xmlns:a16="http://schemas.microsoft.com/office/drawing/2014/main" id="{1AD80CC9-BEF9-49EA-ACAB-B431FFC2CB02}"/>
+              </a:ext>
+            </a:extLst>
+          </p:cNvPr>
+          <p:cNvCxnSpPr>
+            <a:stCxn id="2" idx="5"/>
+            <a:endCxn id="4" idx="1"/>
+          </p:cNvCxnSpPr>
+          <p:nvPr/>
+        </p:nvCxnSpPr>
+        <p:spPr>
+          <a:xfrm>
+            <a:off x="5790276" y="1709343"/>
+            <a:ext cx="1068648" cy="459049"/>
+          </a:xfrm>
+          <a:prstGeom prst="line">
+            <a:avLst/>
+          </a:prstGeom>
+        </p:spPr>
+        <p:style>
+          <a:lnRef idx="1">
+            <a:schemeClr val="accent1"/>
+          </a:lnRef>
+          <a:fillRef idx="0">
+            <a:schemeClr val="accent1"/>
+          </a:fillRef>
+          <a:effectRef idx="0">
+            <a:schemeClr val="accent1"/>
+          </a:effectRef>
+          <a:fontRef idx="minor">
+            <a:schemeClr val="tx1"/>
+          </a:fontRef>
+        </p:style>
+      </p:cxnSp>
+      <p:cxnSp>
+        <p:nvCxnSpPr>
+          <p:cNvPr id="11" name="직선 연결선 10">
+            <a:extLst>
+              <a:ext uri="{FF2B5EF4-FFF2-40B4-BE49-F238E27FC236}">
+                <a16:creationId xmlns:a16="http://schemas.microsoft.com/office/drawing/2014/main" id="{8CCAFE88-5675-43B2-9F39-1A1BB196B605}"/>
+              </a:ext>
+            </a:extLst>
+          </p:cNvPr>
+          <p:cNvCxnSpPr>
+            <a:stCxn id="3" idx="3"/>
+            <a:endCxn id="5" idx="0"/>
+          </p:cNvCxnSpPr>
+          <p:nvPr/>
+        </p:nvCxnSpPr>
+        <p:spPr>
+          <a:xfrm flipH="1">
+            <a:off x="2929469" y="2826943"/>
+            <a:ext cx="661323" cy="602057"/>
+          </a:xfrm>
+          <a:prstGeom prst="line">
+            <a:avLst/>
+          </a:prstGeom>
+        </p:spPr>
+        <p:style>
+          <a:lnRef idx="1">
+            <a:schemeClr val="accent1"/>
+          </a:lnRef>
+          <a:fillRef idx="0">
+            <a:schemeClr val="accent1"/>
+          </a:fillRef>
+          <a:effectRef idx="0">
+            <a:schemeClr val="accent1"/>
+          </a:effectRef>
+          <a:fontRef idx="minor">
+            <a:schemeClr val="tx1"/>
+          </a:fontRef>
+        </p:style>
+      </p:cxnSp>
+      <p:cxnSp>
+        <p:nvCxnSpPr>
+          <p:cNvPr id="12" name="직선 연결선 11">
+            <a:extLst>
+              <a:ext uri="{FF2B5EF4-FFF2-40B4-BE49-F238E27FC236}">
+                <a16:creationId xmlns:a16="http://schemas.microsoft.com/office/drawing/2014/main" id="{735A85A9-241B-4A13-B01F-3B3B9CBABB93}"/>
+              </a:ext>
+            </a:extLst>
+          </p:cNvPr>
+          <p:cNvCxnSpPr>
+            <a:stCxn id="3" idx="5"/>
+            <a:endCxn id="6" idx="0"/>
+          </p:cNvCxnSpPr>
+          <p:nvPr/>
+        </p:nvCxnSpPr>
+        <p:spPr>
+          <a:xfrm>
+            <a:off x="4249343" y="2826943"/>
+            <a:ext cx="602058" cy="602057"/>
+          </a:xfrm>
+          <a:prstGeom prst="line">
+            <a:avLst/>
+          </a:prstGeom>
+        </p:spPr>
+        <p:style>
+          <a:lnRef idx="1">
+            <a:schemeClr val="accent1"/>
+          </a:lnRef>
+          <a:fillRef idx="0">
+            <a:schemeClr val="accent1"/>
+          </a:fillRef>
+          <a:effectRef idx="0">
+            <a:schemeClr val="accent1"/>
+          </a:effectRef>
+          <a:fontRef idx="minor">
+            <a:schemeClr val="tx1"/>
+          </a:fontRef>
+        </p:style>
+      </p:cxnSp>
+      <p:cxnSp>
+        <p:nvCxnSpPr>
+          <p:cNvPr id="13" name="직선 연결선 12">
+            <a:extLst>
+              <a:ext uri="{FF2B5EF4-FFF2-40B4-BE49-F238E27FC236}">
+                <a16:creationId xmlns:a16="http://schemas.microsoft.com/office/drawing/2014/main" id="{40D057E5-334A-4D5A-83B1-EFA050B30404}"/>
+              </a:ext>
+            </a:extLst>
+          </p:cNvPr>
+          <p:cNvCxnSpPr>
+            <a:stCxn id="4" idx="3"/>
+            <a:endCxn id="7" idx="0"/>
+          </p:cNvCxnSpPr>
+          <p:nvPr/>
+        </p:nvCxnSpPr>
+        <p:spPr>
+          <a:xfrm flipH="1">
+            <a:off x="6561667" y="2826943"/>
+            <a:ext cx="297257" cy="602057"/>
+          </a:xfrm>
+          <a:prstGeom prst="line">
+            <a:avLst/>
+          </a:prstGeom>
+        </p:spPr>
+        <p:style>
+          <a:lnRef idx="1">
+            <a:schemeClr val="accent1"/>
+          </a:lnRef>
+          <a:fillRef idx="0">
+            <a:schemeClr val="accent1"/>
+          </a:fillRef>
+          <a:effectRef idx="0">
+            <a:schemeClr val="accent1"/>
+          </a:effectRef>
+          <a:fontRef idx="minor">
+            <a:schemeClr val="tx1"/>
+          </a:fontRef>
+        </p:style>
+      </p:cxnSp>
+      <p:cxnSp>
+        <p:nvCxnSpPr>
+          <p:cNvPr id="14" name="직선 연결선 13">
+            <a:extLst>
+              <a:ext uri="{FF2B5EF4-FFF2-40B4-BE49-F238E27FC236}">
+                <a16:creationId xmlns:a16="http://schemas.microsoft.com/office/drawing/2014/main" id="{8A5114C7-C38E-4EEA-B35C-B0C4994FD0F1}"/>
+              </a:ext>
+            </a:extLst>
+          </p:cNvPr>
+          <p:cNvCxnSpPr>
+            <a:stCxn id="4" idx="5"/>
+            <a:endCxn id="8" idx="1"/>
+          </p:cNvCxnSpPr>
+          <p:nvPr/>
+        </p:nvCxnSpPr>
+        <p:spPr>
+          <a:xfrm>
+            <a:off x="7517475" y="2826943"/>
+            <a:ext cx="484450" cy="611449"/>
+          </a:xfrm>
+          <a:prstGeom prst="line">
+            <a:avLst/>
+          </a:prstGeom>
+        </p:spPr>
+        <p:style>
+          <a:lnRef idx="1">
+            <a:schemeClr val="accent1"/>
+          </a:lnRef>
+          <a:fillRef idx="0">
+            <a:schemeClr val="accent1"/>
+          </a:fillRef>
+          <a:effectRef idx="0">
+            <a:schemeClr val="accent1"/>
+          </a:effectRef>
+          <a:fontRef idx="minor">
+            <a:schemeClr val="tx1"/>
+          </a:fontRef>
+        </p:style>
+      </p:cxnSp>
+      <p:sp>
+        <p:nvSpPr>
+          <p:cNvPr id="15" name="TextBox 14">
+            <a:extLst>
+              <a:ext uri="{FF2B5EF4-FFF2-40B4-BE49-F238E27FC236}">
+                <a16:creationId xmlns:a16="http://schemas.microsoft.com/office/drawing/2014/main" id="{D6312EEA-6887-4873-987A-31D130AE693F}"/>
+              </a:ext>
+            </a:extLst>
+          </p:cNvPr>
+          <p:cNvSpPr txBox="1"/>
+          <p:nvPr/>
+        </p:nvSpPr>
+        <p:spPr>
+          <a:xfrm>
+            <a:off x="896543" y="4997272"/>
+            <a:ext cx="9787466" cy="646331"/>
+          </a:xfrm>
+          <a:prstGeom prst="rect">
+            <a:avLst/>
+          </a:prstGeom>
+          <a:noFill/>
+        </p:spPr>
+        <p:txBody>
+          <a:bodyPr wrap="square" rtlCol="0">
+            <a:spAutoFit/>
+          </a:bodyPr>
+          <a:lstStyle/>
+          <a:p>
+            <a:pPr algn="ctr"/>
+            <a:r>
+              <a:rPr lang="en-US" altLang="ko-KR" sz="3600" dirty="0"/>
+              <a:t>A -&gt; B -&gt; C -&gt; D -&gt; E -&gt; F -&gt; G</a:t>
+            </a:r>
+            <a:endParaRPr lang="ko-KR" altLang="en-US" sz="3600" dirty="0"/>
+          </a:p>
+        </p:txBody>
+      </p:sp>
+    </p:spTree>
+    <p:extLst>
+      <p:ext uri="{BB962C8B-B14F-4D97-AF65-F5344CB8AC3E}">
+        <p14:creationId xmlns:p14="http://schemas.microsoft.com/office/powerpoint/2010/main" val="4170184731"/>
+      </p:ext>
+    </p:extLst>
+  </p:cSld>
+  <p:clrMapOvr>
+    <a:masterClrMapping/>
+  </p:clrMapOvr>
+</p:sld>
+</file>
+
+<file path=ppt/slides/slide19.xml><?xml version="1.0" encoding="utf-8"?>
+<p:sld xmlns:a="http://schemas.openxmlformats.org/drawingml/2006/main" xmlns:r="http://schemas.openxmlformats.org/officeDocument/2006/relationships" xmlns:p="http://schemas.openxmlformats.org/presentationml/2006/main">
+  <p:cSld>
+    <p:spTree>
+      <p:nvGrpSpPr>
+        <p:cNvPr id="1" name=""/>
+        <p:cNvGrpSpPr/>
+        <p:nvPr/>
+      </p:nvGrpSpPr>
+      <p:grpSpPr>
+        <a:xfrm>
+          <a:off x="0" y="0"/>
+          <a:ext cx="0" cy="0"/>
+          <a:chOff x="0" y="0"/>
+          <a:chExt cx="0" cy="0"/>
+        </a:xfrm>
+      </p:grpSpPr>
+    </p:spTree>
+    <p:extLst>
+      <p:ext uri="{BB962C8B-B14F-4D97-AF65-F5344CB8AC3E}">
+        <p14:creationId xmlns:p14="http://schemas.microsoft.com/office/powerpoint/2010/main" val="2267234510"/>
       </p:ext>
     </p:extLst>
   </p:cSld>
@@ -10336,6 +14444,96 @@
     <p:extLst>
       <p:ext uri="{BB962C8B-B14F-4D97-AF65-F5344CB8AC3E}">
         <p14:creationId xmlns:p14="http://schemas.microsoft.com/office/powerpoint/2010/main" val="1621128170"/>
+      </p:ext>
+    </p:extLst>
+  </p:cSld>
+  <p:clrMapOvr>
+    <a:masterClrMapping/>
+  </p:clrMapOvr>
+</p:sld>
+</file>
+
+<file path=ppt/slides/slide20.xml><?xml version="1.0" encoding="utf-8"?>
+<p:sld xmlns:a="http://schemas.openxmlformats.org/drawingml/2006/main" xmlns:r="http://schemas.openxmlformats.org/officeDocument/2006/relationships" xmlns:p="http://schemas.openxmlformats.org/presentationml/2006/main">
+  <p:cSld>
+    <p:spTree>
+      <p:nvGrpSpPr>
+        <p:cNvPr id="1" name=""/>
+        <p:cNvGrpSpPr/>
+        <p:nvPr/>
+      </p:nvGrpSpPr>
+      <p:grpSpPr>
+        <a:xfrm>
+          <a:off x="0" y="0"/>
+          <a:ext cx="0" cy="0"/>
+          <a:chOff x="0" y="0"/>
+          <a:chExt cx="0" cy="0"/>
+        </a:xfrm>
+      </p:grpSpPr>
+    </p:spTree>
+    <p:extLst>
+      <p:ext uri="{BB962C8B-B14F-4D97-AF65-F5344CB8AC3E}">
+        <p14:creationId xmlns:p14="http://schemas.microsoft.com/office/powerpoint/2010/main" val="2065991276"/>
+      </p:ext>
+    </p:extLst>
+  </p:cSld>
+  <p:clrMapOvr>
+    <a:masterClrMapping/>
+  </p:clrMapOvr>
+</p:sld>
+</file>
+
+<file path=ppt/slides/slide21.xml><?xml version="1.0" encoding="utf-8"?>
+<p:sld xmlns:a="http://schemas.openxmlformats.org/drawingml/2006/main" xmlns:r="http://schemas.openxmlformats.org/officeDocument/2006/relationships" xmlns:p="http://schemas.openxmlformats.org/presentationml/2006/main">
+  <p:cSld>
+    <p:spTree>
+      <p:nvGrpSpPr>
+        <p:cNvPr id="1" name=""/>
+        <p:cNvGrpSpPr/>
+        <p:nvPr/>
+      </p:nvGrpSpPr>
+      <p:grpSpPr>
+        <a:xfrm>
+          <a:off x="0" y="0"/>
+          <a:ext cx="0" cy="0"/>
+          <a:chOff x="0" y="0"/>
+          <a:chExt cx="0" cy="0"/>
+        </a:xfrm>
+      </p:grpSpPr>
+    </p:spTree>
+    <p:extLst>
+      <p:ext uri="{BB962C8B-B14F-4D97-AF65-F5344CB8AC3E}">
+        <p14:creationId xmlns:p14="http://schemas.microsoft.com/office/powerpoint/2010/main" val="491492223"/>
+      </p:ext>
+    </p:extLst>
+  </p:cSld>
+  <p:clrMapOvr>
+    <a:masterClrMapping/>
+  </p:clrMapOvr>
+</p:sld>
+</file>
+
+<file path=ppt/slides/slide22.xml><?xml version="1.0" encoding="utf-8"?>
+<p:sld xmlns:a="http://schemas.openxmlformats.org/drawingml/2006/main" xmlns:r="http://schemas.openxmlformats.org/officeDocument/2006/relationships" xmlns:p="http://schemas.openxmlformats.org/presentationml/2006/main">
+  <p:cSld>
+    <p:spTree>
+      <p:nvGrpSpPr>
+        <p:cNvPr id="1" name=""/>
+        <p:cNvGrpSpPr/>
+        <p:nvPr/>
+      </p:nvGrpSpPr>
+      <p:grpSpPr>
+        <a:xfrm>
+          <a:off x="0" y="0"/>
+          <a:ext cx="0" cy="0"/>
+          <a:chOff x="0" y="0"/>
+          <a:chExt cx="0" cy="0"/>
+        </a:xfrm>
+      </p:grpSpPr>
+    </p:spTree>
+    <p:extLst>
+      <p:ext uri="{BB962C8B-B14F-4D97-AF65-F5344CB8AC3E}">
+        <p14:creationId xmlns:p14="http://schemas.microsoft.com/office/powerpoint/2010/main" val="2623699491"/>
       </p:ext>
     </p:extLst>
   </p:cSld>
